--- a/utils/img/VAS_Paradigm_Visuals.pptx
+++ b/utils/img/VAS_Paradigm_Visuals.pptx
@@ -5,24 +5,27 @@
     <p:sldMasterId id="2147483648" r:id="rId1"/>
   </p:sldMasterIdLst>
   <p:sldIdLst>
-    <p:sldId id="259" r:id="rId2"/>
-    <p:sldId id="276" r:id="rId3"/>
-    <p:sldId id="271" r:id="rId4"/>
-    <p:sldId id="256" r:id="rId5"/>
-    <p:sldId id="269" r:id="rId6"/>
-    <p:sldId id="270" r:id="rId7"/>
-    <p:sldId id="257" r:id="rId8"/>
-    <p:sldId id="274" r:id="rId9"/>
-    <p:sldId id="275" r:id="rId10"/>
-    <p:sldId id="261" r:id="rId11"/>
-    <p:sldId id="260" r:id="rId12"/>
-    <p:sldId id="277" r:id="rId13"/>
-    <p:sldId id="272" r:id="rId14"/>
-    <p:sldId id="264" r:id="rId15"/>
-    <p:sldId id="266" r:id="rId16"/>
-    <p:sldId id="267" r:id="rId17"/>
-    <p:sldId id="268" r:id="rId18"/>
-    <p:sldId id="262" r:id="rId19"/>
+    <p:sldId id="280" r:id="rId2"/>
+    <p:sldId id="259" r:id="rId3"/>
+    <p:sldId id="276" r:id="rId4"/>
+    <p:sldId id="271" r:id="rId5"/>
+    <p:sldId id="256" r:id="rId6"/>
+    <p:sldId id="269" r:id="rId7"/>
+    <p:sldId id="270" r:id="rId8"/>
+    <p:sldId id="257" r:id="rId9"/>
+    <p:sldId id="274" r:id="rId10"/>
+    <p:sldId id="275" r:id="rId11"/>
+    <p:sldId id="261" r:id="rId12"/>
+    <p:sldId id="260" r:id="rId13"/>
+    <p:sldId id="277" r:id="rId14"/>
+    <p:sldId id="272" r:id="rId15"/>
+    <p:sldId id="264" r:id="rId16"/>
+    <p:sldId id="266" r:id="rId17"/>
+    <p:sldId id="267" r:id="rId18"/>
+    <p:sldId id="268" r:id="rId19"/>
+    <p:sldId id="278" r:id="rId20"/>
+    <p:sldId id="279" r:id="rId21"/>
+    <p:sldId id="262" r:id="rId22"/>
   </p:sldIdLst>
   <p:sldSz cx="12192000" cy="6858000"/>
   <p:notesSz cx="6858000" cy="9144000"/>
@@ -260,7 +263,7 @@
           <a:p>
             <a:fld id="{3BA2540B-A018-47B7-9347-A0387F60CB1C}" type="datetimeFigureOut">
               <a:rPr lang="de-DE" smtClean="0"/>
-              <a:t>22.02.2022</a:t>
+              <a:t>16.05.2022</a:t>
             </a:fld>
             <a:endParaRPr lang="de-DE"/>
           </a:p>
@@ -430,7 +433,7 @@
           <a:p>
             <a:fld id="{3BA2540B-A018-47B7-9347-A0387F60CB1C}" type="datetimeFigureOut">
               <a:rPr lang="de-DE" smtClean="0"/>
-              <a:t>22.02.2022</a:t>
+              <a:t>16.05.2022</a:t>
             </a:fld>
             <a:endParaRPr lang="de-DE"/>
           </a:p>
@@ -610,7 +613,7 @@
           <a:p>
             <a:fld id="{3BA2540B-A018-47B7-9347-A0387F60CB1C}" type="datetimeFigureOut">
               <a:rPr lang="de-DE" smtClean="0"/>
-              <a:t>22.02.2022</a:t>
+              <a:t>16.05.2022</a:t>
             </a:fld>
             <a:endParaRPr lang="de-DE"/>
           </a:p>
@@ -780,7 +783,7 @@
           <a:p>
             <a:fld id="{3BA2540B-A018-47B7-9347-A0387F60CB1C}" type="datetimeFigureOut">
               <a:rPr lang="de-DE" smtClean="0"/>
-              <a:t>22.02.2022</a:t>
+              <a:t>16.05.2022</a:t>
             </a:fld>
             <a:endParaRPr lang="de-DE"/>
           </a:p>
@@ -1026,7 +1029,7 @@
           <a:p>
             <a:fld id="{3BA2540B-A018-47B7-9347-A0387F60CB1C}" type="datetimeFigureOut">
               <a:rPr lang="de-DE" smtClean="0"/>
-              <a:t>22.02.2022</a:t>
+              <a:t>16.05.2022</a:t>
             </a:fld>
             <a:endParaRPr lang="de-DE"/>
           </a:p>
@@ -1258,7 +1261,7 @@
           <a:p>
             <a:fld id="{3BA2540B-A018-47B7-9347-A0387F60CB1C}" type="datetimeFigureOut">
               <a:rPr lang="de-DE" smtClean="0"/>
-              <a:t>22.02.2022</a:t>
+              <a:t>16.05.2022</a:t>
             </a:fld>
             <a:endParaRPr lang="de-DE"/>
           </a:p>
@@ -1625,7 +1628,7 @@
           <a:p>
             <a:fld id="{3BA2540B-A018-47B7-9347-A0387F60CB1C}" type="datetimeFigureOut">
               <a:rPr lang="de-DE" smtClean="0"/>
-              <a:t>22.02.2022</a:t>
+              <a:t>16.05.2022</a:t>
             </a:fld>
             <a:endParaRPr lang="de-DE"/>
           </a:p>
@@ -1743,7 +1746,7 @@
           <a:p>
             <a:fld id="{3BA2540B-A018-47B7-9347-A0387F60CB1C}" type="datetimeFigureOut">
               <a:rPr lang="de-DE" smtClean="0"/>
-              <a:t>22.02.2022</a:t>
+              <a:t>16.05.2022</a:t>
             </a:fld>
             <a:endParaRPr lang="de-DE"/>
           </a:p>
@@ -1838,7 +1841,7 @@
           <a:p>
             <a:fld id="{3BA2540B-A018-47B7-9347-A0387F60CB1C}" type="datetimeFigureOut">
               <a:rPr lang="de-DE" smtClean="0"/>
-              <a:t>22.02.2022</a:t>
+              <a:t>16.05.2022</a:t>
             </a:fld>
             <a:endParaRPr lang="de-DE"/>
           </a:p>
@@ -2115,7 +2118,7 @@
           <a:p>
             <a:fld id="{3BA2540B-A018-47B7-9347-A0387F60CB1C}" type="datetimeFigureOut">
               <a:rPr lang="de-DE" smtClean="0"/>
-              <a:t>22.02.2022</a:t>
+              <a:t>16.05.2022</a:t>
             </a:fld>
             <a:endParaRPr lang="de-DE"/>
           </a:p>
@@ -2368,7 +2371,7 @@
           <a:p>
             <a:fld id="{3BA2540B-A018-47B7-9347-A0387F60CB1C}" type="datetimeFigureOut">
               <a:rPr lang="de-DE" smtClean="0"/>
-              <a:t>22.02.2022</a:t>
+              <a:t>16.05.2022</a:t>
             </a:fld>
             <a:endParaRPr lang="de-DE"/>
           </a:p>
@@ -2581,7 +2584,7 @@
           <a:p>
             <a:fld id="{3BA2540B-A018-47B7-9347-A0387F60CB1C}" type="datetimeFigureOut">
               <a:rPr lang="de-DE" smtClean="0"/>
-              <a:t>22.02.2022</a:t>
+              <a:t>16.05.2022</a:t>
             </a:fld>
             <a:endParaRPr lang="de-DE"/>
           </a:p>
@@ -2972,6 +2975,14 @@
 <file path=ppt/slides/slide1.xml><?xml version="1.0" encoding="utf-8"?>
 <p:sld xmlns:a="http://schemas.openxmlformats.org/drawingml/2006/main" xmlns:r="http://schemas.openxmlformats.org/officeDocument/2006/relationships" xmlns:p="http://schemas.openxmlformats.org/presentationml/2006/main">
   <p:cSld>
+    <p:bg>
+      <p:bgPr>
+        <a:solidFill>
+          <a:srgbClr val="464646"/>
+        </a:solidFill>
+        <a:effectLst/>
+      </p:bgPr>
+    </p:bg>
     <p:spTree>
       <p:nvGrpSpPr>
         <p:cNvPr id="1" name=""/>
@@ -2988,13 +2999,13 @@
       </p:grpSpPr>
       <p:sp>
         <p:nvSpPr>
-          <p:cNvPr id="3" name="Rechteck 2"/>
+          <p:cNvPr id="6" name="Rechteck 5"/>
           <p:cNvSpPr/>
           <p:nvPr/>
         </p:nvSpPr>
         <p:spPr>
           <a:xfrm>
-            <a:off x="1489933" y="503695"/>
+            <a:off x="1489933" y="639395"/>
             <a:ext cx="9212135" cy="5579211"/>
           </a:xfrm>
           <a:prstGeom prst="rect">
@@ -3034,56 +3045,53 @@
           </a:p>
         </p:txBody>
       </p:sp>
-      <p:pic>
-        <p:nvPicPr>
-          <p:cNvPr id="4" name="Grafik 3"/>
-          <p:cNvPicPr>
-            <a:picLocks noChangeAspect="1"/>
-          </p:cNvPicPr>
+      <p:sp>
+        <p:nvSpPr>
+          <p:cNvPr id="12" name="Textfeld 11"/>
+          <p:cNvSpPr txBox="1"/>
           <p:nvPr/>
-        </p:nvPicPr>
-        <p:blipFill rotWithShape="1">
-          <a:blip r:embed="rId2"/>
-          <a:srcRect l="10805" t="50756" r="51123" b="36210"/>
-          <a:stretch/>
-        </p:blipFill>
+        </p:nvSpPr>
         <p:spPr>
           <a:xfrm>
-            <a:off x="1690172" y="4972881"/>
-            <a:ext cx="8849524" cy="1110025"/>
+            <a:off x="2031838" y="3134464"/>
+            <a:ext cx="8128323" cy="589072"/>
           </a:xfrm>
           <a:prstGeom prst="rect">
             <a:avLst/>
           </a:prstGeom>
+          <a:noFill/>
         </p:spPr>
-      </p:pic>
-      <p:pic>
-        <p:nvPicPr>
-          <p:cNvPr id="5" name="Grafik 4"/>
-          <p:cNvPicPr>
-            <a:picLocks noChangeAspect="1"/>
-          </p:cNvPicPr>
-          <p:nvPr/>
-        </p:nvPicPr>
-        <p:blipFill rotWithShape="1">
-          <a:blip r:embed="rId3"/>
-          <a:srcRect l="11313" t="31352" r="52839" b="38811"/>
-          <a:stretch/>
-        </p:blipFill>
-        <p:spPr>
-          <a:xfrm>
-            <a:off x="2722776" y="1805552"/>
-            <a:ext cx="6366980" cy="1941703"/>
-          </a:xfrm>
-          <a:prstGeom prst="rect">
-            <a:avLst/>
-          </a:prstGeom>
-        </p:spPr>
-      </p:pic>
+        <p:txBody>
+          <a:bodyPr wrap="square" rtlCol="0">
+            <a:spAutoFit/>
+          </a:bodyPr>
+          <a:lstStyle/>
+          <a:p>
+            <a:pPr algn="ctr">
+              <a:lnSpc>
+                <a:spcPct val="150000"/>
+              </a:lnSpc>
+            </a:pPr>
+            <a:r>
+              <a:rPr lang="de-DE" sz="2400" dirty="0" smtClean="0">
+                <a:solidFill>
+                  <a:schemeClr val="bg1"/>
+                </a:solidFill>
+              </a:rPr>
+              <a:t>Gleich geht es weiter…</a:t>
+            </a:r>
+            <a:endParaRPr lang="de-DE" sz="2400" dirty="0">
+              <a:solidFill>
+                <a:schemeClr val="bg1"/>
+              </a:solidFill>
+            </a:endParaRPr>
+          </a:p>
+        </p:txBody>
+      </p:sp>
     </p:spTree>
     <p:extLst>
       <p:ext uri="{BB962C8B-B14F-4D97-AF65-F5344CB8AC3E}">
-        <p14:creationId xmlns:p14="http://schemas.microsoft.com/office/powerpoint/2010/main" val="4000954723"/>
+        <p14:creationId xmlns:p14="http://schemas.microsoft.com/office/powerpoint/2010/main" val="1702240226"/>
       </p:ext>
     </p:extLst>
   </p:cSld>
@@ -3101,6 +3109,721 @@
 </file>
 
 <file path=ppt/slides/slide10.xml><?xml version="1.0" encoding="utf-8"?>
+<p:sld xmlns:a="http://schemas.openxmlformats.org/drawingml/2006/main" xmlns:r="http://schemas.openxmlformats.org/officeDocument/2006/relationships" xmlns:p="http://schemas.openxmlformats.org/presentationml/2006/main">
+  <p:cSld>
+    <p:bg>
+      <p:bgPr>
+        <a:solidFill>
+          <a:srgbClr val="464646"/>
+        </a:solidFill>
+        <a:effectLst/>
+      </p:bgPr>
+    </p:bg>
+    <p:spTree>
+      <p:nvGrpSpPr>
+        <p:cNvPr id="1" name=""/>
+        <p:cNvGrpSpPr/>
+        <p:nvPr/>
+      </p:nvGrpSpPr>
+      <p:grpSpPr>
+        <a:xfrm>
+          <a:off x="0" y="0"/>
+          <a:ext cx="0" cy="0"/>
+          <a:chOff x="0" y="0"/>
+          <a:chExt cx="0" cy="0"/>
+        </a:xfrm>
+      </p:grpSpPr>
+      <p:sp>
+        <p:nvSpPr>
+          <p:cNvPr id="16" name="Rechteck 15"/>
+          <p:cNvSpPr/>
+          <p:nvPr/>
+        </p:nvSpPr>
+        <p:spPr>
+          <a:xfrm>
+            <a:off x="739011" y="15386"/>
+            <a:ext cx="10709329" cy="6842614"/>
+          </a:xfrm>
+          <a:prstGeom prst="rect">
+            <a:avLst/>
+          </a:prstGeom>
+          <a:solidFill>
+            <a:srgbClr val="464646"/>
+          </a:solidFill>
+          <a:ln>
+            <a:solidFill>
+              <a:srgbClr val="464646"/>
+            </a:solidFill>
+          </a:ln>
+        </p:spPr>
+        <p:style>
+          <a:lnRef idx="2">
+            <a:schemeClr val="accent1">
+              <a:shade val="50000"/>
+            </a:schemeClr>
+          </a:lnRef>
+          <a:fillRef idx="1">
+            <a:schemeClr val="accent1"/>
+          </a:fillRef>
+          <a:effectRef idx="0">
+            <a:schemeClr val="accent1"/>
+          </a:effectRef>
+          <a:fontRef idx="minor">
+            <a:schemeClr val="lt1"/>
+          </a:fontRef>
+        </p:style>
+        <p:txBody>
+          <a:bodyPr rtlCol="0" anchor="ctr"/>
+          <a:lstStyle/>
+          <a:p>
+            <a:pPr algn="ctr"/>
+            <a:endParaRPr lang="de-DE"/>
+          </a:p>
+        </p:txBody>
+      </p:sp>
+      <p:sp>
+        <p:nvSpPr>
+          <p:cNvPr id="31" name="Rechteck 30"/>
+          <p:cNvSpPr/>
+          <p:nvPr/>
+        </p:nvSpPr>
+        <p:spPr>
+          <a:xfrm>
+            <a:off x="1007390" y="844658"/>
+            <a:ext cx="9368725" cy="3905573"/>
+          </a:xfrm>
+          <a:prstGeom prst="rect">
+            <a:avLst/>
+          </a:prstGeom>
+          <a:solidFill>
+            <a:srgbClr val="464646"/>
+          </a:solidFill>
+          <a:ln>
+            <a:solidFill>
+              <a:srgbClr val="464646"/>
+            </a:solidFill>
+          </a:ln>
+        </p:spPr>
+        <p:style>
+          <a:lnRef idx="2">
+            <a:schemeClr val="accent1">
+              <a:shade val="50000"/>
+            </a:schemeClr>
+          </a:lnRef>
+          <a:fillRef idx="1">
+            <a:schemeClr val="accent1"/>
+          </a:fillRef>
+          <a:effectRef idx="0">
+            <a:schemeClr val="accent1"/>
+          </a:effectRef>
+          <a:fontRef idx="minor">
+            <a:schemeClr val="lt1"/>
+          </a:fontRef>
+        </p:style>
+        <p:txBody>
+          <a:bodyPr rtlCol="0" anchor="ctr"/>
+          <a:lstStyle/>
+          <a:p>
+            <a:pPr algn="ctr"/>
+            <a:endParaRPr lang="de-DE"/>
+          </a:p>
+        </p:txBody>
+      </p:sp>
+      <p:grpSp>
+        <p:nvGrpSpPr>
+          <p:cNvPr id="6" name="Gruppieren 5"/>
+          <p:cNvGrpSpPr/>
+          <p:nvPr/>
+        </p:nvGrpSpPr>
+        <p:grpSpPr>
+          <a:xfrm>
+            <a:off x="1468293" y="406694"/>
+            <a:ext cx="9419265" cy="5574791"/>
+            <a:chOff x="1464589" y="406694"/>
+            <a:chExt cx="9212135" cy="5676212"/>
+          </a:xfrm>
+        </p:grpSpPr>
+        <p:sp>
+          <p:nvSpPr>
+            <p:cNvPr id="13" name="Rechteck 12"/>
+            <p:cNvSpPr/>
+            <p:nvPr/>
+          </p:nvSpPr>
+          <p:spPr>
+            <a:xfrm>
+              <a:off x="1464589" y="503695"/>
+              <a:ext cx="9212135" cy="5579211"/>
+            </a:xfrm>
+            <a:prstGeom prst="rect">
+              <a:avLst/>
+            </a:prstGeom>
+            <a:solidFill>
+              <a:srgbClr val="464646"/>
+            </a:solidFill>
+            <a:ln>
+              <a:solidFill>
+                <a:srgbClr val="464646"/>
+              </a:solidFill>
+            </a:ln>
+          </p:spPr>
+          <p:style>
+            <a:lnRef idx="2">
+              <a:schemeClr val="accent1">
+                <a:shade val="50000"/>
+              </a:schemeClr>
+            </a:lnRef>
+            <a:fillRef idx="1">
+              <a:schemeClr val="accent1"/>
+            </a:fillRef>
+            <a:effectRef idx="0">
+              <a:schemeClr val="accent1"/>
+            </a:effectRef>
+            <a:fontRef idx="minor">
+              <a:schemeClr val="lt1"/>
+            </a:fontRef>
+          </p:style>
+          <p:txBody>
+            <a:bodyPr rtlCol="0" anchor="ctr"/>
+            <a:lstStyle/>
+            <a:p>
+              <a:pPr algn="ctr"/>
+              <a:endParaRPr lang="de-DE"/>
+            </a:p>
+          </p:txBody>
+        </p:sp>
+        <p:grpSp>
+          <p:nvGrpSpPr>
+            <p:cNvPr id="4" name="Gruppieren 3"/>
+            <p:cNvGrpSpPr/>
+            <p:nvPr/>
+          </p:nvGrpSpPr>
+          <p:grpSpPr>
+            <a:xfrm>
+              <a:off x="1692215" y="406694"/>
+              <a:ext cx="8575143" cy="5243155"/>
+              <a:chOff x="1692215" y="406694"/>
+              <a:chExt cx="8575143" cy="5243155"/>
+            </a:xfrm>
+          </p:grpSpPr>
+          <p:grpSp>
+            <p:nvGrpSpPr>
+              <p:cNvPr id="2" name="Gruppieren 1"/>
+              <p:cNvGrpSpPr/>
+              <p:nvPr/>
+            </p:nvGrpSpPr>
+            <p:grpSpPr>
+              <a:xfrm>
+                <a:off x="1692215" y="3188104"/>
+                <a:ext cx="8575143" cy="2461745"/>
+                <a:chOff x="1696796" y="2447303"/>
+                <a:chExt cx="8575143" cy="2461745"/>
+              </a:xfrm>
+            </p:grpSpPr>
+            <p:pic>
+              <p:nvPicPr>
+                <p:cNvPr id="25" name="Grafik 24"/>
+                <p:cNvPicPr>
+                  <a:picLocks noChangeAspect="1"/>
+                </p:cNvPicPr>
+                <p:nvPr/>
+              </p:nvPicPr>
+              <p:blipFill rotWithShape="1">
+                <a:blip r:embed="rId2"/>
+                <a:srcRect l="16208" t="46444" r="55636" b="39332"/>
+                <a:stretch/>
+              </p:blipFill>
+              <p:spPr>
+                <a:xfrm>
+                  <a:off x="1696796" y="3321774"/>
+                  <a:ext cx="8575143" cy="1587274"/>
+                </a:xfrm>
+                <a:prstGeom prst="rect">
+                  <a:avLst/>
+                </a:prstGeom>
+              </p:spPr>
+            </p:pic>
+            <p:cxnSp>
+              <p:nvCxnSpPr>
+                <p:cNvPr id="9" name="Gerade Verbindung mit Pfeil 8"/>
+                <p:cNvCxnSpPr/>
+                <p:nvPr/>
+              </p:nvCxnSpPr>
+              <p:spPr>
+                <a:xfrm flipH="1">
+                  <a:off x="2617374" y="2447303"/>
+                  <a:ext cx="3510915" cy="1049387"/>
+                </a:xfrm>
+                <a:prstGeom prst="straightConnector1">
+                  <a:avLst/>
+                </a:prstGeom>
+                <a:ln w="38100">
+                  <a:solidFill>
+                    <a:schemeClr val="bg1"/>
+                  </a:solidFill>
+                  <a:prstDash val="dash"/>
+                  <a:tailEnd type="triangle"/>
+                </a:ln>
+              </p:spPr>
+              <p:style>
+                <a:lnRef idx="1">
+                  <a:schemeClr val="accent1"/>
+                </a:lnRef>
+                <a:fillRef idx="0">
+                  <a:schemeClr val="accent1"/>
+                </a:fillRef>
+                <a:effectRef idx="0">
+                  <a:schemeClr val="accent1"/>
+                </a:effectRef>
+                <a:fontRef idx="minor">
+                  <a:schemeClr val="tx1"/>
+                </a:fontRef>
+              </p:style>
+            </p:cxnSp>
+          </p:grpSp>
+          <p:sp>
+            <p:nvSpPr>
+              <p:cNvPr id="10" name="Textfeld 9"/>
+              <p:cNvSpPr txBox="1"/>
+              <p:nvPr/>
+            </p:nvSpPr>
+            <p:spPr>
+              <a:xfrm>
+                <a:off x="2139035" y="406694"/>
+                <a:ext cx="8128323" cy="2914395"/>
+              </a:xfrm>
+              <a:prstGeom prst="rect">
+                <a:avLst/>
+              </a:prstGeom>
+              <a:noFill/>
+            </p:spPr>
+            <p:txBody>
+              <a:bodyPr wrap="square" rtlCol="0">
+                <a:spAutoFit/>
+              </a:bodyPr>
+              <a:lstStyle/>
+              <a:p>
+                <a:pPr algn="ctr">
+                  <a:lnSpc>
+                    <a:spcPct val="150000"/>
+                  </a:lnSpc>
+                </a:pPr>
+                <a:r>
+                  <a:rPr lang="de-DE" sz="2000" dirty="0" smtClean="0">
+                    <a:solidFill>
+                      <a:schemeClr val="bg1"/>
+                    </a:solidFill>
+                  </a:rPr>
+                  <a:t>Das bedeutet, wenn ein Druckreiz UNTERHALB Ihrer Schmerschwelle ist, positionieren Sie den Cursor ganz LINKS auf der Skala.</a:t>
+                </a:r>
+              </a:p>
+              <a:p>
+                <a:pPr algn="ctr">
+                  <a:lnSpc>
+                    <a:spcPct val="150000"/>
+                  </a:lnSpc>
+                </a:pPr>
+                <a:endParaRPr lang="de-DE" sz="2000" dirty="0">
+                  <a:solidFill>
+                    <a:schemeClr val="bg1"/>
+                  </a:solidFill>
+                </a:endParaRPr>
+              </a:p>
+              <a:p>
+                <a:pPr algn="ctr">
+                  <a:lnSpc>
+                    <a:spcPct val="150000"/>
+                  </a:lnSpc>
+                </a:pPr>
+                <a:endParaRPr lang="de-DE" sz="2000" dirty="0">
+                  <a:solidFill>
+                    <a:schemeClr val="bg1"/>
+                  </a:solidFill>
+                </a:endParaRPr>
+              </a:p>
+              <a:p>
+                <a:pPr algn="ctr">
+                  <a:lnSpc>
+                    <a:spcPct val="150000"/>
+                  </a:lnSpc>
+                </a:pPr>
+                <a:r>
+                  <a:rPr lang="de-DE" sz="2000" dirty="0" smtClean="0">
+                    <a:solidFill>
+                      <a:schemeClr val="bg1"/>
+                    </a:solidFill>
+                  </a:rPr>
+                  <a:t>Sobald ein Druckreiz </a:t>
+                </a:r>
+                <a:r>
+                  <a:rPr lang="de-DE" sz="2000" dirty="0" smtClean="0">
+                    <a:solidFill>
+                      <a:srgbClr val="FF0000"/>
+                    </a:solidFill>
+                  </a:rPr>
+                  <a:t>SCHMERZHAFT</a:t>
+                </a:r>
+                <a:r>
+                  <a:rPr lang="de-DE" sz="2000" dirty="0" smtClean="0">
+                    <a:solidFill>
+                      <a:schemeClr val="bg1"/>
+                    </a:solidFill>
+                  </a:rPr>
+                  <a:t> ist, nutzen Sie bitte die gesamte Skala aus, um den Schmerz einzuordnen.</a:t>
+                </a:r>
+              </a:p>
+            </p:txBody>
+          </p:sp>
+        </p:grpSp>
+      </p:grpSp>
+      <p:sp>
+        <p:nvSpPr>
+          <p:cNvPr id="12" name="Rechteck 11"/>
+          <p:cNvSpPr/>
+          <p:nvPr/>
+        </p:nvSpPr>
+        <p:spPr>
+          <a:xfrm>
+            <a:off x="2502976" y="4240519"/>
+            <a:ext cx="4463512" cy="271221"/>
+          </a:xfrm>
+          <a:prstGeom prst="rect">
+            <a:avLst/>
+          </a:prstGeom>
+          <a:solidFill>
+            <a:srgbClr val="FF0000"/>
+          </a:solidFill>
+          <a:ln>
+            <a:solidFill>
+              <a:srgbClr val="FF0000"/>
+            </a:solidFill>
+          </a:ln>
+        </p:spPr>
+        <p:style>
+          <a:lnRef idx="2">
+            <a:schemeClr val="accent1">
+              <a:shade val="50000"/>
+            </a:schemeClr>
+          </a:lnRef>
+          <a:fillRef idx="1">
+            <a:schemeClr val="accent1"/>
+          </a:fillRef>
+          <a:effectRef idx="0">
+            <a:schemeClr val="accent1"/>
+          </a:effectRef>
+          <a:fontRef idx="minor">
+            <a:schemeClr val="lt1"/>
+          </a:fontRef>
+        </p:style>
+        <p:txBody>
+          <a:bodyPr rtlCol="0" anchor="ctr"/>
+          <a:lstStyle/>
+          <a:p>
+            <a:pPr algn="ctr"/>
+            <a:endParaRPr lang="de-DE"/>
+          </a:p>
+        </p:txBody>
+      </p:sp>
+      <p:pic>
+        <p:nvPicPr>
+          <p:cNvPr id="15" name="Grafik 14"/>
+          <p:cNvPicPr>
+            <a:picLocks noChangeAspect="1"/>
+          </p:cNvPicPr>
+          <p:nvPr/>
+        </p:nvPicPr>
+        <p:blipFill rotWithShape="1">
+          <a:blip r:embed="rId3"/>
+          <a:srcRect l="10805" t="50756" r="51123" b="36210"/>
+          <a:stretch/>
+        </p:blipFill>
+        <p:spPr>
+          <a:xfrm>
+            <a:off x="1668914" y="5747975"/>
+            <a:ext cx="8849524" cy="1110025"/>
+          </a:xfrm>
+          <a:prstGeom prst="rect">
+            <a:avLst/>
+          </a:prstGeom>
+        </p:spPr>
+      </p:pic>
+      <p:sp>
+        <p:nvSpPr>
+          <p:cNvPr id="17" name="Textfeld 16"/>
+          <p:cNvSpPr txBox="1"/>
+          <p:nvPr/>
+        </p:nvSpPr>
+        <p:spPr>
+          <a:xfrm>
+            <a:off x="7858760" y="4557620"/>
+            <a:ext cx="2978258" cy="830997"/>
+          </a:xfrm>
+          <a:prstGeom prst="rect">
+            <a:avLst/>
+          </a:prstGeom>
+          <a:solidFill>
+            <a:srgbClr val="464646"/>
+          </a:solidFill>
+        </p:spPr>
+        <p:txBody>
+          <a:bodyPr wrap="square" rtlCol="0">
+            <a:spAutoFit/>
+          </a:bodyPr>
+          <a:lstStyle/>
+          <a:p>
+            <a:pPr algn="ctr"/>
+            <a:r>
+              <a:rPr lang="de-DE" sz="2400" dirty="0">
+                <a:solidFill>
+                  <a:schemeClr val="bg1"/>
+                </a:solidFill>
+              </a:rPr>
+              <a:t>k</a:t>
+            </a:r>
+            <a:r>
+              <a:rPr lang="de-DE" sz="2400" dirty="0" smtClean="0">
+                <a:solidFill>
+                  <a:schemeClr val="bg1"/>
+                </a:solidFill>
+              </a:rPr>
+              <a:t>aum aushaltbarer</a:t>
+            </a:r>
+          </a:p>
+          <a:p>
+            <a:pPr algn="ctr"/>
+            <a:r>
+              <a:rPr lang="de-DE" sz="2400" dirty="0" smtClean="0">
+                <a:solidFill>
+                  <a:schemeClr val="bg1"/>
+                </a:solidFill>
+              </a:rPr>
+              <a:t>Schmerz</a:t>
+            </a:r>
+            <a:endParaRPr lang="de-DE" sz="2400" dirty="0">
+              <a:solidFill>
+                <a:schemeClr val="bg1"/>
+              </a:solidFill>
+            </a:endParaRPr>
+          </a:p>
+        </p:txBody>
+      </p:sp>
+      <p:cxnSp>
+        <p:nvCxnSpPr>
+          <p:cNvPr id="18" name="Gerade Verbindung mit Pfeil 17"/>
+          <p:cNvCxnSpPr/>
+          <p:nvPr/>
+        </p:nvCxnSpPr>
+        <p:spPr>
+          <a:xfrm>
+            <a:off x="6375469" y="3151932"/>
+            <a:ext cx="2652294" cy="946356"/>
+          </a:xfrm>
+          <a:prstGeom prst="straightConnector1">
+            <a:avLst/>
+          </a:prstGeom>
+          <a:ln w="38100">
+            <a:solidFill>
+              <a:schemeClr val="bg1"/>
+            </a:solidFill>
+            <a:prstDash val="dash"/>
+            <a:tailEnd type="triangle"/>
+          </a:ln>
+        </p:spPr>
+        <p:style>
+          <a:lnRef idx="1">
+            <a:schemeClr val="accent1"/>
+          </a:lnRef>
+          <a:fillRef idx="0">
+            <a:schemeClr val="accent1"/>
+          </a:fillRef>
+          <a:effectRef idx="0">
+            <a:schemeClr val="accent1"/>
+          </a:effectRef>
+          <a:fontRef idx="minor">
+            <a:schemeClr val="tx1"/>
+          </a:fontRef>
+        </p:style>
+      </p:cxnSp>
+      <p:sp>
+        <p:nvSpPr>
+          <p:cNvPr id="14" name="Rechteck 13"/>
+          <p:cNvSpPr/>
+          <p:nvPr/>
+        </p:nvSpPr>
+        <p:spPr>
+          <a:xfrm>
+            <a:off x="4060556" y="4169044"/>
+            <a:ext cx="61993" cy="388576"/>
+          </a:xfrm>
+          <a:prstGeom prst="rect">
+            <a:avLst/>
+          </a:prstGeom>
+          <a:solidFill>
+            <a:schemeClr val="bg1"/>
+          </a:solidFill>
+          <a:ln w="9525">
+            <a:solidFill>
+              <a:schemeClr val="bg2">
+                <a:lumMod val="25000"/>
+              </a:schemeClr>
+            </a:solidFill>
+          </a:ln>
+        </p:spPr>
+        <p:style>
+          <a:lnRef idx="2">
+            <a:schemeClr val="accent1">
+              <a:shade val="50000"/>
+            </a:schemeClr>
+          </a:lnRef>
+          <a:fillRef idx="1">
+            <a:schemeClr val="accent1"/>
+          </a:fillRef>
+          <a:effectRef idx="0">
+            <a:schemeClr val="accent1"/>
+          </a:effectRef>
+          <a:fontRef idx="minor">
+            <a:schemeClr val="lt1"/>
+          </a:fontRef>
+        </p:style>
+        <p:txBody>
+          <a:bodyPr rtlCol="0" anchor="ctr"/>
+          <a:lstStyle/>
+          <a:p>
+            <a:pPr algn="ctr"/>
+            <a:endParaRPr lang="de-DE"/>
+          </a:p>
+        </p:txBody>
+      </p:sp>
+      <p:sp>
+        <p:nvSpPr>
+          <p:cNvPr id="22" name="Rechteck 21"/>
+          <p:cNvSpPr/>
+          <p:nvPr/>
+        </p:nvSpPr>
+        <p:spPr>
+          <a:xfrm>
+            <a:off x="5715525" y="4169044"/>
+            <a:ext cx="61993" cy="388576"/>
+          </a:xfrm>
+          <a:prstGeom prst="rect">
+            <a:avLst/>
+          </a:prstGeom>
+          <a:solidFill>
+            <a:schemeClr val="bg1"/>
+          </a:solidFill>
+          <a:ln w="9525">
+            <a:solidFill>
+              <a:schemeClr val="bg2">
+                <a:lumMod val="25000"/>
+              </a:schemeClr>
+            </a:solidFill>
+          </a:ln>
+        </p:spPr>
+        <p:style>
+          <a:lnRef idx="2">
+            <a:schemeClr val="accent1">
+              <a:shade val="50000"/>
+            </a:schemeClr>
+          </a:lnRef>
+          <a:fillRef idx="1">
+            <a:schemeClr val="accent1"/>
+          </a:fillRef>
+          <a:effectRef idx="0">
+            <a:schemeClr val="accent1"/>
+          </a:effectRef>
+          <a:fontRef idx="minor">
+            <a:schemeClr val="lt1"/>
+          </a:fontRef>
+        </p:style>
+        <p:txBody>
+          <a:bodyPr rtlCol="0" anchor="ctr"/>
+          <a:lstStyle/>
+          <a:p>
+            <a:pPr algn="ctr"/>
+            <a:endParaRPr lang="de-DE"/>
+          </a:p>
+        </p:txBody>
+      </p:sp>
+      <p:sp>
+        <p:nvSpPr>
+          <p:cNvPr id="23" name="Textfeld 22"/>
+          <p:cNvSpPr txBox="1"/>
+          <p:nvPr/>
+        </p:nvSpPr>
+        <p:spPr>
+          <a:xfrm>
+            <a:off x="1766806" y="4565908"/>
+            <a:ext cx="1970547" cy="830997"/>
+          </a:xfrm>
+          <a:prstGeom prst="rect">
+            <a:avLst/>
+          </a:prstGeom>
+          <a:solidFill>
+            <a:srgbClr val="464646"/>
+          </a:solidFill>
+        </p:spPr>
+        <p:txBody>
+          <a:bodyPr wrap="square" rtlCol="0">
+            <a:spAutoFit/>
+          </a:bodyPr>
+          <a:lstStyle/>
+          <a:p>
+            <a:pPr algn="ctr"/>
+            <a:r>
+              <a:rPr lang="de-DE" sz="2400" dirty="0">
+                <a:solidFill>
+                  <a:schemeClr val="bg1"/>
+                </a:solidFill>
+              </a:rPr>
+              <a:t>m</a:t>
+            </a:r>
+            <a:r>
+              <a:rPr lang="de-DE" sz="2400" dirty="0" smtClean="0">
+                <a:solidFill>
+                  <a:schemeClr val="bg1"/>
+                </a:solidFill>
+              </a:rPr>
+              <a:t>inimaler</a:t>
+            </a:r>
+          </a:p>
+          <a:p>
+            <a:pPr algn="ctr"/>
+            <a:r>
+              <a:rPr lang="de-DE" sz="2400" dirty="0" smtClean="0">
+                <a:solidFill>
+                  <a:schemeClr val="bg1"/>
+                </a:solidFill>
+              </a:rPr>
+              <a:t>Schmerz</a:t>
+            </a:r>
+            <a:endParaRPr lang="de-DE" sz="2400" dirty="0">
+              <a:solidFill>
+                <a:schemeClr val="bg1"/>
+              </a:solidFill>
+            </a:endParaRPr>
+          </a:p>
+        </p:txBody>
+      </p:sp>
+    </p:spTree>
+    <p:extLst>
+      <p:ext uri="{BB962C8B-B14F-4D97-AF65-F5344CB8AC3E}">
+        <p14:creationId xmlns:p14="http://schemas.microsoft.com/office/powerpoint/2010/main" val="3942618918"/>
+      </p:ext>
+    </p:extLst>
+  </p:cSld>
+  <p:clrMapOvr>
+    <a:masterClrMapping/>
+  </p:clrMapOvr>
+  <p:timing>
+    <p:tnLst>
+      <p:par>
+        <p:cTn id="1" dur="indefinite" restart="never" nodeType="tmRoot"/>
+      </p:par>
+    </p:tnLst>
+  </p:timing>
+</p:sld>
+</file>
+
+<file path=ppt/slides/slide11.xml><?xml version="1.0" encoding="utf-8"?>
 <p:sld xmlns:a="http://schemas.openxmlformats.org/drawingml/2006/main" xmlns:r="http://schemas.openxmlformats.org/officeDocument/2006/relationships" xmlns:p="http://schemas.openxmlformats.org/presentationml/2006/main">
   <p:cSld>
     <p:spTree>
@@ -3172,7 +3895,7 @@
 </p:sld>
 </file>
 
-<file path=ppt/slides/slide11.xml><?xml version="1.0" encoding="utf-8"?>
+<file path=ppt/slides/slide12.xml><?xml version="1.0" encoding="utf-8"?>
 <p:sld xmlns:a="http://schemas.openxmlformats.org/drawingml/2006/main" xmlns:r="http://schemas.openxmlformats.org/officeDocument/2006/relationships" xmlns:p="http://schemas.openxmlformats.org/presentationml/2006/main">
   <p:cSld>
     <p:bg>
@@ -3303,12 +4026,12 @@
               <a:t>Sie werden in </a:t>
             </a:r>
             <a:r>
-              <a:rPr lang="de-DE" sz="2000" dirty="0" smtClean="0">
+              <a:rPr lang="de-DE" sz="2000" dirty="0">
                 <a:solidFill>
                   <a:schemeClr val="bg1"/>
                 </a:solidFill>
               </a:rPr>
-              <a:t>6 </a:t>
+              <a:t>4</a:t>
             </a:r>
             <a:r>
               <a:rPr lang="de-DE" sz="2000" dirty="0" smtClean="0">
@@ -3316,7 +4039,31 @@
                   <a:schemeClr val="bg1"/>
                 </a:solidFill>
               </a:rPr>
-              <a:t>Blöcken von 5 Minuten Fahrrad fahren.</a:t>
+              <a:t> </a:t>
+            </a:r>
+            <a:r>
+              <a:rPr lang="de-DE" sz="2000" dirty="0" smtClean="0">
+                <a:solidFill>
+                  <a:schemeClr val="bg1"/>
+                </a:solidFill>
+              </a:rPr>
+              <a:t>Blöcken von </a:t>
+            </a:r>
+            <a:r>
+              <a:rPr lang="de-DE" sz="2000" dirty="0" smtClean="0">
+                <a:solidFill>
+                  <a:schemeClr val="bg1"/>
+                </a:solidFill>
+              </a:rPr>
+              <a:t>10 </a:t>
+            </a:r>
+            <a:r>
+              <a:rPr lang="de-DE" sz="2000" dirty="0" smtClean="0">
+                <a:solidFill>
+                  <a:schemeClr val="bg1"/>
+                </a:solidFill>
+              </a:rPr>
+              <a:t>Minuten Fahrrad fahren.</a:t>
             </a:r>
           </a:p>
           <a:p>
@@ -3818,15 +4565,7 @@
                     <a:schemeClr val="bg1"/>
                   </a:solidFill>
                 </a:rPr>
-                <a:t>Block </a:t>
-              </a:r>
-              <a:r>
-                <a:rPr lang="de-DE" dirty="0" smtClean="0">
-                  <a:solidFill>
-                    <a:schemeClr val="bg1"/>
-                  </a:solidFill>
-                </a:rPr>
-                <a:t>6</a:t>
+                <a:t>Block 6</a:t>
               </a:r>
               <a:endParaRPr lang="de-DE" dirty="0">
                 <a:solidFill>
@@ -6280,15 +7019,7 @@
                           <a:schemeClr val="bg1"/>
                         </a:solidFill>
                       </a:rPr>
-                      <a:t>Block </a:t>
-                    </a:r>
-                    <a:r>
-                      <a:rPr lang="de-DE" dirty="0" smtClean="0">
-                        <a:solidFill>
-                          <a:schemeClr val="bg1"/>
-                        </a:solidFill>
-                      </a:rPr>
-                      <a:t>2</a:t>
+                      <a:t>Block 2</a:t>
                     </a:r>
                     <a:endParaRPr lang="de-DE" dirty="0">
                       <a:solidFill>
@@ -6326,15 +7057,7 @@
                           <a:schemeClr val="bg1"/>
                         </a:solidFill>
                       </a:rPr>
-                      <a:t>Block </a:t>
-                    </a:r>
-                    <a:r>
-                      <a:rPr lang="de-DE" dirty="0" smtClean="0">
-                        <a:solidFill>
-                          <a:schemeClr val="bg1"/>
-                        </a:solidFill>
-                      </a:rPr>
-                      <a:t>3</a:t>
+                      <a:t>Block 3</a:t>
                     </a:r>
                     <a:endParaRPr lang="de-DE" dirty="0">
                       <a:solidFill>
@@ -6372,15 +7095,7 @@
                           <a:schemeClr val="bg1"/>
                         </a:solidFill>
                       </a:rPr>
-                      <a:t>Block </a:t>
-                    </a:r>
-                    <a:r>
-                      <a:rPr lang="de-DE" dirty="0" smtClean="0">
-                        <a:solidFill>
-                          <a:schemeClr val="bg1"/>
-                        </a:solidFill>
-                      </a:rPr>
-                      <a:t>4</a:t>
+                      <a:t>Block 4</a:t>
                     </a:r>
                     <a:endParaRPr lang="de-DE" dirty="0">
                       <a:solidFill>
@@ -6418,15 +7133,7 @@
                           <a:schemeClr val="bg1"/>
                         </a:solidFill>
                       </a:rPr>
-                      <a:t>Block </a:t>
-                    </a:r>
-                    <a:r>
-                      <a:rPr lang="de-DE" dirty="0" smtClean="0">
-                        <a:solidFill>
-                          <a:schemeClr val="bg1"/>
-                        </a:solidFill>
-                      </a:rPr>
-                      <a:t>5</a:t>
+                      <a:t>Block 5</a:t>
                     </a:r>
                     <a:endParaRPr lang="de-DE" dirty="0">
                       <a:solidFill>
@@ -7105,7 +7812,7 @@
 </p:sld>
 </file>
 
-<file path=ppt/slides/slide12.xml><?xml version="1.0" encoding="utf-8"?>
+<file path=ppt/slides/slide13.xml><?xml version="1.0" encoding="utf-8"?>
 <p:sld xmlns:a="http://schemas.openxmlformats.org/drawingml/2006/main" xmlns:r="http://schemas.openxmlformats.org/officeDocument/2006/relationships" xmlns:p="http://schemas.openxmlformats.org/presentationml/2006/main">
   <p:cSld>
     <p:bg>
@@ -7235,11 +7942,6 @@
               </a:rPr>
               <a:t>Die Intensität des Fahrradfahrens ist entweder hoch oder niedrig (zufällig). Vor jedem Block wird Ihnen angezeigt, bei welcher Intensität Sie fahren sollen.</a:t>
             </a:r>
-            <a:endParaRPr lang="de-DE" sz="2000" dirty="0">
-              <a:solidFill>
-                <a:schemeClr val="bg1"/>
-              </a:solidFill>
-            </a:endParaRPr>
           </a:p>
         </p:txBody>
       </p:sp>
@@ -7720,15 +8422,7 @@
                     <a:schemeClr val="bg1"/>
                   </a:solidFill>
                 </a:rPr>
-                <a:t>Block </a:t>
-              </a:r>
-              <a:r>
-                <a:rPr lang="de-DE" dirty="0" smtClean="0">
-                  <a:solidFill>
-                    <a:schemeClr val="bg1"/>
-                  </a:solidFill>
-                </a:rPr>
-                <a:t>6</a:t>
+                <a:t>Block 6</a:t>
               </a:r>
               <a:endParaRPr lang="de-DE" dirty="0">
                 <a:solidFill>
@@ -10182,15 +10876,7 @@
                           <a:schemeClr val="bg1"/>
                         </a:solidFill>
                       </a:rPr>
-                      <a:t>Block </a:t>
-                    </a:r>
-                    <a:r>
-                      <a:rPr lang="de-DE" dirty="0" smtClean="0">
-                        <a:solidFill>
-                          <a:schemeClr val="bg1"/>
-                        </a:solidFill>
-                      </a:rPr>
-                      <a:t>2</a:t>
+                      <a:t>Block 2</a:t>
                     </a:r>
                     <a:endParaRPr lang="de-DE" dirty="0">
                       <a:solidFill>
@@ -10228,15 +10914,7 @@
                           <a:schemeClr val="bg1"/>
                         </a:solidFill>
                       </a:rPr>
-                      <a:t>Block </a:t>
-                    </a:r>
-                    <a:r>
-                      <a:rPr lang="de-DE" dirty="0" smtClean="0">
-                        <a:solidFill>
-                          <a:schemeClr val="bg1"/>
-                        </a:solidFill>
-                      </a:rPr>
-                      <a:t>3</a:t>
+                      <a:t>Block 3</a:t>
                     </a:r>
                     <a:endParaRPr lang="de-DE" dirty="0">
                       <a:solidFill>
@@ -10274,15 +10952,7 @@
                           <a:schemeClr val="bg1"/>
                         </a:solidFill>
                       </a:rPr>
-                      <a:t>Block </a:t>
-                    </a:r>
-                    <a:r>
-                      <a:rPr lang="de-DE" dirty="0" smtClean="0">
-                        <a:solidFill>
-                          <a:schemeClr val="bg1"/>
-                        </a:solidFill>
-                      </a:rPr>
-                      <a:t>4</a:t>
+                      <a:t>Block 4</a:t>
                     </a:r>
                     <a:endParaRPr lang="de-DE" dirty="0">
                       <a:solidFill>
@@ -10320,15 +10990,7 @@
                           <a:schemeClr val="bg1"/>
                         </a:solidFill>
                       </a:rPr>
-                      <a:t>Block </a:t>
-                    </a:r>
-                    <a:r>
-                      <a:rPr lang="de-DE" dirty="0" smtClean="0">
-                        <a:solidFill>
-                          <a:schemeClr val="bg1"/>
-                        </a:solidFill>
-                      </a:rPr>
-                      <a:t>5</a:t>
+                      <a:t>Block 5</a:t>
                     </a:r>
                     <a:endParaRPr lang="de-DE" dirty="0">
                       <a:solidFill>
@@ -11057,7 +11719,7 @@
 </p:sld>
 </file>
 
-<file path=ppt/slides/slide13.xml><?xml version="1.0" encoding="utf-8"?>
+<file path=ppt/slides/slide14.xml><?xml version="1.0" encoding="utf-8"?>
 <p:sld xmlns:a="http://schemas.openxmlformats.org/drawingml/2006/main" xmlns:r="http://schemas.openxmlformats.org/officeDocument/2006/relationships" xmlns:p="http://schemas.openxmlformats.org/presentationml/2006/main">
   <p:cSld>
     <p:bg>
@@ -13831,7 +14493,7 @@
 </p:sld>
 </file>
 
-<file path=ppt/slides/slide14.xml><?xml version="1.0" encoding="utf-8"?>
+<file path=ppt/slides/slide15.xml><?xml version="1.0" encoding="utf-8"?>
 <p:sld xmlns:a="http://schemas.openxmlformats.org/drawingml/2006/main" xmlns:r="http://schemas.openxmlformats.org/officeDocument/2006/relationships" xmlns:p="http://schemas.openxmlformats.org/presentationml/2006/main">
   <p:cSld>
     <p:bg>
@@ -16740,7 +17402,7 @@
 </p:sld>
 </file>
 
-<file path=ppt/slides/slide15.xml><?xml version="1.0" encoding="utf-8"?>
+<file path=ppt/slides/slide16.xml><?xml version="1.0" encoding="utf-8"?>
 <p:sld xmlns:a="http://schemas.openxmlformats.org/drawingml/2006/main" xmlns:r="http://schemas.openxmlformats.org/officeDocument/2006/relationships" xmlns:p="http://schemas.openxmlformats.org/presentationml/2006/main">
   <p:cSld>
     <p:bg>
@@ -19566,7 +20228,7 @@
 </p:sld>
 </file>
 
-<file path=ppt/slides/slide16.xml><?xml version="1.0" encoding="utf-8"?>
+<file path=ppt/slides/slide17.xml><?xml version="1.0" encoding="utf-8"?>
 <p:sld xmlns:a="http://schemas.openxmlformats.org/drawingml/2006/main" xmlns:r="http://schemas.openxmlformats.org/officeDocument/2006/relationships" xmlns:p="http://schemas.openxmlformats.org/presentationml/2006/main">
   <p:cSld>
     <p:bg>
@@ -22392,7 +23054,7 @@
 </p:sld>
 </file>
 
-<file path=ppt/slides/slide17.xml><?xml version="1.0" encoding="utf-8"?>
+<file path=ppt/slides/slide18.xml><?xml version="1.0" encoding="utf-8"?>
 <p:sld xmlns:a="http://schemas.openxmlformats.org/drawingml/2006/main" xmlns:r="http://schemas.openxmlformats.org/officeDocument/2006/relationships" xmlns:p="http://schemas.openxmlformats.org/presentationml/2006/main">
   <p:cSld>
     <p:bg>
@@ -25218,7 +25880,5493 @@
 </p:sld>
 </file>
 
-<file path=ppt/slides/slide18.xml><?xml version="1.0" encoding="utf-8"?>
+<file path=ppt/slides/slide19.xml><?xml version="1.0" encoding="utf-8"?>
+<p:sld xmlns:a="http://schemas.openxmlformats.org/drawingml/2006/main" xmlns:r="http://schemas.openxmlformats.org/officeDocument/2006/relationships" xmlns:p="http://schemas.openxmlformats.org/presentationml/2006/main">
+  <p:cSld>
+    <p:bg>
+      <p:bgPr>
+        <a:solidFill>
+          <a:srgbClr val="464646"/>
+        </a:solidFill>
+        <a:effectLst/>
+      </p:bgPr>
+    </p:bg>
+    <p:spTree>
+      <p:nvGrpSpPr>
+        <p:cNvPr id="1" name=""/>
+        <p:cNvGrpSpPr/>
+        <p:nvPr/>
+      </p:nvGrpSpPr>
+      <p:grpSpPr>
+        <a:xfrm>
+          <a:off x="0" y="0"/>
+          <a:ext cx="0" cy="0"/>
+          <a:chOff x="0" y="0"/>
+          <a:chExt cx="0" cy="0"/>
+        </a:xfrm>
+      </p:grpSpPr>
+      <p:sp>
+        <p:nvSpPr>
+          <p:cNvPr id="324" name="Rechteck 323"/>
+          <p:cNvSpPr/>
+          <p:nvPr/>
+        </p:nvSpPr>
+        <p:spPr>
+          <a:xfrm>
+            <a:off x="0" y="379708"/>
+            <a:ext cx="12344399" cy="6478291"/>
+          </a:xfrm>
+          <a:prstGeom prst="rect">
+            <a:avLst/>
+          </a:prstGeom>
+          <a:solidFill>
+            <a:srgbClr val="464646"/>
+          </a:solidFill>
+          <a:ln>
+            <a:solidFill>
+              <a:srgbClr val="464646"/>
+            </a:solidFill>
+          </a:ln>
+        </p:spPr>
+        <p:style>
+          <a:lnRef idx="2">
+            <a:schemeClr val="accent1">
+              <a:shade val="50000"/>
+            </a:schemeClr>
+          </a:lnRef>
+          <a:fillRef idx="1">
+            <a:schemeClr val="accent1"/>
+          </a:fillRef>
+          <a:effectRef idx="0">
+            <a:schemeClr val="accent1"/>
+          </a:effectRef>
+          <a:fontRef idx="minor">
+            <a:schemeClr val="lt1"/>
+          </a:fontRef>
+        </p:style>
+        <p:txBody>
+          <a:bodyPr rtlCol="0" anchor="ctr"/>
+          <a:lstStyle/>
+          <a:p>
+            <a:pPr algn="ctr"/>
+            <a:endParaRPr lang="de-DE"/>
+          </a:p>
+        </p:txBody>
+      </p:sp>
+      <p:pic>
+        <p:nvPicPr>
+          <p:cNvPr id="74" name="Grafik 73"/>
+          <p:cNvPicPr>
+            <a:picLocks noChangeAspect="1"/>
+          </p:cNvPicPr>
+          <p:nvPr/>
+        </p:nvPicPr>
+        <p:blipFill rotWithShape="1">
+          <a:blip r:embed="rId2"/>
+          <a:srcRect l="10805" t="50756" r="51123" b="36210"/>
+          <a:stretch/>
+        </p:blipFill>
+        <p:spPr>
+          <a:xfrm>
+            <a:off x="1690172" y="4972881"/>
+            <a:ext cx="8849524" cy="1110025"/>
+          </a:xfrm>
+          <a:prstGeom prst="rect">
+            <a:avLst/>
+          </a:prstGeom>
+        </p:spPr>
+      </p:pic>
+      <p:sp>
+        <p:nvSpPr>
+          <p:cNvPr id="76" name="Rechteck 75"/>
+          <p:cNvSpPr/>
+          <p:nvPr/>
+        </p:nvSpPr>
+        <p:spPr>
+          <a:xfrm>
+            <a:off x="835572" y="796720"/>
+            <a:ext cx="11175124" cy="1015663"/>
+          </a:xfrm>
+          <a:prstGeom prst="rect">
+            <a:avLst/>
+          </a:prstGeom>
+        </p:spPr>
+        <p:txBody>
+          <a:bodyPr wrap="square">
+            <a:spAutoFit/>
+          </a:bodyPr>
+          <a:lstStyle/>
+          <a:p>
+            <a:pPr algn="ctr">
+              <a:lnSpc>
+                <a:spcPct val="150000"/>
+              </a:lnSpc>
+            </a:pPr>
+            <a:r>
+              <a:rPr lang="de-DE" sz="2000" dirty="0" smtClean="0">
+                <a:solidFill>
+                  <a:schemeClr val="bg1"/>
+                </a:solidFill>
+              </a:rPr>
+              <a:t>Sie werden in </a:t>
+            </a:r>
+            <a:r>
+              <a:rPr lang="de-DE" sz="2000" dirty="0">
+                <a:solidFill>
+                  <a:schemeClr val="bg1"/>
+                </a:solidFill>
+              </a:rPr>
+              <a:t>4</a:t>
+            </a:r>
+            <a:r>
+              <a:rPr lang="de-DE" sz="2000" dirty="0" smtClean="0">
+                <a:solidFill>
+                  <a:schemeClr val="bg1"/>
+                </a:solidFill>
+              </a:rPr>
+              <a:t> </a:t>
+            </a:r>
+            <a:r>
+              <a:rPr lang="de-DE" sz="2000" dirty="0" smtClean="0">
+                <a:solidFill>
+                  <a:schemeClr val="bg1"/>
+                </a:solidFill>
+              </a:rPr>
+              <a:t>Blöcken von </a:t>
+            </a:r>
+            <a:r>
+              <a:rPr lang="de-DE" sz="2000" dirty="0" smtClean="0">
+                <a:solidFill>
+                  <a:schemeClr val="bg1"/>
+                </a:solidFill>
+              </a:rPr>
+              <a:t>10 </a:t>
+            </a:r>
+            <a:r>
+              <a:rPr lang="de-DE" sz="2000" dirty="0" smtClean="0">
+                <a:solidFill>
+                  <a:schemeClr val="bg1"/>
+                </a:solidFill>
+              </a:rPr>
+              <a:t>Minuten Fahrrad fahren.</a:t>
+            </a:r>
+          </a:p>
+          <a:p>
+            <a:pPr algn="ctr">
+              <a:lnSpc>
+                <a:spcPct val="150000"/>
+              </a:lnSpc>
+            </a:pPr>
+            <a:r>
+              <a:rPr lang="de-DE" sz="2000" dirty="0" smtClean="0">
+                <a:solidFill>
+                  <a:schemeClr val="bg1"/>
+                </a:solidFill>
+              </a:rPr>
+              <a:t>Anschließend bekommen Sie die kalibrierten </a:t>
+            </a:r>
+            <a:r>
+              <a:rPr lang="de-DE" sz="2000" dirty="0" smtClean="0">
+                <a:solidFill>
+                  <a:schemeClr val="bg1"/>
+                </a:solidFill>
+              </a:rPr>
+              <a:t>Reize abwechselnd </a:t>
+            </a:r>
+            <a:r>
+              <a:rPr lang="de-DE" sz="2000" dirty="0" smtClean="0">
+                <a:solidFill>
+                  <a:schemeClr val="bg1"/>
+                </a:solidFill>
+              </a:rPr>
+              <a:t>über die </a:t>
+            </a:r>
+            <a:r>
+              <a:rPr lang="de-DE" sz="2000" dirty="0" smtClean="0">
+                <a:solidFill>
+                  <a:schemeClr val="bg1"/>
+                </a:solidFill>
+              </a:rPr>
+              <a:t>Manschette und </a:t>
+            </a:r>
+            <a:r>
+              <a:rPr lang="de-DE" sz="2000" dirty="0" err="1" smtClean="0">
+                <a:solidFill>
+                  <a:schemeClr val="bg1"/>
+                </a:solidFill>
+              </a:rPr>
+              <a:t>Thermode</a:t>
+            </a:r>
+            <a:r>
+              <a:rPr lang="de-DE" sz="2000" dirty="0" smtClean="0">
+                <a:solidFill>
+                  <a:schemeClr val="bg1"/>
+                </a:solidFill>
+              </a:rPr>
+              <a:t>. </a:t>
+            </a:r>
+            <a:endParaRPr lang="de-DE" sz="2000" dirty="0">
+              <a:solidFill>
+                <a:schemeClr val="bg1"/>
+              </a:solidFill>
+            </a:endParaRPr>
+          </a:p>
+        </p:txBody>
+      </p:sp>
+      <p:grpSp>
+        <p:nvGrpSpPr>
+          <p:cNvPr id="6" name="Gruppieren 5"/>
+          <p:cNvGrpSpPr/>
+          <p:nvPr/>
+        </p:nvGrpSpPr>
+        <p:grpSpPr>
+          <a:xfrm>
+            <a:off x="2402130" y="1973959"/>
+            <a:ext cx="7425607" cy="3024992"/>
+            <a:chOff x="208589" y="1926859"/>
+            <a:chExt cx="7425607" cy="3024992"/>
+          </a:xfrm>
+        </p:grpSpPr>
+        <p:grpSp>
+          <p:nvGrpSpPr>
+            <p:cNvPr id="144" name="Gruppieren 143"/>
+            <p:cNvGrpSpPr/>
+            <p:nvPr/>
+          </p:nvGrpSpPr>
+          <p:grpSpPr>
+            <a:xfrm>
+              <a:off x="208589" y="1948851"/>
+              <a:ext cx="7425607" cy="3003000"/>
+              <a:chOff x="208589" y="1948851"/>
+              <a:chExt cx="7425607" cy="3003000"/>
+            </a:xfrm>
+          </p:grpSpPr>
+          <p:grpSp>
+            <p:nvGrpSpPr>
+              <p:cNvPr id="71" name="Gruppieren 70"/>
+              <p:cNvGrpSpPr/>
+              <p:nvPr/>
+            </p:nvGrpSpPr>
+            <p:grpSpPr>
+              <a:xfrm>
+                <a:off x="208589" y="2486283"/>
+                <a:ext cx="7425607" cy="2465568"/>
+                <a:chOff x="208589" y="2486283"/>
+                <a:chExt cx="7425607" cy="2465568"/>
+              </a:xfrm>
+            </p:grpSpPr>
+            <p:sp>
+              <p:nvSpPr>
+                <p:cNvPr id="13" name="Rechteck 12"/>
+                <p:cNvSpPr/>
+                <p:nvPr/>
+              </p:nvSpPr>
+              <p:spPr>
+                <a:xfrm>
+                  <a:off x="5650935" y="3216436"/>
+                  <a:ext cx="464820" cy="1323813"/>
+                </a:xfrm>
+                <a:prstGeom prst="rect">
+                  <a:avLst/>
+                </a:prstGeom>
+                <a:solidFill>
+                  <a:srgbClr val="FF0000"/>
+                </a:solidFill>
+                <a:ln w="57150">
+                  <a:solidFill>
+                    <a:srgbClr val="FF0000"/>
+                  </a:solidFill>
+                </a:ln>
+              </p:spPr>
+              <p:style>
+                <a:lnRef idx="2">
+                  <a:schemeClr val="accent1">
+                    <a:shade val="50000"/>
+                  </a:schemeClr>
+                </a:lnRef>
+                <a:fillRef idx="1">
+                  <a:schemeClr val="accent1"/>
+                </a:fillRef>
+                <a:effectRef idx="0">
+                  <a:schemeClr val="accent1"/>
+                </a:effectRef>
+                <a:fontRef idx="minor">
+                  <a:schemeClr val="lt1"/>
+                </a:fontRef>
+              </p:style>
+              <p:txBody>
+                <a:bodyPr rtlCol="0" anchor="ctr"/>
+                <a:lstStyle/>
+                <a:p>
+                  <a:pPr algn="ctr"/>
+                  <a:endParaRPr lang="de-DE"/>
+                </a:p>
+              </p:txBody>
+            </p:sp>
+            <p:sp>
+              <p:nvSpPr>
+                <p:cNvPr id="8" name="Rechteck 7"/>
+                <p:cNvSpPr/>
+                <p:nvPr/>
+              </p:nvSpPr>
+              <p:spPr>
+                <a:xfrm>
+                  <a:off x="3563855" y="3216436"/>
+                  <a:ext cx="464820" cy="1323813"/>
+                </a:xfrm>
+                <a:prstGeom prst="rect">
+                  <a:avLst/>
+                </a:prstGeom>
+                <a:solidFill>
+                  <a:srgbClr val="FF0000"/>
+                </a:solidFill>
+                <a:ln w="57150">
+                  <a:solidFill>
+                    <a:srgbClr val="FF0000"/>
+                  </a:solidFill>
+                </a:ln>
+              </p:spPr>
+              <p:style>
+                <a:lnRef idx="2">
+                  <a:schemeClr val="accent1">
+                    <a:shade val="50000"/>
+                  </a:schemeClr>
+                </a:lnRef>
+                <a:fillRef idx="1">
+                  <a:schemeClr val="accent1"/>
+                </a:fillRef>
+                <a:effectRef idx="0">
+                  <a:schemeClr val="accent1"/>
+                </a:effectRef>
+                <a:fontRef idx="minor">
+                  <a:schemeClr val="lt1"/>
+                </a:fontRef>
+              </p:style>
+              <p:txBody>
+                <a:bodyPr rtlCol="0" anchor="ctr"/>
+                <a:lstStyle/>
+                <a:p>
+                  <a:pPr algn="ctr"/>
+                  <a:endParaRPr lang="de-DE"/>
+                </a:p>
+              </p:txBody>
+            </p:sp>
+            <p:cxnSp>
+              <p:nvCxnSpPr>
+                <p:cNvPr id="4" name="Gerader Verbinder 3"/>
+                <p:cNvCxnSpPr/>
+                <p:nvPr/>
+              </p:nvCxnSpPr>
+              <p:spPr>
+                <a:xfrm>
+                  <a:off x="208589" y="4545793"/>
+                  <a:ext cx="7425607" cy="2072"/>
+                </a:xfrm>
+                <a:prstGeom prst="line">
+                  <a:avLst/>
+                </a:prstGeom>
+                <a:ln w="57150">
+                  <a:solidFill>
+                    <a:schemeClr val="bg1"/>
+                  </a:solidFill>
+                </a:ln>
+              </p:spPr>
+              <p:style>
+                <a:lnRef idx="1">
+                  <a:schemeClr val="accent1"/>
+                </a:lnRef>
+                <a:fillRef idx="0">
+                  <a:schemeClr val="accent1"/>
+                </a:fillRef>
+                <a:effectRef idx="0">
+                  <a:schemeClr val="accent1"/>
+                </a:effectRef>
+                <a:fontRef idx="minor">
+                  <a:schemeClr val="tx1"/>
+                </a:fontRef>
+              </p:style>
+            </p:cxnSp>
+            <p:sp>
+              <p:nvSpPr>
+                <p:cNvPr id="10" name="Rechteck 9"/>
+                <p:cNvSpPr/>
+                <p:nvPr/>
+              </p:nvSpPr>
+              <p:spPr>
+                <a:xfrm>
+                  <a:off x="4341330" y="3232150"/>
+                  <a:ext cx="996950" cy="1308100"/>
+                </a:xfrm>
+                <a:prstGeom prst="rect">
+                  <a:avLst/>
+                </a:prstGeom>
+                <a:noFill/>
+                <a:ln w="57150">
+                  <a:solidFill>
+                    <a:schemeClr val="bg1"/>
+                  </a:solidFill>
+                </a:ln>
+              </p:spPr>
+              <p:style>
+                <a:lnRef idx="2">
+                  <a:schemeClr val="accent1">
+                    <a:shade val="50000"/>
+                  </a:schemeClr>
+                </a:lnRef>
+                <a:fillRef idx="1">
+                  <a:schemeClr val="accent1"/>
+                </a:fillRef>
+                <a:effectRef idx="0">
+                  <a:schemeClr val="accent1"/>
+                </a:effectRef>
+                <a:fontRef idx="minor">
+                  <a:schemeClr val="lt1"/>
+                </a:fontRef>
+              </p:style>
+              <p:txBody>
+                <a:bodyPr rtlCol="0" anchor="ctr"/>
+                <a:lstStyle/>
+                <a:p>
+                  <a:pPr algn="ctr"/>
+                  <a:endParaRPr lang="de-DE"/>
+                </a:p>
+              </p:txBody>
+            </p:sp>
+            <p:grpSp>
+              <p:nvGrpSpPr>
+                <p:cNvPr id="16" name="Gruppieren 15"/>
+                <p:cNvGrpSpPr/>
+                <p:nvPr/>
+              </p:nvGrpSpPr>
+              <p:grpSpPr>
+                <a:xfrm>
+                  <a:off x="2345184" y="3576030"/>
+                  <a:ext cx="815082" cy="604623"/>
+                  <a:chOff x="2491998" y="2031897"/>
+                  <a:chExt cx="574733" cy="428457"/>
+                </a:xfrm>
+                <a:solidFill>
+                  <a:schemeClr val="bg1"/>
+                </a:solidFill>
+              </p:grpSpPr>
+              <p:grpSp>
+                <p:nvGrpSpPr>
+                  <p:cNvPr id="17" name="Gruppieren 16"/>
+                  <p:cNvGrpSpPr/>
+                  <p:nvPr/>
+                </p:nvGrpSpPr>
+                <p:grpSpPr>
+                  <a:xfrm>
+                    <a:off x="2491998" y="2031897"/>
+                    <a:ext cx="574733" cy="428457"/>
+                    <a:chOff x="2491998" y="2031897"/>
+                    <a:chExt cx="574733" cy="428457"/>
+                  </a:xfrm>
+                  <a:grpFill/>
+                </p:grpSpPr>
+                <p:sp>
+                  <p:nvSpPr>
+                    <p:cNvPr id="19" name="Ellipse 18"/>
+                    <p:cNvSpPr/>
+                    <p:nvPr/>
+                  </p:nvSpPr>
+                  <p:spPr>
+                    <a:xfrm>
+                      <a:off x="2491998" y="2231755"/>
+                      <a:ext cx="230539" cy="228599"/>
+                    </a:xfrm>
+                    <a:prstGeom prst="ellipse">
+                      <a:avLst/>
+                    </a:prstGeom>
+                    <a:noFill/>
+                    <a:ln w="38100">
+                      <a:solidFill>
+                        <a:schemeClr val="bg1"/>
+                      </a:solidFill>
+                    </a:ln>
+                  </p:spPr>
+                  <p:style>
+                    <a:lnRef idx="2">
+                      <a:schemeClr val="accent1">
+                        <a:shade val="50000"/>
+                      </a:schemeClr>
+                    </a:lnRef>
+                    <a:fillRef idx="1">
+                      <a:schemeClr val="accent1"/>
+                    </a:fillRef>
+                    <a:effectRef idx="0">
+                      <a:schemeClr val="accent1"/>
+                    </a:effectRef>
+                    <a:fontRef idx="minor">
+                      <a:schemeClr val="lt1"/>
+                    </a:fontRef>
+                  </p:style>
+                  <p:txBody>
+                    <a:bodyPr rtlCol="0" anchor="ctr"/>
+                    <a:lstStyle/>
+                    <a:p>
+                      <a:pPr algn="ctr"/>
+                      <a:endParaRPr lang="de-DE"/>
+                    </a:p>
+                  </p:txBody>
+                </p:sp>
+                <p:sp>
+                  <p:nvSpPr>
+                    <p:cNvPr id="20" name="Ellipse 19"/>
+                    <p:cNvSpPr/>
+                    <p:nvPr/>
+                  </p:nvSpPr>
+                  <p:spPr>
+                    <a:xfrm>
+                      <a:off x="2836192" y="2227878"/>
+                      <a:ext cx="230539" cy="228599"/>
+                    </a:xfrm>
+                    <a:prstGeom prst="ellipse">
+                      <a:avLst/>
+                    </a:prstGeom>
+                    <a:noFill/>
+                    <a:ln w="38100">
+                      <a:solidFill>
+                        <a:schemeClr val="bg1"/>
+                      </a:solidFill>
+                    </a:ln>
+                  </p:spPr>
+                  <p:style>
+                    <a:lnRef idx="2">
+                      <a:schemeClr val="accent1">
+                        <a:shade val="50000"/>
+                      </a:schemeClr>
+                    </a:lnRef>
+                    <a:fillRef idx="1">
+                      <a:schemeClr val="accent1"/>
+                    </a:fillRef>
+                    <a:effectRef idx="0">
+                      <a:schemeClr val="accent1"/>
+                    </a:effectRef>
+                    <a:fontRef idx="minor">
+                      <a:schemeClr val="lt1"/>
+                    </a:fontRef>
+                  </p:style>
+                  <p:txBody>
+                    <a:bodyPr rtlCol="0" anchor="ctr"/>
+                    <a:lstStyle/>
+                    <a:p>
+                      <a:pPr algn="ctr"/>
+                      <a:endParaRPr lang="de-DE"/>
+                    </a:p>
+                  </p:txBody>
+                </p:sp>
+                <p:cxnSp>
+                  <p:nvCxnSpPr>
+                    <p:cNvPr id="21" name="Gerader Verbinder 20"/>
+                    <p:cNvCxnSpPr>
+                      <a:endCxn id="20" idx="2"/>
+                    </p:cNvCxnSpPr>
+                    <p:nvPr/>
+                  </p:nvCxnSpPr>
+                  <p:spPr>
+                    <a:xfrm flipV="1">
+                      <a:off x="2607267" y="2342178"/>
+                      <a:ext cx="228925" cy="1"/>
+                    </a:xfrm>
+                    <a:prstGeom prst="line">
+                      <a:avLst/>
+                    </a:prstGeom>
+                    <a:grpFill/>
+                    <a:ln w="38100">
+                      <a:solidFill>
+                        <a:schemeClr val="bg1"/>
+                      </a:solidFill>
+                    </a:ln>
+                  </p:spPr>
+                  <p:style>
+                    <a:lnRef idx="1">
+                      <a:schemeClr val="dk1"/>
+                    </a:lnRef>
+                    <a:fillRef idx="0">
+                      <a:schemeClr val="dk1"/>
+                    </a:fillRef>
+                    <a:effectRef idx="0">
+                      <a:schemeClr val="dk1"/>
+                    </a:effectRef>
+                    <a:fontRef idx="minor">
+                      <a:schemeClr val="tx1"/>
+                    </a:fontRef>
+                  </p:style>
+                </p:cxnSp>
+                <p:cxnSp>
+                  <p:nvCxnSpPr>
+                    <p:cNvPr id="22" name="Gerader Verbinder 21"/>
+                    <p:cNvCxnSpPr/>
+                    <p:nvPr/>
+                  </p:nvCxnSpPr>
+                  <p:spPr>
+                    <a:xfrm>
+                      <a:off x="2836192" y="2071730"/>
+                      <a:ext cx="115269" cy="251981"/>
+                    </a:xfrm>
+                    <a:prstGeom prst="line">
+                      <a:avLst/>
+                    </a:prstGeom>
+                    <a:grpFill/>
+                    <a:ln w="38100">
+                      <a:solidFill>
+                        <a:schemeClr val="bg1"/>
+                      </a:solidFill>
+                    </a:ln>
+                  </p:spPr>
+                  <p:style>
+                    <a:lnRef idx="1">
+                      <a:schemeClr val="dk1"/>
+                    </a:lnRef>
+                    <a:fillRef idx="0">
+                      <a:schemeClr val="dk1"/>
+                    </a:fillRef>
+                    <a:effectRef idx="0">
+                      <a:schemeClr val="dk1"/>
+                    </a:effectRef>
+                    <a:fontRef idx="minor">
+                      <a:schemeClr val="tx1"/>
+                    </a:fontRef>
+                  </p:style>
+                </p:cxnSp>
+                <p:cxnSp>
+                  <p:nvCxnSpPr>
+                    <p:cNvPr id="23" name="Gerader Verbinder 22"/>
+                    <p:cNvCxnSpPr/>
+                    <p:nvPr/>
+                  </p:nvCxnSpPr>
+                  <p:spPr>
+                    <a:xfrm flipH="1" flipV="1">
+                      <a:off x="2688957" y="2114292"/>
+                      <a:ext cx="86198" cy="227886"/>
+                    </a:xfrm>
+                    <a:prstGeom prst="line">
+                      <a:avLst/>
+                    </a:prstGeom>
+                    <a:grpFill/>
+                    <a:ln w="38100">
+                      <a:solidFill>
+                        <a:schemeClr val="bg1"/>
+                      </a:solidFill>
+                    </a:ln>
+                  </p:spPr>
+                  <p:style>
+                    <a:lnRef idx="1">
+                      <a:schemeClr val="dk1"/>
+                    </a:lnRef>
+                    <a:fillRef idx="0">
+                      <a:schemeClr val="dk1"/>
+                    </a:fillRef>
+                    <a:effectRef idx="0">
+                      <a:schemeClr val="dk1"/>
+                    </a:effectRef>
+                    <a:fontRef idx="minor">
+                      <a:schemeClr val="tx1"/>
+                    </a:fontRef>
+                  </p:style>
+                </p:cxnSp>
+                <p:cxnSp>
+                  <p:nvCxnSpPr>
+                    <p:cNvPr id="24" name="Gerader Verbinder 23"/>
+                    <p:cNvCxnSpPr/>
+                    <p:nvPr/>
+                  </p:nvCxnSpPr>
+                  <p:spPr>
+                    <a:xfrm flipV="1">
+                      <a:off x="2749418" y="2287948"/>
+                      <a:ext cx="40067" cy="104621"/>
+                    </a:xfrm>
+                    <a:prstGeom prst="line">
+                      <a:avLst/>
+                    </a:prstGeom>
+                    <a:grpFill/>
+                    <a:ln w="38100">
+                      <a:solidFill>
+                        <a:schemeClr val="bg1"/>
+                      </a:solidFill>
+                    </a:ln>
+                  </p:spPr>
+                  <p:style>
+                    <a:lnRef idx="1">
+                      <a:schemeClr val="dk1"/>
+                    </a:lnRef>
+                    <a:fillRef idx="0">
+                      <a:schemeClr val="dk1"/>
+                    </a:fillRef>
+                    <a:effectRef idx="0">
+                      <a:schemeClr val="dk1"/>
+                    </a:effectRef>
+                    <a:fontRef idx="minor">
+                      <a:schemeClr val="tx1"/>
+                    </a:fontRef>
+                  </p:style>
+                </p:cxnSp>
+                <p:cxnSp>
+                  <p:nvCxnSpPr>
+                    <p:cNvPr id="25" name="Gerader Verbinder 24"/>
+                    <p:cNvCxnSpPr/>
+                    <p:nvPr/>
+                  </p:nvCxnSpPr>
+                  <p:spPr>
+                    <a:xfrm flipH="1">
+                      <a:off x="2789277" y="2031897"/>
+                      <a:ext cx="93830" cy="95237"/>
+                    </a:xfrm>
+                    <a:prstGeom prst="line">
+                      <a:avLst/>
+                    </a:prstGeom>
+                    <a:grpFill/>
+                    <a:ln w="38100">
+                      <a:solidFill>
+                        <a:schemeClr val="bg1"/>
+                      </a:solidFill>
+                    </a:ln>
+                  </p:spPr>
+                  <p:style>
+                    <a:lnRef idx="1">
+                      <a:schemeClr val="dk1"/>
+                    </a:lnRef>
+                    <a:fillRef idx="0">
+                      <a:schemeClr val="dk1"/>
+                    </a:fillRef>
+                    <a:effectRef idx="0">
+                      <a:schemeClr val="dk1"/>
+                    </a:effectRef>
+                    <a:fontRef idx="minor">
+                      <a:schemeClr val="tx1"/>
+                    </a:fontRef>
+                  </p:style>
+                </p:cxnSp>
+              </p:grpSp>
+              <p:sp>
+                <p:nvSpPr>
+                  <p:cNvPr id="18" name="Ellipse 17"/>
+                  <p:cNvSpPr/>
+                  <p:nvPr/>
+                </p:nvSpPr>
+                <p:spPr>
+                  <a:xfrm>
+                    <a:off x="2665878" y="2104445"/>
+                    <a:ext cx="68163" cy="45719"/>
+                  </a:xfrm>
+                  <a:prstGeom prst="ellipse">
+                    <a:avLst/>
+                  </a:prstGeom>
+                  <a:grpFill/>
+                  <a:ln w="38100">
+                    <a:solidFill>
+                      <a:schemeClr val="bg1"/>
+                    </a:solidFill>
+                  </a:ln>
+                </p:spPr>
+                <p:style>
+                  <a:lnRef idx="2">
+                    <a:schemeClr val="dk1">
+                      <a:shade val="50000"/>
+                    </a:schemeClr>
+                  </a:lnRef>
+                  <a:fillRef idx="1">
+                    <a:schemeClr val="dk1"/>
+                  </a:fillRef>
+                  <a:effectRef idx="0">
+                    <a:schemeClr val="dk1"/>
+                  </a:effectRef>
+                  <a:fontRef idx="minor">
+                    <a:schemeClr val="lt1"/>
+                  </a:fontRef>
+                </p:style>
+                <p:txBody>
+                  <a:bodyPr rtlCol="0" anchor="ctr"/>
+                  <a:lstStyle/>
+                  <a:p>
+                    <a:pPr algn="ctr"/>
+                    <a:endParaRPr lang="de-DE"/>
+                  </a:p>
+                </p:txBody>
+              </p:sp>
+            </p:grpSp>
+            <p:grpSp>
+              <p:nvGrpSpPr>
+                <p:cNvPr id="26" name="Gruppieren 25"/>
+                <p:cNvGrpSpPr/>
+                <p:nvPr/>
+              </p:nvGrpSpPr>
+              <p:grpSpPr>
+                <a:xfrm>
+                  <a:off x="6516130" y="3576030"/>
+                  <a:ext cx="815082" cy="604623"/>
+                  <a:chOff x="2491998" y="2031897"/>
+                  <a:chExt cx="574733" cy="428457"/>
+                </a:xfrm>
+                <a:solidFill>
+                  <a:schemeClr val="bg1"/>
+                </a:solidFill>
+              </p:grpSpPr>
+              <p:grpSp>
+                <p:nvGrpSpPr>
+                  <p:cNvPr id="27" name="Gruppieren 26"/>
+                  <p:cNvGrpSpPr/>
+                  <p:nvPr/>
+                </p:nvGrpSpPr>
+                <p:grpSpPr>
+                  <a:xfrm>
+                    <a:off x="2491998" y="2031897"/>
+                    <a:ext cx="574733" cy="428457"/>
+                    <a:chOff x="2491998" y="2031897"/>
+                    <a:chExt cx="574733" cy="428457"/>
+                  </a:xfrm>
+                  <a:grpFill/>
+                </p:grpSpPr>
+                <p:sp>
+                  <p:nvSpPr>
+                    <p:cNvPr id="29" name="Ellipse 28"/>
+                    <p:cNvSpPr/>
+                    <p:nvPr/>
+                  </p:nvSpPr>
+                  <p:spPr>
+                    <a:xfrm>
+                      <a:off x="2491998" y="2231755"/>
+                      <a:ext cx="230539" cy="228599"/>
+                    </a:xfrm>
+                    <a:prstGeom prst="ellipse">
+                      <a:avLst/>
+                    </a:prstGeom>
+                    <a:noFill/>
+                    <a:ln w="38100">
+                      <a:solidFill>
+                        <a:schemeClr val="bg1"/>
+                      </a:solidFill>
+                    </a:ln>
+                  </p:spPr>
+                  <p:style>
+                    <a:lnRef idx="2">
+                      <a:schemeClr val="accent1">
+                        <a:shade val="50000"/>
+                      </a:schemeClr>
+                    </a:lnRef>
+                    <a:fillRef idx="1">
+                      <a:schemeClr val="accent1"/>
+                    </a:fillRef>
+                    <a:effectRef idx="0">
+                      <a:schemeClr val="accent1"/>
+                    </a:effectRef>
+                    <a:fontRef idx="minor">
+                      <a:schemeClr val="lt1"/>
+                    </a:fontRef>
+                  </p:style>
+                  <p:txBody>
+                    <a:bodyPr rtlCol="0" anchor="ctr"/>
+                    <a:lstStyle/>
+                    <a:p>
+                      <a:pPr algn="ctr"/>
+                      <a:endParaRPr lang="de-DE"/>
+                    </a:p>
+                  </p:txBody>
+                </p:sp>
+                <p:sp>
+                  <p:nvSpPr>
+                    <p:cNvPr id="30" name="Ellipse 29"/>
+                    <p:cNvSpPr/>
+                    <p:nvPr/>
+                  </p:nvSpPr>
+                  <p:spPr>
+                    <a:xfrm>
+                      <a:off x="2836192" y="2227878"/>
+                      <a:ext cx="230539" cy="228599"/>
+                    </a:xfrm>
+                    <a:prstGeom prst="ellipse">
+                      <a:avLst/>
+                    </a:prstGeom>
+                    <a:noFill/>
+                    <a:ln w="38100">
+                      <a:solidFill>
+                        <a:schemeClr val="bg1"/>
+                      </a:solidFill>
+                    </a:ln>
+                  </p:spPr>
+                  <p:style>
+                    <a:lnRef idx="2">
+                      <a:schemeClr val="accent1">
+                        <a:shade val="50000"/>
+                      </a:schemeClr>
+                    </a:lnRef>
+                    <a:fillRef idx="1">
+                      <a:schemeClr val="accent1"/>
+                    </a:fillRef>
+                    <a:effectRef idx="0">
+                      <a:schemeClr val="accent1"/>
+                    </a:effectRef>
+                    <a:fontRef idx="minor">
+                      <a:schemeClr val="lt1"/>
+                    </a:fontRef>
+                  </p:style>
+                  <p:txBody>
+                    <a:bodyPr rtlCol="0" anchor="ctr"/>
+                    <a:lstStyle/>
+                    <a:p>
+                      <a:pPr algn="ctr"/>
+                      <a:endParaRPr lang="de-DE"/>
+                    </a:p>
+                  </p:txBody>
+                </p:sp>
+                <p:cxnSp>
+                  <p:nvCxnSpPr>
+                    <p:cNvPr id="31" name="Gerader Verbinder 30"/>
+                    <p:cNvCxnSpPr>
+                      <a:endCxn id="30" idx="2"/>
+                    </p:cNvCxnSpPr>
+                    <p:nvPr/>
+                  </p:nvCxnSpPr>
+                  <p:spPr>
+                    <a:xfrm flipV="1">
+                      <a:off x="2607267" y="2342178"/>
+                      <a:ext cx="228925" cy="1"/>
+                    </a:xfrm>
+                    <a:prstGeom prst="line">
+                      <a:avLst/>
+                    </a:prstGeom>
+                    <a:grpFill/>
+                    <a:ln w="38100">
+                      <a:solidFill>
+                        <a:schemeClr val="bg1"/>
+                      </a:solidFill>
+                    </a:ln>
+                  </p:spPr>
+                  <p:style>
+                    <a:lnRef idx="1">
+                      <a:schemeClr val="dk1"/>
+                    </a:lnRef>
+                    <a:fillRef idx="0">
+                      <a:schemeClr val="dk1"/>
+                    </a:fillRef>
+                    <a:effectRef idx="0">
+                      <a:schemeClr val="dk1"/>
+                    </a:effectRef>
+                    <a:fontRef idx="minor">
+                      <a:schemeClr val="tx1"/>
+                    </a:fontRef>
+                  </p:style>
+                </p:cxnSp>
+                <p:cxnSp>
+                  <p:nvCxnSpPr>
+                    <p:cNvPr id="32" name="Gerader Verbinder 31"/>
+                    <p:cNvCxnSpPr/>
+                    <p:nvPr/>
+                  </p:nvCxnSpPr>
+                  <p:spPr>
+                    <a:xfrm>
+                      <a:off x="2836192" y="2071730"/>
+                      <a:ext cx="115269" cy="251981"/>
+                    </a:xfrm>
+                    <a:prstGeom prst="line">
+                      <a:avLst/>
+                    </a:prstGeom>
+                    <a:grpFill/>
+                    <a:ln w="38100">
+                      <a:solidFill>
+                        <a:schemeClr val="bg1"/>
+                      </a:solidFill>
+                    </a:ln>
+                  </p:spPr>
+                  <p:style>
+                    <a:lnRef idx="1">
+                      <a:schemeClr val="dk1"/>
+                    </a:lnRef>
+                    <a:fillRef idx="0">
+                      <a:schemeClr val="dk1"/>
+                    </a:fillRef>
+                    <a:effectRef idx="0">
+                      <a:schemeClr val="dk1"/>
+                    </a:effectRef>
+                    <a:fontRef idx="minor">
+                      <a:schemeClr val="tx1"/>
+                    </a:fontRef>
+                  </p:style>
+                </p:cxnSp>
+                <p:cxnSp>
+                  <p:nvCxnSpPr>
+                    <p:cNvPr id="33" name="Gerader Verbinder 32"/>
+                    <p:cNvCxnSpPr/>
+                    <p:nvPr/>
+                  </p:nvCxnSpPr>
+                  <p:spPr>
+                    <a:xfrm flipH="1" flipV="1">
+                      <a:off x="2688957" y="2114292"/>
+                      <a:ext cx="86198" cy="227886"/>
+                    </a:xfrm>
+                    <a:prstGeom prst="line">
+                      <a:avLst/>
+                    </a:prstGeom>
+                    <a:grpFill/>
+                    <a:ln w="38100">
+                      <a:solidFill>
+                        <a:schemeClr val="bg1"/>
+                      </a:solidFill>
+                    </a:ln>
+                  </p:spPr>
+                  <p:style>
+                    <a:lnRef idx="1">
+                      <a:schemeClr val="dk1"/>
+                    </a:lnRef>
+                    <a:fillRef idx="0">
+                      <a:schemeClr val="dk1"/>
+                    </a:fillRef>
+                    <a:effectRef idx="0">
+                      <a:schemeClr val="dk1"/>
+                    </a:effectRef>
+                    <a:fontRef idx="minor">
+                      <a:schemeClr val="tx1"/>
+                    </a:fontRef>
+                  </p:style>
+                </p:cxnSp>
+                <p:cxnSp>
+                  <p:nvCxnSpPr>
+                    <p:cNvPr id="34" name="Gerader Verbinder 33"/>
+                    <p:cNvCxnSpPr/>
+                    <p:nvPr/>
+                  </p:nvCxnSpPr>
+                  <p:spPr>
+                    <a:xfrm flipV="1">
+                      <a:off x="2749418" y="2287948"/>
+                      <a:ext cx="40067" cy="104621"/>
+                    </a:xfrm>
+                    <a:prstGeom prst="line">
+                      <a:avLst/>
+                    </a:prstGeom>
+                    <a:grpFill/>
+                    <a:ln w="38100">
+                      <a:solidFill>
+                        <a:schemeClr val="bg1"/>
+                      </a:solidFill>
+                    </a:ln>
+                  </p:spPr>
+                  <p:style>
+                    <a:lnRef idx="1">
+                      <a:schemeClr val="dk1"/>
+                    </a:lnRef>
+                    <a:fillRef idx="0">
+                      <a:schemeClr val="dk1"/>
+                    </a:fillRef>
+                    <a:effectRef idx="0">
+                      <a:schemeClr val="dk1"/>
+                    </a:effectRef>
+                    <a:fontRef idx="minor">
+                      <a:schemeClr val="tx1"/>
+                    </a:fontRef>
+                  </p:style>
+                </p:cxnSp>
+                <p:cxnSp>
+                  <p:nvCxnSpPr>
+                    <p:cNvPr id="35" name="Gerader Verbinder 34"/>
+                    <p:cNvCxnSpPr/>
+                    <p:nvPr/>
+                  </p:nvCxnSpPr>
+                  <p:spPr>
+                    <a:xfrm flipH="1">
+                      <a:off x="2789277" y="2031897"/>
+                      <a:ext cx="93830" cy="95237"/>
+                    </a:xfrm>
+                    <a:prstGeom prst="line">
+                      <a:avLst/>
+                    </a:prstGeom>
+                    <a:grpFill/>
+                    <a:ln w="38100">
+                      <a:solidFill>
+                        <a:schemeClr val="bg1"/>
+                      </a:solidFill>
+                    </a:ln>
+                  </p:spPr>
+                  <p:style>
+                    <a:lnRef idx="1">
+                      <a:schemeClr val="dk1"/>
+                    </a:lnRef>
+                    <a:fillRef idx="0">
+                      <a:schemeClr val="dk1"/>
+                    </a:fillRef>
+                    <a:effectRef idx="0">
+                      <a:schemeClr val="dk1"/>
+                    </a:effectRef>
+                    <a:fontRef idx="minor">
+                      <a:schemeClr val="tx1"/>
+                    </a:fontRef>
+                  </p:style>
+                </p:cxnSp>
+              </p:grpSp>
+              <p:sp>
+                <p:nvSpPr>
+                  <p:cNvPr id="28" name="Ellipse 27"/>
+                  <p:cNvSpPr/>
+                  <p:nvPr/>
+                </p:nvSpPr>
+                <p:spPr>
+                  <a:xfrm>
+                    <a:off x="2665878" y="2104445"/>
+                    <a:ext cx="68163" cy="45719"/>
+                  </a:xfrm>
+                  <a:prstGeom prst="ellipse">
+                    <a:avLst/>
+                  </a:prstGeom>
+                  <a:grpFill/>
+                  <a:ln w="38100">
+                    <a:solidFill>
+                      <a:schemeClr val="bg1"/>
+                    </a:solidFill>
+                  </a:ln>
+                </p:spPr>
+                <p:style>
+                  <a:lnRef idx="2">
+                    <a:schemeClr val="dk1">
+                      <a:shade val="50000"/>
+                    </a:schemeClr>
+                  </a:lnRef>
+                  <a:fillRef idx="1">
+                    <a:schemeClr val="dk1"/>
+                  </a:fillRef>
+                  <a:effectRef idx="0">
+                    <a:schemeClr val="dk1"/>
+                  </a:effectRef>
+                  <a:fontRef idx="minor">
+                    <a:schemeClr val="lt1"/>
+                  </a:fontRef>
+                </p:style>
+                <p:txBody>
+                  <a:bodyPr rtlCol="0" anchor="ctr"/>
+                  <a:lstStyle/>
+                  <a:p>
+                    <a:pPr algn="ctr"/>
+                    <a:endParaRPr lang="de-DE"/>
+                  </a:p>
+                </p:txBody>
+              </p:sp>
+            </p:grpSp>
+            <p:grpSp>
+              <p:nvGrpSpPr>
+                <p:cNvPr id="36" name="Gruppieren 35"/>
+                <p:cNvGrpSpPr/>
+                <p:nvPr/>
+              </p:nvGrpSpPr>
+              <p:grpSpPr>
+                <a:xfrm>
+                  <a:off x="4430657" y="3576030"/>
+                  <a:ext cx="815082" cy="604623"/>
+                  <a:chOff x="2491998" y="2031897"/>
+                  <a:chExt cx="574733" cy="428457"/>
+                </a:xfrm>
+                <a:solidFill>
+                  <a:schemeClr val="bg1"/>
+                </a:solidFill>
+              </p:grpSpPr>
+              <p:grpSp>
+                <p:nvGrpSpPr>
+                  <p:cNvPr id="37" name="Gruppieren 36"/>
+                  <p:cNvGrpSpPr/>
+                  <p:nvPr/>
+                </p:nvGrpSpPr>
+                <p:grpSpPr>
+                  <a:xfrm>
+                    <a:off x="2491998" y="2031897"/>
+                    <a:ext cx="574733" cy="428457"/>
+                    <a:chOff x="2491998" y="2031897"/>
+                    <a:chExt cx="574733" cy="428457"/>
+                  </a:xfrm>
+                  <a:grpFill/>
+                </p:grpSpPr>
+                <p:sp>
+                  <p:nvSpPr>
+                    <p:cNvPr id="39" name="Ellipse 38"/>
+                    <p:cNvSpPr/>
+                    <p:nvPr/>
+                  </p:nvSpPr>
+                  <p:spPr>
+                    <a:xfrm>
+                      <a:off x="2491998" y="2231755"/>
+                      <a:ext cx="230539" cy="228599"/>
+                    </a:xfrm>
+                    <a:prstGeom prst="ellipse">
+                      <a:avLst/>
+                    </a:prstGeom>
+                    <a:noFill/>
+                    <a:ln w="38100">
+                      <a:solidFill>
+                        <a:schemeClr val="bg1"/>
+                      </a:solidFill>
+                    </a:ln>
+                  </p:spPr>
+                  <p:style>
+                    <a:lnRef idx="2">
+                      <a:schemeClr val="accent1">
+                        <a:shade val="50000"/>
+                      </a:schemeClr>
+                    </a:lnRef>
+                    <a:fillRef idx="1">
+                      <a:schemeClr val="accent1"/>
+                    </a:fillRef>
+                    <a:effectRef idx="0">
+                      <a:schemeClr val="accent1"/>
+                    </a:effectRef>
+                    <a:fontRef idx="minor">
+                      <a:schemeClr val="lt1"/>
+                    </a:fontRef>
+                  </p:style>
+                  <p:txBody>
+                    <a:bodyPr rtlCol="0" anchor="ctr"/>
+                    <a:lstStyle/>
+                    <a:p>
+                      <a:pPr algn="ctr"/>
+                      <a:endParaRPr lang="de-DE"/>
+                    </a:p>
+                  </p:txBody>
+                </p:sp>
+                <p:sp>
+                  <p:nvSpPr>
+                    <p:cNvPr id="40" name="Ellipse 39"/>
+                    <p:cNvSpPr/>
+                    <p:nvPr/>
+                  </p:nvSpPr>
+                  <p:spPr>
+                    <a:xfrm>
+                      <a:off x="2836192" y="2227878"/>
+                      <a:ext cx="230539" cy="228599"/>
+                    </a:xfrm>
+                    <a:prstGeom prst="ellipse">
+                      <a:avLst/>
+                    </a:prstGeom>
+                    <a:noFill/>
+                    <a:ln w="38100">
+                      <a:solidFill>
+                        <a:schemeClr val="bg1"/>
+                      </a:solidFill>
+                    </a:ln>
+                  </p:spPr>
+                  <p:style>
+                    <a:lnRef idx="2">
+                      <a:schemeClr val="accent1">
+                        <a:shade val="50000"/>
+                      </a:schemeClr>
+                    </a:lnRef>
+                    <a:fillRef idx="1">
+                      <a:schemeClr val="accent1"/>
+                    </a:fillRef>
+                    <a:effectRef idx="0">
+                      <a:schemeClr val="accent1"/>
+                    </a:effectRef>
+                    <a:fontRef idx="minor">
+                      <a:schemeClr val="lt1"/>
+                    </a:fontRef>
+                  </p:style>
+                  <p:txBody>
+                    <a:bodyPr rtlCol="0" anchor="ctr"/>
+                    <a:lstStyle/>
+                    <a:p>
+                      <a:pPr algn="ctr"/>
+                      <a:endParaRPr lang="de-DE"/>
+                    </a:p>
+                  </p:txBody>
+                </p:sp>
+                <p:cxnSp>
+                  <p:nvCxnSpPr>
+                    <p:cNvPr id="41" name="Gerader Verbinder 40"/>
+                    <p:cNvCxnSpPr>
+                      <a:endCxn id="40" idx="2"/>
+                    </p:cNvCxnSpPr>
+                    <p:nvPr/>
+                  </p:nvCxnSpPr>
+                  <p:spPr>
+                    <a:xfrm flipV="1">
+                      <a:off x="2607267" y="2342178"/>
+                      <a:ext cx="228925" cy="1"/>
+                    </a:xfrm>
+                    <a:prstGeom prst="line">
+                      <a:avLst/>
+                    </a:prstGeom>
+                    <a:grpFill/>
+                    <a:ln w="38100">
+                      <a:solidFill>
+                        <a:schemeClr val="bg1"/>
+                      </a:solidFill>
+                    </a:ln>
+                  </p:spPr>
+                  <p:style>
+                    <a:lnRef idx="1">
+                      <a:schemeClr val="dk1"/>
+                    </a:lnRef>
+                    <a:fillRef idx="0">
+                      <a:schemeClr val="dk1"/>
+                    </a:fillRef>
+                    <a:effectRef idx="0">
+                      <a:schemeClr val="dk1"/>
+                    </a:effectRef>
+                    <a:fontRef idx="minor">
+                      <a:schemeClr val="tx1"/>
+                    </a:fontRef>
+                  </p:style>
+                </p:cxnSp>
+                <p:cxnSp>
+                  <p:nvCxnSpPr>
+                    <p:cNvPr id="42" name="Gerader Verbinder 41"/>
+                    <p:cNvCxnSpPr/>
+                    <p:nvPr/>
+                  </p:nvCxnSpPr>
+                  <p:spPr>
+                    <a:xfrm>
+                      <a:off x="2836192" y="2071730"/>
+                      <a:ext cx="115269" cy="251981"/>
+                    </a:xfrm>
+                    <a:prstGeom prst="line">
+                      <a:avLst/>
+                    </a:prstGeom>
+                    <a:grpFill/>
+                    <a:ln w="38100">
+                      <a:solidFill>
+                        <a:schemeClr val="bg1"/>
+                      </a:solidFill>
+                    </a:ln>
+                  </p:spPr>
+                  <p:style>
+                    <a:lnRef idx="1">
+                      <a:schemeClr val="dk1"/>
+                    </a:lnRef>
+                    <a:fillRef idx="0">
+                      <a:schemeClr val="dk1"/>
+                    </a:fillRef>
+                    <a:effectRef idx="0">
+                      <a:schemeClr val="dk1"/>
+                    </a:effectRef>
+                    <a:fontRef idx="minor">
+                      <a:schemeClr val="tx1"/>
+                    </a:fontRef>
+                  </p:style>
+                </p:cxnSp>
+                <p:cxnSp>
+                  <p:nvCxnSpPr>
+                    <p:cNvPr id="43" name="Gerader Verbinder 42"/>
+                    <p:cNvCxnSpPr/>
+                    <p:nvPr/>
+                  </p:nvCxnSpPr>
+                  <p:spPr>
+                    <a:xfrm flipH="1" flipV="1">
+                      <a:off x="2688957" y="2114292"/>
+                      <a:ext cx="86198" cy="227886"/>
+                    </a:xfrm>
+                    <a:prstGeom prst="line">
+                      <a:avLst/>
+                    </a:prstGeom>
+                    <a:grpFill/>
+                    <a:ln w="38100">
+                      <a:solidFill>
+                        <a:schemeClr val="bg1"/>
+                      </a:solidFill>
+                    </a:ln>
+                  </p:spPr>
+                  <p:style>
+                    <a:lnRef idx="1">
+                      <a:schemeClr val="dk1"/>
+                    </a:lnRef>
+                    <a:fillRef idx="0">
+                      <a:schemeClr val="dk1"/>
+                    </a:fillRef>
+                    <a:effectRef idx="0">
+                      <a:schemeClr val="dk1"/>
+                    </a:effectRef>
+                    <a:fontRef idx="minor">
+                      <a:schemeClr val="tx1"/>
+                    </a:fontRef>
+                  </p:style>
+                </p:cxnSp>
+                <p:cxnSp>
+                  <p:nvCxnSpPr>
+                    <p:cNvPr id="44" name="Gerader Verbinder 43"/>
+                    <p:cNvCxnSpPr/>
+                    <p:nvPr/>
+                  </p:nvCxnSpPr>
+                  <p:spPr>
+                    <a:xfrm flipV="1">
+                      <a:off x="2749418" y="2287948"/>
+                      <a:ext cx="40067" cy="104621"/>
+                    </a:xfrm>
+                    <a:prstGeom prst="line">
+                      <a:avLst/>
+                    </a:prstGeom>
+                    <a:grpFill/>
+                    <a:ln w="38100">
+                      <a:solidFill>
+                        <a:schemeClr val="bg1"/>
+                      </a:solidFill>
+                    </a:ln>
+                  </p:spPr>
+                  <p:style>
+                    <a:lnRef idx="1">
+                      <a:schemeClr val="dk1"/>
+                    </a:lnRef>
+                    <a:fillRef idx="0">
+                      <a:schemeClr val="dk1"/>
+                    </a:fillRef>
+                    <a:effectRef idx="0">
+                      <a:schemeClr val="dk1"/>
+                    </a:effectRef>
+                    <a:fontRef idx="minor">
+                      <a:schemeClr val="tx1"/>
+                    </a:fontRef>
+                  </p:style>
+                </p:cxnSp>
+                <p:cxnSp>
+                  <p:nvCxnSpPr>
+                    <p:cNvPr id="45" name="Gerader Verbinder 44"/>
+                    <p:cNvCxnSpPr/>
+                    <p:nvPr/>
+                  </p:nvCxnSpPr>
+                  <p:spPr>
+                    <a:xfrm flipH="1">
+                      <a:off x="2789277" y="2031897"/>
+                      <a:ext cx="93830" cy="95237"/>
+                    </a:xfrm>
+                    <a:prstGeom prst="line">
+                      <a:avLst/>
+                    </a:prstGeom>
+                    <a:grpFill/>
+                    <a:ln w="38100">
+                      <a:solidFill>
+                        <a:schemeClr val="bg1"/>
+                      </a:solidFill>
+                    </a:ln>
+                  </p:spPr>
+                  <p:style>
+                    <a:lnRef idx="1">
+                      <a:schemeClr val="dk1"/>
+                    </a:lnRef>
+                    <a:fillRef idx="0">
+                      <a:schemeClr val="dk1"/>
+                    </a:fillRef>
+                    <a:effectRef idx="0">
+                      <a:schemeClr val="dk1"/>
+                    </a:effectRef>
+                    <a:fontRef idx="minor">
+                      <a:schemeClr val="tx1"/>
+                    </a:fontRef>
+                  </p:style>
+                </p:cxnSp>
+              </p:grpSp>
+              <p:sp>
+                <p:nvSpPr>
+                  <p:cNvPr id="38" name="Ellipse 37"/>
+                  <p:cNvSpPr/>
+                  <p:nvPr/>
+                </p:nvSpPr>
+                <p:spPr>
+                  <a:xfrm>
+                    <a:off x="2665878" y="2104445"/>
+                    <a:ext cx="68163" cy="45719"/>
+                  </a:xfrm>
+                  <a:prstGeom prst="ellipse">
+                    <a:avLst/>
+                  </a:prstGeom>
+                  <a:grpFill/>
+                  <a:ln w="38100">
+                    <a:solidFill>
+                      <a:schemeClr val="bg1"/>
+                    </a:solidFill>
+                  </a:ln>
+                </p:spPr>
+                <p:style>
+                  <a:lnRef idx="2">
+                    <a:schemeClr val="dk1">
+                      <a:shade val="50000"/>
+                    </a:schemeClr>
+                  </a:lnRef>
+                  <a:fillRef idx="1">
+                    <a:schemeClr val="dk1"/>
+                  </a:fillRef>
+                  <a:effectRef idx="0">
+                    <a:schemeClr val="dk1"/>
+                  </a:effectRef>
+                  <a:fontRef idx="minor">
+                    <a:schemeClr val="lt1"/>
+                  </a:fontRef>
+                </p:style>
+                <p:txBody>
+                  <a:bodyPr rtlCol="0" anchor="ctr"/>
+                  <a:lstStyle/>
+                  <a:p>
+                    <a:pPr algn="ctr"/>
+                    <a:endParaRPr lang="de-DE"/>
+                  </a:p>
+                </p:txBody>
+              </p:sp>
+            </p:grpSp>
+            <p:sp>
+              <p:nvSpPr>
+                <p:cNvPr id="56" name="Gewitterblitz 55"/>
+                <p:cNvSpPr/>
+                <p:nvPr/>
+              </p:nvSpPr>
+              <p:spPr>
+                <a:xfrm>
+                  <a:off x="3630100" y="2608167"/>
+                  <a:ext cx="332329" cy="443327"/>
+                </a:xfrm>
+                <a:prstGeom prst="lightningBolt">
+                  <a:avLst/>
+                </a:prstGeom>
+                <a:solidFill>
+                  <a:srgbClr val="FF0000"/>
+                </a:solidFill>
+                <a:ln>
+                  <a:solidFill>
+                    <a:schemeClr val="bg1"/>
+                  </a:solidFill>
+                </a:ln>
+              </p:spPr>
+              <p:style>
+                <a:lnRef idx="2">
+                  <a:schemeClr val="accent1">
+                    <a:shade val="50000"/>
+                  </a:schemeClr>
+                </a:lnRef>
+                <a:fillRef idx="1">
+                  <a:schemeClr val="accent1"/>
+                </a:fillRef>
+                <a:effectRef idx="0">
+                  <a:schemeClr val="accent1"/>
+                </a:effectRef>
+                <a:fontRef idx="minor">
+                  <a:schemeClr val="lt1"/>
+                </a:fontRef>
+              </p:style>
+              <p:txBody>
+                <a:bodyPr rtlCol="0" anchor="ctr"/>
+                <a:lstStyle/>
+                <a:p>
+                  <a:pPr algn="ctr"/>
+                  <a:endParaRPr lang="de-DE"/>
+                </a:p>
+              </p:txBody>
+            </p:sp>
+            <p:sp>
+              <p:nvSpPr>
+                <p:cNvPr id="57" name="Gewitterblitz 56"/>
+                <p:cNvSpPr/>
+                <p:nvPr/>
+              </p:nvSpPr>
+              <p:spPr>
+                <a:xfrm>
+                  <a:off x="5622252" y="2608167"/>
+                  <a:ext cx="332329" cy="443327"/>
+                </a:xfrm>
+                <a:prstGeom prst="lightningBolt">
+                  <a:avLst/>
+                </a:prstGeom>
+                <a:solidFill>
+                  <a:srgbClr val="FF0000"/>
+                </a:solidFill>
+                <a:ln>
+                  <a:solidFill>
+                    <a:schemeClr val="bg1"/>
+                  </a:solidFill>
+                </a:ln>
+              </p:spPr>
+              <p:style>
+                <a:lnRef idx="2">
+                  <a:schemeClr val="accent1">
+                    <a:shade val="50000"/>
+                  </a:schemeClr>
+                </a:lnRef>
+                <a:fillRef idx="1">
+                  <a:schemeClr val="accent1"/>
+                </a:fillRef>
+                <a:effectRef idx="0">
+                  <a:schemeClr val="accent1"/>
+                </a:effectRef>
+                <a:fontRef idx="minor">
+                  <a:schemeClr val="lt1"/>
+                </a:fontRef>
+              </p:style>
+              <p:txBody>
+                <a:bodyPr rtlCol="0" anchor="ctr"/>
+                <a:lstStyle/>
+                <a:p>
+                  <a:pPr algn="ctr"/>
+                  <a:endParaRPr lang="de-DE"/>
+                </a:p>
+              </p:txBody>
+            </p:sp>
+            <p:sp>
+              <p:nvSpPr>
+                <p:cNvPr id="60" name="Textfeld 59"/>
+                <p:cNvSpPr txBox="1"/>
+                <p:nvPr/>
+              </p:nvSpPr>
+              <p:spPr>
+                <a:xfrm>
+                  <a:off x="2254250" y="4582519"/>
+                  <a:ext cx="1064260" cy="369332"/>
+                </a:xfrm>
+                <a:prstGeom prst="rect">
+                  <a:avLst/>
+                </a:prstGeom>
+                <a:noFill/>
+              </p:spPr>
+              <p:txBody>
+                <a:bodyPr wrap="square" rtlCol="0">
+                  <a:spAutoFit/>
+                </a:bodyPr>
+                <a:lstStyle/>
+                <a:p>
+                  <a:r>
+                    <a:rPr lang="de-DE" dirty="0" smtClean="0">
+                      <a:solidFill>
+                        <a:schemeClr val="bg1"/>
+                      </a:solidFill>
+                    </a:rPr>
+                    <a:t>10 </a:t>
+                  </a:r>
+                  <a:r>
+                    <a:rPr lang="de-DE" dirty="0" smtClean="0">
+                      <a:solidFill>
+                        <a:schemeClr val="bg1"/>
+                      </a:solidFill>
+                    </a:rPr>
+                    <a:t>min</a:t>
+                  </a:r>
+                  <a:endParaRPr lang="de-DE" dirty="0">
+                    <a:solidFill>
+                      <a:schemeClr val="bg1"/>
+                    </a:solidFill>
+                  </a:endParaRPr>
+                </a:p>
+              </p:txBody>
+            </p:sp>
+            <p:sp>
+              <p:nvSpPr>
+                <p:cNvPr id="61" name="Textfeld 60"/>
+                <p:cNvSpPr txBox="1"/>
+                <p:nvPr/>
+              </p:nvSpPr>
+              <p:spPr>
+                <a:xfrm>
+                  <a:off x="4412093" y="4582519"/>
+                  <a:ext cx="1064260" cy="369332"/>
+                </a:xfrm>
+                <a:prstGeom prst="rect">
+                  <a:avLst/>
+                </a:prstGeom>
+                <a:noFill/>
+              </p:spPr>
+              <p:txBody>
+                <a:bodyPr wrap="square" rtlCol="0">
+                  <a:spAutoFit/>
+                </a:bodyPr>
+                <a:lstStyle/>
+                <a:p>
+                  <a:r>
+                    <a:rPr lang="de-DE" dirty="0" smtClean="0">
+                      <a:solidFill>
+                        <a:schemeClr val="bg1"/>
+                      </a:solidFill>
+                    </a:rPr>
+                    <a:t>10 </a:t>
+                  </a:r>
+                  <a:r>
+                    <a:rPr lang="de-DE" dirty="0" smtClean="0">
+                      <a:solidFill>
+                        <a:schemeClr val="bg1"/>
+                      </a:solidFill>
+                    </a:rPr>
+                    <a:t>min</a:t>
+                  </a:r>
+                  <a:endParaRPr lang="de-DE" dirty="0">
+                    <a:solidFill>
+                      <a:schemeClr val="bg1"/>
+                    </a:solidFill>
+                  </a:endParaRPr>
+                </a:p>
+              </p:txBody>
+            </p:sp>
+            <p:sp>
+              <p:nvSpPr>
+                <p:cNvPr id="62" name="Textfeld 61"/>
+                <p:cNvSpPr txBox="1"/>
+                <p:nvPr/>
+              </p:nvSpPr>
+              <p:spPr>
+                <a:xfrm>
+                  <a:off x="6569936" y="4582519"/>
+                  <a:ext cx="1064260" cy="369332"/>
+                </a:xfrm>
+                <a:prstGeom prst="rect">
+                  <a:avLst/>
+                </a:prstGeom>
+                <a:noFill/>
+              </p:spPr>
+              <p:txBody>
+                <a:bodyPr wrap="square" rtlCol="0">
+                  <a:spAutoFit/>
+                </a:bodyPr>
+                <a:lstStyle/>
+                <a:p>
+                  <a:r>
+                    <a:rPr lang="de-DE" dirty="0" smtClean="0">
+                      <a:solidFill>
+                        <a:schemeClr val="bg1"/>
+                      </a:solidFill>
+                    </a:rPr>
+                    <a:t>10 </a:t>
+                  </a:r>
+                  <a:r>
+                    <a:rPr lang="de-DE" dirty="0" smtClean="0">
+                      <a:solidFill>
+                        <a:schemeClr val="bg1"/>
+                      </a:solidFill>
+                    </a:rPr>
+                    <a:t>min</a:t>
+                  </a:r>
+                  <a:endParaRPr lang="de-DE" dirty="0">
+                    <a:solidFill>
+                      <a:schemeClr val="bg1"/>
+                    </a:solidFill>
+                  </a:endParaRPr>
+                </a:p>
+              </p:txBody>
+            </p:sp>
+            <p:sp>
+              <p:nvSpPr>
+                <p:cNvPr id="64" name="Rechteck 63"/>
+                <p:cNvSpPr/>
+                <p:nvPr/>
+              </p:nvSpPr>
+              <p:spPr>
+                <a:xfrm>
+                  <a:off x="4341373" y="2486283"/>
+                  <a:ext cx="996950" cy="2061582"/>
+                </a:xfrm>
+                <a:prstGeom prst="rect">
+                  <a:avLst/>
+                </a:prstGeom>
+                <a:noFill/>
+                <a:ln w="57150">
+                  <a:solidFill>
+                    <a:schemeClr val="bg1"/>
+                  </a:solidFill>
+                  <a:prstDash val="sysDot"/>
+                </a:ln>
+              </p:spPr>
+              <p:style>
+                <a:lnRef idx="2">
+                  <a:schemeClr val="accent1">
+                    <a:shade val="50000"/>
+                  </a:schemeClr>
+                </a:lnRef>
+                <a:fillRef idx="1">
+                  <a:schemeClr val="accent1"/>
+                </a:fillRef>
+                <a:effectRef idx="0">
+                  <a:schemeClr val="accent1"/>
+                </a:effectRef>
+                <a:fontRef idx="minor">
+                  <a:schemeClr val="lt1"/>
+                </a:fontRef>
+              </p:style>
+              <p:txBody>
+                <a:bodyPr rtlCol="0" anchor="ctr"/>
+                <a:lstStyle/>
+                <a:p>
+                  <a:pPr algn="ctr"/>
+                  <a:endParaRPr lang="de-DE"/>
+                </a:p>
+              </p:txBody>
+            </p:sp>
+            <p:sp>
+              <p:nvSpPr>
+                <p:cNvPr id="65" name="Rechteck 64"/>
+                <p:cNvSpPr/>
+                <p:nvPr/>
+              </p:nvSpPr>
+              <p:spPr>
+                <a:xfrm>
+                  <a:off x="2268265" y="3240169"/>
+                  <a:ext cx="996950" cy="1308100"/>
+                </a:xfrm>
+                <a:prstGeom prst="rect">
+                  <a:avLst/>
+                </a:prstGeom>
+                <a:noFill/>
+                <a:ln w="57150">
+                  <a:solidFill>
+                    <a:schemeClr val="bg1"/>
+                  </a:solidFill>
+                </a:ln>
+              </p:spPr>
+              <p:style>
+                <a:lnRef idx="2">
+                  <a:schemeClr val="accent1">
+                    <a:shade val="50000"/>
+                  </a:schemeClr>
+                </a:lnRef>
+                <a:fillRef idx="1">
+                  <a:schemeClr val="accent1"/>
+                </a:fillRef>
+                <a:effectRef idx="0">
+                  <a:schemeClr val="accent1"/>
+                </a:effectRef>
+                <a:fontRef idx="minor">
+                  <a:schemeClr val="lt1"/>
+                </a:fontRef>
+              </p:style>
+              <p:txBody>
+                <a:bodyPr rtlCol="0" anchor="ctr"/>
+                <a:lstStyle/>
+                <a:p>
+                  <a:pPr algn="ctr"/>
+                  <a:endParaRPr lang="de-DE"/>
+                </a:p>
+              </p:txBody>
+            </p:sp>
+            <p:sp>
+              <p:nvSpPr>
+                <p:cNvPr id="66" name="Rechteck 65"/>
+                <p:cNvSpPr/>
+                <p:nvPr/>
+              </p:nvSpPr>
+              <p:spPr>
+                <a:xfrm>
+                  <a:off x="2268308" y="2486283"/>
+                  <a:ext cx="996950" cy="2061582"/>
+                </a:xfrm>
+                <a:prstGeom prst="rect">
+                  <a:avLst/>
+                </a:prstGeom>
+                <a:noFill/>
+                <a:ln w="57150">
+                  <a:solidFill>
+                    <a:schemeClr val="bg1"/>
+                  </a:solidFill>
+                  <a:prstDash val="sysDot"/>
+                </a:ln>
+              </p:spPr>
+              <p:style>
+                <a:lnRef idx="2">
+                  <a:schemeClr val="accent1">
+                    <a:shade val="50000"/>
+                  </a:schemeClr>
+                </a:lnRef>
+                <a:fillRef idx="1">
+                  <a:schemeClr val="accent1"/>
+                </a:fillRef>
+                <a:effectRef idx="0">
+                  <a:schemeClr val="accent1"/>
+                </a:effectRef>
+                <a:fontRef idx="minor">
+                  <a:schemeClr val="lt1"/>
+                </a:fontRef>
+              </p:style>
+              <p:txBody>
+                <a:bodyPr rtlCol="0" anchor="ctr"/>
+                <a:lstStyle/>
+                <a:p>
+                  <a:pPr algn="ctr"/>
+                  <a:endParaRPr lang="de-DE"/>
+                </a:p>
+              </p:txBody>
+            </p:sp>
+            <p:sp>
+              <p:nvSpPr>
+                <p:cNvPr id="67" name="Rechteck 66"/>
+                <p:cNvSpPr/>
+                <p:nvPr/>
+              </p:nvSpPr>
+              <p:spPr>
+                <a:xfrm>
+                  <a:off x="6443864" y="3210157"/>
+                  <a:ext cx="996950" cy="1308100"/>
+                </a:xfrm>
+                <a:prstGeom prst="rect">
+                  <a:avLst/>
+                </a:prstGeom>
+                <a:noFill/>
+                <a:ln w="57150">
+                  <a:solidFill>
+                    <a:schemeClr val="bg1"/>
+                  </a:solidFill>
+                </a:ln>
+              </p:spPr>
+              <p:style>
+                <a:lnRef idx="2">
+                  <a:schemeClr val="accent1">
+                    <a:shade val="50000"/>
+                  </a:schemeClr>
+                </a:lnRef>
+                <a:fillRef idx="1">
+                  <a:schemeClr val="accent1"/>
+                </a:fillRef>
+                <a:effectRef idx="0">
+                  <a:schemeClr val="accent1"/>
+                </a:effectRef>
+                <a:fontRef idx="minor">
+                  <a:schemeClr val="lt1"/>
+                </a:fontRef>
+              </p:style>
+              <p:txBody>
+                <a:bodyPr rtlCol="0" anchor="ctr"/>
+                <a:lstStyle/>
+                <a:p>
+                  <a:pPr algn="ctr"/>
+                  <a:endParaRPr lang="de-DE"/>
+                </a:p>
+              </p:txBody>
+            </p:sp>
+            <p:sp>
+              <p:nvSpPr>
+                <p:cNvPr id="68" name="Rechteck 67"/>
+                <p:cNvSpPr/>
+                <p:nvPr/>
+              </p:nvSpPr>
+              <p:spPr>
+                <a:xfrm>
+                  <a:off x="6443907" y="2486283"/>
+                  <a:ext cx="996950" cy="2061582"/>
+                </a:xfrm>
+                <a:prstGeom prst="rect">
+                  <a:avLst/>
+                </a:prstGeom>
+                <a:noFill/>
+                <a:ln w="57150">
+                  <a:solidFill>
+                    <a:schemeClr val="bg1"/>
+                  </a:solidFill>
+                  <a:prstDash val="sysDot"/>
+                </a:ln>
+              </p:spPr>
+              <p:style>
+                <a:lnRef idx="2">
+                  <a:schemeClr val="accent1">
+                    <a:shade val="50000"/>
+                  </a:schemeClr>
+                </a:lnRef>
+                <a:fillRef idx="1">
+                  <a:schemeClr val="accent1"/>
+                </a:fillRef>
+                <a:effectRef idx="0">
+                  <a:schemeClr val="accent1"/>
+                </a:effectRef>
+                <a:fontRef idx="minor">
+                  <a:schemeClr val="lt1"/>
+                </a:fontRef>
+              </p:style>
+              <p:txBody>
+                <a:bodyPr rtlCol="0" anchor="ctr"/>
+                <a:lstStyle/>
+                <a:p>
+                  <a:pPr algn="ctr"/>
+                  <a:endParaRPr lang="de-DE"/>
+                </a:p>
+              </p:txBody>
+            </p:sp>
+          </p:grpSp>
+          <p:grpSp>
+            <p:nvGrpSpPr>
+              <p:cNvPr id="143" name="Gruppieren 142"/>
+              <p:cNvGrpSpPr/>
+              <p:nvPr/>
+            </p:nvGrpSpPr>
+            <p:grpSpPr>
+              <a:xfrm>
+                <a:off x="2345184" y="1948851"/>
+                <a:ext cx="5205876" cy="369332"/>
+                <a:chOff x="2345184" y="1948851"/>
+                <a:chExt cx="5205876" cy="369332"/>
+              </a:xfrm>
+            </p:grpSpPr>
+            <p:sp>
+              <p:nvSpPr>
+                <p:cNvPr id="139" name="Textfeld 138"/>
+                <p:cNvSpPr txBox="1"/>
+                <p:nvPr/>
+              </p:nvSpPr>
+              <p:spPr>
+                <a:xfrm>
+                  <a:off x="2345184" y="1948851"/>
+                  <a:ext cx="1064260" cy="369332"/>
+                </a:xfrm>
+                <a:prstGeom prst="rect">
+                  <a:avLst/>
+                </a:prstGeom>
+                <a:noFill/>
+              </p:spPr>
+              <p:txBody>
+                <a:bodyPr wrap="square" rtlCol="0">
+                  <a:spAutoFit/>
+                </a:bodyPr>
+                <a:lstStyle/>
+                <a:p>
+                  <a:r>
+                    <a:rPr lang="de-DE" dirty="0" smtClean="0">
+                      <a:solidFill>
+                        <a:schemeClr val="bg1"/>
+                      </a:solidFill>
+                    </a:rPr>
+                    <a:t>Block 2</a:t>
+                  </a:r>
+                  <a:endParaRPr lang="de-DE" dirty="0">
+                    <a:solidFill>
+                      <a:schemeClr val="bg1"/>
+                    </a:solidFill>
+                  </a:endParaRPr>
+                </a:p>
+              </p:txBody>
+            </p:sp>
+            <p:sp>
+              <p:nvSpPr>
+                <p:cNvPr id="140" name="Textfeld 139"/>
+                <p:cNvSpPr txBox="1"/>
+                <p:nvPr/>
+              </p:nvSpPr>
+              <p:spPr>
+                <a:xfrm>
+                  <a:off x="4415992" y="1948851"/>
+                  <a:ext cx="1064260" cy="369332"/>
+                </a:xfrm>
+                <a:prstGeom prst="rect">
+                  <a:avLst/>
+                </a:prstGeom>
+                <a:noFill/>
+              </p:spPr>
+              <p:txBody>
+                <a:bodyPr wrap="square" rtlCol="0">
+                  <a:spAutoFit/>
+                </a:bodyPr>
+                <a:lstStyle/>
+                <a:p>
+                  <a:r>
+                    <a:rPr lang="de-DE" dirty="0" smtClean="0">
+                      <a:solidFill>
+                        <a:schemeClr val="bg1"/>
+                      </a:solidFill>
+                    </a:rPr>
+                    <a:t>Block 3</a:t>
+                  </a:r>
+                  <a:endParaRPr lang="de-DE" dirty="0">
+                    <a:solidFill>
+                      <a:schemeClr val="bg1"/>
+                    </a:solidFill>
+                  </a:endParaRPr>
+                </a:p>
+              </p:txBody>
+            </p:sp>
+            <p:sp>
+              <p:nvSpPr>
+                <p:cNvPr id="141" name="Textfeld 140"/>
+                <p:cNvSpPr txBox="1"/>
+                <p:nvPr/>
+              </p:nvSpPr>
+              <p:spPr>
+                <a:xfrm>
+                  <a:off x="6486800" y="1948851"/>
+                  <a:ext cx="1064260" cy="369332"/>
+                </a:xfrm>
+                <a:prstGeom prst="rect">
+                  <a:avLst/>
+                </a:prstGeom>
+                <a:noFill/>
+              </p:spPr>
+              <p:txBody>
+                <a:bodyPr wrap="square" rtlCol="0">
+                  <a:spAutoFit/>
+                </a:bodyPr>
+                <a:lstStyle/>
+                <a:p>
+                  <a:r>
+                    <a:rPr lang="de-DE" dirty="0" smtClean="0">
+                      <a:solidFill>
+                        <a:schemeClr val="bg1"/>
+                      </a:solidFill>
+                    </a:rPr>
+                    <a:t>Block 4</a:t>
+                  </a:r>
+                  <a:endParaRPr lang="de-DE" dirty="0">
+                    <a:solidFill>
+                      <a:schemeClr val="bg1"/>
+                    </a:solidFill>
+                  </a:endParaRPr>
+                </a:p>
+              </p:txBody>
+            </p:sp>
+          </p:grpSp>
+        </p:grpSp>
+        <p:sp>
+          <p:nvSpPr>
+            <p:cNvPr id="89" name="Rechteck 88"/>
+            <p:cNvSpPr/>
+            <p:nvPr/>
+          </p:nvSpPr>
+          <p:spPr>
+            <a:xfrm>
+              <a:off x="1577169" y="3194444"/>
+              <a:ext cx="464820" cy="1323813"/>
+            </a:xfrm>
+            <a:prstGeom prst="rect">
+              <a:avLst/>
+            </a:prstGeom>
+            <a:solidFill>
+              <a:srgbClr val="FF0000"/>
+            </a:solidFill>
+            <a:ln w="57150">
+              <a:solidFill>
+                <a:srgbClr val="FF0000"/>
+              </a:solidFill>
+            </a:ln>
+          </p:spPr>
+          <p:style>
+            <a:lnRef idx="2">
+              <a:schemeClr val="accent1">
+                <a:shade val="50000"/>
+              </a:schemeClr>
+            </a:lnRef>
+            <a:fillRef idx="1">
+              <a:schemeClr val="accent1"/>
+            </a:fillRef>
+            <a:effectRef idx="0">
+              <a:schemeClr val="accent1"/>
+            </a:effectRef>
+            <a:fontRef idx="minor">
+              <a:schemeClr val="lt1"/>
+            </a:fontRef>
+          </p:style>
+          <p:txBody>
+            <a:bodyPr rtlCol="0" anchor="ctr"/>
+            <a:lstStyle/>
+            <a:p>
+              <a:pPr algn="ctr"/>
+              <a:endParaRPr lang="de-DE"/>
+            </a:p>
+          </p:txBody>
+        </p:sp>
+        <p:sp>
+          <p:nvSpPr>
+            <p:cNvPr id="90" name="Ellipse 89"/>
+            <p:cNvSpPr/>
+            <p:nvPr/>
+          </p:nvSpPr>
+          <p:spPr>
+            <a:xfrm>
+              <a:off x="358498" y="3836070"/>
+              <a:ext cx="326949" cy="322591"/>
+            </a:xfrm>
+            <a:prstGeom prst="ellipse">
+              <a:avLst/>
+            </a:prstGeom>
+            <a:noFill/>
+            <a:ln w="38100">
+              <a:solidFill>
+                <a:schemeClr val="bg1"/>
+              </a:solidFill>
+            </a:ln>
+          </p:spPr>
+          <p:style>
+            <a:lnRef idx="2">
+              <a:schemeClr val="accent1">
+                <a:shade val="50000"/>
+              </a:schemeClr>
+            </a:lnRef>
+            <a:fillRef idx="1">
+              <a:schemeClr val="accent1"/>
+            </a:fillRef>
+            <a:effectRef idx="0">
+              <a:schemeClr val="accent1"/>
+            </a:effectRef>
+            <a:fontRef idx="minor">
+              <a:schemeClr val="lt1"/>
+            </a:fontRef>
+          </p:style>
+          <p:txBody>
+            <a:bodyPr rtlCol="0" anchor="ctr"/>
+            <a:lstStyle/>
+            <a:p>
+              <a:pPr algn="ctr"/>
+              <a:endParaRPr lang="de-DE"/>
+            </a:p>
+          </p:txBody>
+        </p:sp>
+        <p:sp>
+          <p:nvSpPr>
+            <p:cNvPr id="91" name="Ellipse 90"/>
+            <p:cNvSpPr/>
+            <p:nvPr/>
+          </p:nvSpPr>
+          <p:spPr>
+            <a:xfrm>
+              <a:off x="846631" y="3830599"/>
+              <a:ext cx="326949" cy="322591"/>
+            </a:xfrm>
+            <a:prstGeom prst="ellipse">
+              <a:avLst/>
+            </a:prstGeom>
+            <a:noFill/>
+            <a:ln w="38100">
+              <a:solidFill>
+                <a:schemeClr val="bg1"/>
+              </a:solidFill>
+            </a:ln>
+          </p:spPr>
+          <p:style>
+            <a:lnRef idx="2">
+              <a:schemeClr val="accent1">
+                <a:shade val="50000"/>
+              </a:schemeClr>
+            </a:lnRef>
+            <a:fillRef idx="1">
+              <a:schemeClr val="accent1"/>
+            </a:fillRef>
+            <a:effectRef idx="0">
+              <a:schemeClr val="accent1"/>
+            </a:effectRef>
+            <a:fontRef idx="minor">
+              <a:schemeClr val="lt1"/>
+            </a:fontRef>
+          </p:style>
+          <p:txBody>
+            <a:bodyPr rtlCol="0" anchor="ctr"/>
+            <a:lstStyle/>
+            <a:p>
+              <a:pPr algn="ctr"/>
+              <a:endParaRPr lang="de-DE"/>
+            </a:p>
+          </p:txBody>
+        </p:sp>
+        <p:cxnSp>
+          <p:nvCxnSpPr>
+            <p:cNvPr id="92" name="Gerader Verbinder 91"/>
+            <p:cNvCxnSpPr>
+              <a:endCxn id="91" idx="2"/>
+            </p:cNvCxnSpPr>
+            <p:nvPr/>
+          </p:nvCxnSpPr>
+          <p:spPr>
+            <a:xfrm flipV="1">
+              <a:off x="521972" y="3991895"/>
+              <a:ext cx="324660" cy="1"/>
+            </a:xfrm>
+            <a:prstGeom prst="line">
+              <a:avLst/>
+            </a:prstGeom>
+            <a:solidFill>
+              <a:schemeClr val="bg1"/>
+            </a:solidFill>
+            <a:ln w="38100">
+              <a:solidFill>
+                <a:schemeClr val="bg1"/>
+              </a:solidFill>
+            </a:ln>
+          </p:spPr>
+          <p:style>
+            <a:lnRef idx="1">
+              <a:schemeClr val="dk1"/>
+            </a:lnRef>
+            <a:fillRef idx="0">
+              <a:schemeClr val="dk1"/>
+            </a:fillRef>
+            <a:effectRef idx="0">
+              <a:schemeClr val="dk1"/>
+            </a:effectRef>
+            <a:fontRef idx="minor">
+              <a:schemeClr val="tx1"/>
+            </a:fontRef>
+          </p:style>
+        </p:cxnSp>
+        <p:cxnSp>
+          <p:nvCxnSpPr>
+            <p:cNvPr id="93" name="Gerader Verbinder 92"/>
+            <p:cNvCxnSpPr/>
+            <p:nvPr/>
+          </p:nvCxnSpPr>
+          <p:spPr>
+            <a:xfrm>
+              <a:off x="846631" y="3610249"/>
+              <a:ext cx="163474" cy="355586"/>
+            </a:xfrm>
+            <a:prstGeom prst="line">
+              <a:avLst/>
+            </a:prstGeom>
+            <a:solidFill>
+              <a:schemeClr val="bg1"/>
+            </a:solidFill>
+            <a:ln w="38100">
+              <a:solidFill>
+                <a:schemeClr val="bg1"/>
+              </a:solidFill>
+            </a:ln>
+          </p:spPr>
+          <p:style>
+            <a:lnRef idx="1">
+              <a:schemeClr val="dk1"/>
+            </a:lnRef>
+            <a:fillRef idx="0">
+              <a:schemeClr val="dk1"/>
+            </a:fillRef>
+            <a:effectRef idx="0">
+              <a:schemeClr val="dk1"/>
+            </a:effectRef>
+            <a:fontRef idx="minor">
+              <a:schemeClr val="tx1"/>
+            </a:fontRef>
+          </p:style>
+        </p:cxnSp>
+        <p:cxnSp>
+          <p:nvCxnSpPr>
+            <p:cNvPr id="94" name="Gerader Verbinder 93"/>
+            <p:cNvCxnSpPr/>
+            <p:nvPr/>
+          </p:nvCxnSpPr>
+          <p:spPr>
+            <a:xfrm flipH="1" flipV="1">
+              <a:off x="637824" y="3670311"/>
+              <a:ext cx="122245" cy="321584"/>
+            </a:xfrm>
+            <a:prstGeom prst="line">
+              <a:avLst/>
+            </a:prstGeom>
+            <a:solidFill>
+              <a:schemeClr val="bg1"/>
+            </a:solidFill>
+            <a:ln w="38100">
+              <a:solidFill>
+                <a:schemeClr val="bg1"/>
+              </a:solidFill>
+            </a:ln>
+          </p:spPr>
+          <p:style>
+            <a:lnRef idx="1">
+              <a:schemeClr val="dk1"/>
+            </a:lnRef>
+            <a:fillRef idx="0">
+              <a:schemeClr val="dk1"/>
+            </a:fillRef>
+            <a:effectRef idx="0">
+              <a:schemeClr val="dk1"/>
+            </a:effectRef>
+            <a:fontRef idx="minor">
+              <a:schemeClr val="tx1"/>
+            </a:fontRef>
+          </p:style>
+        </p:cxnSp>
+        <p:cxnSp>
+          <p:nvCxnSpPr>
+            <p:cNvPr id="95" name="Gerader Verbinder 94"/>
+            <p:cNvCxnSpPr/>
+            <p:nvPr/>
+          </p:nvCxnSpPr>
+          <p:spPr>
+            <a:xfrm flipH="1">
+              <a:off x="780097" y="3554038"/>
+              <a:ext cx="133069" cy="134395"/>
+            </a:xfrm>
+            <a:prstGeom prst="line">
+              <a:avLst/>
+            </a:prstGeom>
+            <a:solidFill>
+              <a:schemeClr val="bg1"/>
+            </a:solidFill>
+            <a:ln w="38100">
+              <a:solidFill>
+                <a:schemeClr val="bg1"/>
+              </a:solidFill>
+            </a:ln>
+          </p:spPr>
+          <p:style>
+            <a:lnRef idx="1">
+              <a:schemeClr val="dk1"/>
+            </a:lnRef>
+            <a:fillRef idx="0">
+              <a:schemeClr val="dk1"/>
+            </a:fillRef>
+            <a:effectRef idx="0">
+              <a:schemeClr val="dk1"/>
+            </a:effectRef>
+            <a:fontRef idx="minor">
+              <a:schemeClr val="tx1"/>
+            </a:fontRef>
+          </p:style>
+        </p:cxnSp>
+        <p:sp>
+          <p:nvSpPr>
+            <p:cNvPr id="96" name="Ellipse 95"/>
+            <p:cNvSpPr/>
+            <p:nvPr/>
+          </p:nvSpPr>
+          <p:spPr>
+            <a:xfrm>
+              <a:off x="605093" y="3656415"/>
+              <a:ext cx="96668" cy="64517"/>
+            </a:xfrm>
+            <a:prstGeom prst="ellipse">
+              <a:avLst/>
+            </a:prstGeom>
+            <a:solidFill>
+              <a:schemeClr val="bg1"/>
+            </a:solidFill>
+            <a:ln w="38100">
+              <a:solidFill>
+                <a:schemeClr val="bg1"/>
+              </a:solidFill>
+            </a:ln>
+          </p:spPr>
+          <p:style>
+            <a:lnRef idx="2">
+              <a:schemeClr val="dk1">
+                <a:shade val="50000"/>
+              </a:schemeClr>
+            </a:lnRef>
+            <a:fillRef idx="1">
+              <a:schemeClr val="dk1"/>
+            </a:fillRef>
+            <a:effectRef idx="0">
+              <a:schemeClr val="dk1"/>
+            </a:effectRef>
+            <a:fontRef idx="minor">
+              <a:schemeClr val="lt1"/>
+            </a:fontRef>
+          </p:style>
+          <p:txBody>
+            <a:bodyPr rtlCol="0" anchor="ctr"/>
+            <a:lstStyle/>
+            <a:p>
+              <a:pPr algn="ctr"/>
+              <a:endParaRPr lang="de-DE"/>
+            </a:p>
+          </p:txBody>
+        </p:sp>
+        <p:sp>
+          <p:nvSpPr>
+            <p:cNvPr id="97" name="Gewitterblitz 96"/>
+            <p:cNvSpPr/>
+            <p:nvPr/>
+          </p:nvSpPr>
+          <p:spPr>
+            <a:xfrm>
+              <a:off x="1643414" y="2586175"/>
+              <a:ext cx="332329" cy="443327"/>
+            </a:xfrm>
+            <a:prstGeom prst="lightningBolt">
+              <a:avLst/>
+            </a:prstGeom>
+            <a:solidFill>
+              <a:srgbClr val="FF0000"/>
+            </a:solidFill>
+            <a:ln>
+              <a:solidFill>
+                <a:schemeClr val="bg1"/>
+              </a:solidFill>
+            </a:ln>
+          </p:spPr>
+          <p:style>
+            <a:lnRef idx="2">
+              <a:schemeClr val="accent1">
+                <a:shade val="50000"/>
+              </a:schemeClr>
+            </a:lnRef>
+            <a:fillRef idx="1">
+              <a:schemeClr val="accent1"/>
+            </a:fillRef>
+            <a:effectRef idx="0">
+              <a:schemeClr val="accent1"/>
+            </a:effectRef>
+            <a:fontRef idx="minor">
+              <a:schemeClr val="lt1"/>
+            </a:fontRef>
+          </p:style>
+          <p:txBody>
+            <a:bodyPr rtlCol="0" anchor="ctr"/>
+            <a:lstStyle/>
+            <a:p>
+              <a:pPr algn="ctr"/>
+              <a:endParaRPr lang="de-DE"/>
+            </a:p>
+          </p:txBody>
+        </p:sp>
+        <p:sp>
+          <p:nvSpPr>
+            <p:cNvPr id="98" name="Textfeld 97"/>
+            <p:cNvSpPr txBox="1"/>
+            <p:nvPr/>
+          </p:nvSpPr>
+          <p:spPr>
+            <a:xfrm>
+              <a:off x="267564" y="4560527"/>
+              <a:ext cx="1064260" cy="369332"/>
+            </a:xfrm>
+            <a:prstGeom prst="rect">
+              <a:avLst/>
+            </a:prstGeom>
+            <a:noFill/>
+          </p:spPr>
+          <p:txBody>
+            <a:bodyPr wrap="square" rtlCol="0">
+              <a:spAutoFit/>
+            </a:bodyPr>
+            <a:lstStyle/>
+            <a:p>
+              <a:r>
+                <a:rPr lang="de-DE" dirty="0" smtClean="0">
+                  <a:solidFill>
+                    <a:schemeClr val="bg1"/>
+                  </a:solidFill>
+                </a:rPr>
+                <a:t>10 </a:t>
+              </a:r>
+              <a:r>
+                <a:rPr lang="de-DE" dirty="0" smtClean="0">
+                  <a:solidFill>
+                    <a:schemeClr val="bg1"/>
+                  </a:solidFill>
+                </a:rPr>
+                <a:t>min</a:t>
+              </a:r>
+              <a:endParaRPr lang="de-DE" dirty="0">
+                <a:solidFill>
+                  <a:schemeClr val="bg1"/>
+                </a:solidFill>
+              </a:endParaRPr>
+            </a:p>
+          </p:txBody>
+        </p:sp>
+        <p:sp>
+          <p:nvSpPr>
+            <p:cNvPr id="99" name="Rechteck 98"/>
+            <p:cNvSpPr/>
+            <p:nvPr/>
+          </p:nvSpPr>
+          <p:spPr>
+            <a:xfrm>
+              <a:off x="281579" y="3236650"/>
+              <a:ext cx="996950" cy="1308100"/>
+            </a:xfrm>
+            <a:prstGeom prst="rect">
+              <a:avLst/>
+            </a:prstGeom>
+            <a:noFill/>
+            <a:ln w="57150">
+              <a:solidFill>
+                <a:schemeClr val="bg1"/>
+              </a:solidFill>
+            </a:ln>
+          </p:spPr>
+          <p:style>
+            <a:lnRef idx="2">
+              <a:schemeClr val="accent1">
+                <a:shade val="50000"/>
+              </a:schemeClr>
+            </a:lnRef>
+            <a:fillRef idx="1">
+              <a:schemeClr val="accent1"/>
+            </a:fillRef>
+            <a:effectRef idx="0">
+              <a:schemeClr val="accent1"/>
+            </a:effectRef>
+            <a:fontRef idx="minor">
+              <a:schemeClr val="lt1"/>
+            </a:fontRef>
+          </p:style>
+          <p:txBody>
+            <a:bodyPr rtlCol="0" anchor="ctr"/>
+            <a:lstStyle/>
+            <a:p>
+              <a:pPr algn="ctr"/>
+              <a:endParaRPr lang="de-DE"/>
+            </a:p>
+          </p:txBody>
+        </p:sp>
+        <p:sp>
+          <p:nvSpPr>
+            <p:cNvPr id="100" name="Rechteck 99"/>
+            <p:cNvSpPr/>
+            <p:nvPr/>
+          </p:nvSpPr>
+          <p:spPr>
+            <a:xfrm>
+              <a:off x="281622" y="2486625"/>
+              <a:ext cx="996950" cy="2061582"/>
+            </a:xfrm>
+            <a:prstGeom prst="rect">
+              <a:avLst/>
+            </a:prstGeom>
+            <a:noFill/>
+            <a:ln w="57150">
+              <a:solidFill>
+                <a:schemeClr val="bg1"/>
+              </a:solidFill>
+              <a:prstDash val="sysDot"/>
+            </a:ln>
+          </p:spPr>
+          <p:style>
+            <a:lnRef idx="2">
+              <a:schemeClr val="accent1">
+                <a:shade val="50000"/>
+              </a:schemeClr>
+            </a:lnRef>
+            <a:fillRef idx="1">
+              <a:schemeClr val="accent1"/>
+            </a:fillRef>
+            <a:effectRef idx="0">
+              <a:schemeClr val="accent1"/>
+            </a:effectRef>
+            <a:fontRef idx="minor">
+              <a:schemeClr val="lt1"/>
+            </a:fontRef>
+          </p:style>
+          <p:txBody>
+            <a:bodyPr rtlCol="0" anchor="ctr"/>
+            <a:lstStyle/>
+            <a:p>
+              <a:pPr algn="ctr"/>
+              <a:endParaRPr lang="de-DE"/>
+            </a:p>
+          </p:txBody>
+        </p:sp>
+        <p:sp>
+          <p:nvSpPr>
+            <p:cNvPr id="101" name="Textfeld 100"/>
+            <p:cNvSpPr txBox="1"/>
+            <p:nvPr/>
+          </p:nvSpPr>
+          <p:spPr>
+            <a:xfrm>
+              <a:off x="358498" y="1926859"/>
+              <a:ext cx="1064260" cy="369332"/>
+            </a:xfrm>
+            <a:prstGeom prst="rect">
+              <a:avLst/>
+            </a:prstGeom>
+            <a:noFill/>
+          </p:spPr>
+          <p:txBody>
+            <a:bodyPr wrap="square" rtlCol="0">
+              <a:spAutoFit/>
+            </a:bodyPr>
+            <a:lstStyle/>
+            <a:p>
+              <a:r>
+                <a:rPr lang="de-DE" dirty="0" smtClean="0">
+                  <a:solidFill>
+                    <a:schemeClr val="bg1"/>
+                  </a:solidFill>
+                </a:rPr>
+                <a:t>Block 1</a:t>
+              </a:r>
+              <a:endParaRPr lang="de-DE" dirty="0">
+                <a:solidFill>
+                  <a:schemeClr val="bg1"/>
+                </a:solidFill>
+              </a:endParaRPr>
+            </a:p>
+          </p:txBody>
+        </p:sp>
+      </p:grpSp>
+    </p:spTree>
+    <p:extLst>
+      <p:ext uri="{BB962C8B-B14F-4D97-AF65-F5344CB8AC3E}">
+        <p14:creationId xmlns:p14="http://schemas.microsoft.com/office/powerpoint/2010/main" val="613555784"/>
+      </p:ext>
+    </p:extLst>
+  </p:cSld>
+  <p:clrMapOvr>
+    <a:masterClrMapping/>
+  </p:clrMapOvr>
+  <p:timing>
+    <p:tnLst>
+      <p:par>
+        <p:cTn id="1" dur="indefinite" restart="never" nodeType="tmRoot"/>
+      </p:par>
+    </p:tnLst>
+  </p:timing>
+</p:sld>
+</file>
+
+<file path=ppt/slides/slide2.xml><?xml version="1.0" encoding="utf-8"?>
+<p:sld xmlns:a="http://schemas.openxmlformats.org/drawingml/2006/main" xmlns:r="http://schemas.openxmlformats.org/officeDocument/2006/relationships" xmlns:p="http://schemas.openxmlformats.org/presentationml/2006/main">
+  <p:cSld>
+    <p:spTree>
+      <p:nvGrpSpPr>
+        <p:cNvPr id="1" name=""/>
+        <p:cNvGrpSpPr/>
+        <p:nvPr/>
+      </p:nvGrpSpPr>
+      <p:grpSpPr>
+        <a:xfrm>
+          <a:off x="0" y="0"/>
+          <a:ext cx="0" cy="0"/>
+          <a:chOff x="0" y="0"/>
+          <a:chExt cx="0" cy="0"/>
+        </a:xfrm>
+      </p:grpSpPr>
+      <p:sp>
+        <p:nvSpPr>
+          <p:cNvPr id="3" name="Rechteck 2"/>
+          <p:cNvSpPr/>
+          <p:nvPr/>
+        </p:nvSpPr>
+        <p:spPr>
+          <a:xfrm>
+            <a:off x="1489933" y="503695"/>
+            <a:ext cx="9212135" cy="5579211"/>
+          </a:xfrm>
+          <a:prstGeom prst="rect">
+            <a:avLst/>
+          </a:prstGeom>
+          <a:solidFill>
+            <a:srgbClr val="464646"/>
+          </a:solidFill>
+          <a:ln>
+            <a:solidFill>
+              <a:srgbClr val="464646"/>
+            </a:solidFill>
+          </a:ln>
+        </p:spPr>
+        <p:style>
+          <a:lnRef idx="2">
+            <a:schemeClr val="accent1">
+              <a:shade val="50000"/>
+            </a:schemeClr>
+          </a:lnRef>
+          <a:fillRef idx="1">
+            <a:schemeClr val="accent1"/>
+          </a:fillRef>
+          <a:effectRef idx="0">
+            <a:schemeClr val="accent1"/>
+          </a:effectRef>
+          <a:fontRef idx="minor">
+            <a:schemeClr val="lt1"/>
+          </a:fontRef>
+        </p:style>
+        <p:txBody>
+          <a:bodyPr rtlCol="0" anchor="ctr"/>
+          <a:lstStyle/>
+          <a:p>
+            <a:pPr algn="ctr"/>
+            <a:endParaRPr lang="de-DE"/>
+          </a:p>
+        </p:txBody>
+      </p:sp>
+      <p:pic>
+        <p:nvPicPr>
+          <p:cNvPr id="4" name="Grafik 3"/>
+          <p:cNvPicPr>
+            <a:picLocks noChangeAspect="1"/>
+          </p:cNvPicPr>
+          <p:nvPr/>
+        </p:nvPicPr>
+        <p:blipFill rotWithShape="1">
+          <a:blip r:embed="rId2"/>
+          <a:srcRect l="10805" t="50756" r="51123" b="36210"/>
+          <a:stretch/>
+        </p:blipFill>
+        <p:spPr>
+          <a:xfrm>
+            <a:off x="1690172" y="4972881"/>
+            <a:ext cx="8849524" cy="1110025"/>
+          </a:xfrm>
+          <a:prstGeom prst="rect">
+            <a:avLst/>
+          </a:prstGeom>
+        </p:spPr>
+      </p:pic>
+      <p:pic>
+        <p:nvPicPr>
+          <p:cNvPr id="5" name="Grafik 4"/>
+          <p:cNvPicPr>
+            <a:picLocks noChangeAspect="1"/>
+          </p:cNvPicPr>
+          <p:nvPr/>
+        </p:nvPicPr>
+        <p:blipFill rotWithShape="1">
+          <a:blip r:embed="rId3"/>
+          <a:srcRect l="11313" t="31352" r="52839" b="38811"/>
+          <a:stretch/>
+        </p:blipFill>
+        <p:spPr>
+          <a:xfrm>
+            <a:off x="2722776" y="1805552"/>
+            <a:ext cx="6366980" cy="1941703"/>
+          </a:xfrm>
+          <a:prstGeom prst="rect">
+            <a:avLst/>
+          </a:prstGeom>
+        </p:spPr>
+      </p:pic>
+    </p:spTree>
+    <p:extLst>
+      <p:ext uri="{BB962C8B-B14F-4D97-AF65-F5344CB8AC3E}">
+        <p14:creationId xmlns:p14="http://schemas.microsoft.com/office/powerpoint/2010/main" val="4000954723"/>
+      </p:ext>
+    </p:extLst>
+  </p:cSld>
+  <p:clrMapOvr>
+    <a:masterClrMapping/>
+  </p:clrMapOvr>
+  <p:timing>
+    <p:tnLst>
+      <p:par>
+        <p:cTn id="1" dur="indefinite" restart="never" nodeType="tmRoot"/>
+      </p:par>
+    </p:tnLst>
+  </p:timing>
+</p:sld>
+</file>
+
+<file path=ppt/slides/slide20.xml><?xml version="1.0" encoding="utf-8"?>
+<p:sld xmlns:a="http://schemas.openxmlformats.org/drawingml/2006/main" xmlns:r="http://schemas.openxmlformats.org/officeDocument/2006/relationships" xmlns:p="http://schemas.openxmlformats.org/presentationml/2006/main">
+  <p:cSld>
+    <p:bg>
+      <p:bgPr>
+        <a:solidFill>
+          <a:srgbClr val="464646"/>
+        </a:solidFill>
+        <a:effectLst/>
+      </p:bgPr>
+    </p:bg>
+    <p:spTree>
+      <p:nvGrpSpPr>
+        <p:cNvPr id="1" name=""/>
+        <p:cNvGrpSpPr/>
+        <p:nvPr/>
+      </p:nvGrpSpPr>
+      <p:grpSpPr>
+        <a:xfrm>
+          <a:off x="0" y="0"/>
+          <a:ext cx="0" cy="0"/>
+          <a:chOff x="0" y="0"/>
+          <a:chExt cx="0" cy="0"/>
+        </a:xfrm>
+      </p:grpSpPr>
+      <p:sp>
+        <p:nvSpPr>
+          <p:cNvPr id="324" name="Rechteck 323"/>
+          <p:cNvSpPr/>
+          <p:nvPr/>
+        </p:nvSpPr>
+        <p:spPr>
+          <a:xfrm>
+            <a:off x="0" y="379708"/>
+            <a:ext cx="12344399" cy="6478291"/>
+          </a:xfrm>
+          <a:prstGeom prst="rect">
+            <a:avLst/>
+          </a:prstGeom>
+          <a:solidFill>
+            <a:srgbClr val="464646"/>
+          </a:solidFill>
+          <a:ln>
+            <a:solidFill>
+              <a:srgbClr val="464646"/>
+            </a:solidFill>
+          </a:ln>
+        </p:spPr>
+        <p:style>
+          <a:lnRef idx="2">
+            <a:schemeClr val="accent1">
+              <a:shade val="50000"/>
+            </a:schemeClr>
+          </a:lnRef>
+          <a:fillRef idx="1">
+            <a:schemeClr val="accent1"/>
+          </a:fillRef>
+          <a:effectRef idx="0">
+            <a:schemeClr val="accent1"/>
+          </a:effectRef>
+          <a:fontRef idx="minor">
+            <a:schemeClr val="lt1"/>
+          </a:fontRef>
+        </p:style>
+        <p:txBody>
+          <a:bodyPr rtlCol="0" anchor="ctr"/>
+          <a:lstStyle/>
+          <a:p>
+            <a:pPr algn="ctr"/>
+            <a:endParaRPr lang="de-DE"/>
+          </a:p>
+        </p:txBody>
+      </p:sp>
+      <p:pic>
+        <p:nvPicPr>
+          <p:cNvPr id="74" name="Grafik 73"/>
+          <p:cNvPicPr>
+            <a:picLocks noChangeAspect="1"/>
+          </p:cNvPicPr>
+          <p:nvPr/>
+        </p:nvPicPr>
+        <p:blipFill rotWithShape="1">
+          <a:blip r:embed="rId2"/>
+          <a:srcRect l="10805" t="50756" r="51123" b="36210"/>
+          <a:stretch/>
+        </p:blipFill>
+        <p:spPr>
+          <a:xfrm>
+            <a:off x="1690172" y="4972881"/>
+            <a:ext cx="8849524" cy="1110025"/>
+          </a:xfrm>
+          <a:prstGeom prst="rect">
+            <a:avLst/>
+          </a:prstGeom>
+        </p:spPr>
+      </p:pic>
+      <p:sp>
+        <p:nvSpPr>
+          <p:cNvPr id="76" name="Rechteck 75"/>
+          <p:cNvSpPr/>
+          <p:nvPr/>
+        </p:nvSpPr>
+        <p:spPr>
+          <a:xfrm>
+            <a:off x="835572" y="796720"/>
+            <a:ext cx="11175124" cy="967957"/>
+          </a:xfrm>
+          <a:prstGeom prst="rect">
+            <a:avLst/>
+          </a:prstGeom>
+        </p:spPr>
+        <p:txBody>
+          <a:bodyPr wrap="square">
+            <a:spAutoFit/>
+          </a:bodyPr>
+          <a:lstStyle/>
+          <a:p>
+            <a:pPr algn="ctr">
+              <a:lnSpc>
+                <a:spcPct val="150000"/>
+              </a:lnSpc>
+            </a:pPr>
+            <a:r>
+              <a:rPr lang="de-DE" sz="2000" dirty="0">
+                <a:solidFill>
+                  <a:schemeClr val="bg1"/>
+                </a:solidFill>
+              </a:rPr>
+              <a:t>Die Intensität des Fahrradfahrens ist entweder hoch oder niedrig (zufällig). Vor jedem Block wird Ihnen angezeigt, bei welcher Intensität Sie fahren sollen.</a:t>
+            </a:r>
+            <a:endParaRPr lang="de-DE" sz="2000" dirty="0">
+              <a:solidFill>
+                <a:schemeClr val="bg1"/>
+              </a:solidFill>
+            </a:endParaRPr>
+          </a:p>
+        </p:txBody>
+      </p:sp>
+      <p:grpSp>
+        <p:nvGrpSpPr>
+          <p:cNvPr id="6" name="Gruppieren 5"/>
+          <p:cNvGrpSpPr/>
+          <p:nvPr/>
+        </p:nvGrpSpPr>
+        <p:grpSpPr>
+          <a:xfrm>
+            <a:off x="2402130" y="1973959"/>
+            <a:ext cx="7425607" cy="3024992"/>
+            <a:chOff x="208589" y="1926859"/>
+            <a:chExt cx="7425607" cy="3024992"/>
+          </a:xfrm>
+        </p:grpSpPr>
+        <p:grpSp>
+          <p:nvGrpSpPr>
+            <p:cNvPr id="144" name="Gruppieren 143"/>
+            <p:cNvGrpSpPr/>
+            <p:nvPr/>
+          </p:nvGrpSpPr>
+          <p:grpSpPr>
+            <a:xfrm>
+              <a:off x="208589" y="1948851"/>
+              <a:ext cx="7425607" cy="3003000"/>
+              <a:chOff x="208589" y="1948851"/>
+              <a:chExt cx="7425607" cy="3003000"/>
+            </a:xfrm>
+          </p:grpSpPr>
+          <p:grpSp>
+            <p:nvGrpSpPr>
+              <p:cNvPr id="71" name="Gruppieren 70"/>
+              <p:cNvGrpSpPr/>
+              <p:nvPr/>
+            </p:nvGrpSpPr>
+            <p:grpSpPr>
+              <a:xfrm>
+                <a:off x="208589" y="2486283"/>
+                <a:ext cx="7425607" cy="2465568"/>
+                <a:chOff x="208589" y="2486283"/>
+                <a:chExt cx="7425607" cy="2465568"/>
+              </a:xfrm>
+            </p:grpSpPr>
+            <p:sp>
+              <p:nvSpPr>
+                <p:cNvPr id="13" name="Rechteck 12"/>
+                <p:cNvSpPr/>
+                <p:nvPr/>
+              </p:nvSpPr>
+              <p:spPr>
+                <a:xfrm>
+                  <a:off x="5650935" y="3216436"/>
+                  <a:ext cx="464820" cy="1323813"/>
+                </a:xfrm>
+                <a:prstGeom prst="rect">
+                  <a:avLst/>
+                </a:prstGeom>
+                <a:solidFill>
+                  <a:srgbClr val="FF0000"/>
+                </a:solidFill>
+                <a:ln w="57150">
+                  <a:solidFill>
+                    <a:srgbClr val="FF0000"/>
+                  </a:solidFill>
+                </a:ln>
+              </p:spPr>
+              <p:style>
+                <a:lnRef idx="2">
+                  <a:schemeClr val="accent1">
+                    <a:shade val="50000"/>
+                  </a:schemeClr>
+                </a:lnRef>
+                <a:fillRef idx="1">
+                  <a:schemeClr val="accent1"/>
+                </a:fillRef>
+                <a:effectRef idx="0">
+                  <a:schemeClr val="accent1"/>
+                </a:effectRef>
+                <a:fontRef idx="minor">
+                  <a:schemeClr val="lt1"/>
+                </a:fontRef>
+              </p:style>
+              <p:txBody>
+                <a:bodyPr rtlCol="0" anchor="ctr"/>
+                <a:lstStyle/>
+                <a:p>
+                  <a:pPr algn="ctr"/>
+                  <a:endParaRPr lang="de-DE"/>
+                </a:p>
+              </p:txBody>
+            </p:sp>
+            <p:sp>
+              <p:nvSpPr>
+                <p:cNvPr id="8" name="Rechteck 7"/>
+                <p:cNvSpPr/>
+                <p:nvPr/>
+              </p:nvSpPr>
+              <p:spPr>
+                <a:xfrm>
+                  <a:off x="3563855" y="3216436"/>
+                  <a:ext cx="464820" cy="1323813"/>
+                </a:xfrm>
+                <a:prstGeom prst="rect">
+                  <a:avLst/>
+                </a:prstGeom>
+                <a:solidFill>
+                  <a:srgbClr val="FF0000"/>
+                </a:solidFill>
+                <a:ln w="57150">
+                  <a:solidFill>
+                    <a:srgbClr val="FF0000"/>
+                  </a:solidFill>
+                </a:ln>
+              </p:spPr>
+              <p:style>
+                <a:lnRef idx="2">
+                  <a:schemeClr val="accent1">
+                    <a:shade val="50000"/>
+                  </a:schemeClr>
+                </a:lnRef>
+                <a:fillRef idx="1">
+                  <a:schemeClr val="accent1"/>
+                </a:fillRef>
+                <a:effectRef idx="0">
+                  <a:schemeClr val="accent1"/>
+                </a:effectRef>
+                <a:fontRef idx="minor">
+                  <a:schemeClr val="lt1"/>
+                </a:fontRef>
+              </p:style>
+              <p:txBody>
+                <a:bodyPr rtlCol="0" anchor="ctr"/>
+                <a:lstStyle/>
+                <a:p>
+                  <a:pPr algn="ctr"/>
+                  <a:endParaRPr lang="de-DE"/>
+                </a:p>
+              </p:txBody>
+            </p:sp>
+            <p:cxnSp>
+              <p:nvCxnSpPr>
+                <p:cNvPr id="4" name="Gerader Verbinder 3"/>
+                <p:cNvCxnSpPr/>
+                <p:nvPr/>
+              </p:nvCxnSpPr>
+              <p:spPr>
+                <a:xfrm>
+                  <a:off x="208589" y="4545793"/>
+                  <a:ext cx="7425607" cy="2072"/>
+                </a:xfrm>
+                <a:prstGeom prst="line">
+                  <a:avLst/>
+                </a:prstGeom>
+                <a:ln w="57150">
+                  <a:solidFill>
+                    <a:schemeClr val="bg1"/>
+                  </a:solidFill>
+                </a:ln>
+              </p:spPr>
+              <p:style>
+                <a:lnRef idx="1">
+                  <a:schemeClr val="accent1"/>
+                </a:lnRef>
+                <a:fillRef idx="0">
+                  <a:schemeClr val="accent1"/>
+                </a:fillRef>
+                <a:effectRef idx="0">
+                  <a:schemeClr val="accent1"/>
+                </a:effectRef>
+                <a:fontRef idx="minor">
+                  <a:schemeClr val="tx1"/>
+                </a:fontRef>
+              </p:style>
+            </p:cxnSp>
+            <p:sp>
+              <p:nvSpPr>
+                <p:cNvPr id="10" name="Rechteck 9"/>
+                <p:cNvSpPr/>
+                <p:nvPr/>
+              </p:nvSpPr>
+              <p:spPr>
+                <a:xfrm>
+                  <a:off x="4341330" y="3232150"/>
+                  <a:ext cx="996950" cy="1308100"/>
+                </a:xfrm>
+                <a:prstGeom prst="rect">
+                  <a:avLst/>
+                </a:prstGeom>
+                <a:noFill/>
+                <a:ln w="57150">
+                  <a:solidFill>
+                    <a:schemeClr val="bg1"/>
+                  </a:solidFill>
+                </a:ln>
+              </p:spPr>
+              <p:style>
+                <a:lnRef idx="2">
+                  <a:schemeClr val="accent1">
+                    <a:shade val="50000"/>
+                  </a:schemeClr>
+                </a:lnRef>
+                <a:fillRef idx="1">
+                  <a:schemeClr val="accent1"/>
+                </a:fillRef>
+                <a:effectRef idx="0">
+                  <a:schemeClr val="accent1"/>
+                </a:effectRef>
+                <a:fontRef idx="minor">
+                  <a:schemeClr val="lt1"/>
+                </a:fontRef>
+              </p:style>
+              <p:txBody>
+                <a:bodyPr rtlCol="0" anchor="ctr"/>
+                <a:lstStyle/>
+                <a:p>
+                  <a:pPr algn="ctr"/>
+                  <a:endParaRPr lang="de-DE"/>
+                </a:p>
+              </p:txBody>
+            </p:sp>
+            <p:grpSp>
+              <p:nvGrpSpPr>
+                <p:cNvPr id="16" name="Gruppieren 15"/>
+                <p:cNvGrpSpPr/>
+                <p:nvPr/>
+              </p:nvGrpSpPr>
+              <p:grpSpPr>
+                <a:xfrm>
+                  <a:off x="2345184" y="3576030"/>
+                  <a:ext cx="815082" cy="604623"/>
+                  <a:chOff x="2491998" y="2031897"/>
+                  <a:chExt cx="574733" cy="428457"/>
+                </a:xfrm>
+                <a:solidFill>
+                  <a:schemeClr val="bg1"/>
+                </a:solidFill>
+              </p:grpSpPr>
+              <p:grpSp>
+                <p:nvGrpSpPr>
+                  <p:cNvPr id="17" name="Gruppieren 16"/>
+                  <p:cNvGrpSpPr/>
+                  <p:nvPr/>
+                </p:nvGrpSpPr>
+                <p:grpSpPr>
+                  <a:xfrm>
+                    <a:off x="2491998" y="2031897"/>
+                    <a:ext cx="574733" cy="428457"/>
+                    <a:chOff x="2491998" y="2031897"/>
+                    <a:chExt cx="574733" cy="428457"/>
+                  </a:xfrm>
+                  <a:grpFill/>
+                </p:grpSpPr>
+                <p:sp>
+                  <p:nvSpPr>
+                    <p:cNvPr id="19" name="Ellipse 18"/>
+                    <p:cNvSpPr/>
+                    <p:nvPr/>
+                  </p:nvSpPr>
+                  <p:spPr>
+                    <a:xfrm>
+                      <a:off x="2491998" y="2231755"/>
+                      <a:ext cx="230539" cy="228599"/>
+                    </a:xfrm>
+                    <a:prstGeom prst="ellipse">
+                      <a:avLst/>
+                    </a:prstGeom>
+                    <a:noFill/>
+                    <a:ln w="38100">
+                      <a:solidFill>
+                        <a:schemeClr val="bg1"/>
+                      </a:solidFill>
+                    </a:ln>
+                  </p:spPr>
+                  <p:style>
+                    <a:lnRef idx="2">
+                      <a:schemeClr val="accent1">
+                        <a:shade val="50000"/>
+                      </a:schemeClr>
+                    </a:lnRef>
+                    <a:fillRef idx="1">
+                      <a:schemeClr val="accent1"/>
+                    </a:fillRef>
+                    <a:effectRef idx="0">
+                      <a:schemeClr val="accent1"/>
+                    </a:effectRef>
+                    <a:fontRef idx="minor">
+                      <a:schemeClr val="lt1"/>
+                    </a:fontRef>
+                  </p:style>
+                  <p:txBody>
+                    <a:bodyPr rtlCol="0" anchor="ctr"/>
+                    <a:lstStyle/>
+                    <a:p>
+                      <a:pPr algn="ctr"/>
+                      <a:endParaRPr lang="de-DE"/>
+                    </a:p>
+                  </p:txBody>
+                </p:sp>
+                <p:sp>
+                  <p:nvSpPr>
+                    <p:cNvPr id="20" name="Ellipse 19"/>
+                    <p:cNvSpPr/>
+                    <p:nvPr/>
+                  </p:nvSpPr>
+                  <p:spPr>
+                    <a:xfrm>
+                      <a:off x="2836192" y="2227878"/>
+                      <a:ext cx="230539" cy="228599"/>
+                    </a:xfrm>
+                    <a:prstGeom prst="ellipse">
+                      <a:avLst/>
+                    </a:prstGeom>
+                    <a:noFill/>
+                    <a:ln w="38100">
+                      <a:solidFill>
+                        <a:schemeClr val="bg1"/>
+                      </a:solidFill>
+                    </a:ln>
+                  </p:spPr>
+                  <p:style>
+                    <a:lnRef idx="2">
+                      <a:schemeClr val="accent1">
+                        <a:shade val="50000"/>
+                      </a:schemeClr>
+                    </a:lnRef>
+                    <a:fillRef idx="1">
+                      <a:schemeClr val="accent1"/>
+                    </a:fillRef>
+                    <a:effectRef idx="0">
+                      <a:schemeClr val="accent1"/>
+                    </a:effectRef>
+                    <a:fontRef idx="minor">
+                      <a:schemeClr val="lt1"/>
+                    </a:fontRef>
+                  </p:style>
+                  <p:txBody>
+                    <a:bodyPr rtlCol="0" anchor="ctr"/>
+                    <a:lstStyle/>
+                    <a:p>
+                      <a:pPr algn="ctr"/>
+                      <a:endParaRPr lang="de-DE"/>
+                    </a:p>
+                  </p:txBody>
+                </p:sp>
+                <p:cxnSp>
+                  <p:nvCxnSpPr>
+                    <p:cNvPr id="21" name="Gerader Verbinder 20"/>
+                    <p:cNvCxnSpPr>
+                      <a:endCxn id="20" idx="2"/>
+                    </p:cNvCxnSpPr>
+                    <p:nvPr/>
+                  </p:nvCxnSpPr>
+                  <p:spPr>
+                    <a:xfrm flipV="1">
+                      <a:off x="2607267" y="2342178"/>
+                      <a:ext cx="228925" cy="1"/>
+                    </a:xfrm>
+                    <a:prstGeom prst="line">
+                      <a:avLst/>
+                    </a:prstGeom>
+                    <a:grpFill/>
+                    <a:ln w="38100">
+                      <a:solidFill>
+                        <a:schemeClr val="bg1"/>
+                      </a:solidFill>
+                    </a:ln>
+                  </p:spPr>
+                  <p:style>
+                    <a:lnRef idx="1">
+                      <a:schemeClr val="dk1"/>
+                    </a:lnRef>
+                    <a:fillRef idx="0">
+                      <a:schemeClr val="dk1"/>
+                    </a:fillRef>
+                    <a:effectRef idx="0">
+                      <a:schemeClr val="dk1"/>
+                    </a:effectRef>
+                    <a:fontRef idx="minor">
+                      <a:schemeClr val="tx1"/>
+                    </a:fontRef>
+                  </p:style>
+                </p:cxnSp>
+                <p:cxnSp>
+                  <p:nvCxnSpPr>
+                    <p:cNvPr id="22" name="Gerader Verbinder 21"/>
+                    <p:cNvCxnSpPr/>
+                    <p:nvPr/>
+                  </p:nvCxnSpPr>
+                  <p:spPr>
+                    <a:xfrm>
+                      <a:off x="2836192" y="2071730"/>
+                      <a:ext cx="115269" cy="251981"/>
+                    </a:xfrm>
+                    <a:prstGeom prst="line">
+                      <a:avLst/>
+                    </a:prstGeom>
+                    <a:grpFill/>
+                    <a:ln w="38100">
+                      <a:solidFill>
+                        <a:schemeClr val="bg1"/>
+                      </a:solidFill>
+                    </a:ln>
+                  </p:spPr>
+                  <p:style>
+                    <a:lnRef idx="1">
+                      <a:schemeClr val="dk1"/>
+                    </a:lnRef>
+                    <a:fillRef idx="0">
+                      <a:schemeClr val="dk1"/>
+                    </a:fillRef>
+                    <a:effectRef idx="0">
+                      <a:schemeClr val="dk1"/>
+                    </a:effectRef>
+                    <a:fontRef idx="minor">
+                      <a:schemeClr val="tx1"/>
+                    </a:fontRef>
+                  </p:style>
+                </p:cxnSp>
+                <p:cxnSp>
+                  <p:nvCxnSpPr>
+                    <p:cNvPr id="23" name="Gerader Verbinder 22"/>
+                    <p:cNvCxnSpPr/>
+                    <p:nvPr/>
+                  </p:nvCxnSpPr>
+                  <p:spPr>
+                    <a:xfrm flipH="1" flipV="1">
+                      <a:off x="2688957" y="2114292"/>
+                      <a:ext cx="86198" cy="227886"/>
+                    </a:xfrm>
+                    <a:prstGeom prst="line">
+                      <a:avLst/>
+                    </a:prstGeom>
+                    <a:grpFill/>
+                    <a:ln w="38100">
+                      <a:solidFill>
+                        <a:schemeClr val="bg1"/>
+                      </a:solidFill>
+                    </a:ln>
+                  </p:spPr>
+                  <p:style>
+                    <a:lnRef idx="1">
+                      <a:schemeClr val="dk1"/>
+                    </a:lnRef>
+                    <a:fillRef idx="0">
+                      <a:schemeClr val="dk1"/>
+                    </a:fillRef>
+                    <a:effectRef idx="0">
+                      <a:schemeClr val="dk1"/>
+                    </a:effectRef>
+                    <a:fontRef idx="minor">
+                      <a:schemeClr val="tx1"/>
+                    </a:fontRef>
+                  </p:style>
+                </p:cxnSp>
+                <p:cxnSp>
+                  <p:nvCxnSpPr>
+                    <p:cNvPr id="24" name="Gerader Verbinder 23"/>
+                    <p:cNvCxnSpPr/>
+                    <p:nvPr/>
+                  </p:nvCxnSpPr>
+                  <p:spPr>
+                    <a:xfrm flipV="1">
+                      <a:off x="2749418" y="2287948"/>
+                      <a:ext cx="40067" cy="104621"/>
+                    </a:xfrm>
+                    <a:prstGeom prst="line">
+                      <a:avLst/>
+                    </a:prstGeom>
+                    <a:grpFill/>
+                    <a:ln w="38100">
+                      <a:solidFill>
+                        <a:schemeClr val="bg1"/>
+                      </a:solidFill>
+                    </a:ln>
+                  </p:spPr>
+                  <p:style>
+                    <a:lnRef idx="1">
+                      <a:schemeClr val="dk1"/>
+                    </a:lnRef>
+                    <a:fillRef idx="0">
+                      <a:schemeClr val="dk1"/>
+                    </a:fillRef>
+                    <a:effectRef idx="0">
+                      <a:schemeClr val="dk1"/>
+                    </a:effectRef>
+                    <a:fontRef idx="minor">
+                      <a:schemeClr val="tx1"/>
+                    </a:fontRef>
+                  </p:style>
+                </p:cxnSp>
+                <p:cxnSp>
+                  <p:nvCxnSpPr>
+                    <p:cNvPr id="25" name="Gerader Verbinder 24"/>
+                    <p:cNvCxnSpPr/>
+                    <p:nvPr/>
+                  </p:nvCxnSpPr>
+                  <p:spPr>
+                    <a:xfrm flipH="1">
+                      <a:off x="2789277" y="2031897"/>
+                      <a:ext cx="93830" cy="95237"/>
+                    </a:xfrm>
+                    <a:prstGeom prst="line">
+                      <a:avLst/>
+                    </a:prstGeom>
+                    <a:grpFill/>
+                    <a:ln w="38100">
+                      <a:solidFill>
+                        <a:schemeClr val="bg1"/>
+                      </a:solidFill>
+                    </a:ln>
+                  </p:spPr>
+                  <p:style>
+                    <a:lnRef idx="1">
+                      <a:schemeClr val="dk1"/>
+                    </a:lnRef>
+                    <a:fillRef idx="0">
+                      <a:schemeClr val="dk1"/>
+                    </a:fillRef>
+                    <a:effectRef idx="0">
+                      <a:schemeClr val="dk1"/>
+                    </a:effectRef>
+                    <a:fontRef idx="minor">
+                      <a:schemeClr val="tx1"/>
+                    </a:fontRef>
+                  </p:style>
+                </p:cxnSp>
+              </p:grpSp>
+              <p:sp>
+                <p:nvSpPr>
+                  <p:cNvPr id="18" name="Ellipse 17"/>
+                  <p:cNvSpPr/>
+                  <p:nvPr/>
+                </p:nvSpPr>
+                <p:spPr>
+                  <a:xfrm>
+                    <a:off x="2665878" y="2104445"/>
+                    <a:ext cx="68163" cy="45719"/>
+                  </a:xfrm>
+                  <a:prstGeom prst="ellipse">
+                    <a:avLst/>
+                  </a:prstGeom>
+                  <a:grpFill/>
+                  <a:ln w="38100">
+                    <a:solidFill>
+                      <a:schemeClr val="bg1"/>
+                    </a:solidFill>
+                  </a:ln>
+                </p:spPr>
+                <p:style>
+                  <a:lnRef idx="2">
+                    <a:schemeClr val="dk1">
+                      <a:shade val="50000"/>
+                    </a:schemeClr>
+                  </a:lnRef>
+                  <a:fillRef idx="1">
+                    <a:schemeClr val="dk1"/>
+                  </a:fillRef>
+                  <a:effectRef idx="0">
+                    <a:schemeClr val="dk1"/>
+                  </a:effectRef>
+                  <a:fontRef idx="minor">
+                    <a:schemeClr val="lt1"/>
+                  </a:fontRef>
+                </p:style>
+                <p:txBody>
+                  <a:bodyPr rtlCol="0" anchor="ctr"/>
+                  <a:lstStyle/>
+                  <a:p>
+                    <a:pPr algn="ctr"/>
+                    <a:endParaRPr lang="de-DE"/>
+                  </a:p>
+                </p:txBody>
+              </p:sp>
+            </p:grpSp>
+            <p:grpSp>
+              <p:nvGrpSpPr>
+                <p:cNvPr id="26" name="Gruppieren 25"/>
+                <p:cNvGrpSpPr/>
+                <p:nvPr/>
+              </p:nvGrpSpPr>
+              <p:grpSpPr>
+                <a:xfrm>
+                  <a:off x="6516130" y="3576030"/>
+                  <a:ext cx="815082" cy="604623"/>
+                  <a:chOff x="2491998" y="2031897"/>
+                  <a:chExt cx="574733" cy="428457"/>
+                </a:xfrm>
+                <a:solidFill>
+                  <a:schemeClr val="bg1"/>
+                </a:solidFill>
+              </p:grpSpPr>
+              <p:grpSp>
+                <p:nvGrpSpPr>
+                  <p:cNvPr id="27" name="Gruppieren 26"/>
+                  <p:cNvGrpSpPr/>
+                  <p:nvPr/>
+                </p:nvGrpSpPr>
+                <p:grpSpPr>
+                  <a:xfrm>
+                    <a:off x="2491998" y="2031897"/>
+                    <a:ext cx="574733" cy="428457"/>
+                    <a:chOff x="2491998" y="2031897"/>
+                    <a:chExt cx="574733" cy="428457"/>
+                  </a:xfrm>
+                  <a:grpFill/>
+                </p:grpSpPr>
+                <p:sp>
+                  <p:nvSpPr>
+                    <p:cNvPr id="29" name="Ellipse 28"/>
+                    <p:cNvSpPr/>
+                    <p:nvPr/>
+                  </p:nvSpPr>
+                  <p:spPr>
+                    <a:xfrm>
+                      <a:off x="2491998" y="2231755"/>
+                      <a:ext cx="230539" cy="228599"/>
+                    </a:xfrm>
+                    <a:prstGeom prst="ellipse">
+                      <a:avLst/>
+                    </a:prstGeom>
+                    <a:noFill/>
+                    <a:ln w="38100">
+                      <a:solidFill>
+                        <a:schemeClr val="bg1"/>
+                      </a:solidFill>
+                    </a:ln>
+                  </p:spPr>
+                  <p:style>
+                    <a:lnRef idx="2">
+                      <a:schemeClr val="accent1">
+                        <a:shade val="50000"/>
+                      </a:schemeClr>
+                    </a:lnRef>
+                    <a:fillRef idx="1">
+                      <a:schemeClr val="accent1"/>
+                    </a:fillRef>
+                    <a:effectRef idx="0">
+                      <a:schemeClr val="accent1"/>
+                    </a:effectRef>
+                    <a:fontRef idx="minor">
+                      <a:schemeClr val="lt1"/>
+                    </a:fontRef>
+                  </p:style>
+                  <p:txBody>
+                    <a:bodyPr rtlCol="0" anchor="ctr"/>
+                    <a:lstStyle/>
+                    <a:p>
+                      <a:pPr algn="ctr"/>
+                      <a:endParaRPr lang="de-DE"/>
+                    </a:p>
+                  </p:txBody>
+                </p:sp>
+                <p:sp>
+                  <p:nvSpPr>
+                    <p:cNvPr id="30" name="Ellipse 29"/>
+                    <p:cNvSpPr/>
+                    <p:nvPr/>
+                  </p:nvSpPr>
+                  <p:spPr>
+                    <a:xfrm>
+                      <a:off x="2836192" y="2227878"/>
+                      <a:ext cx="230539" cy="228599"/>
+                    </a:xfrm>
+                    <a:prstGeom prst="ellipse">
+                      <a:avLst/>
+                    </a:prstGeom>
+                    <a:noFill/>
+                    <a:ln w="38100">
+                      <a:solidFill>
+                        <a:schemeClr val="bg1"/>
+                      </a:solidFill>
+                    </a:ln>
+                  </p:spPr>
+                  <p:style>
+                    <a:lnRef idx="2">
+                      <a:schemeClr val="accent1">
+                        <a:shade val="50000"/>
+                      </a:schemeClr>
+                    </a:lnRef>
+                    <a:fillRef idx="1">
+                      <a:schemeClr val="accent1"/>
+                    </a:fillRef>
+                    <a:effectRef idx="0">
+                      <a:schemeClr val="accent1"/>
+                    </a:effectRef>
+                    <a:fontRef idx="minor">
+                      <a:schemeClr val="lt1"/>
+                    </a:fontRef>
+                  </p:style>
+                  <p:txBody>
+                    <a:bodyPr rtlCol="0" anchor="ctr"/>
+                    <a:lstStyle/>
+                    <a:p>
+                      <a:pPr algn="ctr"/>
+                      <a:endParaRPr lang="de-DE"/>
+                    </a:p>
+                  </p:txBody>
+                </p:sp>
+                <p:cxnSp>
+                  <p:nvCxnSpPr>
+                    <p:cNvPr id="31" name="Gerader Verbinder 30"/>
+                    <p:cNvCxnSpPr>
+                      <a:endCxn id="30" idx="2"/>
+                    </p:cNvCxnSpPr>
+                    <p:nvPr/>
+                  </p:nvCxnSpPr>
+                  <p:spPr>
+                    <a:xfrm flipV="1">
+                      <a:off x="2607267" y="2342178"/>
+                      <a:ext cx="228925" cy="1"/>
+                    </a:xfrm>
+                    <a:prstGeom prst="line">
+                      <a:avLst/>
+                    </a:prstGeom>
+                    <a:grpFill/>
+                    <a:ln w="38100">
+                      <a:solidFill>
+                        <a:schemeClr val="bg1"/>
+                      </a:solidFill>
+                    </a:ln>
+                  </p:spPr>
+                  <p:style>
+                    <a:lnRef idx="1">
+                      <a:schemeClr val="dk1"/>
+                    </a:lnRef>
+                    <a:fillRef idx="0">
+                      <a:schemeClr val="dk1"/>
+                    </a:fillRef>
+                    <a:effectRef idx="0">
+                      <a:schemeClr val="dk1"/>
+                    </a:effectRef>
+                    <a:fontRef idx="minor">
+                      <a:schemeClr val="tx1"/>
+                    </a:fontRef>
+                  </p:style>
+                </p:cxnSp>
+                <p:cxnSp>
+                  <p:nvCxnSpPr>
+                    <p:cNvPr id="32" name="Gerader Verbinder 31"/>
+                    <p:cNvCxnSpPr/>
+                    <p:nvPr/>
+                  </p:nvCxnSpPr>
+                  <p:spPr>
+                    <a:xfrm>
+                      <a:off x="2836192" y="2071730"/>
+                      <a:ext cx="115269" cy="251981"/>
+                    </a:xfrm>
+                    <a:prstGeom prst="line">
+                      <a:avLst/>
+                    </a:prstGeom>
+                    <a:grpFill/>
+                    <a:ln w="38100">
+                      <a:solidFill>
+                        <a:schemeClr val="bg1"/>
+                      </a:solidFill>
+                    </a:ln>
+                  </p:spPr>
+                  <p:style>
+                    <a:lnRef idx="1">
+                      <a:schemeClr val="dk1"/>
+                    </a:lnRef>
+                    <a:fillRef idx="0">
+                      <a:schemeClr val="dk1"/>
+                    </a:fillRef>
+                    <a:effectRef idx="0">
+                      <a:schemeClr val="dk1"/>
+                    </a:effectRef>
+                    <a:fontRef idx="minor">
+                      <a:schemeClr val="tx1"/>
+                    </a:fontRef>
+                  </p:style>
+                </p:cxnSp>
+                <p:cxnSp>
+                  <p:nvCxnSpPr>
+                    <p:cNvPr id="33" name="Gerader Verbinder 32"/>
+                    <p:cNvCxnSpPr/>
+                    <p:nvPr/>
+                  </p:nvCxnSpPr>
+                  <p:spPr>
+                    <a:xfrm flipH="1" flipV="1">
+                      <a:off x="2688957" y="2114292"/>
+                      <a:ext cx="86198" cy="227886"/>
+                    </a:xfrm>
+                    <a:prstGeom prst="line">
+                      <a:avLst/>
+                    </a:prstGeom>
+                    <a:grpFill/>
+                    <a:ln w="38100">
+                      <a:solidFill>
+                        <a:schemeClr val="bg1"/>
+                      </a:solidFill>
+                    </a:ln>
+                  </p:spPr>
+                  <p:style>
+                    <a:lnRef idx="1">
+                      <a:schemeClr val="dk1"/>
+                    </a:lnRef>
+                    <a:fillRef idx="0">
+                      <a:schemeClr val="dk1"/>
+                    </a:fillRef>
+                    <a:effectRef idx="0">
+                      <a:schemeClr val="dk1"/>
+                    </a:effectRef>
+                    <a:fontRef idx="minor">
+                      <a:schemeClr val="tx1"/>
+                    </a:fontRef>
+                  </p:style>
+                </p:cxnSp>
+                <p:cxnSp>
+                  <p:nvCxnSpPr>
+                    <p:cNvPr id="34" name="Gerader Verbinder 33"/>
+                    <p:cNvCxnSpPr/>
+                    <p:nvPr/>
+                  </p:nvCxnSpPr>
+                  <p:spPr>
+                    <a:xfrm flipV="1">
+                      <a:off x="2749418" y="2287948"/>
+                      <a:ext cx="40067" cy="104621"/>
+                    </a:xfrm>
+                    <a:prstGeom prst="line">
+                      <a:avLst/>
+                    </a:prstGeom>
+                    <a:grpFill/>
+                    <a:ln w="38100">
+                      <a:solidFill>
+                        <a:schemeClr val="bg1"/>
+                      </a:solidFill>
+                    </a:ln>
+                  </p:spPr>
+                  <p:style>
+                    <a:lnRef idx="1">
+                      <a:schemeClr val="dk1"/>
+                    </a:lnRef>
+                    <a:fillRef idx="0">
+                      <a:schemeClr val="dk1"/>
+                    </a:fillRef>
+                    <a:effectRef idx="0">
+                      <a:schemeClr val="dk1"/>
+                    </a:effectRef>
+                    <a:fontRef idx="minor">
+                      <a:schemeClr val="tx1"/>
+                    </a:fontRef>
+                  </p:style>
+                </p:cxnSp>
+                <p:cxnSp>
+                  <p:nvCxnSpPr>
+                    <p:cNvPr id="35" name="Gerader Verbinder 34"/>
+                    <p:cNvCxnSpPr/>
+                    <p:nvPr/>
+                  </p:nvCxnSpPr>
+                  <p:spPr>
+                    <a:xfrm flipH="1">
+                      <a:off x="2789277" y="2031897"/>
+                      <a:ext cx="93830" cy="95237"/>
+                    </a:xfrm>
+                    <a:prstGeom prst="line">
+                      <a:avLst/>
+                    </a:prstGeom>
+                    <a:grpFill/>
+                    <a:ln w="38100">
+                      <a:solidFill>
+                        <a:schemeClr val="bg1"/>
+                      </a:solidFill>
+                    </a:ln>
+                  </p:spPr>
+                  <p:style>
+                    <a:lnRef idx="1">
+                      <a:schemeClr val="dk1"/>
+                    </a:lnRef>
+                    <a:fillRef idx="0">
+                      <a:schemeClr val="dk1"/>
+                    </a:fillRef>
+                    <a:effectRef idx="0">
+                      <a:schemeClr val="dk1"/>
+                    </a:effectRef>
+                    <a:fontRef idx="minor">
+                      <a:schemeClr val="tx1"/>
+                    </a:fontRef>
+                  </p:style>
+                </p:cxnSp>
+              </p:grpSp>
+              <p:sp>
+                <p:nvSpPr>
+                  <p:cNvPr id="28" name="Ellipse 27"/>
+                  <p:cNvSpPr/>
+                  <p:nvPr/>
+                </p:nvSpPr>
+                <p:spPr>
+                  <a:xfrm>
+                    <a:off x="2665878" y="2104445"/>
+                    <a:ext cx="68163" cy="45719"/>
+                  </a:xfrm>
+                  <a:prstGeom prst="ellipse">
+                    <a:avLst/>
+                  </a:prstGeom>
+                  <a:grpFill/>
+                  <a:ln w="38100">
+                    <a:solidFill>
+                      <a:schemeClr val="bg1"/>
+                    </a:solidFill>
+                  </a:ln>
+                </p:spPr>
+                <p:style>
+                  <a:lnRef idx="2">
+                    <a:schemeClr val="dk1">
+                      <a:shade val="50000"/>
+                    </a:schemeClr>
+                  </a:lnRef>
+                  <a:fillRef idx="1">
+                    <a:schemeClr val="dk1"/>
+                  </a:fillRef>
+                  <a:effectRef idx="0">
+                    <a:schemeClr val="dk1"/>
+                  </a:effectRef>
+                  <a:fontRef idx="minor">
+                    <a:schemeClr val="lt1"/>
+                  </a:fontRef>
+                </p:style>
+                <p:txBody>
+                  <a:bodyPr rtlCol="0" anchor="ctr"/>
+                  <a:lstStyle/>
+                  <a:p>
+                    <a:pPr algn="ctr"/>
+                    <a:endParaRPr lang="de-DE"/>
+                  </a:p>
+                </p:txBody>
+              </p:sp>
+            </p:grpSp>
+            <p:grpSp>
+              <p:nvGrpSpPr>
+                <p:cNvPr id="36" name="Gruppieren 35"/>
+                <p:cNvGrpSpPr/>
+                <p:nvPr/>
+              </p:nvGrpSpPr>
+              <p:grpSpPr>
+                <a:xfrm>
+                  <a:off x="4430657" y="3576030"/>
+                  <a:ext cx="815082" cy="604623"/>
+                  <a:chOff x="2491998" y="2031897"/>
+                  <a:chExt cx="574733" cy="428457"/>
+                </a:xfrm>
+                <a:solidFill>
+                  <a:schemeClr val="bg1"/>
+                </a:solidFill>
+              </p:grpSpPr>
+              <p:grpSp>
+                <p:nvGrpSpPr>
+                  <p:cNvPr id="37" name="Gruppieren 36"/>
+                  <p:cNvGrpSpPr/>
+                  <p:nvPr/>
+                </p:nvGrpSpPr>
+                <p:grpSpPr>
+                  <a:xfrm>
+                    <a:off x="2491998" y="2031897"/>
+                    <a:ext cx="574733" cy="428457"/>
+                    <a:chOff x="2491998" y="2031897"/>
+                    <a:chExt cx="574733" cy="428457"/>
+                  </a:xfrm>
+                  <a:grpFill/>
+                </p:grpSpPr>
+                <p:sp>
+                  <p:nvSpPr>
+                    <p:cNvPr id="39" name="Ellipse 38"/>
+                    <p:cNvSpPr/>
+                    <p:nvPr/>
+                  </p:nvSpPr>
+                  <p:spPr>
+                    <a:xfrm>
+                      <a:off x="2491998" y="2231755"/>
+                      <a:ext cx="230539" cy="228599"/>
+                    </a:xfrm>
+                    <a:prstGeom prst="ellipse">
+                      <a:avLst/>
+                    </a:prstGeom>
+                    <a:noFill/>
+                    <a:ln w="38100">
+                      <a:solidFill>
+                        <a:schemeClr val="bg1"/>
+                      </a:solidFill>
+                    </a:ln>
+                  </p:spPr>
+                  <p:style>
+                    <a:lnRef idx="2">
+                      <a:schemeClr val="accent1">
+                        <a:shade val="50000"/>
+                      </a:schemeClr>
+                    </a:lnRef>
+                    <a:fillRef idx="1">
+                      <a:schemeClr val="accent1"/>
+                    </a:fillRef>
+                    <a:effectRef idx="0">
+                      <a:schemeClr val="accent1"/>
+                    </a:effectRef>
+                    <a:fontRef idx="minor">
+                      <a:schemeClr val="lt1"/>
+                    </a:fontRef>
+                  </p:style>
+                  <p:txBody>
+                    <a:bodyPr rtlCol="0" anchor="ctr"/>
+                    <a:lstStyle/>
+                    <a:p>
+                      <a:pPr algn="ctr"/>
+                      <a:endParaRPr lang="de-DE"/>
+                    </a:p>
+                  </p:txBody>
+                </p:sp>
+                <p:sp>
+                  <p:nvSpPr>
+                    <p:cNvPr id="40" name="Ellipse 39"/>
+                    <p:cNvSpPr/>
+                    <p:nvPr/>
+                  </p:nvSpPr>
+                  <p:spPr>
+                    <a:xfrm>
+                      <a:off x="2836192" y="2227878"/>
+                      <a:ext cx="230539" cy="228599"/>
+                    </a:xfrm>
+                    <a:prstGeom prst="ellipse">
+                      <a:avLst/>
+                    </a:prstGeom>
+                    <a:noFill/>
+                    <a:ln w="38100">
+                      <a:solidFill>
+                        <a:schemeClr val="bg1"/>
+                      </a:solidFill>
+                    </a:ln>
+                  </p:spPr>
+                  <p:style>
+                    <a:lnRef idx="2">
+                      <a:schemeClr val="accent1">
+                        <a:shade val="50000"/>
+                      </a:schemeClr>
+                    </a:lnRef>
+                    <a:fillRef idx="1">
+                      <a:schemeClr val="accent1"/>
+                    </a:fillRef>
+                    <a:effectRef idx="0">
+                      <a:schemeClr val="accent1"/>
+                    </a:effectRef>
+                    <a:fontRef idx="minor">
+                      <a:schemeClr val="lt1"/>
+                    </a:fontRef>
+                  </p:style>
+                  <p:txBody>
+                    <a:bodyPr rtlCol="0" anchor="ctr"/>
+                    <a:lstStyle/>
+                    <a:p>
+                      <a:pPr algn="ctr"/>
+                      <a:endParaRPr lang="de-DE"/>
+                    </a:p>
+                  </p:txBody>
+                </p:sp>
+                <p:cxnSp>
+                  <p:nvCxnSpPr>
+                    <p:cNvPr id="41" name="Gerader Verbinder 40"/>
+                    <p:cNvCxnSpPr>
+                      <a:endCxn id="40" idx="2"/>
+                    </p:cNvCxnSpPr>
+                    <p:nvPr/>
+                  </p:nvCxnSpPr>
+                  <p:spPr>
+                    <a:xfrm flipV="1">
+                      <a:off x="2607267" y="2342178"/>
+                      <a:ext cx="228925" cy="1"/>
+                    </a:xfrm>
+                    <a:prstGeom prst="line">
+                      <a:avLst/>
+                    </a:prstGeom>
+                    <a:grpFill/>
+                    <a:ln w="38100">
+                      <a:solidFill>
+                        <a:schemeClr val="bg1"/>
+                      </a:solidFill>
+                    </a:ln>
+                  </p:spPr>
+                  <p:style>
+                    <a:lnRef idx="1">
+                      <a:schemeClr val="dk1"/>
+                    </a:lnRef>
+                    <a:fillRef idx="0">
+                      <a:schemeClr val="dk1"/>
+                    </a:fillRef>
+                    <a:effectRef idx="0">
+                      <a:schemeClr val="dk1"/>
+                    </a:effectRef>
+                    <a:fontRef idx="minor">
+                      <a:schemeClr val="tx1"/>
+                    </a:fontRef>
+                  </p:style>
+                </p:cxnSp>
+                <p:cxnSp>
+                  <p:nvCxnSpPr>
+                    <p:cNvPr id="42" name="Gerader Verbinder 41"/>
+                    <p:cNvCxnSpPr/>
+                    <p:nvPr/>
+                  </p:nvCxnSpPr>
+                  <p:spPr>
+                    <a:xfrm>
+                      <a:off x="2836192" y="2071730"/>
+                      <a:ext cx="115269" cy="251981"/>
+                    </a:xfrm>
+                    <a:prstGeom prst="line">
+                      <a:avLst/>
+                    </a:prstGeom>
+                    <a:grpFill/>
+                    <a:ln w="38100">
+                      <a:solidFill>
+                        <a:schemeClr val="bg1"/>
+                      </a:solidFill>
+                    </a:ln>
+                  </p:spPr>
+                  <p:style>
+                    <a:lnRef idx="1">
+                      <a:schemeClr val="dk1"/>
+                    </a:lnRef>
+                    <a:fillRef idx="0">
+                      <a:schemeClr val="dk1"/>
+                    </a:fillRef>
+                    <a:effectRef idx="0">
+                      <a:schemeClr val="dk1"/>
+                    </a:effectRef>
+                    <a:fontRef idx="minor">
+                      <a:schemeClr val="tx1"/>
+                    </a:fontRef>
+                  </p:style>
+                </p:cxnSp>
+                <p:cxnSp>
+                  <p:nvCxnSpPr>
+                    <p:cNvPr id="43" name="Gerader Verbinder 42"/>
+                    <p:cNvCxnSpPr/>
+                    <p:nvPr/>
+                  </p:nvCxnSpPr>
+                  <p:spPr>
+                    <a:xfrm flipH="1" flipV="1">
+                      <a:off x="2688957" y="2114292"/>
+                      <a:ext cx="86198" cy="227886"/>
+                    </a:xfrm>
+                    <a:prstGeom prst="line">
+                      <a:avLst/>
+                    </a:prstGeom>
+                    <a:grpFill/>
+                    <a:ln w="38100">
+                      <a:solidFill>
+                        <a:schemeClr val="bg1"/>
+                      </a:solidFill>
+                    </a:ln>
+                  </p:spPr>
+                  <p:style>
+                    <a:lnRef idx="1">
+                      <a:schemeClr val="dk1"/>
+                    </a:lnRef>
+                    <a:fillRef idx="0">
+                      <a:schemeClr val="dk1"/>
+                    </a:fillRef>
+                    <a:effectRef idx="0">
+                      <a:schemeClr val="dk1"/>
+                    </a:effectRef>
+                    <a:fontRef idx="minor">
+                      <a:schemeClr val="tx1"/>
+                    </a:fontRef>
+                  </p:style>
+                </p:cxnSp>
+                <p:cxnSp>
+                  <p:nvCxnSpPr>
+                    <p:cNvPr id="44" name="Gerader Verbinder 43"/>
+                    <p:cNvCxnSpPr/>
+                    <p:nvPr/>
+                  </p:nvCxnSpPr>
+                  <p:spPr>
+                    <a:xfrm flipV="1">
+                      <a:off x="2749418" y="2287948"/>
+                      <a:ext cx="40067" cy="104621"/>
+                    </a:xfrm>
+                    <a:prstGeom prst="line">
+                      <a:avLst/>
+                    </a:prstGeom>
+                    <a:grpFill/>
+                    <a:ln w="38100">
+                      <a:solidFill>
+                        <a:schemeClr val="bg1"/>
+                      </a:solidFill>
+                    </a:ln>
+                  </p:spPr>
+                  <p:style>
+                    <a:lnRef idx="1">
+                      <a:schemeClr val="dk1"/>
+                    </a:lnRef>
+                    <a:fillRef idx="0">
+                      <a:schemeClr val="dk1"/>
+                    </a:fillRef>
+                    <a:effectRef idx="0">
+                      <a:schemeClr val="dk1"/>
+                    </a:effectRef>
+                    <a:fontRef idx="minor">
+                      <a:schemeClr val="tx1"/>
+                    </a:fontRef>
+                  </p:style>
+                </p:cxnSp>
+                <p:cxnSp>
+                  <p:nvCxnSpPr>
+                    <p:cNvPr id="45" name="Gerader Verbinder 44"/>
+                    <p:cNvCxnSpPr/>
+                    <p:nvPr/>
+                  </p:nvCxnSpPr>
+                  <p:spPr>
+                    <a:xfrm flipH="1">
+                      <a:off x="2789277" y="2031897"/>
+                      <a:ext cx="93830" cy="95237"/>
+                    </a:xfrm>
+                    <a:prstGeom prst="line">
+                      <a:avLst/>
+                    </a:prstGeom>
+                    <a:grpFill/>
+                    <a:ln w="38100">
+                      <a:solidFill>
+                        <a:schemeClr val="bg1"/>
+                      </a:solidFill>
+                    </a:ln>
+                  </p:spPr>
+                  <p:style>
+                    <a:lnRef idx="1">
+                      <a:schemeClr val="dk1"/>
+                    </a:lnRef>
+                    <a:fillRef idx="0">
+                      <a:schemeClr val="dk1"/>
+                    </a:fillRef>
+                    <a:effectRef idx="0">
+                      <a:schemeClr val="dk1"/>
+                    </a:effectRef>
+                    <a:fontRef idx="minor">
+                      <a:schemeClr val="tx1"/>
+                    </a:fontRef>
+                  </p:style>
+                </p:cxnSp>
+              </p:grpSp>
+              <p:sp>
+                <p:nvSpPr>
+                  <p:cNvPr id="38" name="Ellipse 37"/>
+                  <p:cNvSpPr/>
+                  <p:nvPr/>
+                </p:nvSpPr>
+                <p:spPr>
+                  <a:xfrm>
+                    <a:off x="2665878" y="2104445"/>
+                    <a:ext cx="68163" cy="45719"/>
+                  </a:xfrm>
+                  <a:prstGeom prst="ellipse">
+                    <a:avLst/>
+                  </a:prstGeom>
+                  <a:grpFill/>
+                  <a:ln w="38100">
+                    <a:solidFill>
+                      <a:schemeClr val="bg1"/>
+                    </a:solidFill>
+                  </a:ln>
+                </p:spPr>
+                <p:style>
+                  <a:lnRef idx="2">
+                    <a:schemeClr val="dk1">
+                      <a:shade val="50000"/>
+                    </a:schemeClr>
+                  </a:lnRef>
+                  <a:fillRef idx="1">
+                    <a:schemeClr val="dk1"/>
+                  </a:fillRef>
+                  <a:effectRef idx="0">
+                    <a:schemeClr val="dk1"/>
+                  </a:effectRef>
+                  <a:fontRef idx="minor">
+                    <a:schemeClr val="lt1"/>
+                  </a:fontRef>
+                </p:style>
+                <p:txBody>
+                  <a:bodyPr rtlCol="0" anchor="ctr"/>
+                  <a:lstStyle/>
+                  <a:p>
+                    <a:pPr algn="ctr"/>
+                    <a:endParaRPr lang="de-DE"/>
+                  </a:p>
+                </p:txBody>
+              </p:sp>
+            </p:grpSp>
+            <p:sp>
+              <p:nvSpPr>
+                <p:cNvPr id="56" name="Gewitterblitz 55"/>
+                <p:cNvSpPr/>
+                <p:nvPr/>
+              </p:nvSpPr>
+              <p:spPr>
+                <a:xfrm>
+                  <a:off x="3630100" y="2608167"/>
+                  <a:ext cx="332329" cy="443327"/>
+                </a:xfrm>
+                <a:prstGeom prst="lightningBolt">
+                  <a:avLst/>
+                </a:prstGeom>
+                <a:solidFill>
+                  <a:srgbClr val="FF0000"/>
+                </a:solidFill>
+                <a:ln>
+                  <a:solidFill>
+                    <a:schemeClr val="bg1"/>
+                  </a:solidFill>
+                </a:ln>
+              </p:spPr>
+              <p:style>
+                <a:lnRef idx="2">
+                  <a:schemeClr val="accent1">
+                    <a:shade val="50000"/>
+                  </a:schemeClr>
+                </a:lnRef>
+                <a:fillRef idx="1">
+                  <a:schemeClr val="accent1"/>
+                </a:fillRef>
+                <a:effectRef idx="0">
+                  <a:schemeClr val="accent1"/>
+                </a:effectRef>
+                <a:fontRef idx="minor">
+                  <a:schemeClr val="lt1"/>
+                </a:fontRef>
+              </p:style>
+              <p:txBody>
+                <a:bodyPr rtlCol="0" anchor="ctr"/>
+                <a:lstStyle/>
+                <a:p>
+                  <a:pPr algn="ctr"/>
+                  <a:endParaRPr lang="de-DE"/>
+                </a:p>
+              </p:txBody>
+            </p:sp>
+            <p:sp>
+              <p:nvSpPr>
+                <p:cNvPr id="57" name="Gewitterblitz 56"/>
+                <p:cNvSpPr/>
+                <p:nvPr/>
+              </p:nvSpPr>
+              <p:spPr>
+                <a:xfrm>
+                  <a:off x="5622252" y="2608167"/>
+                  <a:ext cx="332329" cy="443327"/>
+                </a:xfrm>
+                <a:prstGeom prst="lightningBolt">
+                  <a:avLst/>
+                </a:prstGeom>
+                <a:solidFill>
+                  <a:srgbClr val="FF0000"/>
+                </a:solidFill>
+                <a:ln>
+                  <a:solidFill>
+                    <a:schemeClr val="bg1"/>
+                  </a:solidFill>
+                </a:ln>
+              </p:spPr>
+              <p:style>
+                <a:lnRef idx="2">
+                  <a:schemeClr val="accent1">
+                    <a:shade val="50000"/>
+                  </a:schemeClr>
+                </a:lnRef>
+                <a:fillRef idx="1">
+                  <a:schemeClr val="accent1"/>
+                </a:fillRef>
+                <a:effectRef idx="0">
+                  <a:schemeClr val="accent1"/>
+                </a:effectRef>
+                <a:fontRef idx="minor">
+                  <a:schemeClr val="lt1"/>
+                </a:fontRef>
+              </p:style>
+              <p:txBody>
+                <a:bodyPr rtlCol="0" anchor="ctr"/>
+                <a:lstStyle/>
+                <a:p>
+                  <a:pPr algn="ctr"/>
+                  <a:endParaRPr lang="de-DE"/>
+                </a:p>
+              </p:txBody>
+            </p:sp>
+            <p:sp>
+              <p:nvSpPr>
+                <p:cNvPr id="60" name="Textfeld 59"/>
+                <p:cNvSpPr txBox="1"/>
+                <p:nvPr/>
+              </p:nvSpPr>
+              <p:spPr>
+                <a:xfrm>
+                  <a:off x="2254250" y="4582519"/>
+                  <a:ext cx="1064260" cy="369332"/>
+                </a:xfrm>
+                <a:prstGeom prst="rect">
+                  <a:avLst/>
+                </a:prstGeom>
+                <a:noFill/>
+              </p:spPr>
+              <p:txBody>
+                <a:bodyPr wrap="square" rtlCol="0">
+                  <a:spAutoFit/>
+                </a:bodyPr>
+                <a:lstStyle/>
+                <a:p>
+                  <a:r>
+                    <a:rPr lang="de-DE" dirty="0" smtClean="0">
+                      <a:solidFill>
+                        <a:schemeClr val="bg1"/>
+                      </a:solidFill>
+                    </a:rPr>
+                    <a:t>10 </a:t>
+                  </a:r>
+                  <a:r>
+                    <a:rPr lang="de-DE" dirty="0" smtClean="0">
+                      <a:solidFill>
+                        <a:schemeClr val="bg1"/>
+                      </a:solidFill>
+                    </a:rPr>
+                    <a:t>min</a:t>
+                  </a:r>
+                  <a:endParaRPr lang="de-DE" dirty="0">
+                    <a:solidFill>
+                      <a:schemeClr val="bg1"/>
+                    </a:solidFill>
+                  </a:endParaRPr>
+                </a:p>
+              </p:txBody>
+            </p:sp>
+            <p:sp>
+              <p:nvSpPr>
+                <p:cNvPr id="61" name="Textfeld 60"/>
+                <p:cNvSpPr txBox="1"/>
+                <p:nvPr/>
+              </p:nvSpPr>
+              <p:spPr>
+                <a:xfrm>
+                  <a:off x="4412093" y="4582519"/>
+                  <a:ext cx="1064260" cy="369332"/>
+                </a:xfrm>
+                <a:prstGeom prst="rect">
+                  <a:avLst/>
+                </a:prstGeom>
+                <a:noFill/>
+              </p:spPr>
+              <p:txBody>
+                <a:bodyPr wrap="square" rtlCol="0">
+                  <a:spAutoFit/>
+                </a:bodyPr>
+                <a:lstStyle/>
+                <a:p>
+                  <a:r>
+                    <a:rPr lang="de-DE" dirty="0" smtClean="0">
+                      <a:solidFill>
+                        <a:schemeClr val="bg1"/>
+                      </a:solidFill>
+                    </a:rPr>
+                    <a:t>10 </a:t>
+                  </a:r>
+                  <a:r>
+                    <a:rPr lang="de-DE" dirty="0" smtClean="0">
+                      <a:solidFill>
+                        <a:schemeClr val="bg1"/>
+                      </a:solidFill>
+                    </a:rPr>
+                    <a:t>min</a:t>
+                  </a:r>
+                  <a:endParaRPr lang="de-DE" dirty="0">
+                    <a:solidFill>
+                      <a:schemeClr val="bg1"/>
+                    </a:solidFill>
+                  </a:endParaRPr>
+                </a:p>
+              </p:txBody>
+            </p:sp>
+            <p:sp>
+              <p:nvSpPr>
+                <p:cNvPr id="62" name="Textfeld 61"/>
+                <p:cNvSpPr txBox="1"/>
+                <p:nvPr/>
+              </p:nvSpPr>
+              <p:spPr>
+                <a:xfrm>
+                  <a:off x="6569936" y="4582519"/>
+                  <a:ext cx="1064260" cy="369332"/>
+                </a:xfrm>
+                <a:prstGeom prst="rect">
+                  <a:avLst/>
+                </a:prstGeom>
+                <a:noFill/>
+              </p:spPr>
+              <p:txBody>
+                <a:bodyPr wrap="square" rtlCol="0">
+                  <a:spAutoFit/>
+                </a:bodyPr>
+                <a:lstStyle/>
+                <a:p>
+                  <a:r>
+                    <a:rPr lang="de-DE" dirty="0" smtClean="0">
+                      <a:solidFill>
+                        <a:schemeClr val="bg1"/>
+                      </a:solidFill>
+                    </a:rPr>
+                    <a:t>10 </a:t>
+                  </a:r>
+                  <a:r>
+                    <a:rPr lang="de-DE" dirty="0" smtClean="0">
+                      <a:solidFill>
+                        <a:schemeClr val="bg1"/>
+                      </a:solidFill>
+                    </a:rPr>
+                    <a:t>min</a:t>
+                  </a:r>
+                  <a:endParaRPr lang="de-DE" dirty="0">
+                    <a:solidFill>
+                      <a:schemeClr val="bg1"/>
+                    </a:solidFill>
+                  </a:endParaRPr>
+                </a:p>
+              </p:txBody>
+            </p:sp>
+            <p:sp>
+              <p:nvSpPr>
+                <p:cNvPr id="64" name="Rechteck 63"/>
+                <p:cNvSpPr/>
+                <p:nvPr/>
+              </p:nvSpPr>
+              <p:spPr>
+                <a:xfrm>
+                  <a:off x="4341373" y="2486283"/>
+                  <a:ext cx="996950" cy="2061582"/>
+                </a:xfrm>
+                <a:prstGeom prst="rect">
+                  <a:avLst/>
+                </a:prstGeom>
+                <a:noFill/>
+                <a:ln w="57150">
+                  <a:solidFill>
+                    <a:schemeClr val="bg1"/>
+                  </a:solidFill>
+                  <a:prstDash val="sysDot"/>
+                </a:ln>
+              </p:spPr>
+              <p:style>
+                <a:lnRef idx="2">
+                  <a:schemeClr val="accent1">
+                    <a:shade val="50000"/>
+                  </a:schemeClr>
+                </a:lnRef>
+                <a:fillRef idx="1">
+                  <a:schemeClr val="accent1"/>
+                </a:fillRef>
+                <a:effectRef idx="0">
+                  <a:schemeClr val="accent1"/>
+                </a:effectRef>
+                <a:fontRef idx="minor">
+                  <a:schemeClr val="lt1"/>
+                </a:fontRef>
+              </p:style>
+              <p:txBody>
+                <a:bodyPr rtlCol="0" anchor="ctr"/>
+                <a:lstStyle/>
+                <a:p>
+                  <a:pPr algn="ctr"/>
+                  <a:endParaRPr lang="de-DE"/>
+                </a:p>
+              </p:txBody>
+            </p:sp>
+            <p:sp>
+              <p:nvSpPr>
+                <p:cNvPr id="65" name="Rechteck 64"/>
+                <p:cNvSpPr/>
+                <p:nvPr/>
+              </p:nvSpPr>
+              <p:spPr>
+                <a:xfrm>
+                  <a:off x="2268265" y="3240169"/>
+                  <a:ext cx="996950" cy="1308100"/>
+                </a:xfrm>
+                <a:prstGeom prst="rect">
+                  <a:avLst/>
+                </a:prstGeom>
+                <a:noFill/>
+                <a:ln w="57150">
+                  <a:solidFill>
+                    <a:schemeClr val="bg1"/>
+                  </a:solidFill>
+                </a:ln>
+              </p:spPr>
+              <p:style>
+                <a:lnRef idx="2">
+                  <a:schemeClr val="accent1">
+                    <a:shade val="50000"/>
+                  </a:schemeClr>
+                </a:lnRef>
+                <a:fillRef idx="1">
+                  <a:schemeClr val="accent1"/>
+                </a:fillRef>
+                <a:effectRef idx="0">
+                  <a:schemeClr val="accent1"/>
+                </a:effectRef>
+                <a:fontRef idx="minor">
+                  <a:schemeClr val="lt1"/>
+                </a:fontRef>
+              </p:style>
+              <p:txBody>
+                <a:bodyPr rtlCol="0" anchor="ctr"/>
+                <a:lstStyle/>
+                <a:p>
+                  <a:pPr algn="ctr"/>
+                  <a:endParaRPr lang="de-DE"/>
+                </a:p>
+              </p:txBody>
+            </p:sp>
+            <p:sp>
+              <p:nvSpPr>
+                <p:cNvPr id="66" name="Rechteck 65"/>
+                <p:cNvSpPr/>
+                <p:nvPr/>
+              </p:nvSpPr>
+              <p:spPr>
+                <a:xfrm>
+                  <a:off x="2268308" y="2486283"/>
+                  <a:ext cx="996950" cy="2061582"/>
+                </a:xfrm>
+                <a:prstGeom prst="rect">
+                  <a:avLst/>
+                </a:prstGeom>
+                <a:noFill/>
+                <a:ln w="57150">
+                  <a:solidFill>
+                    <a:schemeClr val="bg1"/>
+                  </a:solidFill>
+                  <a:prstDash val="sysDot"/>
+                </a:ln>
+              </p:spPr>
+              <p:style>
+                <a:lnRef idx="2">
+                  <a:schemeClr val="accent1">
+                    <a:shade val="50000"/>
+                  </a:schemeClr>
+                </a:lnRef>
+                <a:fillRef idx="1">
+                  <a:schemeClr val="accent1"/>
+                </a:fillRef>
+                <a:effectRef idx="0">
+                  <a:schemeClr val="accent1"/>
+                </a:effectRef>
+                <a:fontRef idx="minor">
+                  <a:schemeClr val="lt1"/>
+                </a:fontRef>
+              </p:style>
+              <p:txBody>
+                <a:bodyPr rtlCol="0" anchor="ctr"/>
+                <a:lstStyle/>
+                <a:p>
+                  <a:pPr algn="ctr"/>
+                  <a:endParaRPr lang="de-DE"/>
+                </a:p>
+              </p:txBody>
+            </p:sp>
+            <p:sp>
+              <p:nvSpPr>
+                <p:cNvPr id="67" name="Rechteck 66"/>
+                <p:cNvSpPr/>
+                <p:nvPr/>
+              </p:nvSpPr>
+              <p:spPr>
+                <a:xfrm>
+                  <a:off x="6443864" y="3210157"/>
+                  <a:ext cx="996950" cy="1308100"/>
+                </a:xfrm>
+                <a:prstGeom prst="rect">
+                  <a:avLst/>
+                </a:prstGeom>
+                <a:noFill/>
+                <a:ln w="57150">
+                  <a:solidFill>
+                    <a:schemeClr val="bg1"/>
+                  </a:solidFill>
+                </a:ln>
+              </p:spPr>
+              <p:style>
+                <a:lnRef idx="2">
+                  <a:schemeClr val="accent1">
+                    <a:shade val="50000"/>
+                  </a:schemeClr>
+                </a:lnRef>
+                <a:fillRef idx="1">
+                  <a:schemeClr val="accent1"/>
+                </a:fillRef>
+                <a:effectRef idx="0">
+                  <a:schemeClr val="accent1"/>
+                </a:effectRef>
+                <a:fontRef idx="minor">
+                  <a:schemeClr val="lt1"/>
+                </a:fontRef>
+              </p:style>
+              <p:txBody>
+                <a:bodyPr rtlCol="0" anchor="ctr"/>
+                <a:lstStyle/>
+                <a:p>
+                  <a:pPr algn="ctr"/>
+                  <a:endParaRPr lang="de-DE"/>
+                </a:p>
+              </p:txBody>
+            </p:sp>
+            <p:sp>
+              <p:nvSpPr>
+                <p:cNvPr id="68" name="Rechteck 67"/>
+                <p:cNvSpPr/>
+                <p:nvPr/>
+              </p:nvSpPr>
+              <p:spPr>
+                <a:xfrm>
+                  <a:off x="6443907" y="2486283"/>
+                  <a:ext cx="996950" cy="2061582"/>
+                </a:xfrm>
+                <a:prstGeom prst="rect">
+                  <a:avLst/>
+                </a:prstGeom>
+                <a:noFill/>
+                <a:ln w="57150">
+                  <a:solidFill>
+                    <a:schemeClr val="bg1"/>
+                  </a:solidFill>
+                  <a:prstDash val="sysDot"/>
+                </a:ln>
+              </p:spPr>
+              <p:style>
+                <a:lnRef idx="2">
+                  <a:schemeClr val="accent1">
+                    <a:shade val="50000"/>
+                  </a:schemeClr>
+                </a:lnRef>
+                <a:fillRef idx="1">
+                  <a:schemeClr val="accent1"/>
+                </a:fillRef>
+                <a:effectRef idx="0">
+                  <a:schemeClr val="accent1"/>
+                </a:effectRef>
+                <a:fontRef idx="minor">
+                  <a:schemeClr val="lt1"/>
+                </a:fontRef>
+              </p:style>
+              <p:txBody>
+                <a:bodyPr rtlCol="0" anchor="ctr"/>
+                <a:lstStyle/>
+                <a:p>
+                  <a:pPr algn="ctr"/>
+                  <a:endParaRPr lang="de-DE"/>
+                </a:p>
+              </p:txBody>
+            </p:sp>
+          </p:grpSp>
+          <p:grpSp>
+            <p:nvGrpSpPr>
+              <p:cNvPr id="143" name="Gruppieren 142"/>
+              <p:cNvGrpSpPr/>
+              <p:nvPr/>
+            </p:nvGrpSpPr>
+            <p:grpSpPr>
+              <a:xfrm>
+                <a:off x="2345184" y="1948851"/>
+                <a:ext cx="5205876" cy="369332"/>
+                <a:chOff x="2345184" y="1948851"/>
+                <a:chExt cx="5205876" cy="369332"/>
+              </a:xfrm>
+            </p:grpSpPr>
+            <p:sp>
+              <p:nvSpPr>
+                <p:cNvPr id="139" name="Textfeld 138"/>
+                <p:cNvSpPr txBox="1"/>
+                <p:nvPr/>
+              </p:nvSpPr>
+              <p:spPr>
+                <a:xfrm>
+                  <a:off x="2345184" y="1948851"/>
+                  <a:ext cx="1064260" cy="369332"/>
+                </a:xfrm>
+                <a:prstGeom prst="rect">
+                  <a:avLst/>
+                </a:prstGeom>
+                <a:noFill/>
+              </p:spPr>
+              <p:txBody>
+                <a:bodyPr wrap="square" rtlCol="0">
+                  <a:spAutoFit/>
+                </a:bodyPr>
+                <a:lstStyle/>
+                <a:p>
+                  <a:r>
+                    <a:rPr lang="de-DE" dirty="0" smtClean="0">
+                      <a:solidFill>
+                        <a:schemeClr val="bg1"/>
+                      </a:solidFill>
+                    </a:rPr>
+                    <a:t>Block 2</a:t>
+                  </a:r>
+                  <a:endParaRPr lang="de-DE" dirty="0">
+                    <a:solidFill>
+                      <a:schemeClr val="bg1"/>
+                    </a:solidFill>
+                  </a:endParaRPr>
+                </a:p>
+              </p:txBody>
+            </p:sp>
+            <p:sp>
+              <p:nvSpPr>
+                <p:cNvPr id="140" name="Textfeld 139"/>
+                <p:cNvSpPr txBox="1"/>
+                <p:nvPr/>
+              </p:nvSpPr>
+              <p:spPr>
+                <a:xfrm>
+                  <a:off x="4415992" y="1948851"/>
+                  <a:ext cx="1064260" cy="369332"/>
+                </a:xfrm>
+                <a:prstGeom prst="rect">
+                  <a:avLst/>
+                </a:prstGeom>
+                <a:noFill/>
+              </p:spPr>
+              <p:txBody>
+                <a:bodyPr wrap="square" rtlCol="0">
+                  <a:spAutoFit/>
+                </a:bodyPr>
+                <a:lstStyle/>
+                <a:p>
+                  <a:r>
+                    <a:rPr lang="de-DE" dirty="0" smtClean="0">
+                      <a:solidFill>
+                        <a:schemeClr val="bg1"/>
+                      </a:solidFill>
+                    </a:rPr>
+                    <a:t>Block 3</a:t>
+                  </a:r>
+                  <a:endParaRPr lang="de-DE" dirty="0">
+                    <a:solidFill>
+                      <a:schemeClr val="bg1"/>
+                    </a:solidFill>
+                  </a:endParaRPr>
+                </a:p>
+              </p:txBody>
+            </p:sp>
+            <p:sp>
+              <p:nvSpPr>
+                <p:cNvPr id="141" name="Textfeld 140"/>
+                <p:cNvSpPr txBox="1"/>
+                <p:nvPr/>
+              </p:nvSpPr>
+              <p:spPr>
+                <a:xfrm>
+                  <a:off x="6486800" y="1948851"/>
+                  <a:ext cx="1064260" cy="369332"/>
+                </a:xfrm>
+                <a:prstGeom prst="rect">
+                  <a:avLst/>
+                </a:prstGeom>
+                <a:noFill/>
+              </p:spPr>
+              <p:txBody>
+                <a:bodyPr wrap="square" rtlCol="0">
+                  <a:spAutoFit/>
+                </a:bodyPr>
+                <a:lstStyle/>
+                <a:p>
+                  <a:r>
+                    <a:rPr lang="de-DE" dirty="0" smtClean="0">
+                      <a:solidFill>
+                        <a:schemeClr val="bg1"/>
+                      </a:solidFill>
+                    </a:rPr>
+                    <a:t>Block 4</a:t>
+                  </a:r>
+                  <a:endParaRPr lang="de-DE" dirty="0">
+                    <a:solidFill>
+                      <a:schemeClr val="bg1"/>
+                    </a:solidFill>
+                  </a:endParaRPr>
+                </a:p>
+              </p:txBody>
+            </p:sp>
+          </p:grpSp>
+        </p:grpSp>
+        <p:sp>
+          <p:nvSpPr>
+            <p:cNvPr id="89" name="Rechteck 88"/>
+            <p:cNvSpPr/>
+            <p:nvPr/>
+          </p:nvSpPr>
+          <p:spPr>
+            <a:xfrm>
+              <a:off x="1577169" y="3194444"/>
+              <a:ext cx="464820" cy="1323813"/>
+            </a:xfrm>
+            <a:prstGeom prst="rect">
+              <a:avLst/>
+            </a:prstGeom>
+            <a:solidFill>
+              <a:srgbClr val="FF0000"/>
+            </a:solidFill>
+            <a:ln w="57150">
+              <a:solidFill>
+                <a:srgbClr val="FF0000"/>
+              </a:solidFill>
+            </a:ln>
+          </p:spPr>
+          <p:style>
+            <a:lnRef idx="2">
+              <a:schemeClr val="accent1">
+                <a:shade val="50000"/>
+              </a:schemeClr>
+            </a:lnRef>
+            <a:fillRef idx="1">
+              <a:schemeClr val="accent1"/>
+            </a:fillRef>
+            <a:effectRef idx="0">
+              <a:schemeClr val="accent1"/>
+            </a:effectRef>
+            <a:fontRef idx="minor">
+              <a:schemeClr val="lt1"/>
+            </a:fontRef>
+          </p:style>
+          <p:txBody>
+            <a:bodyPr rtlCol="0" anchor="ctr"/>
+            <a:lstStyle/>
+            <a:p>
+              <a:pPr algn="ctr"/>
+              <a:endParaRPr lang="de-DE"/>
+            </a:p>
+          </p:txBody>
+        </p:sp>
+        <p:sp>
+          <p:nvSpPr>
+            <p:cNvPr id="90" name="Ellipse 89"/>
+            <p:cNvSpPr/>
+            <p:nvPr/>
+          </p:nvSpPr>
+          <p:spPr>
+            <a:xfrm>
+              <a:off x="358498" y="3836070"/>
+              <a:ext cx="326949" cy="322591"/>
+            </a:xfrm>
+            <a:prstGeom prst="ellipse">
+              <a:avLst/>
+            </a:prstGeom>
+            <a:noFill/>
+            <a:ln w="38100">
+              <a:solidFill>
+                <a:schemeClr val="bg1"/>
+              </a:solidFill>
+            </a:ln>
+          </p:spPr>
+          <p:style>
+            <a:lnRef idx="2">
+              <a:schemeClr val="accent1">
+                <a:shade val="50000"/>
+              </a:schemeClr>
+            </a:lnRef>
+            <a:fillRef idx="1">
+              <a:schemeClr val="accent1"/>
+            </a:fillRef>
+            <a:effectRef idx="0">
+              <a:schemeClr val="accent1"/>
+            </a:effectRef>
+            <a:fontRef idx="minor">
+              <a:schemeClr val="lt1"/>
+            </a:fontRef>
+          </p:style>
+          <p:txBody>
+            <a:bodyPr rtlCol="0" anchor="ctr"/>
+            <a:lstStyle/>
+            <a:p>
+              <a:pPr algn="ctr"/>
+              <a:endParaRPr lang="de-DE"/>
+            </a:p>
+          </p:txBody>
+        </p:sp>
+        <p:sp>
+          <p:nvSpPr>
+            <p:cNvPr id="91" name="Ellipse 90"/>
+            <p:cNvSpPr/>
+            <p:nvPr/>
+          </p:nvSpPr>
+          <p:spPr>
+            <a:xfrm>
+              <a:off x="846631" y="3830599"/>
+              <a:ext cx="326949" cy="322591"/>
+            </a:xfrm>
+            <a:prstGeom prst="ellipse">
+              <a:avLst/>
+            </a:prstGeom>
+            <a:noFill/>
+            <a:ln w="38100">
+              <a:solidFill>
+                <a:schemeClr val="bg1"/>
+              </a:solidFill>
+            </a:ln>
+          </p:spPr>
+          <p:style>
+            <a:lnRef idx="2">
+              <a:schemeClr val="accent1">
+                <a:shade val="50000"/>
+              </a:schemeClr>
+            </a:lnRef>
+            <a:fillRef idx="1">
+              <a:schemeClr val="accent1"/>
+            </a:fillRef>
+            <a:effectRef idx="0">
+              <a:schemeClr val="accent1"/>
+            </a:effectRef>
+            <a:fontRef idx="minor">
+              <a:schemeClr val="lt1"/>
+            </a:fontRef>
+          </p:style>
+          <p:txBody>
+            <a:bodyPr rtlCol="0" anchor="ctr"/>
+            <a:lstStyle/>
+            <a:p>
+              <a:pPr algn="ctr"/>
+              <a:endParaRPr lang="de-DE"/>
+            </a:p>
+          </p:txBody>
+        </p:sp>
+        <p:cxnSp>
+          <p:nvCxnSpPr>
+            <p:cNvPr id="92" name="Gerader Verbinder 91"/>
+            <p:cNvCxnSpPr>
+              <a:endCxn id="91" idx="2"/>
+            </p:cNvCxnSpPr>
+            <p:nvPr/>
+          </p:nvCxnSpPr>
+          <p:spPr>
+            <a:xfrm flipV="1">
+              <a:off x="521972" y="3991895"/>
+              <a:ext cx="324660" cy="1"/>
+            </a:xfrm>
+            <a:prstGeom prst="line">
+              <a:avLst/>
+            </a:prstGeom>
+            <a:solidFill>
+              <a:schemeClr val="bg1"/>
+            </a:solidFill>
+            <a:ln w="38100">
+              <a:solidFill>
+                <a:schemeClr val="bg1"/>
+              </a:solidFill>
+            </a:ln>
+          </p:spPr>
+          <p:style>
+            <a:lnRef idx="1">
+              <a:schemeClr val="dk1"/>
+            </a:lnRef>
+            <a:fillRef idx="0">
+              <a:schemeClr val="dk1"/>
+            </a:fillRef>
+            <a:effectRef idx="0">
+              <a:schemeClr val="dk1"/>
+            </a:effectRef>
+            <a:fontRef idx="minor">
+              <a:schemeClr val="tx1"/>
+            </a:fontRef>
+          </p:style>
+        </p:cxnSp>
+        <p:cxnSp>
+          <p:nvCxnSpPr>
+            <p:cNvPr id="93" name="Gerader Verbinder 92"/>
+            <p:cNvCxnSpPr/>
+            <p:nvPr/>
+          </p:nvCxnSpPr>
+          <p:spPr>
+            <a:xfrm>
+              <a:off x="846631" y="3610249"/>
+              <a:ext cx="163474" cy="355586"/>
+            </a:xfrm>
+            <a:prstGeom prst="line">
+              <a:avLst/>
+            </a:prstGeom>
+            <a:solidFill>
+              <a:schemeClr val="bg1"/>
+            </a:solidFill>
+            <a:ln w="38100">
+              <a:solidFill>
+                <a:schemeClr val="bg1"/>
+              </a:solidFill>
+            </a:ln>
+          </p:spPr>
+          <p:style>
+            <a:lnRef idx="1">
+              <a:schemeClr val="dk1"/>
+            </a:lnRef>
+            <a:fillRef idx="0">
+              <a:schemeClr val="dk1"/>
+            </a:fillRef>
+            <a:effectRef idx="0">
+              <a:schemeClr val="dk1"/>
+            </a:effectRef>
+            <a:fontRef idx="minor">
+              <a:schemeClr val="tx1"/>
+            </a:fontRef>
+          </p:style>
+        </p:cxnSp>
+        <p:cxnSp>
+          <p:nvCxnSpPr>
+            <p:cNvPr id="94" name="Gerader Verbinder 93"/>
+            <p:cNvCxnSpPr/>
+            <p:nvPr/>
+          </p:nvCxnSpPr>
+          <p:spPr>
+            <a:xfrm flipH="1" flipV="1">
+              <a:off x="637824" y="3670311"/>
+              <a:ext cx="122245" cy="321584"/>
+            </a:xfrm>
+            <a:prstGeom prst="line">
+              <a:avLst/>
+            </a:prstGeom>
+            <a:solidFill>
+              <a:schemeClr val="bg1"/>
+            </a:solidFill>
+            <a:ln w="38100">
+              <a:solidFill>
+                <a:schemeClr val="bg1"/>
+              </a:solidFill>
+            </a:ln>
+          </p:spPr>
+          <p:style>
+            <a:lnRef idx="1">
+              <a:schemeClr val="dk1"/>
+            </a:lnRef>
+            <a:fillRef idx="0">
+              <a:schemeClr val="dk1"/>
+            </a:fillRef>
+            <a:effectRef idx="0">
+              <a:schemeClr val="dk1"/>
+            </a:effectRef>
+            <a:fontRef idx="minor">
+              <a:schemeClr val="tx1"/>
+            </a:fontRef>
+          </p:style>
+        </p:cxnSp>
+        <p:cxnSp>
+          <p:nvCxnSpPr>
+            <p:cNvPr id="95" name="Gerader Verbinder 94"/>
+            <p:cNvCxnSpPr/>
+            <p:nvPr/>
+          </p:nvCxnSpPr>
+          <p:spPr>
+            <a:xfrm flipH="1">
+              <a:off x="780097" y="3554038"/>
+              <a:ext cx="133069" cy="134395"/>
+            </a:xfrm>
+            <a:prstGeom prst="line">
+              <a:avLst/>
+            </a:prstGeom>
+            <a:solidFill>
+              <a:schemeClr val="bg1"/>
+            </a:solidFill>
+            <a:ln w="38100">
+              <a:solidFill>
+                <a:schemeClr val="bg1"/>
+              </a:solidFill>
+            </a:ln>
+          </p:spPr>
+          <p:style>
+            <a:lnRef idx="1">
+              <a:schemeClr val="dk1"/>
+            </a:lnRef>
+            <a:fillRef idx="0">
+              <a:schemeClr val="dk1"/>
+            </a:fillRef>
+            <a:effectRef idx="0">
+              <a:schemeClr val="dk1"/>
+            </a:effectRef>
+            <a:fontRef idx="minor">
+              <a:schemeClr val="tx1"/>
+            </a:fontRef>
+          </p:style>
+        </p:cxnSp>
+        <p:sp>
+          <p:nvSpPr>
+            <p:cNvPr id="96" name="Ellipse 95"/>
+            <p:cNvSpPr/>
+            <p:nvPr/>
+          </p:nvSpPr>
+          <p:spPr>
+            <a:xfrm>
+              <a:off x="605093" y="3656415"/>
+              <a:ext cx="96668" cy="64517"/>
+            </a:xfrm>
+            <a:prstGeom prst="ellipse">
+              <a:avLst/>
+            </a:prstGeom>
+            <a:solidFill>
+              <a:schemeClr val="bg1"/>
+            </a:solidFill>
+            <a:ln w="38100">
+              <a:solidFill>
+                <a:schemeClr val="bg1"/>
+              </a:solidFill>
+            </a:ln>
+          </p:spPr>
+          <p:style>
+            <a:lnRef idx="2">
+              <a:schemeClr val="dk1">
+                <a:shade val="50000"/>
+              </a:schemeClr>
+            </a:lnRef>
+            <a:fillRef idx="1">
+              <a:schemeClr val="dk1"/>
+            </a:fillRef>
+            <a:effectRef idx="0">
+              <a:schemeClr val="dk1"/>
+            </a:effectRef>
+            <a:fontRef idx="minor">
+              <a:schemeClr val="lt1"/>
+            </a:fontRef>
+          </p:style>
+          <p:txBody>
+            <a:bodyPr rtlCol="0" anchor="ctr"/>
+            <a:lstStyle/>
+            <a:p>
+              <a:pPr algn="ctr"/>
+              <a:endParaRPr lang="de-DE"/>
+            </a:p>
+          </p:txBody>
+        </p:sp>
+        <p:sp>
+          <p:nvSpPr>
+            <p:cNvPr id="97" name="Gewitterblitz 96"/>
+            <p:cNvSpPr/>
+            <p:nvPr/>
+          </p:nvSpPr>
+          <p:spPr>
+            <a:xfrm>
+              <a:off x="1643414" y="2586175"/>
+              <a:ext cx="332329" cy="443327"/>
+            </a:xfrm>
+            <a:prstGeom prst="lightningBolt">
+              <a:avLst/>
+            </a:prstGeom>
+            <a:solidFill>
+              <a:srgbClr val="FF0000"/>
+            </a:solidFill>
+            <a:ln>
+              <a:solidFill>
+                <a:schemeClr val="bg1"/>
+              </a:solidFill>
+            </a:ln>
+          </p:spPr>
+          <p:style>
+            <a:lnRef idx="2">
+              <a:schemeClr val="accent1">
+                <a:shade val="50000"/>
+              </a:schemeClr>
+            </a:lnRef>
+            <a:fillRef idx="1">
+              <a:schemeClr val="accent1"/>
+            </a:fillRef>
+            <a:effectRef idx="0">
+              <a:schemeClr val="accent1"/>
+            </a:effectRef>
+            <a:fontRef idx="minor">
+              <a:schemeClr val="lt1"/>
+            </a:fontRef>
+          </p:style>
+          <p:txBody>
+            <a:bodyPr rtlCol="0" anchor="ctr"/>
+            <a:lstStyle/>
+            <a:p>
+              <a:pPr algn="ctr"/>
+              <a:endParaRPr lang="de-DE"/>
+            </a:p>
+          </p:txBody>
+        </p:sp>
+        <p:sp>
+          <p:nvSpPr>
+            <p:cNvPr id="98" name="Textfeld 97"/>
+            <p:cNvSpPr txBox="1"/>
+            <p:nvPr/>
+          </p:nvSpPr>
+          <p:spPr>
+            <a:xfrm>
+              <a:off x="267564" y="4560527"/>
+              <a:ext cx="1064260" cy="369332"/>
+            </a:xfrm>
+            <a:prstGeom prst="rect">
+              <a:avLst/>
+            </a:prstGeom>
+            <a:noFill/>
+          </p:spPr>
+          <p:txBody>
+            <a:bodyPr wrap="square" rtlCol="0">
+              <a:spAutoFit/>
+            </a:bodyPr>
+            <a:lstStyle/>
+            <a:p>
+              <a:r>
+                <a:rPr lang="de-DE" dirty="0" smtClean="0">
+                  <a:solidFill>
+                    <a:schemeClr val="bg1"/>
+                  </a:solidFill>
+                </a:rPr>
+                <a:t>10 </a:t>
+              </a:r>
+              <a:r>
+                <a:rPr lang="de-DE" dirty="0" smtClean="0">
+                  <a:solidFill>
+                    <a:schemeClr val="bg1"/>
+                  </a:solidFill>
+                </a:rPr>
+                <a:t>min</a:t>
+              </a:r>
+              <a:endParaRPr lang="de-DE" dirty="0">
+                <a:solidFill>
+                  <a:schemeClr val="bg1"/>
+                </a:solidFill>
+              </a:endParaRPr>
+            </a:p>
+          </p:txBody>
+        </p:sp>
+        <p:sp>
+          <p:nvSpPr>
+            <p:cNvPr id="99" name="Rechteck 98"/>
+            <p:cNvSpPr/>
+            <p:nvPr/>
+          </p:nvSpPr>
+          <p:spPr>
+            <a:xfrm>
+              <a:off x="281579" y="3236650"/>
+              <a:ext cx="996950" cy="1308100"/>
+            </a:xfrm>
+            <a:prstGeom prst="rect">
+              <a:avLst/>
+            </a:prstGeom>
+            <a:noFill/>
+            <a:ln w="57150">
+              <a:solidFill>
+                <a:schemeClr val="bg1"/>
+              </a:solidFill>
+            </a:ln>
+          </p:spPr>
+          <p:style>
+            <a:lnRef idx="2">
+              <a:schemeClr val="accent1">
+                <a:shade val="50000"/>
+              </a:schemeClr>
+            </a:lnRef>
+            <a:fillRef idx="1">
+              <a:schemeClr val="accent1"/>
+            </a:fillRef>
+            <a:effectRef idx="0">
+              <a:schemeClr val="accent1"/>
+            </a:effectRef>
+            <a:fontRef idx="minor">
+              <a:schemeClr val="lt1"/>
+            </a:fontRef>
+          </p:style>
+          <p:txBody>
+            <a:bodyPr rtlCol="0" anchor="ctr"/>
+            <a:lstStyle/>
+            <a:p>
+              <a:pPr algn="ctr"/>
+              <a:endParaRPr lang="de-DE"/>
+            </a:p>
+          </p:txBody>
+        </p:sp>
+        <p:sp>
+          <p:nvSpPr>
+            <p:cNvPr id="100" name="Rechteck 99"/>
+            <p:cNvSpPr/>
+            <p:nvPr/>
+          </p:nvSpPr>
+          <p:spPr>
+            <a:xfrm>
+              <a:off x="281622" y="2486625"/>
+              <a:ext cx="996950" cy="2061582"/>
+            </a:xfrm>
+            <a:prstGeom prst="rect">
+              <a:avLst/>
+            </a:prstGeom>
+            <a:noFill/>
+            <a:ln w="57150">
+              <a:solidFill>
+                <a:schemeClr val="bg1"/>
+              </a:solidFill>
+              <a:prstDash val="sysDot"/>
+            </a:ln>
+          </p:spPr>
+          <p:style>
+            <a:lnRef idx="2">
+              <a:schemeClr val="accent1">
+                <a:shade val="50000"/>
+              </a:schemeClr>
+            </a:lnRef>
+            <a:fillRef idx="1">
+              <a:schemeClr val="accent1"/>
+            </a:fillRef>
+            <a:effectRef idx="0">
+              <a:schemeClr val="accent1"/>
+            </a:effectRef>
+            <a:fontRef idx="minor">
+              <a:schemeClr val="lt1"/>
+            </a:fontRef>
+          </p:style>
+          <p:txBody>
+            <a:bodyPr rtlCol="0" anchor="ctr"/>
+            <a:lstStyle/>
+            <a:p>
+              <a:pPr algn="ctr"/>
+              <a:endParaRPr lang="de-DE"/>
+            </a:p>
+          </p:txBody>
+        </p:sp>
+        <p:sp>
+          <p:nvSpPr>
+            <p:cNvPr id="101" name="Textfeld 100"/>
+            <p:cNvSpPr txBox="1"/>
+            <p:nvPr/>
+          </p:nvSpPr>
+          <p:spPr>
+            <a:xfrm>
+              <a:off x="358498" y="1926859"/>
+              <a:ext cx="1064260" cy="369332"/>
+            </a:xfrm>
+            <a:prstGeom prst="rect">
+              <a:avLst/>
+            </a:prstGeom>
+            <a:noFill/>
+          </p:spPr>
+          <p:txBody>
+            <a:bodyPr wrap="square" rtlCol="0">
+              <a:spAutoFit/>
+            </a:bodyPr>
+            <a:lstStyle/>
+            <a:p>
+              <a:r>
+                <a:rPr lang="de-DE" dirty="0" smtClean="0">
+                  <a:solidFill>
+                    <a:schemeClr val="bg1"/>
+                  </a:solidFill>
+                </a:rPr>
+                <a:t>Block 1</a:t>
+              </a:r>
+              <a:endParaRPr lang="de-DE" dirty="0">
+                <a:solidFill>
+                  <a:schemeClr val="bg1"/>
+                </a:solidFill>
+              </a:endParaRPr>
+            </a:p>
+          </p:txBody>
+        </p:sp>
+      </p:grpSp>
+      <p:sp>
+        <p:nvSpPr>
+          <p:cNvPr id="69" name="Rechteck 68"/>
+          <p:cNvSpPr/>
+          <p:nvPr/>
+        </p:nvSpPr>
+        <p:spPr>
+          <a:xfrm>
+            <a:off x="4369420" y="1782747"/>
+            <a:ext cx="6716648" cy="3388344"/>
+          </a:xfrm>
+          <a:prstGeom prst="rect">
+            <a:avLst/>
+          </a:prstGeom>
+          <a:solidFill>
+            <a:srgbClr val="464646">
+              <a:alpha val="91000"/>
+            </a:srgbClr>
+          </a:solidFill>
+          <a:ln>
+            <a:solidFill>
+              <a:srgbClr val="464646"/>
+            </a:solidFill>
+          </a:ln>
+        </p:spPr>
+        <p:style>
+          <a:lnRef idx="2">
+            <a:schemeClr val="accent1">
+              <a:shade val="50000"/>
+            </a:schemeClr>
+          </a:lnRef>
+          <a:fillRef idx="1">
+            <a:schemeClr val="accent1"/>
+          </a:fillRef>
+          <a:effectRef idx="0">
+            <a:schemeClr val="accent1"/>
+          </a:effectRef>
+          <a:fontRef idx="minor">
+            <a:schemeClr val="lt1"/>
+          </a:fontRef>
+        </p:style>
+        <p:txBody>
+          <a:bodyPr rtlCol="0" anchor="ctr"/>
+          <a:lstStyle/>
+          <a:p>
+            <a:pPr algn="ctr"/>
+            <a:endParaRPr lang="de-DE"/>
+          </a:p>
+        </p:txBody>
+      </p:sp>
+    </p:spTree>
+    <p:extLst>
+      <p:ext uri="{BB962C8B-B14F-4D97-AF65-F5344CB8AC3E}">
+        <p14:creationId xmlns:p14="http://schemas.microsoft.com/office/powerpoint/2010/main" val="2224162193"/>
+      </p:ext>
+    </p:extLst>
+  </p:cSld>
+  <p:clrMapOvr>
+    <a:masterClrMapping/>
+  </p:clrMapOvr>
+  <p:timing>
+    <p:tnLst>
+      <p:par>
+        <p:cTn id="1" dur="indefinite" restart="never" nodeType="tmRoot"/>
+      </p:par>
+    </p:tnLst>
+  </p:timing>
+</p:sld>
+</file>
+
+<file path=ppt/slides/slide21.xml><?xml version="1.0" encoding="utf-8"?>
 <p:sld xmlns:a="http://schemas.openxmlformats.org/drawingml/2006/main" xmlns:r="http://schemas.openxmlformats.org/officeDocument/2006/relationships" xmlns:p="http://schemas.openxmlformats.org/presentationml/2006/main">
   <p:cSld>
     <p:bg>
@@ -25323,7 +31471,7 @@
 </p:sld>
 </file>
 
-<file path=ppt/slides/slide2.xml><?xml version="1.0" encoding="utf-8"?>
+<file path=ppt/slides/slide3.xml><?xml version="1.0" encoding="utf-8"?>
 <p:sld xmlns:a="http://schemas.openxmlformats.org/drawingml/2006/main" xmlns:r="http://schemas.openxmlformats.org/officeDocument/2006/relationships" xmlns:p="http://schemas.openxmlformats.org/presentationml/2006/main">
   <p:cSld>
     <p:spTree>
@@ -25431,7 +31579,7 @@
 </p:sld>
 </file>
 
-<file path=ppt/slides/slide3.xml><?xml version="1.0" encoding="utf-8"?>
+<file path=ppt/slides/slide4.xml><?xml version="1.0" encoding="utf-8"?>
 <p:sld xmlns:a="http://schemas.openxmlformats.org/drawingml/2006/main" xmlns:r="http://schemas.openxmlformats.org/officeDocument/2006/relationships" xmlns:p="http://schemas.openxmlformats.org/presentationml/2006/main">
   <p:cSld>
     <p:spTree>
@@ -25503,7 +31651,7 @@
 </p:sld>
 </file>
 
-<file path=ppt/slides/slide4.xml><?xml version="1.0" encoding="utf-8"?>
+<file path=ppt/slides/slide5.xml><?xml version="1.0" encoding="utf-8"?>
 <p:sld xmlns:a="http://schemas.openxmlformats.org/drawingml/2006/main" xmlns:r="http://schemas.openxmlformats.org/officeDocument/2006/relationships" xmlns:p="http://schemas.openxmlformats.org/presentationml/2006/main">
   <p:cSld>
     <p:bg>
@@ -25842,7 +31990,7 @@
 </p:sld>
 </file>
 
-<file path=ppt/slides/slide5.xml><?xml version="1.0" encoding="utf-8"?>
+<file path=ppt/slides/slide6.xml><?xml version="1.0" encoding="utf-8"?>
 <p:sld xmlns:a="http://schemas.openxmlformats.org/drawingml/2006/main" xmlns:r="http://schemas.openxmlformats.org/officeDocument/2006/relationships" xmlns:p="http://schemas.openxmlformats.org/presentationml/2006/main">
   <p:cSld>
     <p:bg>
@@ -26213,7 +32361,7 @@
 </p:sld>
 </file>
 
-<file path=ppt/slides/slide6.xml><?xml version="1.0" encoding="utf-8"?>
+<file path=ppt/slides/slide7.xml><?xml version="1.0" encoding="utf-8"?>
 <p:sld xmlns:a="http://schemas.openxmlformats.org/drawingml/2006/main" xmlns:r="http://schemas.openxmlformats.org/officeDocument/2006/relationships" xmlns:p="http://schemas.openxmlformats.org/presentationml/2006/main">
   <p:cSld>
     <p:bg>
@@ -26536,7 +32684,7 @@
 </p:sld>
 </file>
 
-<file path=ppt/slides/slide7.xml><?xml version="1.0" encoding="utf-8"?>
+<file path=ppt/slides/slide8.xml><?xml version="1.0" encoding="utf-8"?>
 <p:sld xmlns:a="http://schemas.openxmlformats.org/drawingml/2006/main" xmlns:r="http://schemas.openxmlformats.org/officeDocument/2006/relationships" xmlns:p="http://schemas.openxmlformats.org/presentationml/2006/main">
   <p:cSld>
     <p:bg>
@@ -27092,7 +33240,7 @@
 </p:sld>
 </file>
 
-<file path=ppt/slides/slide8.xml><?xml version="1.0" encoding="utf-8"?>
+<file path=ppt/slides/slide9.xml><?xml version="1.0" encoding="utf-8"?>
 <p:sld xmlns:a="http://schemas.openxmlformats.org/drawingml/2006/main" xmlns:r="http://schemas.openxmlformats.org/officeDocument/2006/relationships" xmlns:p="http://schemas.openxmlformats.org/presentationml/2006/main">
   <p:cSld>
     <p:bg>
@@ -27591,721 +33739,6 @@
 </p:sld>
 </file>
 
-<file path=ppt/slides/slide9.xml><?xml version="1.0" encoding="utf-8"?>
-<p:sld xmlns:a="http://schemas.openxmlformats.org/drawingml/2006/main" xmlns:r="http://schemas.openxmlformats.org/officeDocument/2006/relationships" xmlns:p="http://schemas.openxmlformats.org/presentationml/2006/main">
-  <p:cSld>
-    <p:bg>
-      <p:bgPr>
-        <a:solidFill>
-          <a:srgbClr val="464646"/>
-        </a:solidFill>
-        <a:effectLst/>
-      </p:bgPr>
-    </p:bg>
-    <p:spTree>
-      <p:nvGrpSpPr>
-        <p:cNvPr id="1" name=""/>
-        <p:cNvGrpSpPr/>
-        <p:nvPr/>
-      </p:nvGrpSpPr>
-      <p:grpSpPr>
-        <a:xfrm>
-          <a:off x="0" y="0"/>
-          <a:ext cx="0" cy="0"/>
-          <a:chOff x="0" y="0"/>
-          <a:chExt cx="0" cy="0"/>
-        </a:xfrm>
-      </p:grpSpPr>
-      <p:sp>
-        <p:nvSpPr>
-          <p:cNvPr id="16" name="Rechteck 15"/>
-          <p:cNvSpPr/>
-          <p:nvPr/>
-        </p:nvSpPr>
-        <p:spPr>
-          <a:xfrm>
-            <a:off x="739011" y="15386"/>
-            <a:ext cx="10709329" cy="6842614"/>
-          </a:xfrm>
-          <a:prstGeom prst="rect">
-            <a:avLst/>
-          </a:prstGeom>
-          <a:solidFill>
-            <a:srgbClr val="464646"/>
-          </a:solidFill>
-          <a:ln>
-            <a:solidFill>
-              <a:srgbClr val="464646"/>
-            </a:solidFill>
-          </a:ln>
-        </p:spPr>
-        <p:style>
-          <a:lnRef idx="2">
-            <a:schemeClr val="accent1">
-              <a:shade val="50000"/>
-            </a:schemeClr>
-          </a:lnRef>
-          <a:fillRef idx="1">
-            <a:schemeClr val="accent1"/>
-          </a:fillRef>
-          <a:effectRef idx="0">
-            <a:schemeClr val="accent1"/>
-          </a:effectRef>
-          <a:fontRef idx="minor">
-            <a:schemeClr val="lt1"/>
-          </a:fontRef>
-        </p:style>
-        <p:txBody>
-          <a:bodyPr rtlCol="0" anchor="ctr"/>
-          <a:lstStyle/>
-          <a:p>
-            <a:pPr algn="ctr"/>
-            <a:endParaRPr lang="de-DE"/>
-          </a:p>
-        </p:txBody>
-      </p:sp>
-      <p:sp>
-        <p:nvSpPr>
-          <p:cNvPr id="31" name="Rechteck 30"/>
-          <p:cNvSpPr/>
-          <p:nvPr/>
-        </p:nvSpPr>
-        <p:spPr>
-          <a:xfrm>
-            <a:off x="1007390" y="844658"/>
-            <a:ext cx="9368725" cy="3905573"/>
-          </a:xfrm>
-          <a:prstGeom prst="rect">
-            <a:avLst/>
-          </a:prstGeom>
-          <a:solidFill>
-            <a:srgbClr val="464646"/>
-          </a:solidFill>
-          <a:ln>
-            <a:solidFill>
-              <a:srgbClr val="464646"/>
-            </a:solidFill>
-          </a:ln>
-        </p:spPr>
-        <p:style>
-          <a:lnRef idx="2">
-            <a:schemeClr val="accent1">
-              <a:shade val="50000"/>
-            </a:schemeClr>
-          </a:lnRef>
-          <a:fillRef idx="1">
-            <a:schemeClr val="accent1"/>
-          </a:fillRef>
-          <a:effectRef idx="0">
-            <a:schemeClr val="accent1"/>
-          </a:effectRef>
-          <a:fontRef idx="minor">
-            <a:schemeClr val="lt1"/>
-          </a:fontRef>
-        </p:style>
-        <p:txBody>
-          <a:bodyPr rtlCol="0" anchor="ctr"/>
-          <a:lstStyle/>
-          <a:p>
-            <a:pPr algn="ctr"/>
-            <a:endParaRPr lang="de-DE"/>
-          </a:p>
-        </p:txBody>
-      </p:sp>
-      <p:grpSp>
-        <p:nvGrpSpPr>
-          <p:cNvPr id="6" name="Gruppieren 5"/>
-          <p:cNvGrpSpPr/>
-          <p:nvPr/>
-        </p:nvGrpSpPr>
-        <p:grpSpPr>
-          <a:xfrm>
-            <a:off x="1468293" y="406694"/>
-            <a:ext cx="9419265" cy="5574791"/>
-            <a:chOff x="1464589" y="406694"/>
-            <a:chExt cx="9212135" cy="5676212"/>
-          </a:xfrm>
-        </p:grpSpPr>
-        <p:sp>
-          <p:nvSpPr>
-            <p:cNvPr id="13" name="Rechteck 12"/>
-            <p:cNvSpPr/>
-            <p:nvPr/>
-          </p:nvSpPr>
-          <p:spPr>
-            <a:xfrm>
-              <a:off x="1464589" y="503695"/>
-              <a:ext cx="9212135" cy="5579211"/>
-            </a:xfrm>
-            <a:prstGeom prst="rect">
-              <a:avLst/>
-            </a:prstGeom>
-            <a:solidFill>
-              <a:srgbClr val="464646"/>
-            </a:solidFill>
-            <a:ln>
-              <a:solidFill>
-                <a:srgbClr val="464646"/>
-              </a:solidFill>
-            </a:ln>
-          </p:spPr>
-          <p:style>
-            <a:lnRef idx="2">
-              <a:schemeClr val="accent1">
-                <a:shade val="50000"/>
-              </a:schemeClr>
-            </a:lnRef>
-            <a:fillRef idx="1">
-              <a:schemeClr val="accent1"/>
-            </a:fillRef>
-            <a:effectRef idx="0">
-              <a:schemeClr val="accent1"/>
-            </a:effectRef>
-            <a:fontRef idx="minor">
-              <a:schemeClr val="lt1"/>
-            </a:fontRef>
-          </p:style>
-          <p:txBody>
-            <a:bodyPr rtlCol="0" anchor="ctr"/>
-            <a:lstStyle/>
-            <a:p>
-              <a:pPr algn="ctr"/>
-              <a:endParaRPr lang="de-DE"/>
-            </a:p>
-          </p:txBody>
-        </p:sp>
-        <p:grpSp>
-          <p:nvGrpSpPr>
-            <p:cNvPr id="4" name="Gruppieren 3"/>
-            <p:cNvGrpSpPr/>
-            <p:nvPr/>
-          </p:nvGrpSpPr>
-          <p:grpSpPr>
-            <a:xfrm>
-              <a:off x="1692215" y="406694"/>
-              <a:ext cx="8575143" cy="5243155"/>
-              <a:chOff x="1692215" y="406694"/>
-              <a:chExt cx="8575143" cy="5243155"/>
-            </a:xfrm>
-          </p:grpSpPr>
-          <p:grpSp>
-            <p:nvGrpSpPr>
-              <p:cNvPr id="2" name="Gruppieren 1"/>
-              <p:cNvGrpSpPr/>
-              <p:nvPr/>
-            </p:nvGrpSpPr>
-            <p:grpSpPr>
-              <a:xfrm>
-                <a:off x="1692215" y="3188104"/>
-                <a:ext cx="8575143" cy="2461745"/>
-                <a:chOff x="1696796" y="2447303"/>
-                <a:chExt cx="8575143" cy="2461745"/>
-              </a:xfrm>
-            </p:grpSpPr>
-            <p:pic>
-              <p:nvPicPr>
-                <p:cNvPr id="25" name="Grafik 24"/>
-                <p:cNvPicPr>
-                  <a:picLocks noChangeAspect="1"/>
-                </p:cNvPicPr>
-                <p:nvPr/>
-              </p:nvPicPr>
-              <p:blipFill rotWithShape="1">
-                <a:blip r:embed="rId2"/>
-                <a:srcRect l="16208" t="46444" r="55636" b="39332"/>
-                <a:stretch/>
-              </p:blipFill>
-              <p:spPr>
-                <a:xfrm>
-                  <a:off x="1696796" y="3321774"/>
-                  <a:ext cx="8575143" cy="1587274"/>
-                </a:xfrm>
-                <a:prstGeom prst="rect">
-                  <a:avLst/>
-                </a:prstGeom>
-              </p:spPr>
-            </p:pic>
-            <p:cxnSp>
-              <p:nvCxnSpPr>
-                <p:cNvPr id="9" name="Gerade Verbindung mit Pfeil 8"/>
-                <p:cNvCxnSpPr/>
-                <p:nvPr/>
-              </p:nvCxnSpPr>
-              <p:spPr>
-                <a:xfrm flipH="1">
-                  <a:off x="2617374" y="2447303"/>
-                  <a:ext cx="3510915" cy="1049387"/>
-                </a:xfrm>
-                <a:prstGeom prst="straightConnector1">
-                  <a:avLst/>
-                </a:prstGeom>
-                <a:ln w="38100">
-                  <a:solidFill>
-                    <a:schemeClr val="bg1"/>
-                  </a:solidFill>
-                  <a:prstDash val="dash"/>
-                  <a:tailEnd type="triangle"/>
-                </a:ln>
-              </p:spPr>
-              <p:style>
-                <a:lnRef idx="1">
-                  <a:schemeClr val="accent1"/>
-                </a:lnRef>
-                <a:fillRef idx="0">
-                  <a:schemeClr val="accent1"/>
-                </a:fillRef>
-                <a:effectRef idx="0">
-                  <a:schemeClr val="accent1"/>
-                </a:effectRef>
-                <a:fontRef idx="minor">
-                  <a:schemeClr val="tx1"/>
-                </a:fontRef>
-              </p:style>
-            </p:cxnSp>
-          </p:grpSp>
-          <p:sp>
-            <p:nvSpPr>
-              <p:cNvPr id="10" name="Textfeld 9"/>
-              <p:cNvSpPr txBox="1"/>
-              <p:nvPr/>
-            </p:nvSpPr>
-            <p:spPr>
-              <a:xfrm>
-                <a:off x="2139035" y="406694"/>
-                <a:ext cx="8128323" cy="2914395"/>
-              </a:xfrm>
-              <a:prstGeom prst="rect">
-                <a:avLst/>
-              </a:prstGeom>
-              <a:noFill/>
-            </p:spPr>
-            <p:txBody>
-              <a:bodyPr wrap="square" rtlCol="0">
-                <a:spAutoFit/>
-              </a:bodyPr>
-              <a:lstStyle/>
-              <a:p>
-                <a:pPr algn="ctr">
-                  <a:lnSpc>
-                    <a:spcPct val="150000"/>
-                  </a:lnSpc>
-                </a:pPr>
-                <a:r>
-                  <a:rPr lang="de-DE" sz="2000" dirty="0" smtClean="0">
-                    <a:solidFill>
-                      <a:schemeClr val="bg1"/>
-                    </a:solidFill>
-                  </a:rPr>
-                  <a:t>Das bedeutet, wenn ein Druckreiz UNTERHALB Ihrer Schmerschwelle ist, positionieren Sie den Cursor ganz LINKS auf der Skala.</a:t>
-                </a:r>
-              </a:p>
-              <a:p>
-                <a:pPr algn="ctr">
-                  <a:lnSpc>
-                    <a:spcPct val="150000"/>
-                  </a:lnSpc>
-                </a:pPr>
-                <a:endParaRPr lang="de-DE" sz="2000" dirty="0">
-                  <a:solidFill>
-                    <a:schemeClr val="bg1"/>
-                  </a:solidFill>
-                </a:endParaRPr>
-              </a:p>
-              <a:p>
-                <a:pPr algn="ctr">
-                  <a:lnSpc>
-                    <a:spcPct val="150000"/>
-                  </a:lnSpc>
-                </a:pPr>
-                <a:endParaRPr lang="de-DE" sz="2000" dirty="0">
-                  <a:solidFill>
-                    <a:schemeClr val="bg1"/>
-                  </a:solidFill>
-                </a:endParaRPr>
-              </a:p>
-              <a:p>
-                <a:pPr algn="ctr">
-                  <a:lnSpc>
-                    <a:spcPct val="150000"/>
-                  </a:lnSpc>
-                </a:pPr>
-                <a:r>
-                  <a:rPr lang="de-DE" sz="2000" dirty="0" smtClean="0">
-                    <a:solidFill>
-                      <a:schemeClr val="bg1"/>
-                    </a:solidFill>
-                  </a:rPr>
-                  <a:t>Sobald ein Druckreiz </a:t>
-                </a:r>
-                <a:r>
-                  <a:rPr lang="de-DE" sz="2000" dirty="0" smtClean="0">
-                    <a:solidFill>
-                      <a:srgbClr val="FF0000"/>
-                    </a:solidFill>
-                  </a:rPr>
-                  <a:t>SCHMERZHAFT</a:t>
-                </a:r>
-                <a:r>
-                  <a:rPr lang="de-DE" sz="2000" dirty="0" smtClean="0">
-                    <a:solidFill>
-                      <a:schemeClr val="bg1"/>
-                    </a:solidFill>
-                  </a:rPr>
-                  <a:t> ist, nutzen Sie bitte die gesamte Skala aus, um den Schmerz einzuordnen.</a:t>
-                </a:r>
-              </a:p>
-            </p:txBody>
-          </p:sp>
-        </p:grpSp>
-      </p:grpSp>
-      <p:sp>
-        <p:nvSpPr>
-          <p:cNvPr id="12" name="Rechteck 11"/>
-          <p:cNvSpPr/>
-          <p:nvPr/>
-        </p:nvSpPr>
-        <p:spPr>
-          <a:xfrm>
-            <a:off x="2502976" y="4240519"/>
-            <a:ext cx="4463512" cy="271221"/>
-          </a:xfrm>
-          <a:prstGeom prst="rect">
-            <a:avLst/>
-          </a:prstGeom>
-          <a:solidFill>
-            <a:srgbClr val="FF0000"/>
-          </a:solidFill>
-          <a:ln>
-            <a:solidFill>
-              <a:srgbClr val="FF0000"/>
-            </a:solidFill>
-          </a:ln>
-        </p:spPr>
-        <p:style>
-          <a:lnRef idx="2">
-            <a:schemeClr val="accent1">
-              <a:shade val="50000"/>
-            </a:schemeClr>
-          </a:lnRef>
-          <a:fillRef idx="1">
-            <a:schemeClr val="accent1"/>
-          </a:fillRef>
-          <a:effectRef idx="0">
-            <a:schemeClr val="accent1"/>
-          </a:effectRef>
-          <a:fontRef idx="minor">
-            <a:schemeClr val="lt1"/>
-          </a:fontRef>
-        </p:style>
-        <p:txBody>
-          <a:bodyPr rtlCol="0" anchor="ctr"/>
-          <a:lstStyle/>
-          <a:p>
-            <a:pPr algn="ctr"/>
-            <a:endParaRPr lang="de-DE"/>
-          </a:p>
-        </p:txBody>
-      </p:sp>
-      <p:pic>
-        <p:nvPicPr>
-          <p:cNvPr id="15" name="Grafik 14"/>
-          <p:cNvPicPr>
-            <a:picLocks noChangeAspect="1"/>
-          </p:cNvPicPr>
-          <p:nvPr/>
-        </p:nvPicPr>
-        <p:blipFill rotWithShape="1">
-          <a:blip r:embed="rId3"/>
-          <a:srcRect l="10805" t="50756" r="51123" b="36210"/>
-          <a:stretch/>
-        </p:blipFill>
-        <p:spPr>
-          <a:xfrm>
-            <a:off x="1668914" y="5747975"/>
-            <a:ext cx="8849524" cy="1110025"/>
-          </a:xfrm>
-          <a:prstGeom prst="rect">
-            <a:avLst/>
-          </a:prstGeom>
-        </p:spPr>
-      </p:pic>
-      <p:sp>
-        <p:nvSpPr>
-          <p:cNvPr id="17" name="Textfeld 16"/>
-          <p:cNvSpPr txBox="1"/>
-          <p:nvPr/>
-        </p:nvSpPr>
-        <p:spPr>
-          <a:xfrm>
-            <a:off x="7858760" y="4557620"/>
-            <a:ext cx="2978258" cy="830997"/>
-          </a:xfrm>
-          <a:prstGeom prst="rect">
-            <a:avLst/>
-          </a:prstGeom>
-          <a:solidFill>
-            <a:srgbClr val="464646"/>
-          </a:solidFill>
-        </p:spPr>
-        <p:txBody>
-          <a:bodyPr wrap="square" rtlCol="0">
-            <a:spAutoFit/>
-          </a:bodyPr>
-          <a:lstStyle/>
-          <a:p>
-            <a:pPr algn="ctr"/>
-            <a:r>
-              <a:rPr lang="de-DE" sz="2400" dirty="0">
-                <a:solidFill>
-                  <a:schemeClr val="bg1"/>
-                </a:solidFill>
-              </a:rPr>
-              <a:t>k</a:t>
-            </a:r>
-            <a:r>
-              <a:rPr lang="de-DE" sz="2400" dirty="0" smtClean="0">
-                <a:solidFill>
-                  <a:schemeClr val="bg1"/>
-                </a:solidFill>
-              </a:rPr>
-              <a:t>aum aushaltbarer</a:t>
-            </a:r>
-          </a:p>
-          <a:p>
-            <a:pPr algn="ctr"/>
-            <a:r>
-              <a:rPr lang="de-DE" sz="2400" dirty="0" smtClean="0">
-                <a:solidFill>
-                  <a:schemeClr val="bg1"/>
-                </a:solidFill>
-              </a:rPr>
-              <a:t>Schmerz</a:t>
-            </a:r>
-            <a:endParaRPr lang="de-DE" sz="2400" dirty="0">
-              <a:solidFill>
-                <a:schemeClr val="bg1"/>
-              </a:solidFill>
-            </a:endParaRPr>
-          </a:p>
-        </p:txBody>
-      </p:sp>
-      <p:cxnSp>
-        <p:nvCxnSpPr>
-          <p:cNvPr id="18" name="Gerade Verbindung mit Pfeil 17"/>
-          <p:cNvCxnSpPr/>
-          <p:nvPr/>
-        </p:nvCxnSpPr>
-        <p:spPr>
-          <a:xfrm>
-            <a:off x="6375469" y="3151932"/>
-            <a:ext cx="2652294" cy="946356"/>
-          </a:xfrm>
-          <a:prstGeom prst="straightConnector1">
-            <a:avLst/>
-          </a:prstGeom>
-          <a:ln w="38100">
-            <a:solidFill>
-              <a:schemeClr val="bg1"/>
-            </a:solidFill>
-            <a:prstDash val="dash"/>
-            <a:tailEnd type="triangle"/>
-          </a:ln>
-        </p:spPr>
-        <p:style>
-          <a:lnRef idx="1">
-            <a:schemeClr val="accent1"/>
-          </a:lnRef>
-          <a:fillRef idx="0">
-            <a:schemeClr val="accent1"/>
-          </a:fillRef>
-          <a:effectRef idx="0">
-            <a:schemeClr val="accent1"/>
-          </a:effectRef>
-          <a:fontRef idx="minor">
-            <a:schemeClr val="tx1"/>
-          </a:fontRef>
-        </p:style>
-      </p:cxnSp>
-      <p:sp>
-        <p:nvSpPr>
-          <p:cNvPr id="14" name="Rechteck 13"/>
-          <p:cNvSpPr/>
-          <p:nvPr/>
-        </p:nvSpPr>
-        <p:spPr>
-          <a:xfrm>
-            <a:off x="4060556" y="4169044"/>
-            <a:ext cx="61993" cy="388576"/>
-          </a:xfrm>
-          <a:prstGeom prst="rect">
-            <a:avLst/>
-          </a:prstGeom>
-          <a:solidFill>
-            <a:schemeClr val="bg1"/>
-          </a:solidFill>
-          <a:ln w="9525">
-            <a:solidFill>
-              <a:schemeClr val="bg2">
-                <a:lumMod val="25000"/>
-              </a:schemeClr>
-            </a:solidFill>
-          </a:ln>
-        </p:spPr>
-        <p:style>
-          <a:lnRef idx="2">
-            <a:schemeClr val="accent1">
-              <a:shade val="50000"/>
-            </a:schemeClr>
-          </a:lnRef>
-          <a:fillRef idx="1">
-            <a:schemeClr val="accent1"/>
-          </a:fillRef>
-          <a:effectRef idx="0">
-            <a:schemeClr val="accent1"/>
-          </a:effectRef>
-          <a:fontRef idx="minor">
-            <a:schemeClr val="lt1"/>
-          </a:fontRef>
-        </p:style>
-        <p:txBody>
-          <a:bodyPr rtlCol="0" anchor="ctr"/>
-          <a:lstStyle/>
-          <a:p>
-            <a:pPr algn="ctr"/>
-            <a:endParaRPr lang="de-DE"/>
-          </a:p>
-        </p:txBody>
-      </p:sp>
-      <p:sp>
-        <p:nvSpPr>
-          <p:cNvPr id="22" name="Rechteck 21"/>
-          <p:cNvSpPr/>
-          <p:nvPr/>
-        </p:nvSpPr>
-        <p:spPr>
-          <a:xfrm>
-            <a:off x="5715525" y="4169044"/>
-            <a:ext cx="61993" cy="388576"/>
-          </a:xfrm>
-          <a:prstGeom prst="rect">
-            <a:avLst/>
-          </a:prstGeom>
-          <a:solidFill>
-            <a:schemeClr val="bg1"/>
-          </a:solidFill>
-          <a:ln w="9525">
-            <a:solidFill>
-              <a:schemeClr val="bg2">
-                <a:lumMod val="25000"/>
-              </a:schemeClr>
-            </a:solidFill>
-          </a:ln>
-        </p:spPr>
-        <p:style>
-          <a:lnRef idx="2">
-            <a:schemeClr val="accent1">
-              <a:shade val="50000"/>
-            </a:schemeClr>
-          </a:lnRef>
-          <a:fillRef idx="1">
-            <a:schemeClr val="accent1"/>
-          </a:fillRef>
-          <a:effectRef idx="0">
-            <a:schemeClr val="accent1"/>
-          </a:effectRef>
-          <a:fontRef idx="minor">
-            <a:schemeClr val="lt1"/>
-          </a:fontRef>
-        </p:style>
-        <p:txBody>
-          <a:bodyPr rtlCol="0" anchor="ctr"/>
-          <a:lstStyle/>
-          <a:p>
-            <a:pPr algn="ctr"/>
-            <a:endParaRPr lang="de-DE"/>
-          </a:p>
-        </p:txBody>
-      </p:sp>
-      <p:sp>
-        <p:nvSpPr>
-          <p:cNvPr id="23" name="Textfeld 22"/>
-          <p:cNvSpPr txBox="1"/>
-          <p:nvPr/>
-        </p:nvSpPr>
-        <p:spPr>
-          <a:xfrm>
-            <a:off x="1766806" y="4565908"/>
-            <a:ext cx="1970547" cy="830997"/>
-          </a:xfrm>
-          <a:prstGeom prst="rect">
-            <a:avLst/>
-          </a:prstGeom>
-          <a:solidFill>
-            <a:srgbClr val="464646"/>
-          </a:solidFill>
-        </p:spPr>
-        <p:txBody>
-          <a:bodyPr wrap="square" rtlCol="0">
-            <a:spAutoFit/>
-          </a:bodyPr>
-          <a:lstStyle/>
-          <a:p>
-            <a:pPr algn="ctr"/>
-            <a:r>
-              <a:rPr lang="de-DE" sz="2400" dirty="0">
-                <a:solidFill>
-                  <a:schemeClr val="bg1"/>
-                </a:solidFill>
-              </a:rPr>
-              <a:t>m</a:t>
-            </a:r>
-            <a:r>
-              <a:rPr lang="de-DE" sz="2400" dirty="0" smtClean="0">
-                <a:solidFill>
-                  <a:schemeClr val="bg1"/>
-                </a:solidFill>
-              </a:rPr>
-              <a:t>inimaler</a:t>
-            </a:r>
-          </a:p>
-          <a:p>
-            <a:pPr algn="ctr"/>
-            <a:r>
-              <a:rPr lang="de-DE" sz="2400" dirty="0" smtClean="0">
-                <a:solidFill>
-                  <a:schemeClr val="bg1"/>
-                </a:solidFill>
-              </a:rPr>
-              <a:t>Schmerz</a:t>
-            </a:r>
-            <a:endParaRPr lang="de-DE" sz="2400" dirty="0">
-              <a:solidFill>
-                <a:schemeClr val="bg1"/>
-              </a:solidFill>
-            </a:endParaRPr>
-          </a:p>
-        </p:txBody>
-      </p:sp>
-    </p:spTree>
-    <p:extLst>
-      <p:ext uri="{BB962C8B-B14F-4D97-AF65-F5344CB8AC3E}">
-        <p14:creationId xmlns:p14="http://schemas.microsoft.com/office/powerpoint/2010/main" val="3942618918"/>
-      </p:ext>
-    </p:extLst>
-  </p:cSld>
-  <p:clrMapOvr>
-    <a:masterClrMapping/>
-  </p:clrMapOvr>
-  <p:timing>
-    <p:tnLst>
-      <p:par>
-        <p:cTn id="1" dur="indefinite" restart="never" nodeType="tmRoot"/>
-      </p:par>
-    </p:tnLst>
-  </p:timing>
-</p:sld>
-</file>
-
 <file path=ppt/theme/theme1.xml><?xml version="1.0" encoding="utf-8"?>
 <a:theme xmlns:a="http://schemas.openxmlformats.org/drawingml/2006/main" name="Office Theme">
   <a:themeElements>

--- a/utils/img/VAS_Paradigm_Visuals.pptx
+++ b/utils/img/VAS_Paradigm_Visuals.pptx
@@ -8,24 +8,26 @@
     <p:sldId id="280" r:id="rId2"/>
     <p:sldId id="259" r:id="rId3"/>
     <p:sldId id="276" r:id="rId4"/>
-    <p:sldId id="271" r:id="rId5"/>
-    <p:sldId id="256" r:id="rId6"/>
-    <p:sldId id="269" r:id="rId7"/>
-    <p:sldId id="270" r:id="rId8"/>
-    <p:sldId id="257" r:id="rId9"/>
-    <p:sldId id="274" r:id="rId10"/>
-    <p:sldId id="275" r:id="rId11"/>
-    <p:sldId id="261" r:id="rId12"/>
-    <p:sldId id="260" r:id="rId13"/>
-    <p:sldId id="277" r:id="rId14"/>
-    <p:sldId id="272" r:id="rId15"/>
-    <p:sldId id="264" r:id="rId16"/>
-    <p:sldId id="266" r:id="rId17"/>
-    <p:sldId id="267" r:id="rId18"/>
-    <p:sldId id="268" r:id="rId19"/>
-    <p:sldId id="278" r:id="rId20"/>
-    <p:sldId id="279" r:id="rId21"/>
-    <p:sldId id="262" r:id="rId22"/>
+    <p:sldId id="256" r:id="rId5"/>
+    <p:sldId id="282" r:id="rId6"/>
+    <p:sldId id="271" r:id="rId7"/>
+    <p:sldId id="281" r:id="rId8"/>
+    <p:sldId id="269" r:id="rId9"/>
+    <p:sldId id="270" r:id="rId10"/>
+    <p:sldId id="257" r:id="rId11"/>
+    <p:sldId id="274" r:id="rId12"/>
+    <p:sldId id="275" r:id="rId13"/>
+    <p:sldId id="261" r:id="rId14"/>
+    <p:sldId id="260" r:id="rId15"/>
+    <p:sldId id="277" r:id="rId16"/>
+    <p:sldId id="272" r:id="rId17"/>
+    <p:sldId id="264" r:id="rId18"/>
+    <p:sldId id="266" r:id="rId19"/>
+    <p:sldId id="267" r:id="rId20"/>
+    <p:sldId id="268" r:id="rId21"/>
+    <p:sldId id="278" r:id="rId22"/>
+    <p:sldId id="279" r:id="rId23"/>
+    <p:sldId id="262" r:id="rId24"/>
   </p:sldIdLst>
   <p:sldSz cx="12192000" cy="6858000"/>
   <p:notesSz cx="6858000" cy="9144000"/>
@@ -3313,6 +3315,1061 @@
             </p:nvGrpSpPr>
             <p:grpSpPr>
               <a:xfrm>
+                <a:off x="1692215" y="3166283"/>
+                <a:ext cx="8575143" cy="2483566"/>
+                <a:chOff x="1696796" y="2425482"/>
+                <a:chExt cx="8575143" cy="2483566"/>
+              </a:xfrm>
+            </p:grpSpPr>
+            <p:pic>
+              <p:nvPicPr>
+                <p:cNvPr id="25" name="Grafik 24"/>
+                <p:cNvPicPr>
+                  <a:picLocks noChangeAspect="1"/>
+                </p:cNvPicPr>
+                <p:nvPr/>
+              </p:nvPicPr>
+              <p:blipFill rotWithShape="1">
+                <a:blip r:embed="rId2"/>
+                <a:srcRect l="16208" t="46444" r="55636" b="39332"/>
+                <a:stretch/>
+              </p:blipFill>
+              <p:spPr>
+                <a:xfrm>
+                  <a:off x="1696796" y="3321774"/>
+                  <a:ext cx="8575143" cy="1587274"/>
+                </a:xfrm>
+                <a:prstGeom prst="rect">
+                  <a:avLst/>
+                </a:prstGeom>
+              </p:spPr>
+            </p:pic>
+            <p:cxnSp>
+              <p:nvCxnSpPr>
+                <p:cNvPr id="9" name="Gerade Verbindung mit Pfeil 8"/>
+                <p:cNvCxnSpPr/>
+                <p:nvPr/>
+              </p:nvCxnSpPr>
+              <p:spPr>
+                <a:xfrm flipH="1">
+                  <a:off x="2594782" y="2425482"/>
+                  <a:ext cx="2938115" cy="1158001"/>
+                </a:xfrm>
+                <a:prstGeom prst="straightConnector1">
+                  <a:avLst/>
+                </a:prstGeom>
+                <a:ln w="38100">
+                  <a:solidFill>
+                    <a:schemeClr val="bg1"/>
+                  </a:solidFill>
+                  <a:prstDash val="dash"/>
+                  <a:tailEnd type="triangle"/>
+                </a:ln>
+              </p:spPr>
+              <p:style>
+                <a:lnRef idx="1">
+                  <a:schemeClr val="accent1"/>
+                </a:lnRef>
+                <a:fillRef idx="0">
+                  <a:schemeClr val="accent1"/>
+                </a:fillRef>
+                <a:effectRef idx="0">
+                  <a:schemeClr val="accent1"/>
+                </a:effectRef>
+                <a:fontRef idx="minor">
+                  <a:schemeClr val="tx1"/>
+                </a:fontRef>
+              </p:style>
+            </p:cxnSp>
+          </p:grpSp>
+          <p:sp>
+            <p:nvSpPr>
+              <p:cNvPr id="10" name="Textfeld 9"/>
+              <p:cNvSpPr txBox="1"/>
+              <p:nvPr/>
+            </p:nvSpPr>
+            <p:spPr>
+              <a:xfrm>
+                <a:off x="2139035" y="406694"/>
+                <a:ext cx="8128323" cy="1974268"/>
+              </a:xfrm>
+              <a:prstGeom prst="rect">
+                <a:avLst/>
+              </a:prstGeom>
+              <a:noFill/>
+            </p:spPr>
+            <p:txBody>
+              <a:bodyPr wrap="square" rtlCol="0">
+                <a:spAutoFit/>
+              </a:bodyPr>
+              <a:lstStyle/>
+              <a:p>
+                <a:pPr algn="ctr">
+                  <a:lnSpc>
+                    <a:spcPct val="150000"/>
+                  </a:lnSpc>
+                </a:pPr>
+                <a:r>
+                  <a:rPr lang="de-DE" sz="2000" dirty="0" smtClean="0">
+                    <a:solidFill>
+                      <a:schemeClr val="bg1"/>
+                    </a:solidFill>
+                  </a:rPr>
+                  <a:t>Es ist sehr wichtig, dass Sie bedenken, dass die Skala von „minimaler Schmerz“ bis „kaum aushaltbarer Schmerz“ geht. Der minimale Schmerz entspricht dabei Ihrer Schmerzschwelle, also dem Punkt, ab dem der Druckreiz schmerzhaft wird. Sie können also die gesamte Skala nutzen!</a:t>
+                </a:r>
+                <a:endParaRPr lang="de-DE" sz="2000" dirty="0">
+                  <a:solidFill>
+                    <a:schemeClr val="bg1"/>
+                  </a:solidFill>
+                </a:endParaRPr>
+              </a:p>
+            </p:txBody>
+          </p:sp>
+        </p:grpSp>
+        <p:sp>
+          <p:nvSpPr>
+            <p:cNvPr id="5" name="Textfeld 4"/>
+            <p:cNvSpPr txBox="1"/>
+            <p:nvPr/>
+          </p:nvSpPr>
+          <p:spPr>
+            <a:xfrm>
+              <a:off x="5595174" y="2641385"/>
+              <a:ext cx="1313482" cy="830997"/>
+            </a:xfrm>
+            <a:prstGeom prst="rect">
+              <a:avLst/>
+            </a:prstGeom>
+            <a:noFill/>
+          </p:spPr>
+          <p:txBody>
+            <a:bodyPr wrap="square" rtlCol="0">
+              <a:spAutoFit/>
+            </a:bodyPr>
+            <a:lstStyle/>
+            <a:p>
+              <a:r>
+                <a:rPr lang="de-DE" sz="2400" dirty="0" smtClean="0">
+                  <a:solidFill>
+                    <a:schemeClr val="bg1"/>
+                  </a:solidFill>
+                </a:rPr>
+                <a:t>Schmerzschwelle</a:t>
+              </a:r>
+              <a:endParaRPr lang="de-DE" sz="2400" dirty="0">
+                <a:solidFill>
+                  <a:schemeClr val="bg1"/>
+                </a:solidFill>
+              </a:endParaRPr>
+            </a:p>
+          </p:txBody>
+        </p:sp>
+      </p:grpSp>
+      <p:pic>
+        <p:nvPicPr>
+          <p:cNvPr id="15" name="Grafik 14"/>
+          <p:cNvPicPr>
+            <a:picLocks noChangeAspect="1"/>
+          </p:cNvPicPr>
+          <p:nvPr/>
+        </p:nvPicPr>
+        <p:blipFill rotWithShape="1">
+          <a:blip r:embed="rId3"/>
+          <a:srcRect l="10805" t="50756" r="51123" b="36210"/>
+          <a:stretch/>
+        </p:blipFill>
+        <p:spPr>
+          <a:xfrm>
+            <a:off x="1668914" y="5747975"/>
+            <a:ext cx="8849524" cy="1110025"/>
+          </a:xfrm>
+          <a:prstGeom prst="rect">
+            <a:avLst/>
+          </a:prstGeom>
+        </p:spPr>
+      </p:pic>
+      <p:sp>
+        <p:nvSpPr>
+          <p:cNvPr id="8" name="Textfeld 7"/>
+          <p:cNvSpPr txBox="1"/>
+          <p:nvPr/>
+        </p:nvSpPr>
+        <p:spPr>
+          <a:xfrm>
+            <a:off x="3953488" y="3162411"/>
+            <a:ext cx="1069383" cy="523220"/>
+          </a:xfrm>
+          <a:prstGeom prst="rect">
+            <a:avLst/>
+          </a:prstGeom>
+          <a:noFill/>
+        </p:spPr>
+        <p:txBody>
+          <a:bodyPr wrap="square" rtlCol="0">
+            <a:spAutoFit/>
+          </a:bodyPr>
+          <a:lstStyle/>
+          <a:p>
+            <a:r>
+              <a:rPr lang="de-DE" sz="2800" dirty="0" smtClean="0">
+                <a:solidFill>
+                  <a:schemeClr val="bg1"/>
+                </a:solidFill>
+              </a:rPr>
+              <a:t>=</a:t>
+            </a:r>
+            <a:endParaRPr lang="de-DE" sz="2800" dirty="0">
+              <a:solidFill>
+                <a:schemeClr val="bg1"/>
+              </a:solidFill>
+            </a:endParaRPr>
+          </a:p>
+        </p:txBody>
+      </p:sp>
+      <p:sp>
+        <p:nvSpPr>
+          <p:cNvPr id="20" name="Textfeld 19"/>
+          <p:cNvSpPr txBox="1"/>
+          <p:nvPr/>
+        </p:nvSpPr>
+        <p:spPr>
+          <a:xfrm>
+            <a:off x="7909300" y="4526541"/>
+            <a:ext cx="2978258" cy="830997"/>
+          </a:xfrm>
+          <a:prstGeom prst="rect">
+            <a:avLst/>
+          </a:prstGeom>
+          <a:solidFill>
+            <a:srgbClr val="464646"/>
+          </a:solidFill>
+        </p:spPr>
+        <p:txBody>
+          <a:bodyPr wrap="square" rtlCol="0">
+            <a:spAutoFit/>
+          </a:bodyPr>
+          <a:lstStyle/>
+          <a:p>
+            <a:pPr algn="ctr"/>
+            <a:r>
+              <a:rPr lang="de-DE" sz="2400" dirty="0">
+                <a:solidFill>
+                  <a:schemeClr val="bg1"/>
+                </a:solidFill>
+              </a:rPr>
+              <a:t>k</a:t>
+            </a:r>
+            <a:r>
+              <a:rPr lang="de-DE" sz="2400" dirty="0" smtClean="0">
+                <a:solidFill>
+                  <a:schemeClr val="bg1"/>
+                </a:solidFill>
+              </a:rPr>
+              <a:t>aum aushaltbarer</a:t>
+            </a:r>
+          </a:p>
+          <a:p>
+            <a:pPr algn="ctr"/>
+            <a:r>
+              <a:rPr lang="de-DE" sz="2400" dirty="0" smtClean="0">
+                <a:solidFill>
+                  <a:schemeClr val="bg1"/>
+                </a:solidFill>
+              </a:rPr>
+              <a:t>Schmerz</a:t>
+            </a:r>
+            <a:endParaRPr lang="de-DE" sz="2400" dirty="0">
+              <a:solidFill>
+                <a:schemeClr val="bg1"/>
+              </a:solidFill>
+            </a:endParaRPr>
+          </a:p>
+        </p:txBody>
+      </p:sp>
+      <p:sp>
+        <p:nvSpPr>
+          <p:cNvPr id="22" name="Textfeld 21"/>
+          <p:cNvSpPr txBox="1"/>
+          <p:nvPr/>
+        </p:nvSpPr>
+        <p:spPr>
+          <a:xfrm>
+            <a:off x="1766806" y="4565908"/>
+            <a:ext cx="1970547" cy="830997"/>
+          </a:xfrm>
+          <a:prstGeom prst="rect">
+            <a:avLst/>
+          </a:prstGeom>
+          <a:solidFill>
+            <a:srgbClr val="464646"/>
+          </a:solidFill>
+        </p:spPr>
+        <p:txBody>
+          <a:bodyPr wrap="square" rtlCol="0">
+            <a:spAutoFit/>
+          </a:bodyPr>
+          <a:lstStyle/>
+          <a:p>
+            <a:pPr algn="ctr"/>
+            <a:r>
+              <a:rPr lang="de-DE" sz="2400" dirty="0">
+                <a:solidFill>
+                  <a:schemeClr val="bg1"/>
+                </a:solidFill>
+              </a:rPr>
+              <a:t>m</a:t>
+            </a:r>
+            <a:r>
+              <a:rPr lang="de-DE" sz="2400" dirty="0" smtClean="0">
+                <a:solidFill>
+                  <a:schemeClr val="bg1"/>
+                </a:solidFill>
+              </a:rPr>
+              <a:t>inimaler</a:t>
+            </a:r>
+          </a:p>
+          <a:p>
+            <a:pPr algn="ctr"/>
+            <a:r>
+              <a:rPr lang="de-DE" sz="2400" dirty="0" smtClean="0">
+                <a:solidFill>
+                  <a:schemeClr val="bg1"/>
+                </a:solidFill>
+              </a:rPr>
+              <a:t>Schmerz</a:t>
+            </a:r>
+            <a:endParaRPr lang="de-DE" sz="2400" dirty="0">
+              <a:solidFill>
+                <a:schemeClr val="bg1"/>
+              </a:solidFill>
+            </a:endParaRPr>
+          </a:p>
+        </p:txBody>
+      </p:sp>
+    </p:spTree>
+    <p:extLst>
+      <p:ext uri="{BB962C8B-B14F-4D97-AF65-F5344CB8AC3E}">
+        <p14:creationId xmlns:p14="http://schemas.microsoft.com/office/powerpoint/2010/main" val="3371260711"/>
+      </p:ext>
+    </p:extLst>
+  </p:cSld>
+  <p:clrMapOvr>
+    <a:masterClrMapping/>
+  </p:clrMapOvr>
+  <p:timing>
+    <p:tnLst>
+      <p:par>
+        <p:cTn id="1" dur="indefinite" restart="never" nodeType="tmRoot"/>
+      </p:par>
+    </p:tnLst>
+  </p:timing>
+</p:sld>
+</file>
+
+<file path=ppt/slides/slide11.xml><?xml version="1.0" encoding="utf-8"?>
+<p:sld xmlns:a="http://schemas.openxmlformats.org/drawingml/2006/main" xmlns:r="http://schemas.openxmlformats.org/officeDocument/2006/relationships" xmlns:p="http://schemas.openxmlformats.org/presentationml/2006/main">
+  <p:cSld>
+    <p:bg>
+      <p:bgPr>
+        <a:solidFill>
+          <a:srgbClr val="464646"/>
+        </a:solidFill>
+        <a:effectLst/>
+      </p:bgPr>
+    </p:bg>
+    <p:spTree>
+      <p:nvGrpSpPr>
+        <p:cNvPr id="1" name=""/>
+        <p:cNvGrpSpPr/>
+        <p:nvPr/>
+      </p:nvGrpSpPr>
+      <p:grpSpPr>
+        <a:xfrm>
+          <a:off x="0" y="0"/>
+          <a:ext cx="0" cy="0"/>
+          <a:chOff x="0" y="0"/>
+          <a:chExt cx="0" cy="0"/>
+        </a:xfrm>
+      </p:grpSpPr>
+      <p:sp>
+        <p:nvSpPr>
+          <p:cNvPr id="16" name="Rechteck 15"/>
+          <p:cNvSpPr/>
+          <p:nvPr/>
+        </p:nvSpPr>
+        <p:spPr>
+          <a:xfrm>
+            <a:off x="739011" y="15386"/>
+            <a:ext cx="10709329" cy="6842614"/>
+          </a:xfrm>
+          <a:prstGeom prst="rect">
+            <a:avLst/>
+          </a:prstGeom>
+          <a:solidFill>
+            <a:srgbClr val="464646"/>
+          </a:solidFill>
+          <a:ln>
+            <a:solidFill>
+              <a:srgbClr val="464646"/>
+            </a:solidFill>
+          </a:ln>
+        </p:spPr>
+        <p:style>
+          <a:lnRef idx="2">
+            <a:schemeClr val="accent1">
+              <a:shade val="50000"/>
+            </a:schemeClr>
+          </a:lnRef>
+          <a:fillRef idx="1">
+            <a:schemeClr val="accent1"/>
+          </a:fillRef>
+          <a:effectRef idx="0">
+            <a:schemeClr val="accent1"/>
+          </a:effectRef>
+          <a:fontRef idx="minor">
+            <a:schemeClr val="lt1"/>
+          </a:fontRef>
+        </p:style>
+        <p:txBody>
+          <a:bodyPr rtlCol="0" anchor="ctr"/>
+          <a:lstStyle/>
+          <a:p>
+            <a:pPr algn="ctr"/>
+            <a:endParaRPr lang="de-DE"/>
+          </a:p>
+        </p:txBody>
+      </p:sp>
+      <p:sp>
+        <p:nvSpPr>
+          <p:cNvPr id="31" name="Rechteck 30"/>
+          <p:cNvSpPr/>
+          <p:nvPr/>
+        </p:nvSpPr>
+        <p:spPr>
+          <a:xfrm>
+            <a:off x="1007390" y="844658"/>
+            <a:ext cx="9368725" cy="3905573"/>
+          </a:xfrm>
+          <a:prstGeom prst="rect">
+            <a:avLst/>
+          </a:prstGeom>
+          <a:solidFill>
+            <a:srgbClr val="464646"/>
+          </a:solidFill>
+          <a:ln>
+            <a:solidFill>
+              <a:srgbClr val="464646"/>
+            </a:solidFill>
+          </a:ln>
+        </p:spPr>
+        <p:style>
+          <a:lnRef idx="2">
+            <a:schemeClr val="accent1">
+              <a:shade val="50000"/>
+            </a:schemeClr>
+          </a:lnRef>
+          <a:fillRef idx="1">
+            <a:schemeClr val="accent1"/>
+          </a:fillRef>
+          <a:effectRef idx="0">
+            <a:schemeClr val="accent1"/>
+          </a:effectRef>
+          <a:fontRef idx="minor">
+            <a:schemeClr val="lt1"/>
+          </a:fontRef>
+        </p:style>
+        <p:txBody>
+          <a:bodyPr rtlCol="0" anchor="ctr"/>
+          <a:lstStyle/>
+          <a:p>
+            <a:pPr algn="ctr"/>
+            <a:endParaRPr lang="de-DE"/>
+          </a:p>
+        </p:txBody>
+      </p:sp>
+      <p:grpSp>
+        <p:nvGrpSpPr>
+          <p:cNvPr id="6" name="Gruppieren 5"/>
+          <p:cNvGrpSpPr/>
+          <p:nvPr/>
+        </p:nvGrpSpPr>
+        <p:grpSpPr>
+          <a:xfrm>
+            <a:off x="1468293" y="406694"/>
+            <a:ext cx="9419265" cy="5574791"/>
+            <a:chOff x="1464589" y="406694"/>
+            <a:chExt cx="9212135" cy="5676212"/>
+          </a:xfrm>
+        </p:grpSpPr>
+        <p:sp>
+          <p:nvSpPr>
+            <p:cNvPr id="13" name="Rechteck 12"/>
+            <p:cNvSpPr/>
+            <p:nvPr/>
+          </p:nvSpPr>
+          <p:spPr>
+            <a:xfrm>
+              <a:off x="1464589" y="503695"/>
+              <a:ext cx="9212135" cy="5579211"/>
+            </a:xfrm>
+            <a:prstGeom prst="rect">
+              <a:avLst/>
+            </a:prstGeom>
+            <a:solidFill>
+              <a:srgbClr val="464646"/>
+            </a:solidFill>
+            <a:ln>
+              <a:solidFill>
+                <a:srgbClr val="464646"/>
+              </a:solidFill>
+            </a:ln>
+          </p:spPr>
+          <p:style>
+            <a:lnRef idx="2">
+              <a:schemeClr val="accent1">
+                <a:shade val="50000"/>
+              </a:schemeClr>
+            </a:lnRef>
+            <a:fillRef idx="1">
+              <a:schemeClr val="accent1"/>
+            </a:fillRef>
+            <a:effectRef idx="0">
+              <a:schemeClr val="accent1"/>
+            </a:effectRef>
+            <a:fontRef idx="minor">
+              <a:schemeClr val="lt1"/>
+            </a:fontRef>
+          </p:style>
+          <p:txBody>
+            <a:bodyPr rtlCol="0" anchor="ctr"/>
+            <a:lstStyle/>
+            <a:p>
+              <a:pPr algn="ctr"/>
+              <a:endParaRPr lang="de-DE"/>
+            </a:p>
+          </p:txBody>
+        </p:sp>
+        <p:grpSp>
+          <p:nvGrpSpPr>
+            <p:cNvPr id="4" name="Gruppieren 3"/>
+            <p:cNvGrpSpPr/>
+            <p:nvPr/>
+          </p:nvGrpSpPr>
+          <p:grpSpPr>
+            <a:xfrm>
+              <a:off x="1692215" y="406694"/>
+              <a:ext cx="8575143" cy="5243155"/>
+              <a:chOff x="1692215" y="406694"/>
+              <a:chExt cx="8575143" cy="5243155"/>
+            </a:xfrm>
+          </p:grpSpPr>
+          <p:grpSp>
+            <p:nvGrpSpPr>
+              <p:cNvPr id="2" name="Gruppieren 1"/>
+              <p:cNvGrpSpPr/>
+              <p:nvPr/>
+            </p:nvGrpSpPr>
+            <p:grpSpPr>
+              <a:xfrm>
+                <a:off x="1692215" y="1610078"/>
+                <a:ext cx="8575143" cy="4039771"/>
+                <a:chOff x="1696796" y="869277"/>
+                <a:chExt cx="8575143" cy="4039771"/>
+              </a:xfrm>
+            </p:grpSpPr>
+            <p:pic>
+              <p:nvPicPr>
+                <p:cNvPr id="25" name="Grafik 24"/>
+                <p:cNvPicPr>
+                  <a:picLocks noChangeAspect="1"/>
+                </p:cNvPicPr>
+                <p:nvPr/>
+              </p:nvPicPr>
+              <p:blipFill rotWithShape="1">
+                <a:blip r:embed="rId2"/>
+                <a:srcRect l="16208" t="46444" r="55636" b="39332"/>
+                <a:stretch/>
+              </p:blipFill>
+              <p:spPr>
+                <a:xfrm>
+                  <a:off x="1696796" y="3321774"/>
+                  <a:ext cx="8575143" cy="1587274"/>
+                </a:xfrm>
+                <a:prstGeom prst="rect">
+                  <a:avLst/>
+                </a:prstGeom>
+              </p:spPr>
+            </p:pic>
+            <p:cxnSp>
+              <p:nvCxnSpPr>
+                <p:cNvPr id="9" name="Gerade Verbindung mit Pfeil 8"/>
+                <p:cNvCxnSpPr/>
+                <p:nvPr/>
+              </p:nvCxnSpPr>
+              <p:spPr>
+                <a:xfrm flipH="1">
+                  <a:off x="2594784" y="869277"/>
+                  <a:ext cx="3480453" cy="2714206"/>
+                </a:xfrm>
+                <a:prstGeom prst="straightConnector1">
+                  <a:avLst/>
+                </a:prstGeom>
+                <a:ln w="38100">
+                  <a:solidFill>
+                    <a:schemeClr val="bg1"/>
+                  </a:solidFill>
+                  <a:prstDash val="dash"/>
+                  <a:tailEnd type="triangle"/>
+                </a:ln>
+              </p:spPr>
+              <p:style>
+                <a:lnRef idx="1">
+                  <a:schemeClr val="accent1"/>
+                </a:lnRef>
+                <a:fillRef idx="0">
+                  <a:schemeClr val="accent1"/>
+                </a:fillRef>
+                <a:effectRef idx="0">
+                  <a:schemeClr val="accent1"/>
+                </a:effectRef>
+                <a:fontRef idx="minor">
+                  <a:schemeClr val="tx1"/>
+                </a:fontRef>
+              </p:style>
+            </p:cxnSp>
+          </p:grpSp>
+          <p:sp>
+            <p:nvSpPr>
+              <p:cNvPr id="10" name="Textfeld 9"/>
+              <p:cNvSpPr txBox="1"/>
+              <p:nvPr/>
+            </p:nvSpPr>
+            <p:spPr>
+              <a:xfrm>
+                <a:off x="2139035" y="406694"/>
+                <a:ext cx="8128323" cy="1974268"/>
+              </a:xfrm>
+              <a:prstGeom prst="rect">
+                <a:avLst/>
+              </a:prstGeom>
+              <a:noFill/>
+            </p:spPr>
+            <p:txBody>
+              <a:bodyPr wrap="square" rtlCol="0">
+                <a:spAutoFit/>
+              </a:bodyPr>
+              <a:lstStyle/>
+              <a:p>
+                <a:pPr algn="ctr">
+                  <a:lnSpc>
+                    <a:spcPct val="150000"/>
+                  </a:lnSpc>
+                </a:pPr>
+                <a:r>
+                  <a:rPr lang="de-DE" sz="2000" dirty="0">
+                    <a:solidFill>
+                      <a:schemeClr val="bg1"/>
+                    </a:solidFill>
+                  </a:rPr>
+                  <a:t>Das bedeutet, wenn ein Druckreiz UNTERHALB Ihrer Schmerschwelle ist, positionieren Sie den Cursor ganz LINKS auf der Skala.</a:t>
+                </a:r>
+              </a:p>
+              <a:p>
+                <a:pPr algn="ctr">
+                  <a:lnSpc>
+                    <a:spcPct val="150000"/>
+                  </a:lnSpc>
+                </a:pPr>
+                <a:endParaRPr lang="de-DE" sz="2000" dirty="0">
+                  <a:solidFill>
+                    <a:schemeClr val="bg1"/>
+                  </a:solidFill>
+                </a:endParaRPr>
+              </a:p>
+              <a:p>
+                <a:pPr algn="ctr">
+                  <a:lnSpc>
+                    <a:spcPct val="150000"/>
+                  </a:lnSpc>
+                </a:pPr>
+                <a:endParaRPr lang="de-DE" sz="2000" dirty="0">
+                  <a:solidFill>
+                    <a:schemeClr val="bg1"/>
+                  </a:solidFill>
+                </a:endParaRPr>
+              </a:p>
+            </p:txBody>
+          </p:sp>
+        </p:grpSp>
+      </p:grpSp>
+      <p:pic>
+        <p:nvPicPr>
+          <p:cNvPr id="15" name="Grafik 14"/>
+          <p:cNvPicPr>
+            <a:picLocks noChangeAspect="1"/>
+          </p:cNvPicPr>
+          <p:nvPr/>
+        </p:nvPicPr>
+        <p:blipFill rotWithShape="1">
+          <a:blip r:embed="rId3"/>
+          <a:srcRect l="10805" t="50756" r="51123" b="36210"/>
+          <a:stretch/>
+        </p:blipFill>
+        <p:spPr>
+          <a:xfrm>
+            <a:off x="1668914" y="5747975"/>
+            <a:ext cx="8849524" cy="1110025"/>
+          </a:xfrm>
+          <a:prstGeom prst="rect">
+            <a:avLst/>
+          </a:prstGeom>
+        </p:spPr>
+      </p:pic>
+      <p:sp>
+        <p:nvSpPr>
+          <p:cNvPr id="17" name="Textfeld 16"/>
+          <p:cNvSpPr txBox="1"/>
+          <p:nvPr/>
+        </p:nvSpPr>
+        <p:spPr>
+          <a:xfrm>
+            <a:off x="7858760" y="4557620"/>
+            <a:ext cx="2978258" cy="830997"/>
+          </a:xfrm>
+          <a:prstGeom prst="rect">
+            <a:avLst/>
+          </a:prstGeom>
+          <a:solidFill>
+            <a:srgbClr val="464646"/>
+          </a:solidFill>
+        </p:spPr>
+        <p:txBody>
+          <a:bodyPr wrap="square" rtlCol="0">
+            <a:spAutoFit/>
+          </a:bodyPr>
+          <a:lstStyle/>
+          <a:p>
+            <a:pPr algn="ctr"/>
+            <a:r>
+              <a:rPr lang="de-DE" sz="2400" dirty="0">
+                <a:solidFill>
+                  <a:schemeClr val="bg1"/>
+                </a:solidFill>
+              </a:rPr>
+              <a:t>k</a:t>
+            </a:r>
+            <a:r>
+              <a:rPr lang="de-DE" sz="2400" dirty="0" smtClean="0">
+                <a:solidFill>
+                  <a:schemeClr val="bg1"/>
+                </a:solidFill>
+              </a:rPr>
+              <a:t>aum aushaltbarer</a:t>
+            </a:r>
+          </a:p>
+          <a:p>
+            <a:pPr algn="ctr"/>
+            <a:r>
+              <a:rPr lang="de-DE" sz="2400" dirty="0" smtClean="0">
+                <a:solidFill>
+                  <a:schemeClr val="bg1"/>
+                </a:solidFill>
+              </a:rPr>
+              <a:t>Schmerz</a:t>
+            </a:r>
+            <a:endParaRPr lang="de-DE" sz="2400" dirty="0">
+              <a:solidFill>
+                <a:schemeClr val="bg1"/>
+              </a:solidFill>
+            </a:endParaRPr>
+          </a:p>
+        </p:txBody>
+      </p:sp>
+      <p:sp>
+        <p:nvSpPr>
+          <p:cNvPr id="19" name="Textfeld 18"/>
+          <p:cNvSpPr txBox="1"/>
+          <p:nvPr/>
+        </p:nvSpPr>
+        <p:spPr>
+          <a:xfrm>
+            <a:off x="1766806" y="4565908"/>
+            <a:ext cx="1970547" cy="830997"/>
+          </a:xfrm>
+          <a:prstGeom prst="rect">
+            <a:avLst/>
+          </a:prstGeom>
+          <a:solidFill>
+            <a:srgbClr val="464646"/>
+          </a:solidFill>
+        </p:spPr>
+        <p:txBody>
+          <a:bodyPr wrap="square" rtlCol="0">
+            <a:spAutoFit/>
+          </a:bodyPr>
+          <a:lstStyle/>
+          <a:p>
+            <a:pPr algn="ctr"/>
+            <a:r>
+              <a:rPr lang="de-DE" sz="2400" dirty="0">
+                <a:solidFill>
+                  <a:schemeClr val="bg1"/>
+                </a:solidFill>
+              </a:rPr>
+              <a:t>m</a:t>
+            </a:r>
+            <a:r>
+              <a:rPr lang="de-DE" sz="2400" dirty="0" smtClean="0">
+                <a:solidFill>
+                  <a:schemeClr val="bg1"/>
+                </a:solidFill>
+              </a:rPr>
+              <a:t>inimaler</a:t>
+            </a:r>
+          </a:p>
+          <a:p>
+            <a:pPr algn="ctr"/>
+            <a:r>
+              <a:rPr lang="de-DE" sz="2400" dirty="0" smtClean="0">
+                <a:solidFill>
+                  <a:schemeClr val="bg1"/>
+                </a:solidFill>
+              </a:rPr>
+              <a:t>Schmerz</a:t>
+            </a:r>
+            <a:endParaRPr lang="de-DE" sz="2400" dirty="0">
+              <a:solidFill>
+                <a:schemeClr val="bg1"/>
+              </a:solidFill>
+            </a:endParaRPr>
+          </a:p>
+        </p:txBody>
+      </p:sp>
+    </p:spTree>
+    <p:extLst>
+      <p:ext uri="{BB962C8B-B14F-4D97-AF65-F5344CB8AC3E}">
+        <p14:creationId xmlns:p14="http://schemas.microsoft.com/office/powerpoint/2010/main" val="3929497469"/>
+      </p:ext>
+    </p:extLst>
+  </p:cSld>
+  <p:clrMapOvr>
+    <a:masterClrMapping/>
+  </p:clrMapOvr>
+  <p:timing>
+    <p:tnLst>
+      <p:par>
+        <p:cTn id="1" dur="indefinite" restart="never" nodeType="tmRoot"/>
+      </p:par>
+    </p:tnLst>
+  </p:timing>
+</p:sld>
+</file>
+
+<file path=ppt/slides/slide12.xml><?xml version="1.0" encoding="utf-8"?>
+<p:sld xmlns:a="http://schemas.openxmlformats.org/drawingml/2006/main" xmlns:r="http://schemas.openxmlformats.org/officeDocument/2006/relationships" xmlns:p="http://schemas.openxmlformats.org/presentationml/2006/main">
+  <p:cSld>
+    <p:bg>
+      <p:bgPr>
+        <a:solidFill>
+          <a:srgbClr val="464646"/>
+        </a:solidFill>
+        <a:effectLst/>
+      </p:bgPr>
+    </p:bg>
+    <p:spTree>
+      <p:nvGrpSpPr>
+        <p:cNvPr id="1" name=""/>
+        <p:cNvGrpSpPr/>
+        <p:nvPr/>
+      </p:nvGrpSpPr>
+      <p:grpSpPr>
+        <a:xfrm>
+          <a:off x="0" y="0"/>
+          <a:ext cx="0" cy="0"/>
+          <a:chOff x="0" y="0"/>
+          <a:chExt cx="0" cy="0"/>
+        </a:xfrm>
+      </p:grpSpPr>
+      <p:sp>
+        <p:nvSpPr>
+          <p:cNvPr id="16" name="Rechteck 15"/>
+          <p:cNvSpPr/>
+          <p:nvPr/>
+        </p:nvSpPr>
+        <p:spPr>
+          <a:xfrm>
+            <a:off x="739011" y="15386"/>
+            <a:ext cx="10709329" cy="6842614"/>
+          </a:xfrm>
+          <a:prstGeom prst="rect">
+            <a:avLst/>
+          </a:prstGeom>
+          <a:solidFill>
+            <a:srgbClr val="464646"/>
+          </a:solidFill>
+          <a:ln>
+            <a:solidFill>
+              <a:srgbClr val="464646"/>
+            </a:solidFill>
+          </a:ln>
+        </p:spPr>
+        <p:style>
+          <a:lnRef idx="2">
+            <a:schemeClr val="accent1">
+              <a:shade val="50000"/>
+            </a:schemeClr>
+          </a:lnRef>
+          <a:fillRef idx="1">
+            <a:schemeClr val="accent1"/>
+          </a:fillRef>
+          <a:effectRef idx="0">
+            <a:schemeClr val="accent1"/>
+          </a:effectRef>
+          <a:fontRef idx="minor">
+            <a:schemeClr val="lt1"/>
+          </a:fontRef>
+        </p:style>
+        <p:txBody>
+          <a:bodyPr rtlCol="0" anchor="ctr"/>
+          <a:lstStyle/>
+          <a:p>
+            <a:pPr algn="ctr"/>
+            <a:endParaRPr lang="de-DE"/>
+          </a:p>
+        </p:txBody>
+      </p:sp>
+      <p:sp>
+        <p:nvSpPr>
+          <p:cNvPr id="31" name="Rechteck 30"/>
+          <p:cNvSpPr/>
+          <p:nvPr/>
+        </p:nvSpPr>
+        <p:spPr>
+          <a:xfrm>
+            <a:off x="1007390" y="844658"/>
+            <a:ext cx="9368725" cy="3905573"/>
+          </a:xfrm>
+          <a:prstGeom prst="rect">
+            <a:avLst/>
+          </a:prstGeom>
+          <a:solidFill>
+            <a:srgbClr val="464646"/>
+          </a:solidFill>
+          <a:ln>
+            <a:solidFill>
+              <a:srgbClr val="464646"/>
+            </a:solidFill>
+          </a:ln>
+        </p:spPr>
+        <p:style>
+          <a:lnRef idx="2">
+            <a:schemeClr val="accent1">
+              <a:shade val="50000"/>
+            </a:schemeClr>
+          </a:lnRef>
+          <a:fillRef idx="1">
+            <a:schemeClr val="accent1"/>
+          </a:fillRef>
+          <a:effectRef idx="0">
+            <a:schemeClr val="accent1"/>
+          </a:effectRef>
+          <a:fontRef idx="minor">
+            <a:schemeClr val="lt1"/>
+          </a:fontRef>
+        </p:style>
+        <p:txBody>
+          <a:bodyPr rtlCol="0" anchor="ctr"/>
+          <a:lstStyle/>
+          <a:p>
+            <a:pPr algn="ctr"/>
+            <a:endParaRPr lang="de-DE"/>
+          </a:p>
+        </p:txBody>
+      </p:sp>
+      <p:grpSp>
+        <p:nvGrpSpPr>
+          <p:cNvPr id="6" name="Gruppieren 5"/>
+          <p:cNvGrpSpPr/>
+          <p:nvPr/>
+        </p:nvGrpSpPr>
+        <p:grpSpPr>
+          <a:xfrm>
+            <a:off x="1468293" y="406694"/>
+            <a:ext cx="9419265" cy="5574791"/>
+            <a:chOff x="1464589" y="406694"/>
+            <a:chExt cx="9212135" cy="5676212"/>
+          </a:xfrm>
+        </p:grpSpPr>
+        <p:sp>
+          <p:nvSpPr>
+            <p:cNvPr id="13" name="Rechteck 12"/>
+            <p:cNvSpPr/>
+            <p:nvPr/>
+          </p:nvSpPr>
+          <p:spPr>
+            <a:xfrm>
+              <a:off x="1464589" y="503695"/>
+              <a:ext cx="9212135" cy="5579211"/>
+            </a:xfrm>
+            <a:prstGeom prst="rect">
+              <a:avLst/>
+            </a:prstGeom>
+            <a:solidFill>
+              <a:srgbClr val="464646"/>
+            </a:solidFill>
+            <a:ln>
+              <a:solidFill>
+                <a:srgbClr val="464646"/>
+              </a:solidFill>
+            </a:ln>
+          </p:spPr>
+          <p:style>
+            <a:lnRef idx="2">
+              <a:schemeClr val="accent1">
+                <a:shade val="50000"/>
+              </a:schemeClr>
+            </a:lnRef>
+            <a:fillRef idx="1">
+              <a:schemeClr val="accent1"/>
+            </a:fillRef>
+            <a:effectRef idx="0">
+              <a:schemeClr val="accent1"/>
+            </a:effectRef>
+            <a:fontRef idx="minor">
+              <a:schemeClr val="lt1"/>
+            </a:fontRef>
+          </p:style>
+          <p:txBody>
+            <a:bodyPr rtlCol="0" anchor="ctr"/>
+            <a:lstStyle/>
+            <a:p>
+              <a:pPr algn="ctr"/>
+              <a:endParaRPr lang="de-DE"/>
+            </a:p>
+          </p:txBody>
+        </p:sp>
+        <p:grpSp>
+          <p:nvGrpSpPr>
+            <p:cNvPr id="4" name="Gruppieren 3"/>
+            <p:cNvGrpSpPr/>
+            <p:nvPr/>
+          </p:nvGrpSpPr>
+          <p:grpSpPr>
+            <a:xfrm>
+              <a:off x="1692215" y="406694"/>
+              <a:ext cx="8575143" cy="5243155"/>
+              <a:chOff x="1692215" y="406694"/>
+              <a:chExt cx="8575143" cy="5243155"/>
+            </a:xfrm>
+          </p:grpSpPr>
+          <p:grpSp>
+            <p:nvGrpSpPr>
+              <p:cNvPr id="2" name="Gruppieren 1"/>
+              <p:cNvGrpSpPr/>
+              <p:nvPr/>
+            </p:nvGrpSpPr>
+            <p:grpSpPr>
+              <a:xfrm>
                 <a:off x="1692215" y="3188104"/>
                 <a:ext cx="8575143" cy="2461745"/>
                 <a:chOff x="1696796" y="2447303"/>
@@ -3413,7 +4470,23 @@
                       <a:schemeClr val="bg1"/>
                     </a:solidFill>
                   </a:rPr>
-                  <a:t>Das bedeutet, wenn ein Druckreiz UNTERHALB Ihrer Schmerschwelle ist, positionieren Sie den Cursor ganz LINKS auf der Skala.</a:t>
+                  <a:t>Das bedeutet, wenn ein </a:t>
+                </a:r>
+                <a:r>
+                  <a:rPr lang="de-DE" sz="2000" dirty="0" smtClean="0">
+                    <a:solidFill>
+                      <a:schemeClr val="bg1"/>
+                    </a:solidFill>
+                  </a:rPr>
+                  <a:t>Reiz </a:t>
+                </a:r>
+                <a:r>
+                  <a:rPr lang="de-DE" sz="2000" dirty="0" smtClean="0">
+                    <a:solidFill>
+                      <a:schemeClr val="bg1"/>
+                    </a:solidFill>
+                  </a:rPr>
+                  <a:t>UNTERHALB Ihrer Schmerschwelle ist, positionieren Sie den Cursor ganz LINKS auf der Skala.</a:t>
                 </a:r>
               </a:p>
               <a:p>
@@ -3823,7 +4896,7 @@
 </p:sld>
 </file>
 
-<file path=ppt/slides/slide11.xml><?xml version="1.0" encoding="utf-8"?>
+<file path=ppt/slides/slide13.xml><?xml version="1.0" encoding="utf-8"?>
 <p:sld xmlns:a="http://schemas.openxmlformats.org/drawingml/2006/main" xmlns:r="http://schemas.openxmlformats.org/officeDocument/2006/relationships" xmlns:p="http://schemas.openxmlformats.org/presentationml/2006/main">
   <p:cSld>
     <p:spTree>
@@ -3895,7 +4968,7 @@
 </p:sld>
 </file>
 
-<file path=ppt/slides/slide12.xml><?xml version="1.0" encoding="utf-8"?>
+<file path=ppt/slides/slide14.xml><?xml version="1.0" encoding="utf-8"?>
 <p:sld xmlns:a="http://schemas.openxmlformats.org/drawingml/2006/main" xmlns:r="http://schemas.openxmlformats.org/officeDocument/2006/relationships" xmlns:p="http://schemas.openxmlformats.org/presentationml/2006/main">
   <p:cSld>
     <p:bg>
@@ -4039,31 +5112,7 @@
                   <a:schemeClr val="bg1"/>
                 </a:solidFill>
               </a:rPr>
-              <a:t> </a:t>
-            </a:r>
-            <a:r>
-              <a:rPr lang="de-DE" sz="2000" dirty="0" smtClean="0">
-                <a:solidFill>
-                  <a:schemeClr val="bg1"/>
-                </a:solidFill>
-              </a:rPr>
-              <a:t>Blöcken von </a:t>
-            </a:r>
-            <a:r>
-              <a:rPr lang="de-DE" sz="2000" dirty="0" smtClean="0">
-                <a:solidFill>
-                  <a:schemeClr val="bg1"/>
-                </a:solidFill>
-              </a:rPr>
-              <a:t>10 </a:t>
-            </a:r>
-            <a:r>
-              <a:rPr lang="de-DE" sz="2000" dirty="0" smtClean="0">
-                <a:solidFill>
-                  <a:schemeClr val="bg1"/>
-                </a:solidFill>
-              </a:rPr>
-              <a:t>Minuten Fahrrad fahren.</a:t>
+              <a:t> Blöcken von 10 Minuten Fahrrad fahren.</a:t>
             </a:r>
           </a:p>
           <a:p>
@@ -7812,7 +8861,7 @@
 </p:sld>
 </file>
 
-<file path=ppt/slides/slide13.xml><?xml version="1.0" encoding="utf-8"?>
+<file path=ppt/slides/slide15.xml><?xml version="1.0" encoding="utf-8"?>
 <p:sld xmlns:a="http://schemas.openxmlformats.org/drawingml/2006/main" xmlns:r="http://schemas.openxmlformats.org/officeDocument/2006/relationships" xmlns:p="http://schemas.openxmlformats.org/presentationml/2006/main">
   <p:cSld>
     <p:bg>
@@ -11719,7 +12768,7 @@
 </p:sld>
 </file>
 
-<file path=ppt/slides/slide14.xml><?xml version="1.0" encoding="utf-8"?>
+<file path=ppt/slides/slide16.xml><?xml version="1.0" encoding="utf-8"?>
 <p:sld xmlns:a="http://schemas.openxmlformats.org/drawingml/2006/main" xmlns:r="http://schemas.openxmlformats.org/officeDocument/2006/relationships" xmlns:p="http://schemas.openxmlformats.org/presentationml/2006/main">
   <p:cSld>
     <p:bg>
@@ -14493,7 +15542,7 @@
 </p:sld>
 </file>
 
-<file path=ppt/slides/slide15.xml><?xml version="1.0" encoding="utf-8"?>
+<file path=ppt/slides/slide17.xml><?xml version="1.0" encoding="utf-8"?>
 <p:sld xmlns:a="http://schemas.openxmlformats.org/drawingml/2006/main" xmlns:r="http://schemas.openxmlformats.org/officeDocument/2006/relationships" xmlns:p="http://schemas.openxmlformats.org/presentationml/2006/main">
   <p:cSld>
     <p:bg>
@@ -17402,7 +18451,7 @@
 </p:sld>
 </file>
 
-<file path=ppt/slides/slide16.xml><?xml version="1.0" encoding="utf-8"?>
+<file path=ppt/slides/slide18.xml><?xml version="1.0" encoding="utf-8"?>
 <p:sld xmlns:a="http://schemas.openxmlformats.org/drawingml/2006/main" xmlns:r="http://schemas.openxmlformats.org/officeDocument/2006/relationships" xmlns:p="http://schemas.openxmlformats.org/presentationml/2006/main">
   <p:cSld>
     <p:bg>
@@ -20228,7 +21277,7 @@
 </p:sld>
 </file>
 
-<file path=ppt/slides/slide17.xml><?xml version="1.0" encoding="utf-8"?>
+<file path=ppt/slides/slide19.xml><?xml version="1.0" encoding="utf-8"?>
 <p:sld xmlns:a="http://schemas.openxmlformats.org/drawingml/2006/main" xmlns:r="http://schemas.openxmlformats.org/officeDocument/2006/relationships" xmlns:p="http://schemas.openxmlformats.org/presentationml/2006/main">
   <p:cSld>
     <p:bg>
@@ -23054,7 +24103,138 @@
 </p:sld>
 </file>
 
-<file path=ppt/slides/slide18.xml><?xml version="1.0" encoding="utf-8"?>
+<file path=ppt/slides/slide2.xml><?xml version="1.0" encoding="utf-8"?>
+<p:sld xmlns:a="http://schemas.openxmlformats.org/drawingml/2006/main" xmlns:r="http://schemas.openxmlformats.org/officeDocument/2006/relationships" xmlns:p="http://schemas.openxmlformats.org/presentationml/2006/main">
+  <p:cSld>
+    <p:spTree>
+      <p:nvGrpSpPr>
+        <p:cNvPr id="1" name=""/>
+        <p:cNvGrpSpPr/>
+        <p:nvPr/>
+      </p:nvGrpSpPr>
+      <p:grpSpPr>
+        <a:xfrm>
+          <a:off x="0" y="0"/>
+          <a:ext cx="0" cy="0"/>
+          <a:chOff x="0" y="0"/>
+          <a:chExt cx="0" cy="0"/>
+        </a:xfrm>
+      </p:grpSpPr>
+      <p:sp>
+        <p:nvSpPr>
+          <p:cNvPr id="3" name="Rechteck 2"/>
+          <p:cNvSpPr/>
+          <p:nvPr/>
+        </p:nvSpPr>
+        <p:spPr>
+          <a:xfrm>
+            <a:off x="1489933" y="503695"/>
+            <a:ext cx="9212135" cy="5579211"/>
+          </a:xfrm>
+          <a:prstGeom prst="rect">
+            <a:avLst/>
+          </a:prstGeom>
+          <a:solidFill>
+            <a:srgbClr val="464646"/>
+          </a:solidFill>
+          <a:ln>
+            <a:solidFill>
+              <a:srgbClr val="464646"/>
+            </a:solidFill>
+          </a:ln>
+        </p:spPr>
+        <p:style>
+          <a:lnRef idx="2">
+            <a:schemeClr val="accent1">
+              <a:shade val="50000"/>
+            </a:schemeClr>
+          </a:lnRef>
+          <a:fillRef idx="1">
+            <a:schemeClr val="accent1"/>
+          </a:fillRef>
+          <a:effectRef idx="0">
+            <a:schemeClr val="accent1"/>
+          </a:effectRef>
+          <a:fontRef idx="minor">
+            <a:schemeClr val="lt1"/>
+          </a:fontRef>
+        </p:style>
+        <p:txBody>
+          <a:bodyPr rtlCol="0" anchor="ctr"/>
+          <a:lstStyle/>
+          <a:p>
+            <a:pPr algn="ctr"/>
+            <a:endParaRPr lang="de-DE"/>
+          </a:p>
+        </p:txBody>
+      </p:sp>
+      <p:pic>
+        <p:nvPicPr>
+          <p:cNvPr id="4" name="Grafik 3"/>
+          <p:cNvPicPr>
+            <a:picLocks noChangeAspect="1"/>
+          </p:cNvPicPr>
+          <p:nvPr/>
+        </p:nvPicPr>
+        <p:blipFill rotWithShape="1">
+          <a:blip r:embed="rId2"/>
+          <a:srcRect l="10805" t="50756" r="51123" b="36210"/>
+          <a:stretch/>
+        </p:blipFill>
+        <p:spPr>
+          <a:xfrm>
+            <a:off x="1690172" y="4972881"/>
+            <a:ext cx="8849524" cy="1110025"/>
+          </a:xfrm>
+          <a:prstGeom prst="rect">
+            <a:avLst/>
+          </a:prstGeom>
+        </p:spPr>
+      </p:pic>
+      <p:pic>
+        <p:nvPicPr>
+          <p:cNvPr id="5" name="Grafik 4"/>
+          <p:cNvPicPr>
+            <a:picLocks noChangeAspect="1"/>
+          </p:cNvPicPr>
+          <p:nvPr/>
+        </p:nvPicPr>
+        <p:blipFill rotWithShape="1">
+          <a:blip r:embed="rId3"/>
+          <a:srcRect l="11313" t="31352" r="52839" b="38811"/>
+          <a:stretch/>
+        </p:blipFill>
+        <p:spPr>
+          <a:xfrm>
+            <a:off x="2722776" y="1805552"/>
+            <a:ext cx="6366980" cy="1941703"/>
+          </a:xfrm>
+          <a:prstGeom prst="rect">
+            <a:avLst/>
+          </a:prstGeom>
+        </p:spPr>
+      </p:pic>
+    </p:spTree>
+    <p:extLst>
+      <p:ext uri="{BB962C8B-B14F-4D97-AF65-F5344CB8AC3E}">
+        <p14:creationId xmlns:p14="http://schemas.microsoft.com/office/powerpoint/2010/main" val="4000954723"/>
+      </p:ext>
+    </p:extLst>
+  </p:cSld>
+  <p:clrMapOvr>
+    <a:masterClrMapping/>
+  </p:clrMapOvr>
+  <p:timing>
+    <p:tnLst>
+      <p:par>
+        <p:cTn id="1" dur="indefinite" restart="never" nodeType="tmRoot"/>
+      </p:par>
+    </p:tnLst>
+  </p:timing>
+</p:sld>
+</file>
+
+<file path=ppt/slides/slide20.xml><?xml version="1.0" encoding="utf-8"?>
 <p:sld xmlns:a="http://schemas.openxmlformats.org/drawingml/2006/main" xmlns:r="http://schemas.openxmlformats.org/officeDocument/2006/relationships" xmlns:p="http://schemas.openxmlformats.org/presentationml/2006/main">
   <p:cSld>
     <p:bg>
@@ -25880,7 +27060,7 @@
 </p:sld>
 </file>
 
-<file path=ppt/slides/slide19.xml><?xml version="1.0" encoding="utf-8"?>
+<file path=ppt/slides/slide21.xml><?xml version="1.0" encoding="utf-8"?>
 <p:sld xmlns:a="http://schemas.openxmlformats.org/drawingml/2006/main" xmlns:r="http://schemas.openxmlformats.org/officeDocument/2006/relationships" xmlns:p="http://schemas.openxmlformats.org/presentationml/2006/main">
   <p:cSld>
     <p:bg>
@@ -26024,31 +27204,7 @@
                   <a:schemeClr val="bg1"/>
                 </a:solidFill>
               </a:rPr>
-              <a:t> </a:t>
-            </a:r>
-            <a:r>
-              <a:rPr lang="de-DE" sz="2000" dirty="0" smtClean="0">
-                <a:solidFill>
-                  <a:schemeClr val="bg1"/>
-                </a:solidFill>
-              </a:rPr>
-              <a:t>Blöcken von </a:t>
-            </a:r>
-            <a:r>
-              <a:rPr lang="de-DE" sz="2000" dirty="0" smtClean="0">
-                <a:solidFill>
-                  <a:schemeClr val="bg1"/>
-                </a:solidFill>
-              </a:rPr>
-              <a:t>10 </a:t>
-            </a:r>
-            <a:r>
-              <a:rPr lang="de-DE" sz="2000" dirty="0" smtClean="0">
-                <a:solidFill>
-                  <a:schemeClr val="bg1"/>
-                </a:solidFill>
-              </a:rPr>
-              <a:t>Minuten Fahrrad fahren.</a:t>
+              <a:t> Blöcken von 10 Minuten Fahrrad fahren.</a:t>
             </a:r>
           </a:p>
           <a:p>
@@ -26063,31 +27219,7 @@
                   <a:schemeClr val="bg1"/>
                 </a:solidFill>
               </a:rPr>
-              <a:t>Anschließend bekommen Sie die kalibrierten </a:t>
-            </a:r>
-            <a:r>
-              <a:rPr lang="de-DE" sz="2000" dirty="0" smtClean="0">
-                <a:solidFill>
-                  <a:schemeClr val="bg1"/>
-                </a:solidFill>
-              </a:rPr>
-              <a:t>Reize abwechselnd </a:t>
-            </a:r>
-            <a:r>
-              <a:rPr lang="de-DE" sz="2000" dirty="0" smtClean="0">
-                <a:solidFill>
-                  <a:schemeClr val="bg1"/>
-                </a:solidFill>
-              </a:rPr>
-              <a:t>über die </a:t>
-            </a:r>
-            <a:r>
-              <a:rPr lang="de-DE" sz="2000" dirty="0" smtClean="0">
-                <a:solidFill>
-                  <a:schemeClr val="bg1"/>
-                </a:solidFill>
-              </a:rPr>
-              <a:t>Manschette und </a:t>
+              <a:t>Anschließend bekommen Sie die kalibrierten Reize abwechselnd über die Manschette und </a:t>
             </a:r>
             <a:r>
               <a:rPr lang="de-DE" sz="2000" dirty="0" err="1" smtClean="0">
@@ -27518,15 +28650,7 @@
                         <a:schemeClr val="bg1"/>
                       </a:solidFill>
                     </a:rPr>
-                    <a:t>10 </a:t>
-                  </a:r>
-                  <a:r>
-                    <a:rPr lang="de-DE" dirty="0" smtClean="0">
-                      <a:solidFill>
-                        <a:schemeClr val="bg1"/>
-                      </a:solidFill>
-                    </a:rPr>
-                    <a:t>min</a:t>
+                    <a:t>10 min</a:t>
                   </a:r>
                   <a:endParaRPr lang="de-DE" dirty="0">
                     <a:solidFill>
@@ -27564,15 +28688,7 @@
                         <a:schemeClr val="bg1"/>
                       </a:solidFill>
                     </a:rPr>
-                    <a:t>10 </a:t>
-                  </a:r>
-                  <a:r>
-                    <a:rPr lang="de-DE" dirty="0" smtClean="0">
-                      <a:solidFill>
-                        <a:schemeClr val="bg1"/>
-                      </a:solidFill>
-                    </a:rPr>
-                    <a:t>min</a:t>
+                    <a:t>10 min</a:t>
                   </a:r>
                   <a:endParaRPr lang="de-DE" dirty="0">
                     <a:solidFill>
@@ -27610,15 +28726,7 @@
                         <a:schemeClr val="bg1"/>
                       </a:solidFill>
                     </a:rPr>
-                    <a:t>10 </a:t>
-                  </a:r>
-                  <a:r>
-                    <a:rPr lang="de-DE" dirty="0" smtClean="0">
-                      <a:solidFill>
-                        <a:schemeClr val="bg1"/>
-                      </a:solidFill>
-                    </a:rPr>
-                    <a:t>min</a:t>
+                    <a:t>10 min</a:t>
                   </a:r>
                   <a:endParaRPr lang="de-DE" dirty="0">
                     <a:solidFill>
@@ -28410,15 +29518,7 @@
                     <a:schemeClr val="bg1"/>
                   </a:solidFill>
                 </a:rPr>
-                <a:t>10 </a:t>
-              </a:r>
-              <a:r>
-                <a:rPr lang="de-DE" dirty="0" smtClean="0">
-                  <a:solidFill>
-                    <a:schemeClr val="bg1"/>
-                  </a:solidFill>
-                </a:rPr>
-                <a:t>min</a:t>
+                <a:t>10 min</a:t>
               </a:r>
               <a:endParaRPr lang="de-DE" dirty="0">
                 <a:solidFill>
@@ -28580,138 +29680,7 @@
 </p:sld>
 </file>
 
-<file path=ppt/slides/slide2.xml><?xml version="1.0" encoding="utf-8"?>
-<p:sld xmlns:a="http://schemas.openxmlformats.org/drawingml/2006/main" xmlns:r="http://schemas.openxmlformats.org/officeDocument/2006/relationships" xmlns:p="http://schemas.openxmlformats.org/presentationml/2006/main">
-  <p:cSld>
-    <p:spTree>
-      <p:nvGrpSpPr>
-        <p:cNvPr id="1" name=""/>
-        <p:cNvGrpSpPr/>
-        <p:nvPr/>
-      </p:nvGrpSpPr>
-      <p:grpSpPr>
-        <a:xfrm>
-          <a:off x="0" y="0"/>
-          <a:ext cx="0" cy="0"/>
-          <a:chOff x="0" y="0"/>
-          <a:chExt cx="0" cy="0"/>
-        </a:xfrm>
-      </p:grpSpPr>
-      <p:sp>
-        <p:nvSpPr>
-          <p:cNvPr id="3" name="Rechteck 2"/>
-          <p:cNvSpPr/>
-          <p:nvPr/>
-        </p:nvSpPr>
-        <p:spPr>
-          <a:xfrm>
-            <a:off x="1489933" y="503695"/>
-            <a:ext cx="9212135" cy="5579211"/>
-          </a:xfrm>
-          <a:prstGeom prst="rect">
-            <a:avLst/>
-          </a:prstGeom>
-          <a:solidFill>
-            <a:srgbClr val="464646"/>
-          </a:solidFill>
-          <a:ln>
-            <a:solidFill>
-              <a:srgbClr val="464646"/>
-            </a:solidFill>
-          </a:ln>
-        </p:spPr>
-        <p:style>
-          <a:lnRef idx="2">
-            <a:schemeClr val="accent1">
-              <a:shade val="50000"/>
-            </a:schemeClr>
-          </a:lnRef>
-          <a:fillRef idx="1">
-            <a:schemeClr val="accent1"/>
-          </a:fillRef>
-          <a:effectRef idx="0">
-            <a:schemeClr val="accent1"/>
-          </a:effectRef>
-          <a:fontRef idx="minor">
-            <a:schemeClr val="lt1"/>
-          </a:fontRef>
-        </p:style>
-        <p:txBody>
-          <a:bodyPr rtlCol="0" anchor="ctr"/>
-          <a:lstStyle/>
-          <a:p>
-            <a:pPr algn="ctr"/>
-            <a:endParaRPr lang="de-DE"/>
-          </a:p>
-        </p:txBody>
-      </p:sp>
-      <p:pic>
-        <p:nvPicPr>
-          <p:cNvPr id="4" name="Grafik 3"/>
-          <p:cNvPicPr>
-            <a:picLocks noChangeAspect="1"/>
-          </p:cNvPicPr>
-          <p:nvPr/>
-        </p:nvPicPr>
-        <p:blipFill rotWithShape="1">
-          <a:blip r:embed="rId2"/>
-          <a:srcRect l="10805" t="50756" r="51123" b="36210"/>
-          <a:stretch/>
-        </p:blipFill>
-        <p:spPr>
-          <a:xfrm>
-            <a:off x="1690172" y="4972881"/>
-            <a:ext cx="8849524" cy="1110025"/>
-          </a:xfrm>
-          <a:prstGeom prst="rect">
-            <a:avLst/>
-          </a:prstGeom>
-        </p:spPr>
-      </p:pic>
-      <p:pic>
-        <p:nvPicPr>
-          <p:cNvPr id="5" name="Grafik 4"/>
-          <p:cNvPicPr>
-            <a:picLocks noChangeAspect="1"/>
-          </p:cNvPicPr>
-          <p:nvPr/>
-        </p:nvPicPr>
-        <p:blipFill rotWithShape="1">
-          <a:blip r:embed="rId3"/>
-          <a:srcRect l="11313" t="31352" r="52839" b="38811"/>
-          <a:stretch/>
-        </p:blipFill>
-        <p:spPr>
-          <a:xfrm>
-            <a:off x="2722776" y="1805552"/>
-            <a:ext cx="6366980" cy="1941703"/>
-          </a:xfrm>
-          <a:prstGeom prst="rect">
-            <a:avLst/>
-          </a:prstGeom>
-        </p:spPr>
-      </p:pic>
-    </p:spTree>
-    <p:extLst>
-      <p:ext uri="{BB962C8B-B14F-4D97-AF65-F5344CB8AC3E}">
-        <p14:creationId xmlns:p14="http://schemas.microsoft.com/office/powerpoint/2010/main" val="4000954723"/>
-      </p:ext>
-    </p:extLst>
-  </p:cSld>
-  <p:clrMapOvr>
-    <a:masterClrMapping/>
-  </p:clrMapOvr>
-  <p:timing>
-    <p:tnLst>
-      <p:par>
-        <p:cTn id="1" dur="indefinite" restart="never" nodeType="tmRoot"/>
-      </p:par>
-    </p:tnLst>
-  </p:timing>
-</p:sld>
-</file>
-
-<file path=ppt/slides/slide20.xml><?xml version="1.0" encoding="utf-8"?>
+<file path=ppt/slides/slide22.xml><?xml version="1.0" encoding="utf-8"?>
 <p:sld xmlns:a="http://schemas.openxmlformats.org/drawingml/2006/main" xmlns:r="http://schemas.openxmlformats.org/officeDocument/2006/relationships" xmlns:p="http://schemas.openxmlformats.org/presentationml/2006/main">
   <p:cSld>
     <p:bg>
@@ -28841,11 +29810,6 @@
               </a:rPr>
               <a:t>Die Intensität des Fahrradfahrens ist entweder hoch oder niedrig (zufällig). Vor jedem Block wird Ihnen angezeigt, bei welcher Intensität Sie fahren sollen.</a:t>
             </a:r>
-            <a:endParaRPr lang="de-DE" sz="2000" dirty="0">
-              <a:solidFill>
-                <a:schemeClr val="bg1"/>
-              </a:solidFill>
-            </a:endParaRPr>
           </a:p>
         </p:txBody>
       </p:sp>
@@ -30254,15 +31218,7 @@
                         <a:schemeClr val="bg1"/>
                       </a:solidFill>
                     </a:rPr>
-                    <a:t>10 </a:t>
-                  </a:r>
-                  <a:r>
-                    <a:rPr lang="de-DE" dirty="0" smtClean="0">
-                      <a:solidFill>
-                        <a:schemeClr val="bg1"/>
-                      </a:solidFill>
-                    </a:rPr>
-                    <a:t>min</a:t>
+                    <a:t>10 min</a:t>
                   </a:r>
                   <a:endParaRPr lang="de-DE" dirty="0">
                     <a:solidFill>
@@ -30300,15 +31256,7 @@
                         <a:schemeClr val="bg1"/>
                       </a:solidFill>
                     </a:rPr>
-                    <a:t>10 </a:t>
-                  </a:r>
-                  <a:r>
-                    <a:rPr lang="de-DE" dirty="0" smtClean="0">
-                      <a:solidFill>
-                        <a:schemeClr val="bg1"/>
-                      </a:solidFill>
-                    </a:rPr>
-                    <a:t>min</a:t>
+                    <a:t>10 min</a:t>
                   </a:r>
                   <a:endParaRPr lang="de-DE" dirty="0">
                     <a:solidFill>
@@ -30346,15 +31294,7 @@
                         <a:schemeClr val="bg1"/>
                       </a:solidFill>
                     </a:rPr>
-                    <a:t>10 </a:t>
-                  </a:r>
-                  <a:r>
-                    <a:rPr lang="de-DE" dirty="0" smtClean="0">
-                      <a:solidFill>
-                        <a:schemeClr val="bg1"/>
-                      </a:solidFill>
-                    </a:rPr>
-                    <a:t>min</a:t>
+                    <a:t>10 min</a:t>
                   </a:r>
                   <a:endParaRPr lang="de-DE" dirty="0">
                     <a:solidFill>
@@ -31146,15 +32086,7 @@
                     <a:schemeClr val="bg1"/>
                   </a:solidFill>
                 </a:rPr>
-                <a:t>10 </a:t>
-              </a:r>
-              <a:r>
-                <a:rPr lang="de-DE" dirty="0" smtClean="0">
-                  <a:solidFill>
-                    <a:schemeClr val="bg1"/>
-                  </a:solidFill>
-                </a:rPr>
-                <a:t>min</a:t>
+                <a:t>10 min</a:t>
               </a:r>
               <a:endParaRPr lang="de-DE" dirty="0">
                 <a:solidFill>
@@ -31366,7 +32298,7 @@
 </p:sld>
 </file>
 
-<file path=ppt/slides/slide21.xml><?xml version="1.0" encoding="utf-8"?>
+<file path=ppt/slides/slide23.xml><?xml version="1.0" encoding="utf-8"?>
 <p:sld xmlns:a="http://schemas.openxmlformats.org/drawingml/2006/main" xmlns:r="http://schemas.openxmlformats.org/officeDocument/2006/relationships" xmlns:p="http://schemas.openxmlformats.org/presentationml/2006/main">
   <p:cSld>
     <p:bg>
@@ -31582,6 +32514,345 @@
 <file path=ppt/slides/slide4.xml><?xml version="1.0" encoding="utf-8"?>
 <p:sld xmlns:a="http://schemas.openxmlformats.org/drawingml/2006/main" xmlns:r="http://schemas.openxmlformats.org/officeDocument/2006/relationships" xmlns:p="http://schemas.openxmlformats.org/presentationml/2006/main">
   <p:cSld>
+    <p:bg>
+      <p:bgPr>
+        <a:solidFill>
+          <a:srgbClr val="464646"/>
+        </a:solidFill>
+        <a:effectLst/>
+      </p:bgPr>
+    </p:bg>
+    <p:spTree>
+      <p:nvGrpSpPr>
+        <p:cNvPr id="1" name=""/>
+        <p:cNvGrpSpPr/>
+        <p:nvPr/>
+      </p:nvGrpSpPr>
+      <p:grpSpPr>
+        <a:xfrm>
+          <a:off x="0" y="0"/>
+          <a:ext cx="0" cy="0"/>
+          <a:chOff x="0" y="0"/>
+          <a:chExt cx="0" cy="0"/>
+        </a:xfrm>
+      </p:grpSpPr>
+      <p:sp>
+        <p:nvSpPr>
+          <p:cNvPr id="6" name="Rechteck 5"/>
+          <p:cNvSpPr/>
+          <p:nvPr/>
+        </p:nvSpPr>
+        <p:spPr>
+          <a:xfrm>
+            <a:off x="1464589" y="503695"/>
+            <a:ext cx="9212135" cy="5579211"/>
+          </a:xfrm>
+          <a:prstGeom prst="rect">
+            <a:avLst/>
+          </a:prstGeom>
+          <a:solidFill>
+            <a:srgbClr val="464646"/>
+          </a:solidFill>
+          <a:ln>
+            <a:solidFill>
+              <a:srgbClr val="464646"/>
+            </a:solidFill>
+          </a:ln>
+        </p:spPr>
+        <p:style>
+          <a:lnRef idx="2">
+            <a:schemeClr val="accent1">
+              <a:shade val="50000"/>
+            </a:schemeClr>
+          </a:lnRef>
+          <a:fillRef idx="1">
+            <a:schemeClr val="accent1"/>
+          </a:fillRef>
+          <a:effectRef idx="0">
+            <a:schemeClr val="accent1"/>
+          </a:effectRef>
+          <a:fontRef idx="minor">
+            <a:schemeClr val="lt1"/>
+          </a:fontRef>
+        </p:style>
+        <p:txBody>
+          <a:bodyPr rtlCol="0" anchor="ctr"/>
+          <a:lstStyle/>
+          <a:p>
+            <a:pPr algn="ctr"/>
+            <a:endParaRPr lang="de-DE"/>
+          </a:p>
+        </p:txBody>
+      </p:sp>
+      <p:sp>
+        <p:nvSpPr>
+          <p:cNvPr id="5" name="Textfeld 4"/>
+          <p:cNvSpPr txBox="1"/>
+          <p:nvPr/>
+        </p:nvSpPr>
+        <p:spPr>
+          <a:xfrm>
+            <a:off x="2101581" y="1470341"/>
+            <a:ext cx="8128323" cy="1697068"/>
+          </a:xfrm>
+          <a:prstGeom prst="rect">
+            <a:avLst/>
+          </a:prstGeom>
+          <a:noFill/>
+        </p:spPr>
+        <p:txBody>
+          <a:bodyPr wrap="square" rtlCol="0">
+            <a:spAutoFit/>
+          </a:bodyPr>
+          <a:lstStyle/>
+          <a:p>
+            <a:pPr algn="ctr">
+              <a:lnSpc>
+                <a:spcPct val="150000"/>
+              </a:lnSpc>
+            </a:pPr>
+            <a:r>
+              <a:rPr lang="de-DE" sz="2400" dirty="0" smtClean="0">
+                <a:solidFill>
+                  <a:schemeClr val="bg1"/>
+                </a:solidFill>
+              </a:rPr>
+              <a:t>Sie werden nun abwechselnd Hitze- und Druckreize an Ihrem Arm erhalten. </a:t>
+            </a:r>
+          </a:p>
+          <a:p>
+            <a:pPr algn="ctr">
+              <a:lnSpc>
+                <a:spcPct val="150000"/>
+              </a:lnSpc>
+            </a:pPr>
+            <a:endParaRPr lang="de-DE" sz="2400" dirty="0">
+              <a:solidFill>
+                <a:schemeClr val="bg1"/>
+              </a:solidFill>
+            </a:endParaRPr>
+          </a:p>
+        </p:txBody>
+      </p:sp>
+      <p:pic>
+        <p:nvPicPr>
+          <p:cNvPr id="11" name="Grafik 10"/>
+          <p:cNvPicPr>
+            <a:picLocks noChangeAspect="1"/>
+          </p:cNvPicPr>
+          <p:nvPr/>
+        </p:nvPicPr>
+        <p:blipFill rotWithShape="1">
+          <a:blip r:embed="rId2"/>
+          <a:srcRect l="10805" t="50756" r="51123" b="36210"/>
+          <a:stretch/>
+        </p:blipFill>
+        <p:spPr>
+          <a:xfrm>
+            <a:off x="1690172" y="4972881"/>
+            <a:ext cx="8849524" cy="1110025"/>
+          </a:xfrm>
+          <a:prstGeom prst="rect">
+            <a:avLst/>
+          </a:prstGeom>
+        </p:spPr>
+      </p:pic>
+    </p:spTree>
+    <p:extLst>
+      <p:ext uri="{BB962C8B-B14F-4D97-AF65-F5344CB8AC3E}">
+        <p14:creationId xmlns:p14="http://schemas.microsoft.com/office/powerpoint/2010/main" val="3060829615"/>
+      </p:ext>
+    </p:extLst>
+  </p:cSld>
+  <p:clrMapOvr>
+    <a:masterClrMapping/>
+  </p:clrMapOvr>
+  <p:timing>
+    <p:tnLst>
+      <p:par>
+        <p:cTn id="1" dur="indefinite" restart="never" nodeType="tmRoot"/>
+      </p:par>
+    </p:tnLst>
+  </p:timing>
+</p:sld>
+</file>
+
+<file path=ppt/slides/slide5.xml><?xml version="1.0" encoding="utf-8"?>
+<p:sld xmlns:a="http://schemas.openxmlformats.org/drawingml/2006/main" xmlns:r="http://schemas.openxmlformats.org/officeDocument/2006/relationships" xmlns:p="http://schemas.openxmlformats.org/presentationml/2006/main">
+  <p:cSld>
+    <p:bg>
+      <p:bgPr>
+        <a:solidFill>
+          <a:srgbClr val="464646"/>
+        </a:solidFill>
+        <a:effectLst/>
+      </p:bgPr>
+    </p:bg>
+    <p:spTree>
+      <p:nvGrpSpPr>
+        <p:cNvPr id="1" name=""/>
+        <p:cNvGrpSpPr/>
+        <p:nvPr/>
+      </p:nvGrpSpPr>
+      <p:grpSpPr>
+        <a:xfrm>
+          <a:off x="0" y="0"/>
+          <a:ext cx="0" cy="0"/>
+          <a:chOff x="0" y="0"/>
+          <a:chExt cx="0" cy="0"/>
+        </a:xfrm>
+      </p:grpSpPr>
+      <p:sp>
+        <p:nvSpPr>
+          <p:cNvPr id="6" name="Rechteck 5"/>
+          <p:cNvSpPr/>
+          <p:nvPr/>
+        </p:nvSpPr>
+        <p:spPr>
+          <a:xfrm>
+            <a:off x="1464589" y="503695"/>
+            <a:ext cx="9212135" cy="5579211"/>
+          </a:xfrm>
+          <a:prstGeom prst="rect">
+            <a:avLst/>
+          </a:prstGeom>
+          <a:solidFill>
+            <a:srgbClr val="464646"/>
+          </a:solidFill>
+          <a:ln>
+            <a:solidFill>
+              <a:srgbClr val="464646"/>
+            </a:solidFill>
+          </a:ln>
+        </p:spPr>
+        <p:style>
+          <a:lnRef idx="2">
+            <a:schemeClr val="accent1">
+              <a:shade val="50000"/>
+            </a:schemeClr>
+          </a:lnRef>
+          <a:fillRef idx="1">
+            <a:schemeClr val="accent1"/>
+          </a:fillRef>
+          <a:effectRef idx="0">
+            <a:schemeClr val="accent1"/>
+          </a:effectRef>
+          <a:fontRef idx="minor">
+            <a:schemeClr val="lt1"/>
+          </a:fontRef>
+        </p:style>
+        <p:txBody>
+          <a:bodyPr rtlCol="0" anchor="ctr"/>
+          <a:lstStyle/>
+          <a:p>
+            <a:pPr algn="ctr"/>
+            <a:endParaRPr lang="de-DE"/>
+          </a:p>
+        </p:txBody>
+      </p:sp>
+      <p:sp>
+        <p:nvSpPr>
+          <p:cNvPr id="5" name="Textfeld 4"/>
+          <p:cNvSpPr txBox="1"/>
+          <p:nvPr/>
+        </p:nvSpPr>
+        <p:spPr>
+          <a:xfrm>
+            <a:off x="2101581" y="1470341"/>
+            <a:ext cx="8128323" cy="2308324"/>
+          </a:xfrm>
+          <a:prstGeom prst="rect">
+            <a:avLst/>
+          </a:prstGeom>
+          <a:noFill/>
+        </p:spPr>
+        <p:txBody>
+          <a:bodyPr wrap="square" rtlCol="0">
+            <a:spAutoFit/>
+          </a:bodyPr>
+          <a:lstStyle/>
+          <a:p>
+            <a:pPr algn="ctr">
+              <a:lnSpc>
+                <a:spcPct val="150000"/>
+              </a:lnSpc>
+            </a:pPr>
+            <a:r>
+              <a:rPr lang="de-DE" sz="2400" dirty="0" smtClean="0">
+                <a:solidFill>
+                  <a:schemeClr val="bg1"/>
+                </a:solidFill>
+              </a:rPr>
+              <a:t>Zunächst erhalten Sie nun 2 Druckreize und 2 Hitzereize.</a:t>
+            </a:r>
+          </a:p>
+          <a:p>
+            <a:pPr algn="ctr">
+              <a:lnSpc>
+                <a:spcPct val="150000"/>
+              </a:lnSpc>
+            </a:pPr>
+            <a:r>
+              <a:rPr lang="de-DE" sz="2400" dirty="0" smtClean="0">
+                <a:solidFill>
+                  <a:schemeClr val="bg1"/>
+                </a:solidFill>
+              </a:rPr>
+              <a:t>Sie müssen dabei nichts bewerten oder tun.</a:t>
+            </a:r>
+          </a:p>
+          <a:p>
+            <a:pPr algn="ctr">
+              <a:lnSpc>
+                <a:spcPct val="150000"/>
+              </a:lnSpc>
+            </a:pPr>
+            <a:r>
+              <a:rPr lang="de-DE" sz="2400" dirty="0" smtClean="0">
+                <a:solidFill>
+                  <a:schemeClr val="bg1"/>
+                </a:solidFill>
+              </a:rPr>
+              <a:t>Danach beginnen wir mit dem Durchgang.</a:t>
+            </a:r>
+          </a:p>
+          <a:p>
+            <a:pPr algn="ctr">
+              <a:lnSpc>
+                <a:spcPct val="150000"/>
+              </a:lnSpc>
+            </a:pPr>
+            <a:endParaRPr lang="de-DE" sz="2400" dirty="0">
+              <a:solidFill>
+                <a:schemeClr val="bg1"/>
+              </a:solidFill>
+            </a:endParaRPr>
+          </a:p>
+        </p:txBody>
+      </p:sp>
+    </p:spTree>
+    <p:extLst>
+      <p:ext uri="{BB962C8B-B14F-4D97-AF65-F5344CB8AC3E}">
+        <p14:creationId xmlns:p14="http://schemas.microsoft.com/office/powerpoint/2010/main" val="3006889625"/>
+      </p:ext>
+    </p:extLst>
+  </p:cSld>
+  <p:clrMapOvr>
+    <a:masterClrMapping/>
+  </p:clrMapOvr>
+  <p:timing>
+    <p:tnLst>
+      <p:par>
+        <p:cTn id="1" dur="indefinite" restart="never" nodeType="tmRoot"/>
+      </p:par>
+    </p:tnLst>
+  </p:timing>
+</p:sld>
+</file>
+
+<file path=ppt/slides/slide6.xml><?xml version="1.0" encoding="utf-8"?>
+<p:sld xmlns:a="http://schemas.openxmlformats.org/drawingml/2006/main" xmlns:r="http://schemas.openxmlformats.org/officeDocument/2006/relationships" xmlns:p="http://schemas.openxmlformats.org/presentationml/2006/main">
+  <p:cSld>
     <p:spTree>
       <p:nvGrpSpPr>
         <p:cNvPr id="1" name=""/>
@@ -31651,7 +32922,7 @@
 </p:sld>
 </file>
 
-<file path=ppt/slides/slide5.xml><?xml version="1.0" encoding="utf-8"?>
+<file path=ppt/slides/slide7.xml><?xml version="1.0" encoding="utf-8"?>
 <p:sld xmlns:a="http://schemas.openxmlformats.org/drawingml/2006/main" xmlns:r="http://schemas.openxmlformats.org/officeDocument/2006/relationships" xmlns:p="http://schemas.openxmlformats.org/presentationml/2006/main">
   <p:cSld>
     <p:bg>
@@ -31732,7 +33003,7 @@
         </p:nvCxnSpPr>
         <p:spPr>
           <a:xfrm flipV="1">
-            <a:off x="4856813" y="3091266"/>
+            <a:off x="4856813" y="3319871"/>
             <a:ext cx="1600200" cy="9525"/>
           </a:xfrm>
           <a:prstGeom prst="straightConnector1">
@@ -31776,7 +33047,7 @@
         </p:blipFill>
         <p:spPr>
           <a:xfrm>
-            <a:off x="1516572" y="3212951"/>
+            <a:off x="1516572" y="3441556"/>
             <a:ext cx="9014525" cy="1676172"/>
           </a:xfrm>
           <a:prstGeom prst="rect">
@@ -31793,7 +33064,7 @@
         <p:spPr>
           <a:xfrm>
             <a:off x="2101581" y="1470341"/>
-            <a:ext cx="8128323" cy="1200329"/>
+            <a:ext cx="8128323" cy="1754326"/>
           </a:xfrm>
           <a:prstGeom prst="rect">
             <a:avLst/>
@@ -31817,7 +33088,39 @@
                   <a:schemeClr val="bg1"/>
                 </a:solidFill>
               </a:rPr>
-              <a:t>Sie werden nach jedem Druckstimulus gefragt, wie SCHMERZHAFT der Druck war, ….</a:t>
+              <a:t>Sie werden nach jedem </a:t>
+            </a:r>
+            <a:r>
+              <a:rPr lang="de-DE" sz="2400" dirty="0" smtClean="0">
+                <a:solidFill>
+                  <a:schemeClr val="bg1"/>
+                </a:solidFill>
+              </a:rPr>
+              <a:t>Reiz</a:t>
+            </a:r>
+            <a:r>
+              <a:rPr lang="de-DE" sz="2400" dirty="0" smtClean="0">
+                <a:solidFill>
+                  <a:schemeClr val="bg1"/>
+                </a:solidFill>
+              </a:rPr>
+              <a:t> </a:t>
+            </a:r>
+            <a:r>
+              <a:rPr lang="de-DE" sz="2400" dirty="0" smtClean="0">
+                <a:solidFill>
+                  <a:schemeClr val="bg1"/>
+                </a:solidFill>
+              </a:rPr>
+              <a:t>gefragt, wie SCHMERZHAFT der </a:t>
+            </a:r>
+            <a:r>
+              <a:rPr lang="de-DE" sz="2400" dirty="0" smtClean="0">
+                <a:solidFill>
+                  <a:schemeClr val="bg1"/>
+                </a:solidFill>
+              </a:rPr>
+              <a:t>Reiz war. Nutzen Sie die linke und rechte Taste, um den Cursor zu bewegen.</a:t>
             </a:r>
             <a:endParaRPr lang="de-DE" sz="2400" dirty="0">
               <a:solidFill>
@@ -31835,7 +33138,7 @@
         </p:nvSpPr>
         <p:spPr>
           <a:xfrm>
-            <a:off x="1464589" y="3790229"/>
+            <a:off x="1464589" y="4018834"/>
             <a:ext cx="1970547" cy="830997"/>
           </a:xfrm>
           <a:prstGeom prst="rect">
@@ -31895,7 +33198,7 @@
         </p:nvSpPr>
         <p:spPr>
           <a:xfrm>
-            <a:off x="7698466" y="3790229"/>
+            <a:off x="7698466" y="4018834"/>
             <a:ext cx="2978258" cy="830997"/>
           </a:xfrm>
           <a:prstGeom prst="rect">
@@ -31973,7 +33276,7 @@
     </p:spTree>
     <p:extLst>
       <p:ext uri="{BB962C8B-B14F-4D97-AF65-F5344CB8AC3E}">
-        <p14:creationId xmlns:p14="http://schemas.microsoft.com/office/powerpoint/2010/main" val="3060829615"/>
+        <p14:creationId xmlns:p14="http://schemas.microsoft.com/office/powerpoint/2010/main" val="2899268534"/>
       </p:ext>
     </p:extLst>
   </p:cSld>
@@ -31990,7 +33293,7 @@
 </p:sld>
 </file>
 
-<file path=ppt/slides/slide6.xml><?xml version="1.0" encoding="utf-8"?>
+<file path=ppt/slides/slide8.xml><?xml version="1.0" encoding="utf-8"?>
 <p:sld xmlns:a="http://schemas.openxmlformats.org/drawingml/2006/main" xmlns:r="http://schemas.openxmlformats.org/officeDocument/2006/relationships" xmlns:p="http://schemas.openxmlformats.org/presentationml/2006/main">
   <p:cSld>
     <p:bg>
@@ -32361,7 +33664,7 @@
 </p:sld>
 </file>
 
-<file path=ppt/slides/slide7.xml><?xml version="1.0" encoding="utf-8"?>
+<file path=ppt/slides/slide9.xml><?xml version="1.0" encoding="utf-8"?>
 <p:sld xmlns:a="http://schemas.openxmlformats.org/drawingml/2006/main" xmlns:r="http://schemas.openxmlformats.org/officeDocument/2006/relationships" xmlns:p="http://schemas.openxmlformats.org/presentationml/2006/main">
   <p:cSld>
     <p:bg>
@@ -32684,1061 +33987,6 @@
 </p:sld>
 </file>
 
-<file path=ppt/slides/slide8.xml><?xml version="1.0" encoding="utf-8"?>
-<p:sld xmlns:a="http://schemas.openxmlformats.org/drawingml/2006/main" xmlns:r="http://schemas.openxmlformats.org/officeDocument/2006/relationships" xmlns:p="http://schemas.openxmlformats.org/presentationml/2006/main">
-  <p:cSld>
-    <p:bg>
-      <p:bgPr>
-        <a:solidFill>
-          <a:srgbClr val="464646"/>
-        </a:solidFill>
-        <a:effectLst/>
-      </p:bgPr>
-    </p:bg>
-    <p:spTree>
-      <p:nvGrpSpPr>
-        <p:cNvPr id="1" name=""/>
-        <p:cNvGrpSpPr/>
-        <p:nvPr/>
-      </p:nvGrpSpPr>
-      <p:grpSpPr>
-        <a:xfrm>
-          <a:off x="0" y="0"/>
-          <a:ext cx="0" cy="0"/>
-          <a:chOff x="0" y="0"/>
-          <a:chExt cx="0" cy="0"/>
-        </a:xfrm>
-      </p:grpSpPr>
-      <p:sp>
-        <p:nvSpPr>
-          <p:cNvPr id="16" name="Rechteck 15"/>
-          <p:cNvSpPr/>
-          <p:nvPr/>
-        </p:nvSpPr>
-        <p:spPr>
-          <a:xfrm>
-            <a:off x="739011" y="15386"/>
-            <a:ext cx="10709329" cy="6842614"/>
-          </a:xfrm>
-          <a:prstGeom prst="rect">
-            <a:avLst/>
-          </a:prstGeom>
-          <a:solidFill>
-            <a:srgbClr val="464646"/>
-          </a:solidFill>
-          <a:ln>
-            <a:solidFill>
-              <a:srgbClr val="464646"/>
-            </a:solidFill>
-          </a:ln>
-        </p:spPr>
-        <p:style>
-          <a:lnRef idx="2">
-            <a:schemeClr val="accent1">
-              <a:shade val="50000"/>
-            </a:schemeClr>
-          </a:lnRef>
-          <a:fillRef idx="1">
-            <a:schemeClr val="accent1"/>
-          </a:fillRef>
-          <a:effectRef idx="0">
-            <a:schemeClr val="accent1"/>
-          </a:effectRef>
-          <a:fontRef idx="minor">
-            <a:schemeClr val="lt1"/>
-          </a:fontRef>
-        </p:style>
-        <p:txBody>
-          <a:bodyPr rtlCol="0" anchor="ctr"/>
-          <a:lstStyle/>
-          <a:p>
-            <a:pPr algn="ctr"/>
-            <a:endParaRPr lang="de-DE"/>
-          </a:p>
-        </p:txBody>
-      </p:sp>
-      <p:sp>
-        <p:nvSpPr>
-          <p:cNvPr id="31" name="Rechteck 30"/>
-          <p:cNvSpPr/>
-          <p:nvPr/>
-        </p:nvSpPr>
-        <p:spPr>
-          <a:xfrm>
-            <a:off x="1007390" y="844658"/>
-            <a:ext cx="9368725" cy="3905573"/>
-          </a:xfrm>
-          <a:prstGeom prst="rect">
-            <a:avLst/>
-          </a:prstGeom>
-          <a:solidFill>
-            <a:srgbClr val="464646"/>
-          </a:solidFill>
-          <a:ln>
-            <a:solidFill>
-              <a:srgbClr val="464646"/>
-            </a:solidFill>
-          </a:ln>
-        </p:spPr>
-        <p:style>
-          <a:lnRef idx="2">
-            <a:schemeClr val="accent1">
-              <a:shade val="50000"/>
-            </a:schemeClr>
-          </a:lnRef>
-          <a:fillRef idx="1">
-            <a:schemeClr val="accent1"/>
-          </a:fillRef>
-          <a:effectRef idx="0">
-            <a:schemeClr val="accent1"/>
-          </a:effectRef>
-          <a:fontRef idx="minor">
-            <a:schemeClr val="lt1"/>
-          </a:fontRef>
-        </p:style>
-        <p:txBody>
-          <a:bodyPr rtlCol="0" anchor="ctr"/>
-          <a:lstStyle/>
-          <a:p>
-            <a:pPr algn="ctr"/>
-            <a:endParaRPr lang="de-DE"/>
-          </a:p>
-        </p:txBody>
-      </p:sp>
-      <p:grpSp>
-        <p:nvGrpSpPr>
-          <p:cNvPr id="6" name="Gruppieren 5"/>
-          <p:cNvGrpSpPr/>
-          <p:nvPr/>
-        </p:nvGrpSpPr>
-        <p:grpSpPr>
-          <a:xfrm>
-            <a:off x="1468293" y="406694"/>
-            <a:ext cx="9419265" cy="5574791"/>
-            <a:chOff x="1464589" y="406694"/>
-            <a:chExt cx="9212135" cy="5676212"/>
-          </a:xfrm>
-        </p:grpSpPr>
-        <p:sp>
-          <p:nvSpPr>
-            <p:cNvPr id="13" name="Rechteck 12"/>
-            <p:cNvSpPr/>
-            <p:nvPr/>
-          </p:nvSpPr>
-          <p:spPr>
-            <a:xfrm>
-              <a:off x="1464589" y="503695"/>
-              <a:ext cx="9212135" cy="5579211"/>
-            </a:xfrm>
-            <a:prstGeom prst="rect">
-              <a:avLst/>
-            </a:prstGeom>
-            <a:solidFill>
-              <a:srgbClr val="464646"/>
-            </a:solidFill>
-            <a:ln>
-              <a:solidFill>
-                <a:srgbClr val="464646"/>
-              </a:solidFill>
-            </a:ln>
-          </p:spPr>
-          <p:style>
-            <a:lnRef idx="2">
-              <a:schemeClr val="accent1">
-                <a:shade val="50000"/>
-              </a:schemeClr>
-            </a:lnRef>
-            <a:fillRef idx="1">
-              <a:schemeClr val="accent1"/>
-            </a:fillRef>
-            <a:effectRef idx="0">
-              <a:schemeClr val="accent1"/>
-            </a:effectRef>
-            <a:fontRef idx="minor">
-              <a:schemeClr val="lt1"/>
-            </a:fontRef>
-          </p:style>
-          <p:txBody>
-            <a:bodyPr rtlCol="0" anchor="ctr"/>
-            <a:lstStyle/>
-            <a:p>
-              <a:pPr algn="ctr"/>
-              <a:endParaRPr lang="de-DE"/>
-            </a:p>
-          </p:txBody>
-        </p:sp>
-        <p:grpSp>
-          <p:nvGrpSpPr>
-            <p:cNvPr id="4" name="Gruppieren 3"/>
-            <p:cNvGrpSpPr/>
-            <p:nvPr/>
-          </p:nvGrpSpPr>
-          <p:grpSpPr>
-            <a:xfrm>
-              <a:off x="1692215" y="406694"/>
-              <a:ext cx="8575143" cy="5243155"/>
-              <a:chOff x="1692215" y="406694"/>
-              <a:chExt cx="8575143" cy="5243155"/>
-            </a:xfrm>
-          </p:grpSpPr>
-          <p:grpSp>
-            <p:nvGrpSpPr>
-              <p:cNvPr id="2" name="Gruppieren 1"/>
-              <p:cNvGrpSpPr/>
-              <p:nvPr/>
-            </p:nvGrpSpPr>
-            <p:grpSpPr>
-              <a:xfrm>
-                <a:off x="1692215" y="3166283"/>
-                <a:ext cx="8575143" cy="2483566"/>
-                <a:chOff x="1696796" y="2425482"/>
-                <a:chExt cx="8575143" cy="2483566"/>
-              </a:xfrm>
-            </p:grpSpPr>
-            <p:pic>
-              <p:nvPicPr>
-                <p:cNvPr id="25" name="Grafik 24"/>
-                <p:cNvPicPr>
-                  <a:picLocks noChangeAspect="1"/>
-                </p:cNvPicPr>
-                <p:nvPr/>
-              </p:nvPicPr>
-              <p:blipFill rotWithShape="1">
-                <a:blip r:embed="rId2"/>
-                <a:srcRect l="16208" t="46444" r="55636" b="39332"/>
-                <a:stretch/>
-              </p:blipFill>
-              <p:spPr>
-                <a:xfrm>
-                  <a:off x="1696796" y="3321774"/>
-                  <a:ext cx="8575143" cy="1587274"/>
-                </a:xfrm>
-                <a:prstGeom prst="rect">
-                  <a:avLst/>
-                </a:prstGeom>
-              </p:spPr>
-            </p:pic>
-            <p:cxnSp>
-              <p:nvCxnSpPr>
-                <p:cNvPr id="9" name="Gerade Verbindung mit Pfeil 8"/>
-                <p:cNvCxnSpPr/>
-                <p:nvPr/>
-              </p:nvCxnSpPr>
-              <p:spPr>
-                <a:xfrm flipH="1">
-                  <a:off x="2594782" y="2425482"/>
-                  <a:ext cx="2938115" cy="1158001"/>
-                </a:xfrm>
-                <a:prstGeom prst="straightConnector1">
-                  <a:avLst/>
-                </a:prstGeom>
-                <a:ln w="38100">
-                  <a:solidFill>
-                    <a:schemeClr val="bg1"/>
-                  </a:solidFill>
-                  <a:prstDash val="dash"/>
-                  <a:tailEnd type="triangle"/>
-                </a:ln>
-              </p:spPr>
-              <p:style>
-                <a:lnRef idx="1">
-                  <a:schemeClr val="accent1"/>
-                </a:lnRef>
-                <a:fillRef idx="0">
-                  <a:schemeClr val="accent1"/>
-                </a:fillRef>
-                <a:effectRef idx="0">
-                  <a:schemeClr val="accent1"/>
-                </a:effectRef>
-                <a:fontRef idx="minor">
-                  <a:schemeClr val="tx1"/>
-                </a:fontRef>
-              </p:style>
-            </p:cxnSp>
-          </p:grpSp>
-          <p:sp>
-            <p:nvSpPr>
-              <p:cNvPr id="10" name="Textfeld 9"/>
-              <p:cNvSpPr txBox="1"/>
-              <p:nvPr/>
-            </p:nvSpPr>
-            <p:spPr>
-              <a:xfrm>
-                <a:off x="2139035" y="406694"/>
-                <a:ext cx="8128323" cy="1974268"/>
-              </a:xfrm>
-              <a:prstGeom prst="rect">
-                <a:avLst/>
-              </a:prstGeom>
-              <a:noFill/>
-            </p:spPr>
-            <p:txBody>
-              <a:bodyPr wrap="square" rtlCol="0">
-                <a:spAutoFit/>
-              </a:bodyPr>
-              <a:lstStyle/>
-              <a:p>
-                <a:pPr algn="ctr">
-                  <a:lnSpc>
-                    <a:spcPct val="150000"/>
-                  </a:lnSpc>
-                </a:pPr>
-                <a:r>
-                  <a:rPr lang="de-DE" sz="2000" dirty="0" smtClean="0">
-                    <a:solidFill>
-                      <a:schemeClr val="bg1"/>
-                    </a:solidFill>
-                  </a:rPr>
-                  <a:t>Es ist sehr wichtig, dass Sie bedenken, dass die Skala von „minimaler Schmerz“ bis „kaum aushaltbarer Schmerz“ geht. Der minimale Schmerz entspricht dabei Ihrer Schmerzschwelle, also dem Punkt, ab dem der Druckreiz schmerzhaft wird. Sie können also die gesamte Skala nutzen!</a:t>
-                </a:r>
-                <a:endParaRPr lang="de-DE" sz="2000" dirty="0">
-                  <a:solidFill>
-                    <a:schemeClr val="bg1"/>
-                  </a:solidFill>
-                </a:endParaRPr>
-              </a:p>
-            </p:txBody>
-          </p:sp>
-        </p:grpSp>
-        <p:sp>
-          <p:nvSpPr>
-            <p:cNvPr id="5" name="Textfeld 4"/>
-            <p:cNvSpPr txBox="1"/>
-            <p:nvPr/>
-          </p:nvSpPr>
-          <p:spPr>
-            <a:xfrm>
-              <a:off x="5595174" y="2641385"/>
-              <a:ext cx="1313482" cy="830997"/>
-            </a:xfrm>
-            <a:prstGeom prst="rect">
-              <a:avLst/>
-            </a:prstGeom>
-            <a:noFill/>
-          </p:spPr>
-          <p:txBody>
-            <a:bodyPr wrap="square" rtlCol="0">
-              <a:spAutoFit/>
-            </a:bodyPr>
-            <a:lstStyle/>
-            <a:p>
-              <a:r>
-                <a:rPr lang="de-DE" sz="2400" dirty="0" smtClean="0">
-                  <a:solidFill>
-                    <a:schemeClr val="bg1"/>
-                  </a:solidFill>
-                </a:rPr>
-                <a:t>Schmerzschwelle</a:t>
-              </a:r>
-              <a:endParaRPr lang="de-DE" sz="2400" dirty="0">
-                <a:solidFill>
-                  <a:schemeClr val="bg1"/>
-                </a:solidFill>
-              </a:endParaRPr>
-            </a:p>
-          </p:txBody>
-        </p:sp>
-      </p:grpSp>
-      <p:pic>
-        <p:nvPicPr>
-          <p:cNvPr id="15" name="Grafik 14"/>
-          <p:cNvPicPr>
-            <a:picLocks noChangeAspect="1"/>
-          </p:cNvPicPr>
-          <p:nvPr/>
-        </p:nvPicPr>
-        <p:blipFill rotWithShape="1">
-          <a:blip r:embed="rId3"/>
-          <a:srcRect l="10805" t="50756" r="51123" b="36210"/>
-          <a:stretch/>
-        </p:blipFill>
-        <p:spPr>
-          <a:xfrm>
-            <a:off x="1668914" y="5747975"/>
-            <a:ext cx="8849524" cy="1110025"/>
-          </a:xfrm>
-          <a:prstGeom prst="rect">
-            <a:avLst/>
-          </a:prstGeom>
-        </p:spPr>
-      </p:pic>
-      <p:sp>
-        <p:nvSpPr>
-          <p:cNvPr id="8" name="Textfeld 7"/>
-          <p:cNvSpPr txBox="1"/>
-          <p:nvPr/>
-        </p:nvSpPr>
-        <p:spPr>
-          <a:xfrm>
-            <a:off x="3953488" y="3162411"/>
-            <a:ext cx="1069383" cy="523220"/>
-          </a:xfrm>
-          <a:prstGeom prst="rect">
-            <a:avLst/>
-          </a:prstGeom>
-          <a:noFill/>
-        </p:spPr>
-        <p:txBody>
-          <a:bodyPr wrap="square" rtlCol="0">
-            <a:spAutoFit/>
-          </a:bodyPr>
-          <a:lstStyle/>
-          <a:p>
-            <a:r>
-              <a:rPr lang="de-DE" sz="2800" dirty="0" smtClean="0">
-                <a:solidFill>
-                  <a:schemeClr val="bg1"/>
-                </a:solidFill>
-              </a:rPr>
-              <a:t>=</a:t>
-            </a:r>
-            <a:endParaRPr lang="de-DE" sz="2800" dirty="0">
-              <a:solidFill>
-                <a:schemeClr val="bg1"/>
-              </a:solidFill>
-            </a:endParaRPr>
-          </a:p>
-        </p:txBody>
-      </p:sp>
-      <p:sp>
-        <p:nvSpPr>
-          <p:cNvPr id="20" name="Textfeld 19"/>
-          <p:cNvSpPr txBox="1"/>
-          <p:nvPr/>
-        </p:nvSpPr>
-        <p:spPr>
-          <a:xfrm>
-            <a:off x="7909300" y="4526541"/>
-            <a:ext cx="2978258" cy="830997"/>
-          </a:xfrm>
-          <a:prstGeom prst="rect">
-            <a:avLst/>
-          </a:prstGeom>
-          <a:solidFill>
-            <a:srgbClr val="464646"/>
-          </a:solidFill>
-        </p:spPr>
-        <p:txBody>
-          <a:bodyPr wrap="square" rtlCol="0">
-            <a:spAutoFit/>
-          </a:bodyPr>
-          <a:lstStyle/>
-          <a:p>
-            <a:pPr algn="ctr"/>
-            <a:r>
-              <a:rPr lang="de-DE" sz="2400" dirty="0">
-                <a:solidFill>
-                  <a:schemeClr val="bg1"/>
-                </a:solidFill>
-              </a:rPr>
-              <a:t>k</a:t>
-            </a:r>
-            <a:r>
-              <a:rPr lang="de-DE" sz="2400" dirty="0" smtClean="0">
-                <a:solidFill>
-                  <a:schemeClr val="bg1"/>
-                </a:solidFill>
-              </a:rPr>
-              <a:t>aum aushaltbarer</a:t>
-            </a:r>
-          </a:p>
-          <a:p>
-            <a:pPr algn="ctr"/>
-            <a:r>
-              <a:rPr lang="de-DE" sz="2400" dirty="0" smtClean="0">
-                <a:solidFill>
-                  <a:schemeClr val="bg1"/>
-                </a:solidFill>
-              </a:rPr>
-              <a:t>Schmerz</a:t>
-            </a:r>
-            <a:endParaRPr lang="de-DE" sz="2400" dirty="0">
-              <a:solidFill>
-                <a:schemeClr val="bg1"/>
-              </a:solidFill>
-            </a:endParaRPr>
-          </a:p>
-        </p:txBody>
-      </p:sp>
-      <p:sp>
-        <p:nvSpPr>
-          <p:cNvPr id="22" name="Textfeld 21"/>
-          <p:cNvSpPr txBox="1"/>
-          <p:nvPr/>
-        </p:nvSpPr>
-        <p:spPr>
-          <a:xfrm>
-            <a:off x="1766806" y="4565908"/>
-            <a:ext cx="1970547" cy="830997"/>
-          </a:xfrm>
-          <a:prstGeom prst="rect">
-            <a:avLst/>
-          </a:prstGeom>
-          <a:solidFill>
-            <a:srgbClr val="464646"/>
-          </a:solidFill>
-        </p:spPr>
-        <p:txBody>
-          <a:bodyPr wrap="square" rtlCol="0">
-            <a:spAutoFit/>
-          </a:bodyPr>
-          <a:lstStyle/>
-          <a:p>
-            <a:pPr algn="ctr"/>
-            <a:r>
-              <a:rPr lang="de-DE" sz="2400" dirty="0">
-                <a:solidFill>
-                  <a:schemeClr val="bg1"/>
-                </a:solidFill>
-              </a:rPr>
-              <a:t>m</a:t>
-            </a:r>
-            <a:r>
-              <a:rPr lang="de-DE" sz="2400" dirty="0" smtClean="0">
-                <a:solidFill>
-                  <a:schemeClr val="bg1"/>
-                </a:solidFill>
-              </a:rPr>
-              <a:t>inimaler</a:t>
-            </a:r>
-          </a:p>
-          <a:p>
-            <a:pPr algn="ctr"/>
-            <a:r>
-              <a:rPr lang="de-DE" sz="2400" dirty="0" smtClean="0">
-                <a:solidFill>
-                  <a:schemeClr val="bg1"/>
-                </a:solidFill>
-              </a:rPr>
-              <a:t>Schmerz</a:t>
-            </a:r>
-            <a:endParaRPr lang="de-DE" sz="2400" dirty="0">
-              <a:solidFill>
-                <a:schemeClr val="bg1"/>
-              </a:solidFill>
-            </a:endParaRPr>
-          </a:p>
-        </p:txBody>
-      </p:sp>
-    </p:spTree>
-    <p:extLst>
-      <p:ext uri="{BB962C8B-B14F-4D97-AF65-F5344CB8AC3E}">
-        <p14:creationId xmlns:p14="http://schemas.microsoft.com/office/powerpoint/2010/main" val="3371260711"/>
-      </p:ext>
-    </p:extLst>
-  </p:cSld>
-  <p:clrMapOvr>
-    <a:masterClrMapping/>
-  </p:clrMapOvr>
-  <p:timing>
-    <p:tnLst>
-      <p:par>
-        <p:cTn id="1" dur="indefinite" restart="never" nodeType="tmRoot"/>
-      </p:par>
-    </p:tnLst>
-  </p:timing>
-</p:sld>
-</file>
-
-<file path=ppt/slides/slide9.xml><?xml version="1.0" encoding="utf-8"?>
-<p:sld xmlns:a="http://schemas.openxmlformats.org/drawingml/2006/main" xmlns:r="http://schemas.openxmlformats.org/officeDocument/2006/relationships" xmlns:p="http://schemas.openxmlformats.org/presentationml/2006/main">
-  <p:cSld>
-    <p:bg>
-      <p:bgPr>
-        <a:solidFill>
-          <a:srgbClr val="464646"/>
-        </a:solidFill>
-        <a:effectLst/>
-      </p:bgPr>
-    </p:bg>
-    <p:spTree>
-      <p:nvGrpSpPr>
-        <p:cNvPr id="1" name=""/>
-        <p:cNvGrpSpPr/>
-        <p:nvPr/>
-      </p:nvGrpSpPr>
-      <p:grpSpPr>
-        <a:xfrm>
-          <a:off x="0" y="0"/>
-          <a:ext cx="0" cy="0"/>
-          <a:chOff x="0" y="0"/>
-          <a:chExt cx="0" cy="0"/>
-        </a:xfrm>
-      </p:grpSpPr>
-      <p:sp>
-        <p:nvSpPr>
-          <p:cNvPr id="16" name="Rechteck 15"/>
-          <p:cNvSpPr/>
-          <p:nvPr/>
-        </p:nvSpPr>
-        <p:spPr>
-          <a:xfrm>
-            <a:off x="739011" y="15386"/>
-            <a:ext cx="10709329" cy="6842614"/>
-          </a:xfrm>
-          <a:prstGeom prst="rect">
-            <a:avLst/>
-          </a:prstGeom>
-          <a:solidFill>
-            <a:srgbClr val="464646"/>
-          </a:solidFill>
-          <a:ln>
-            <a:solidFill>
-              <a:srgbClr val="464646"/>
-            </a:solidFill>
-          </a:ln>
-        </p:spPr>
-        <p:style>
-          <a:lnRef idx="2">
-            <a:schemeClr val="accent1">
-              <a:shade val="50000"/>
-            </a:schemeClr>
-          </a:lnRef>
-          <a:fillRef idx="1">
-            <a:schemeClr val="accent1"/>
-          </a:fillRef>
-          <a:effectRef idx="0">
-            <a:schemeClr val="accent1"/>
-          </a:effectRef>
-          <a:fontRef idx="minor">
-            <a:schemeClr val="lt1"/>
-          </a:fontRef>
-        </p:style>
-        <p:txBody>
-          <a:bodyPr rtlCol="0" anchor="ctr"/>
-          <a:lstStyle/>
-          <a:p>
-            <a:pPr algn="ctr"/>
-            <a:endParaRPr lang="de-DE"/>
-          </a:p>
-        </p:txBody>
-      </p:sp>
-      <p:sp>
-        <p:nvSpPr>
-          <p:cNvPr id="31" name="Rechteck 30"/>
-          <p:cNvSpPr/>
-          <p:nvPr/>
-        </p:nvSpPr>
-        <p:spPr>
-          <a:xfrm>
-            <a:off x="1007390" y="844658"/>
-            <a:ext cx="9368725" cy="3905573"/>
-          </a:xfrm>
-          <a:prstGeom prst="rect">
-            <a:avLst/>
-          </a:prstGeom>
-          <a:solidFill>
-            <a:srgbClr val="464646"/>
-          </a:solidFill>
-          <a:ln>
-            <a:solidFill>
-              <a:srgbClr val="464646"/>
-            </a:solidFill>
-          </a:ln>
-        </p:spPr>
-        <p:style>
-          <a:lnRef idx="2">
-            <a:schemeClr val="accent1">
-              <a:shade val="50000"/>
-            </a:schemeClr>
-          </a:lnRef>
-          <a:fillRef idx="1">
-            <a:schemeClr val="accent1"/>
-          </a:fillRef>
-          <a:effectRef idx="0">
-            <a:schemeClr val="accent1"/>
-          </a:effectRef>
-          <a:fontRef idx="minor">
-            <a:schemeClr val="lt1"/>
-          </a:fontRef>
-        </p:style>
-        <p:txBody>
-          <a:bodyPr rtlCol="0" anchor="ctr"/>
-          <a:lstStyle/>
-          <a:p>
-            <a:pPr algn="ctr"/>
-            <a:endParaRPr lang="de-DE"/>
-          </a:p>
-        </p:txBody>
-      </p:sp>
-      <p:grpSp>
-        <p:nvGrpSpPr>
-          <p:cNvPr id="6" name="Gruppieren 5"/>
-          <p:cNvGrpSpPr/>
-          <p:nvPr/>
-        </p:nvGrpSpPr>
-        <p:grpSpPr>
-          <a:xfrm>
-            <a:off x="1468293" y="406694"/>
-            <a:ext cx="9419265" cy="5574791"/>
-            <a:chOff x="1464589" y="406694"/>
-            <a:chExt cx="9212135" cy="5676212"/>
-          </a:xfrm>
-        </p:grpSpPr>
-        <p:sp>
-          <p:nvSpPr>
-            <p:cNvPr id="13" name="Rechteck 12"/>
-            <p:cNvSpPr/>
-            <p:nvPr/>
-          </p:nvSpPr>
-          <p:spPr>
-            <a:xfrm>
-              <a:off x="1464589" y="503695"/>
-              <a:ext cx="9212135" cy="5579211"/>
-            </a:xfrm>
-            <a:prstGeom prst="rect">
-              <a:avLst/>
-            </a:prstGeom>
-            <a:solidFill>
-              <a:srgbClr val="464646"/>
-            </a:solidFill>
-            <a:ln>
-              <a:solidFill>
-                <a:srgbClr val="464646"/>
-              </a:solidFill>
-            </a:ln>
-          </p:spPr>
-          <p:style>
-            <a:lnRef idx="2">
-              <a:schemeClr val="accent1">
-                <a:shade val="50000"/>
-              </a:schemeClr>
-            </a:lnRef>
-            <a:fillRef idx="1">
-              <a:schemeClr val="accent1"/>
-            </a:fillRef>
-            <a:effectRef idx="0">
-              <a:schemeClr val="accent1"/>
-            </a:effectRef>
-            <a:fontRef idx="minor">
-              <a:schemeClr val="lt1"/>
-            </a:fontRef>
-          </p:style>
-          <p:txBody>
-            <a:bodyPr rtlCol="0" anchor="ctr"/>
-            <a:lstStyle/>
-            <a:p>
-              <a:pPr algn="ctr"/>
-              <a:endParaRPr lang="de-DE"/>
-            </a:p>
-          </p:txBody>
-        </p:sp>
-        <p:grpSp>
-          <p:nvGrpSpPr>
-            <p:cNvPr id="4" name="Gruppieren 3"/>
-            <p:cNvGrpSpPr/>
-            <p:nvPr/>
-          </p:nvGrpSpPr>
-          <p:grpSpPr>
-            <a:xfrm>
-              <a:off x="1692215" y="406694"/>
-              <a:ext cx="8575143" cy="5243155"/>
-              <a:chOff x="1692215" y="406694"/>
-              <a:chExt cx="8575143" cy="5243155"/>
-            </a:xfrm>
-          </p:grpSpPr>
-          <p:grpSp>
-            <p:nvGrpSpPr>
-              <p:cNvPr id="2" name="Gruppieren 1"/>
-              <p:cNvGrpSpPr/>
-              <p:nvPr/>
-            </p:nvGrpSpPr>
-            <p:grpSpPr>
-              <a:xfrm>
-                <a:off x="1692215" y="1610078"/>
-                <a:ext cx="8575143" cy="4039771"/>
-                <a:chOff x="1696796" y="869277"/>
-                <a:chExt cx="8575143" cy="4039771"/>
-              </a:xfrm>
-            </p:grpSpPr>
-            <p:pic>
-              <p:nvPicPr>
-                <p:cNvPr id="25" name="Grafik 24"/>
-                <p:cNvPicPr>
-                  <a:picLocks noChangeAspect="1"/>
-                </p:cNvPicPr>
-                <p:nvPr/>
-              </p:nvPicPr>
-              <p:blipFill rotWithShape="1">
-                <a:blip r:embed="rId2"/>
-                <a:srcRect l="16208" t="46444" r="55636" b="39332"/>
-                <a:stretch/>
-              </p:blipFill>
-              <p:spPr>
-                <a:xfrm>
-                  <a:off x="1696796" y="3321774"/>
-                  <a:ext cx="8575143" cy="1587274"/>
-                </a:xfrm>
-                <a:prstGeom prst="rect">
-                  <a:avLst/>
-                </a:prstGeom>
-              </p:spPr>
-            </p:pic>
-            <p:cxnSp>
-              <p:nvCxnSpPr>
-                <p:cNvPr id="9" name="Gerade Verbindung mit Pfeil 8"/>
-                <p:cNvCxnSpPr/>
-                <p:nvPr/>
-              </p:nvCxnSpPr>
-              <p:spPr>
-                <a:xfrm flipH="1">
-                  <a:off x="2594784" y="869277"/>
-                  <a:ext cx="3480453" cy="2714206"/>
-                </a:xfrm>
-                <a:prstGeom prst="straightConnector1">
-                  <a:avLst/>
-                </a:prstGeom>
-                <a:ln w="38100">
-                  <a:solidFill>
-                    <a:schemeClr val="bg1"/>
-                  </a:solidFill>
-                  <a:prstDash val="dash"/>
-                  <a:tailEnd type="triangle"/>
-                </a:ln>
-              </p:spPr>
-              <p:style>
-                <a:lnRef idx="1">
-                  <a:schemeClr val="accent1"/>
-                </a:lnRef>
-                <a:fillRef idx="0">
-                  <a:schemeClr val="accent1"/>
-                </a:fillRef>
-                <a:effectRef idx="0">
-                  <a:schemeClr val="accent1"/>
-                </a:effectRef>
-                <a:fontRef idx="minor">
-                  <a:schemeClr val="tx1"/>
-                </a:fontRef>
-              </p:style>
-            </p:cxnSp>
-          </p:grpSp>
-          <p:sp>
-            <p:nvSpPr>
-              <p:cNvPr id="10" name="Textfeld 9"/>
-              <p:cNvSpPr txBox="1"/>
-              <p:nvPr/>
-            </p:nvSpPr>
-            <p:spPr>
-              <a:xfrm>
-                <a:off x="2139035" y="406694"/>
-                <a:ext cx="8128323" cy="1974268"/>
-              </a:xfrm>
-              <a:prstGeom prst="rect">
-                <a:avLst/>
-              </a:prstGeom>
-              <a:noFill/>
-            </p:spPr>
-            <p:txBody>
-              <a:bodyPr wrap="square" rtlCol="0">
-                <a:spAutoFit/>
-              </a:bodyPr>
-              <a:lstStyle/>
-              <a:p>
-                <a:pPr algn="ctr">
-                  <a:lnSpc>
-                    <a:spcPct val="150000"/>
-                  </a:lnSpc>
-                </a:pPr>
-                <a:r>
-                  <a:rPr lang="de-DE" sz="2000" dirty="0">
-                    <a:solidFill>
-                      <a:schemeClr val="bg1"/>
-                    </a:solidFill>
-                  </a:rPr>
-                  <a:t>Das bedeutet, wenn ein Druckreiz UNTERHALB Ihrer Schmerschwelle ist, positionieren Sie den Cursor ganz LINKS auf der Skala.</a:t>
-                </a:r>
-              </a:p>
-              <a:p>
-                <a:pPr algn="ctr">
-                  <a:lnSpc>
-                    <a:spcPct val="150000"/>
-                  </a:lnSpc>
-                </a:pPr>
-                <a:endParaRPr lang="de-DE" sz="2000" dirty="0">
-                  <a:solidFill>
-                    <a:schemeClr val="bg1"/>
-                  </a:solidFill>
-                </a:endParaRPr>
-              </a:p>
-              <a:p>
-                <a:pPr algn="ctr">
-                  <a:lnSpc>
-                    <a:spcPct val="150000"/>
-                  </a:lnSpc>
-                </a:pPr>
-                <a:endParaRPr lang="de-DE" sz="2000" dirty="0">
-                  <a:solidFill>
-                    <a:schemeClr val="bg1"/>
-                  </a:solidFill>
-                </a:endParaRPr>
-              </a:p>
-            </p:txBody>
-          </p:sp>
-        </p:grpSp>
-      </p:grpSp>
-      <p:pic>
-        <p:nvPicPr>
-          <p:cNvPr id="15" name="Grafik 14"/>
-          <p:cNvPicPr>
-            <a:picLocks noChangeAspect="1"/>
-          </p:cNvPicPr>
-          <p:nvPr/>
-        </p:nvPicPr>
-        <p:blipFill rotWithShape="1">
-          <a:blip r:embed="rId3"/>
-          <a:srcRect l="10805" t="50756" r="51123" b="36210"/>
-          <a:stretch/>
-        </p:blipFill>
-        <p:spPr>
-          <a:xfrm>
-            <a:off x="1668914" y="5747975"/>
-            <a:ext cx="8849524" cy="1110025"/>
-          </a:xfrm>
-          <a:prstGeom prst="rect">
-            <a:avLst/>
-          </a:prstGeom>
-        </p:spPr>
-      </p:pic>
-      <p:sp>
-        <p:nvSpPr>
-          <p:cNvPr id="17" name="Textfeld 16"/>
-          <p:cNvSpPr txBox="1"/>
-          <p:nvPr/>
-        </p:nvSpPr>
-        <p:spPr>
-          <a:xfrm>
-            <a:off x="7858760" y="4557620"/>
-            <a:ext cx="2978258" cy="830997"/>
-          </a:xfrm>
-          <a:prstGeom prst="rect">
-            <a:avLst/>
-          </a:prstGeom>
-          <a:solidFill>
-            <a:srgbClr val="464646"/>
-          </a:solidFill>
-        </p:spPr>
-        <p:txBody>
-          <a:bodyPr wrap="square" rtlCol="0">
-            <a:spAutoFit/>
-          </a:bodyPr>
-          <a:lstStyle/>
-          <a:p>
-            <a:pPr algn="ctr"/>
-            <a:r>
-              <a:rPr lang="de-DE" sz="2400" dirty="0">
-                <a:solidFill>
-                  <a:schemeClr val="bg1"/>
-                </a:solidFill>
-              </a:rPr>
-              <a:t>k</a:t>
-            </a:r>
-            <a:r>
-              <a:rPr lang="de-DE" sz="2400" dirty="0" smtClean="0">
-                <a:solidFill>
-                  <a:schemeClr val="bg1"/>
-                </a:solidFill>
-              </a:rPr>
-              <a:t>aum aushaltbarer</a:t>
-            </a:r>
-          </a:p>
-          <a:p>
-            <a:pPr algn="ctr"/>
-            <a:r>
-              <a:rPr lang="de-DE" sz="2400" dirty="0" smtClean="0">
-                <a:solidFill>
-                  <a:schemeClr val="bg1"/>
-                </a:solidFill>
-              </a:rPr>
-              <a:t>Schmerz</a:t>
-            </a:r>
-            <a:endParaRPr lang="de-DE" sz="2400" dirty="0">
-              <a:solidFill>
-                <a:schemeClr val="bg1"/>
-              </a:solidFill>
-            </a:endParaRPr>
-          </a:p>
-        </p:txBody>
-      </p:sp>
-      <p:sp>
-        <p:nvSpPr>
-          <p:cNvPr id="19" name="Textfeld 18"/>
-          <p:cNvSpPr txBox="1"/>
-          <p:nvPr/>
-        </p:nvSpPr>
-        <p:spPr>
-          <a:xfrm>
-            <a:off x="1766806" y="4565908"/>
-            <a:ext cx="1970547" cy="830997"/>
-          </a:xfrm>
-          <a:prstGeom prst="rect">
-            <a:avLst/>
-          </a:prstGeom>
-          <a:solidFill>
-            <a:srgbClr val="464646"/>
-          </a:solidFill>
-        </p:spPr>
-        <p:txBody>
-          <a:bodyPr wrap="square" rtlCol="0">
-            <a:spAutoFit/>
-          </a:bodyPr>
-          <a:lstStyle/>
-          <a:p>
-            <a:pPr algn="ctr"/>
-            <a:r>
-              <a:rPr lang="de-DE" sz="2400" dirty="0">
-                <a:solidFill>
-                  <a:schemeClr val="bg1"/>
-                </a:solidFill>
-              </a:rPr>
-              <a:t>m</a:t>
-            </a:r>
-            <a:r>
-              <a:rPr lang="de-DE" sz="2400" dirty="0" smtClean="0">
-                <a:solidFill>
-                  <a:schemeClr val="bg1"/>
-                </a:solidFill>
-              </a:rPr>
-              <a:t>inimaler</a:t>
-            </a:r>
-          </a:p>
-          <a:p>
-            <a:pPr algn="ctr"/>
-            <a:r>
-              <a:rPr lang="de-DE" sz="2400" dirty="0" smtClean="0">
-                <a:solidFill>
-                  <a:schemeClr val="bg1"/>
-                </a:solidFill>
-              </a:rPr>
-              <a:t>Schmerz</a:t>
-            </a:r>
-            <a:endParaRPr lang="de-DE" sz="2400" dirty="0">
-              <a:solidFill>
-                <a:schemeClr val="bg1"/>
-              </a:solidFill>
-            </a:endParaRPr>
-          </a:p>
-        </p:txBody>
-      </p:sp>
-    </p:spTree>
-    <p:extLst>
-      <p:ext uri="{BB962C8B-B14F-4D97-AF65-F5344CB8AC3E}">
-        <p14:creationId xmlns:p14="http://schemas.microsoft.com/office/powerpoint/2010/main" val="3929497469"/>
-      </p:ext>
-    </p:extLst>
-  </p:cSld>
-  <p:clrMapOvr>
-    <a:masterClrMapping/>
-  </p:clrMapOvr>
-  <p:timing>
-    <p:tnLst>
-      <p:par>
-        <p:cTn id="1" dur="indefinite" restart="never" nodeType="tmRoot"/>
-      </p:par>
-    </p:tnLst>
-  </p:timing>
-</p:sld>
-</file>
-
 <file path=ppt/theme/theme1.xml><?xml version="1.0" encoding="utf-8"?>
 <a:theme xmlns:a="http://schemas.openxmlformats.org/drawingml/2006/main" name="Office Theme">
   <a:themeElements>

--- a/utils/img/VAS_Paradigm_Visuals.pptx
+++ b/utils/img/VAS_Paradigm_Visuals.pptx
@@ -265,7 +265,7 @@
           <a:p>
             <a:fld id="{3BA2540B-A018-47B7-9347-A0387F60CB1C}" type="datetimeFigureOut">
               <a:rPr lang="de-DE" smtClean="0"/>
-              <a:t>16.05.2022</a:t>
+              <a:t>19.05.2022</a:t>
             </a:fld>
             <a:endParaRPr lang="de-DE"/>
           </a:p>
@@ -435,7 +435,7 @@
           <a:p>
             <a:fld id="{3BA2540B-A018-47B7-9347-A0387F60CB1C}" type="datetimeFigureOut">
               <a:rPr lang="de-DE" smtClean="0"/>
-              <a:t>16.05.2022</a:t>
+              <a:t>19.05.2022</a:t>
             </a:fld>
             <a:endParaRPr lang="de-DE"/>
           </a:p>
@@ -615,7 +615,7 @@
           <a:p>
             <a:fld id="{3BA2540B-A018-47B7-9347-A0387F60CB1C}" type="datetimeFigureOut">
               <a:rPr lang="de-DE" smtClean="0"/>
-              <a:t>16.05.2022</a:t>
+              <a:t>19.05.2022</a:t>
             </a:fld>
             <a:endParaRPr lang="de-DE"/>
           </a:p>
@@ -785,7 +785,7 @@
           <a:p>
             <a:fld id="{3BA2540B-A018-47B7-9347-A0387F60CB1C}" type="datetimeFigureOut">
               <a:rPr lang="de-DE" smtClean="0"/>
-              <a:t>16.05.2022</a:t>
+              <a:t>19.05.2022</a:t>
             </a:fld>
             <a:endParaRPr lang="de-DE"/>
           </a:p>
@@ -1031,7 +1031,7 @@
           <a:p>
             <a:fld id="{3BA2540B-A018-47B7-9347-A0387F60CB1C}" type="datetimeFigureOut">
               <a:rPr lang="de-DE" smtClean="0"/>
-              <a:t>16.05.2022</a:t>
+              <a:t>19.05.2022</a:t>
             </a:fld>
             <a:endParaRPr lang="de-DE"/>
           </a:p>
@@ -1263,7 +1263,7 @@
           <a:p>
             <a:fld id="{3BA2540B-A018-47B7-9347-A0387F60CB1C}" type="datetimeFigureOut">
               <a:rPr lang="de-DE" smtClean="0"/>
-              <a:t>16.05.2022</a:t>
+              <a:t>19.05.2022</a:t>
             </a:fld>
             <a:endParaRPr lang="de-DE"/>
           </a:p>
@@ -1630,7 +1630,7 @@
           <a:p>
             <a:fld id="{3BA2540B-A018-47B7-9347-A0387F60CB1C}" type="datetimeFigureOut">
               <a:rPr lang="de-DE" smtClean="0"/>
-              <a:t>16.05.2022</a:t>
+              <a:t>19.05.2022</a:t>
             </a:fld>
             <a:endParaRPr lang="de-DE"/>
           </a:p>
@@ -1748,7 +1748,7 @@
           <a:p>
             <a:fld id="{3BA2540B-A018-47B7-9347-A0387F60CB1C}" type="datetimeFigureOut">
               <a:rPr lang="de-DE" smtClean="0"/>
-              <a:t>16.05.2022</a:t>
+              <a:t>19.05.2022</a:t>
             </a:fld>
             <a:endParaRPr lang="de-DE"/>
           </a:p>
@@ -1843,7 +1843,7 @@
           <a:p>
             <a:fld id="{3BA2540B-A018-47B7-9347-A0387F60CB1C}" type="datetimeFigureOut">
               <a:rPr lang="de-DE" smtClean="0"/>
-              <a:t>16.05.2022</a:t>
+              <a:t>19.05.2022</a:t>
             </a:fld>
             <a:endParaRPr lang="de-DE"/>
           </a:p>
@@ -2120,7 +2120,7 @@
           <a:p>
             <a:fld id="{3BA2540B-A018-47B7-9347-A0387F60CB1C}" type="datetimeFigureOut">
               <a:rPr lang="de-DE" smtClean="0"/>
-              <a:t>16.05.2022</a:t>
+              <a:t>19.05.2022</a:t>
             </a:fld>
             <a:endParaRPr lang="de-DE"/>
           </a:p>
@@ -2373,7 +2373,7 @@
           <a:p>
             <a:fld id="{3BA2540B-A018-47B7-9347-A0387F60CB1C}" type="datetimeFigureOut">
               <a:rPr lang="de-DE" smtClean="0"/>
-              <a:t>16.05.2022</a:t>
+              <a:t>19.05.2022</a:t>
             </a:fld>
             <a:endParaRPr lang="de-DE"/>
           </a:p>
@@ -2586,7 +2586,7 @@
           <a:p>
             <a:fld id="{3BA2540B-A018-47B7-9347-A0387F60CB1C}" type="datetimeFigureOut">
               <a:rPr lang="de-DE" smtClean="0"/>
-              <a:t>16.05.2022</a:t>
+              <a:t>19.05.2022</a:t>
             </a:fld>
             <a:endParaRPr lang="de-DE"/>
           </a:p>
@@ -4470,23 +4470,7 @@
                       <a:schemeClr val="bg1"/>
                     </a:solidFill>
                   </a:rPr>
-                  <a:t>Das bedeutet, wenn ein </a:t>
-                </a:r>
-                <a:r>
-                  <a:rPr lang="de-DE" sz="2000" dirty="0" smtClean="0">
-                    <a:solidFill>
-                      <a:schemeClr val="bg1"/>
-                    </a:solidFill>
-                  </a:rPr>
-                  <a:t>Reiz </a:t>
-                </a:r>
-                <a:r>
-                  <a:rPr lang="de-DE" sz="2000" dirty="0" smtClean="0">
-                    <a:solidFill>
-                      <a:schemeClr val="bg1"/>
-                    </a:solidFill>
-                  </a:rPr>
-                  <a:t>UNTERHALB Ihrer Schmerschwelle ist, positionieren Sie den Cursor ganz LINKS auf der Skala.</a:t>
+                  <a:t>Das bedeutet, wenn ein Reiz UNTERHALB Ihrer Schmerschwelle ist, positionieren Sie den Cursor ganz LINKS auf der Skala.</a:t>
                 </a:r>
               </a:p>
               <a:p>
@@ -32634,29 +32618,6 @@
           </a:p>
         </p:txBody>
       </p:sp>
-      <p:pic>
-        <p:nvPicPr>
-          <p:cNvPr id="11" name="Grafik 10"/>
-          <p:cNvPicPr>
-            <a:picLocks noChangeAspect="1"/>
-          </p:cNvPicPr>
-          <p:nvPr/>
-        </p:nvPicPr>
-        <p:blipFill rotWithShape="1">
-          <a:blip r:embed="rId2"/>
-          <a:srcRect l="10805" t="50756" r="51123" b="36210"/>
-          <a:stretch/>
-        </p:blipFill>
-        <p:spPr>
-          <a:xfrm>
-            <a:off x="1690172" y="4972881"/>
-            <a:ext cx="8849524" cy="1110025"/>
-          </a:xfrm>
-          <a:prstGeom prst="rect">
-            <a:avLst/>
-          </a:prstGeom>
-        </p:spPr>
-      </p:pic>
     </p:spTree>
     <p:extLst>
       <p:ext uri="{BB962C8B-B14F-4D97-AF65-F5344CB8AC3E}">
@@ -33088,39 +33049,7 @@
                   <a:schemeClr val="bg1"/>
                 </a:solidFill>
               </a:rPr>
-              <a:t>Sie werden nach jedem </a:t>
-            </a:r>
-            <a:r>
-              <a:rPr lang="de-DE" sz="2400" dirty="0" smtClean="0">
-                <a:solidFill>
-                  <a:schemeClr val="bg1"/>
-                </a:solidFill>
-              </a:rPr>
-              <a:t>Reiz</a:t>
-            </a:r>
-            <a:r>
-              <a:rPr lang="de-DE" sz="2400" dirty="0" smtClean="0">
-                <a:solidFill>
-                  <a:schemeClr val="bg1"/>
-                </a:solidFill>
-              </a:rPr>
-              <a:t> </a:t>
-            </a:r>
-            <a:r>
-              <a:rPr lang="de-DE" sz="2400" dirty="0" smtClean="0">
-                <a:solidFill>
-                  <a:schemeClr val="bg1"/>
-                </a:solidFill>
-              </a:rPr>
-              <a:t>gefragt, wie SCHMERZHAFT der </a:t>
-            </a:r>
-            <a:r>
-              <a:rPr lang="de-DE" sz="2400" dirty="0" smtClean="0">
-                <a:solidFill>
-                  <a:schemeClr val="bg1"/>
-                </a:solidFill>
-              </a:rPr>
-              <a:t>Reiz war. Nutzen Sie die linke und rechte Taste, um den Cursor zu bewegen.</a:t>
+              <a:t>Sie werden nach jedem Reiz gefragt, wie SCHMERZHAFT der Reiz war. Nutzen Sie die linke und rechte Taste, um den Cursor zu bewegen.</a:t>
             </a:r>
             <a:endParaRPr lang="de-DE" sz="2400" dirty="0">
               <a:solidFill>
@@ -33250,29 +33179,6 @@
           </a:p>
         </p:txBody>
       </p:sp>
-      <p:pic>
-        <p:nvPicPr>
-          <p:cNvPr id="11" name="Grafik 10"/>
-          <p:cNvPicPr>
-            <a:picLocks noChangeAspect="1"/>
-          </p:cNvPicPr>
-          <p:nvPr/>
-        </p:nvPicPr>
-        <p:blipFill rotWithShape="1">
-          <a:blip r:embed="rId3"/>
-          <a:srcRect l="10805" t="50756" r="51123" b="36210"/>
-          <a:stretch/>
-        </p:blipFill>
-        <p:spPr>
-          <a:xfrm>
-            <a:off x="1690172" y="4972881"/>
-            <a:ext cx="8849524" cy="1110025"/>
-          </a:xfrm>
-          <a:prstGeom prst="rect">
-            <a:avLst/>
-          </a:prstGeom>
-        </p:spPr>
-      </p:pic>
     </p:spTree>
     <p:extLst>
       <p:ext uri="{BB962C8B-B14F-4D97-AF65-F5344CB8AC3E}">

--- a/utils/img/VAS_Paradigm_Visuals.pptx
+++ b/utils/img/VAS_Paradigm_Visuals.pptx
@@ -8,26 +8,27 @@
     <p:sldId id="280" r:id="rId2"/>
     <p:sldId id="259" r:id="rId3"/>
     <p:sldId id="276" r:id="rId4"/>
-    <p:sldId id="256" r:id="rId5"/>
-    <p:sldId id="282" r:id="rId6"/>
-    <p:sldId id="271" r:id="rId7"/>
-    <p:sldId id="281" r:id="rId8"/>
-    <p:sldId id="269" r:id="rId9"/>
-    <p:sldId id="270" r:id="rId10"/>
-    <p:sldId id="257" r:id="rId11"/>
-    <p:sldId id="274" r:id="rId12"/>
-    <p:sldId id="275" r:id="rId13"/>
-    <p:sldId id="261" r:id="rId14"/>
-    <p:sldId id="260" r:id="rId15"/>
-    <p:sldId id="277" r:id="rId16"/>
-    <p:sldId id="272" r:id="rId17"/>
-    <p:sldId id="264" r:id="rId18"/>
-    <p:sldId id="266" r:id="rId19"/>
-    <p:sldId id="267" r:id="rId20"/>
-    <p:sldId id="268" r:id="rId21"/>
-    <p:sldId id="278" r:id="rId22"/>
-    <p:sldId id="279" r:id="rId23"/>
-    <p:sldId id="262" r:id="rId24"/>
+    <p:sldId id="283" r:id="rId5"/>
+    <p:sldId id="256" r:id="rId6"/>
+    <p:sldId id="282" r:id="rId7"/>
+    <p:sldId id="271" r:id="rId8"/>
+    <p:sldId id="281" r:id="rId9"/>
+    <p:sldId id="269" r:id="rId10"/>
+    <p:sldId id="270" r:id="rId11"/>
+    <p:sldId id="257" r:id="rId12"/>
+    <p:sldId id="274" r:id="rId13"/>
+    <p:sldId id="275" r:id="rId14"/>
+    <p:sldId id="261" r:id="rId15"/>
+    <p:sldId id="260" r:id="rId16"/>
+    <p:sldId id="277" r:id="rId17"/>
+    <p:sldId id="272" r:id="rId18"/>
+    <p:sldId id="264" r:id="rId19"/>
+    <p:sldId id="266" r:id="rId20"/>
+    <p:sldId id="267" r:id="rId21"/>
+    <p:sldId id="268" r:id="rId22"/>
+    <p:sldId id="278" r:id="rId23"/>
+    <p:sldId id="279" r:id="rId24"/>
+    <p:sldId id="262" r:id="rId25"/>
   </p:sldIdLst>
   <p:sldSz cx="12192000" cy="6858000"/>
   <p:notesSz cx="6858000" cy="9144000"/>
@@ -265,7 +266,7 @@
           <a:p>
             <a:fld id="{3BA2540B-A018-47B7-9347-A0387F60CB1C}" type="datetimeFigureOut">
               <a:rPr lang="de-DE" smtClean="0"/>
-              <a:t>19.05.2022</a:t>
+              <a:t>23.05.2022</a:t>
             </a:fld>
             <a:endParaRPr lang="de-DE"/>
           </a:p>
@@ -435,7 +436,7 @@
           <a:p>
             <a:fld id="{3BA2540B-A018-47B7-9347-A0387F60CB1C}" type="datetimeFigureOut">
               <a:rPr lang="de-DE" smtClean="0"/>
-              <a:t>19.05.2022</a:t>
+              <a:t>23.05.2022</a:t>
             </a:fld>
             <a:endParaRPr lang="de-DE"/>
           </a:p>
@@ -615,7 +616,7 @@
           <a:p>
             <a:fld id="{3BA2540B-A018-47B7-9347-A0387F60CB1C}" type="datetimeFigureOut">
               <a:rPr lang="de-DE" smtClean="0"/>
-              <a:t>19.05.2022</a:t>
+              <a:t>23.05.2022</a:t>
             </a:fld>
             <a:endParaRPr lang="de-DE"/>
           </a:p>
@@ -785,7 +786,7 @@
           <a:p>
             <a:fld id="{3BA2540B-A018-47B7-9347-A0387F60CB1C}" type="datetimeFigureOut">
               <a:rPr lang="de-DE" smtClean="0"/>
-              <a:t>19.05.2022</a:t>
+              <a:t>23.05.2022</a:t>
             </a:fld>
             <a:endParaRPr lang="de-DE"/>
           </a:p>
@@ -1031,7 +1032,7 @@
           <a:p>
             <a:fld id="{3BA2540B-A018-47B7-9347-A0387F60CB1C}" type="datetimeFigureOut">
               <a:rPr lang="de-DE" smtClean="0"/>
-              <a:t>19.05.2022</a:t>
+              <a:t>23.05.2022</a:t>
             </a:fld>
             <a:endParaRPr lang="de-DE"/>
           </a:p>
@@ -1263,7 +1264,7 @@
           <a:p>
             <a:fld id="{3BA2540B-A018-47B7-9347-A0387F60CB1C}" type="datetimeFigureOut">
               <a:rPr lang="de-DE" smtClean="0"/>
-              <a:t>19.05.2022</a:t>
+              <a:t>23.05.2022</a:t>
             </a:fld>
             <a:endParaRPr lang="de-DE"/>
           </a:p>
@@ -1630,7 +1631,7 @@
           <a:p>
             <a:fld id="{3BA2540B-A018-47B7-9347-A0387F60CB1C}" type="datetimeFigureOut">
               <a:rPr lang="de-DE" smtClean="0"/>
-              <a:t>19.05.2022</a:t>
+              <a:t>23.05.2022</a:t>
             </a:fld>
             <a:endParaRPr lang="de-DE"/>
           </a:p>
@@ -1748,7 +1749,7 @@
           <a:p>
             <a:fld id="{3BA2540B-A018-47B7-9347-A0387F60CB1C}" type="datetimeFigureOut">
               <a:rPr lang="de-DE" smtClean="0"/>
-              <a:t>19.05.2022</a:t>
+              <a:t>23.05.2022</a:t>
             </a:fld>
             <a:endParaRPr lang="de-DE"/>
           </a:p>
@@ -1843,7 +1844,7 @@
           <a:p>
             <a:fld id="{3BA2540B-A018-47B7-9347-A0387F60CB1C}" type="datetimeFigureOut">
               <a:rPr lang="de-DE" smtClean="0"/>
-              <a:t>19.05.2022</a:t>
+              <a:t>23.05.2022</a:t>
             </a:fld>
             <a:endParaRPr lang="de-DE"/>
           </a:p>
@@ -2120,7 +2121,7 @@
           <a:p>
             <a:fld id="{3BA2540B-A018-47B7-9347-A0387F60CB1C}" type="datetimeFigureOut">
               <a:rPr lang="de-DE" smtClean="0"/>
-              <a:t>19.05.2022</a:t>
+              <a:t>23.05.2022</a:t>
             </a:fld>
             <a:endParaRPr lang="de-DE"/>
           </a:p>
@@ -2373,7 +2374,7 @@
           <a:p>
             <a:fld id="{3BA2540B-A018-47B7-9347-A0387F60CB1C}" type="datetimeFigureOut">
               <a:rPr lang="de-DE" smtClean="0"/>
-              <a:t>19.05.2022</a:t>
+              <a:t>23.05.2022</a:t>
             </a:fld>
             <a:endParaRPr lang="de-DE"/>
           </a:p>
@@ -2586,7 +2587,7 @@
           <a:p>
             <a:fld id="{3BA2540B-A018-47B7-9347-A0387F60CB1C}" type="datetimeFigureOut">
               <a:rPr lang="de-DE" smtClean="0"/>
-              <a:t>19.05.2022</a:t>
+              <a:t>23.05.2022</a:t>
             </a:fld>
             <a:endParaRPr lang="de-DE"/>
           </a:p>
@@ -3111,6 +3112,329 @@
 </file>
 
 <file path=ppt/slides/slide10.xml><?xml version="1.0" encoding="utf-8"?>
+<p:sld xmlns:a="http://schemas.openxmlformats.org/drawingml/2006/main" xmlns:r="http://schemas.openxmlformats.org/officeDocument/2006/relationships" xmlns:p="http://schemas.openxmlformats.org/presentationml/2006/main">
+  <p:cSld>
+    <p:bg>
+      <p:bgPr>
+        <a:solidFill>
+          <a:srgbClr val="464646"/>
+        </a:solidFill>
+        <a:effectLst/>
+      </p:bgPr>
+    </p:bg>
+    <p:spTree>
+      <p:nvGrpSpPr>
+        <p:cNvPr id="1" name=""/>
+        <p:cNvGrpSpPr/>
+        <p:nvPr/>
+      </p:nvGrpSpPr>
+      <p:grpSpPr>
+        <a:xfrm>
+          <a:off x="0" y="0"/>
+          <a:ext cx="0" cy="0"/>
+          <a:chOff x="0" y="0"/>
+          <a:chExt cx="0" cy="0"/>
+        </a:xfrm>
+      </p:grpSpPr>
+      <p:sp>
+        <p:nvSpPr>
+          <p:cNvPr id="10" name="Rechteck 9"/>
+          <p:cNvSpPr/>
+          <p:nvPr/>
+        </p:nvSpPr>
+        <p:spPr>
+          <a:xfrm>
+            <a:off x="829159" y="503695"/>
+            <a:ext cx="10292511" cy="5579211"/>
+          </a:xfrm>
+          <a:prstGeom prst="rect">
+            <a:avLst/>
+          </a:prstGeom>
+          <a:solidFill>
+            <a:srgbClr val="464646"/>
+          </a:solidFill>
+          <a:ln>
+            <a:solidFill>
+              <a:srgbClr val="464646"/>
+            </a:solidFill>
+          </a:ln>
+        </p:spPr>
+        <p:style>
+          <a:lnRef idx="2">
+            <a:schemeClr val="accent1">
+              <a:shade val="50000"/>
+            </a:schemeClr>
+          </a:lnRef>
+          <a:fillRef idx="1">
+            <a:schemeClr val="accent1"/>
+          </a:fillRef>
+          <a:effectRef idx="0">
+            <a:schemeClr val="accent1"/>
+          </a:effectRef>
+          <a:fontRef idx="minor">
+            <a:schemeClr val="lt1"/>
+          </a:fontRef>
+        </p:style>
+        <p:txBody>
+          <a:bodyPr rtlCol="0" anchor="ctr"/>
+          <a:lstStyle/>
+          <a:p>
+            <a:pPr algn="ctr"/>
+            <a:endParaRPr lang="de-DE"/>
+          </a:p>
+        </p:txBody>
+      </p:sp>
+      <p:cxnSp>
+        <p:nvCxnSpPr>
+          <p:cNvPr id="7" name="Gerade Verbindung mit Pfeil 6"/>
+          <p:cNvCxnSpPr/>
+          <p:nvPr/>
+        </p:nvCxnSpPr>
+        <p:spPr>
+          <a:xfrm flipV="1">
+            <a:off x="4856813" y="3091266"/>
+            <a:ext cx="1600200" cy="9525"/>
+          </a:xfrm>
+          <a:prstGeom prst="straightConnector1">
+            <a:avLst/>
+          </a:prstGeom>
+          <a:ln w="76200">
+            <a:solidFill>
+              <a:srgbClr val="FF0000"/>
+            </a:solidFill>
+            <a:headEnd type="triangle"/>
+            <a:tailEnd type="triangle"/>
+          </a:ln>
+        </p:spPr>
+        <p:style>
+          <a:lnRef idx="1">
+            <a:schemeClr val="accent1"/>
+          </a:lnRef>
+          <a:fillRef idx="0">
+            <a:schemeClr val="accent1"/>
+          </a:fillRef>
+          <a:effectRef idx="0">
+            <a:schemeClr val="accent1"/>
+          </a:effectRef>
+          <a:fontRef idx="minor">
+            <a:schemeClr val="tx1"/>
+          </a:fontRef>
+        </p:style>
+      </p:cxnSp>
+      <p:pic>
+        <p:nvPicPr>
+          <p:cNvPr id="9" name="Grafik 8"/>
+          <p:cNvPicPr>
+            <a:picLocks noChangeAspect="1"/>
+          </p:cNvPicPr>
+          <p:nvPr/>
+        </p:nvPicPr>
+        <p:blipFill rotWithShape="1">
+          <a:blip r:embed="rId2"/>
+          <a:srcRect l="16272" t="46791" r="55699" b="38985"/>
+          <a:stretch/>
+        </p:blipFill>
+        <p:spPr>
+          <a:xfrm>
+            <a:off x="1516572" y="3212951"/>
+            <a:ext cx="9014525" cy="1676172"/>
+          </a:xfrm>
+          <a:prstGeom prst="rect">
+            <a:avLst/>
+          </a:prstGeom>
+        </p:spPr>
+      </p:pic>
+      <p:sp>
+        <p:nvSpPr>
+          <p:cNvPr id="5" name="Textfeld 4"/>
+          <p:cNvSpPr txBox="1"/>
+          <p:nvPr/>
+        </p:nvSpPr>
+        <p:spPr>
+          <a:xfrm>
+            <a:off x="2101581" y="1470341"/>
+            <a:ext cx="8128323" cy="589072"/>
+          </a:xfrm>
+          <a:prstGeom prst="rect">
+            <a:avLst/>
+          </a:prstGeom>
+          <a:noFill/>
+        </p:spPr>
+        <p:txBody>
+          <a:bodyPr wrap="square" rtlCol="0">
+            <a:spAutoFit/>
+          </a:bodyPr>
+          <a:lstStyle/>
+          <a:p>
+            <a:pPr algn="ctr">
+              <a:lnSpc>
+                <a:spcPct val="150000"/>
+              </a:lnSpc>
+            </a:pPr>
+            <a:r>
+              <a:rPr lang="de-DE" sz="2400" dirty="0" smtClean="0">
+                <a:solidFill>
+                  <a:schemeClr val="bg1"/>
+                </a:solidFill>
+              </a:rPr>
+              <a:t>… und wie DEUTLICH Sie den Druck wahrgenommen haben.</a:t>
+            </a:r>
+            <a:endParaRPr lang="de-DE" sz="2400" dirty="0">
+              <a:solidFill>
+                <a:schemeClr val="bg1"/>
+              </a:solidFill>
+            </a:endParaRPr>
+          </a:p>
+        </p:txBody>
+      </p:sp>
+      <p:sp>
+        <p:nvSpPr>
+          <p:cNvPr id="6" name="Textfeld 5"/>
+          <p:cNvSpPr txBox="1"/>
+          <p:nvPr/>
+        </p:nvSpPr>
+        <p:spPr>
+          <a:xfrm>
+            <a:off x="1170121" y="3785906"/>
+            <a:ext cx="2286001" cy="830997"/>
+          </a:xfrm>
+          <a:prstGeom prst="rect">
+            <a:avLst/>
+          </a:prstGeom>
+          <a:solidFill>
+            <a:srgbClr val="464646"/>
+          </a:solidFill>
+        </p:spPr>
+        <p:txBody>
+          <a:bodyPr wrap="square" rtlCol="0">
+            <a:spAutoFit/>
+          </a:bodyPr>
+          <a:lstStyle/>
+          <a:p>
+            <a:pPr algn="ctr"/>
+            <a:r>
+              <a:rPr lang="de-DE" sz="2400" dirty="0" smtClean="0">
+                <a:solidFill>
+                  <a:schemeClr val="bg1"/>
+                </a:solidFill>
+              </a:rPr>
+              <a:t>gar nicht</a:t>
+            </a:r>
+          </a:p>
+          <a:p>
+            <a:pPr algn="ctr"/>
+            <a:r>
+              <a:rPr lang="de-DE" sz="2400" dirty="0" smtClean="0">
+                <a:solidFill>
+                  <a:schemeClr val="bg1"/>
+                </a:solidFill>
+              </a:rPr>
+              <a:t>deutlich</a:t>
+            </a:r>
+            <a:endParaRPr lang="de-DE" sz="2400" dirty="0">
+              <a:solidFill>
+                <a:schemeClr val="bg1"/>
+              </a:solidFill>
+            </a:endParaRPr>
+          </a:p>
+        </p:txBody>
+      </p:sp>
+      <p:sp>
+        <p:nvSpPr>
+          <p:cNvPr id="8" name="Textfeld 7"/>
+          <p:cNvSpPr txBox="1"/>
+          <p:nvPr/>
+        </p:nvSpPr>
+        <p:spPr>
+          <a:xfrm>
+            <a:off x="7494044" y="3803119"/>
+            <a:ext cx="3627626" cy="830997"/>
+          </a:xfrm>
+          <a:prstGeom prst="rect">
+            <a:avLst/>
+          </a:prstGeom>
+          <a:solidFill>
+            <a:srgbClr val="464646"/>
+          </a:solidFill>
+        </p:spPr>
+        <p:txBody>
+          <a:bodyPr wrap="square" rtlCol="0">
+            <a:spAutoFit/>
+          </a:bodyPr>
+          <a:lstStyle/>
+          <a:p>
+            <a:pPr algn="ctr"/>
+            <a:r>
+              <a:rPr lang="de-DE" sz="2400" dirty="0" smtClean="0">
+                <a:solidFill>
+                  <a:schemeClr val="bg1"/>
+                </a:solidFill>
+              </a:rPr>
+              <a:t>extrem</a:t>
+            </a:r>
+          </a:p>
+          <a:p>
+            <a:pPr algn="ctr"/>
+            <a:r>
+              <a:rPr lang="de-DE" sz="2400" dirty="0" smtClean="0">
+                <a:solidFill>
+                  <a:schemeClr val="bg1"/>
+                </a:solidFill>
+              </a:rPr>
+              <a:t>deutlich</a:t>
+            </a:r>
+            <a:endParaRPr lang="de-DE" sz="2400" dirty="0">
+              <a:solidFill>
+                <a:schemeClr val="bg1"/>
+              </a:solidFill>
+            </a:endParaRPr>
+          </a:p>
+        </p:txBody>
+      </p:sp>
+      <p:pic>
+        <p:nvPicPr>
+          <p:cNvPr id="11" name="Grafik 10"/>
+          <p:cNvPicPr>
+            <a:picLocks noChangeAspect="1"/>
+          </p:cNvPicPr>
+          <p:nvPr/>
+        </p:nvPicPr>
+        <p:blipFill rotWithShape="1">
+          <a:blip r:embed="rId3"/>
+          <a:srcRect l="10805" t="50756" r="51123" b="36210"/>
+          <a:stretch/>
+        </p:blipFill>
+        <p:spPr>
+          <a:xfrm>
+            <a:off x="1690172" y="4972881"/>
+            <a:ext cx="8849524" cy="1110025"/>
+          </a:xfrm>
+          <a:prstGeom prst="rect">
+            <a:avLst/>
+          </a:prstGeom>
+        </p:spPr>
+      </p:pic>
+    </p:spTree>
+    <p:extLst>
+      <p:ext uri="{BB962C8B-B14F-4D97-AF65-F5344CB8AC3E}">
+        <p14:creationId xmlns:p14="http://schemas.microsoft.com/office/powerpoint/2010/main" val="3096569391"/>
+      </p:ext>
+    </p:extLst>
+  </p:cSld>
+  <p:clrMapOvr>
+    <a:masterClrMapping/>
+  </p:clrMapOvr>
+  <p:timing>
+    <p:tnLst>
+      <p:par>
+        <p:cTn id="1" dur="indefinite" restart="never" nodeType="tmRoot"/>
+      </p:par>
+    </p:tnLst>
+  </p:timing>
+</p:sld>
+</file>
+
+<file path=ppt/slides/slide11.xml><?xml version="1.0" encoding="utf-8"?>
 <p:sld xmlns:a="http://schemas.openxmlformats.org/drawingml/2006/main" xmlns:r="http://schemas.openxmlformats.org/officeDocument/2006/relationships" xmlns:p="http://schemas.openxmlformats.org/presentationml/2006/main">
   <p:cSld>
     <p:bg>
@@ -3666,7 +3990,7 @@
 </p:sld>
 </file>
 
-<file path=ppt/slides/slide11.xml><?xml version="1.0" encoding="utf-8"?>
+<file path=ppt/slides/slide12.xml><?xml version="1.0" encoding="utf-8"?>
 <p:sld xmlns:a="http://schemas.openxmlformats.org/drawingml/2006/main" xmlns:r="http://schemas.openxmlformats.org/officeDocument/2006/relationships" xmlns:p="http://schemas.openxmlformats.org/presentationml/2006/main">
   <p:cSld>
     <p:bg>
@@ -4165,7 +4489,7 @@
 </p:sld>
 </file>
 
-<file path=ppt/slides/slide12.xml><?xml version="1.0" encoding="utf-8"?>
+<file path=ppt/slides/slide13.xml><?xml version="1.0" encoding="utf-8"?>
 <p:sld xmlns:a="http://schemas.openxmlformats.org/drawingml/2006/main" xmlns:r="http://schemas.openxmlformats.org/officeDocument/2006/relationships" xmlns:p="http://schemas.openxmlformats.org/presentationml/2006/main">
   <p:cSld>
     <p:bg>
@@ -4880,7 +5204,7 @@
 </p:sld>
 </file>
 
-<file path=ppt/slides/slide13.xml><?xml version="1.0" encoding="utf-8"?>
+<file path=ppt/slides/slide14.xml><?xml version="1.0" encoding="utf-8"?>
 <p:sld xmlns:a="http://schemas.openxmlformats.org/drawingml/2006/main" xmlns:r="http://schemas.openxmlformats.org/officeDocument/2006/relationships" xmlns:p="http://schemas.openxmlformats.org/presentationml/2006/main">
   <p:cSld>
     <p:spTree>
@@ -4952,7 +5276,7 @@
 </p:sld>
 </file>
 
-<file path=ppt/slides/slide14.xml><?xml version="1.0" encoding="utf-8"?>
+<file path=ppt/slides/slide15.xml><?xml version="1.0" encoding="utf-8"?>
 <p:sld xmlns:a="http://schemas.openxmlformats.org/drawingml/2006/main" xmlns:r="http://schemas.openxmlformats.org/officeDocument/2006/relationships" xmlns:p="http://schemas.openxmlformats.org/presentationml/2006/main">
   <p:cSld>
     <p:bg>
@@ -8845,7 +9169,7 @@
 </p:sld>
 </file>
 
-<file path=ppt/slides/slide15.xml><?xml version="1.0" encoding="utf-8"?>
+<file path=ppt/slides/slide16.xml><?xml version="1.0" encoding="utf-8"?>
 <p:sld xmlns:a="http://schemas.openxmlformats.org/drawingml/2006/main" xmlns:r="http://schemas.openxmlformats.org/officeDocument/2006/relationships" xmlns:p="http://schemas.openxmlformats.org/presentationml/2006/main">
   <p:cSld>
     <p:bg>
@@ -12752,7 +13076,7 @@
 </p:sld>
 </file>
 
-<file path=ppt/slides/slide16.xml><?xml version="1.0" encoding="utf-8"?>
+<file path=ppt/slides/slide17.xml><?xml version="1.0" encoding="utf-8"?>
 <p:sld xmlns:a="http://schemas.openxmlformats.org/drawingml/2006/main" xmlns:r="http://schemas.openxmlformats.org/officeDocument/2006/relationships" xmlns:p="http://schemas.openxmlformats.org/presentationml/2006/main">
   <p:cSld>
     <p:bg>
@@ -15526,7 +15850,7 @@
 </p:sld>
 </file>
 
-<file path=ppt/slides/slide17.xml><?xml version="1.0" encoding="utf-8"?>
+<file path=ppt/slides/slide18.xml><?xml version="1.0" encoding="utf-8"?>
 <p:sld xmlns:a="http://schemas.openxmlformats.org/drawingml/2006/main" xmlns:r="http://schemas.openxmlformats.org/officeDocument/2006/relationships" xmlns:p="http://schemas.openxmlformats.org/presentationml/2006/main">
   <p:cSld>
     <p:bg>
@@ -18435,7 +18759,7 @@
 </p:sld>
 </file>
 
-<file path=ppt/slides/slide18.xml><?xml version="1.0" encoding="utf-8"?>
+<file path=ppt/slides/slide19.xml><?xml version="1.0" encoding="utf-8"?>
 <p:sld xmlns:a="http://schemas.openxmlformats.org/drawingml/2006/main" xmlns:r="http://schemas.openxmlformats.org/officeDocument/2006/relationships" xmlns:p="http://schemas.openxmlformats.org/presentationml/2006/main">
   <p:cSld>
     <p:bg>
@@ -21245,2832 +21569,6 @@
     <p:extLst>
       <p:ext uri="{BB962C8B-B14F-4D97-AF65-F5344CB8AC3E}">
         <p14:creationId xmlns:p14="http://schemas.microsoft.com/office/powerpoint/2010/main" val="699891731"/>
-      </p:ext>
-    </p:extLst>
-  </p:cSld>
-  <p:clrMapOvr>
-    <a:masterClrMapping/>
-  </p:clrMapOvr>
-  <p:timing>
-    <p:tnLst>
-      <p:par>
-        <p:cTn id="1" dur="indefinite" restart="never" nodeType="tmRoot"/>
-      </p:par>
-    </p:tnLst>
-  </p:timing>
-</p:sld>
-</file>
-
-<file path=ppt/slides/slide19.xml><?xml version="1.0" encoding="utf-8"?>
-<p:sld xmlns:a="http://schemas.openxmlformats.org/drawingml/2006/main" xmlns:r="http://schemas.openxmlformats.org/officeDocument/2006/relationships" xmlns:p="http://schemas.openxmlformats.org/presentationml/2006/main">
-  <p:cSld>
-    <p:bg>
-      <p:bgPr>
-        <a:solidFill>
-          <a:srgbClr val="464646"/>
-        </a:solidFill>
-        <a:effectLst/>
-      </p:bgPr>
-    </p:bg>
-    <p:spTree>
-      <p:nvGrpSpPr>
-        <p:cNvPr id="1" name=""/>
-        <p:cNvGrpSpPr/>
-        <p:nvPr/>
-      </p:nvGrpSpPr>
-      <p:grpSpPr>
-        <a:xfrm>
-          <a:off x="0" y="0"/>
-          <a:ext cx="0" cy="0"/>
-          <a:chOff x="0" y="0"/>
-          <a:chExt cx="0" cy="0"/>
-        </a:xfrm>
-      </p:grpSpPr>
-      <p:sp>
-        <p:nvSpPr>
-          <p:cNvPr id="2" name="Textfeld 1"/>
-          <p:cNvSpPr txBox="1"/>
-          <p:nvPr/>
-        </p:nvSpPr>
-        <p:spPr>
-          <a:xfrm>
-            <a:off x="3696346" y="728421"/>
-            <a:ext cx="4545540" cy="369332"/>
-          </a:xfrm>
-          <a:prstGeom prst="rect">
-            <a:avLst/>
-          </a:prstGeom>
-          <a:noFill/>
-        </p:spPr>
-        <p:txBody>
-          <a:bodyPr wrap="none" rtlCol="0">
-            <a:spAutoFit/>
-          </a:bodyPr>
-          <a:lstStyle/>
-          <a:p>
-            <a:r>
-              <a:rPr lang="de-DE" dirty="0" smtClean="0">
-                <a:solidFill>
-                  <a:schemeClr val="bg1"/>
-                </a:solidFill>
-              </a:rPr>
-              <a:t>Versuchsaufbau Fahrradfahren und </a:t>
-            </a:r>
-            <a:r>
-              <a:rPr lang="de-DE" dirty="0" err="1" smtClean="0">
-                <a:solidFill>
-                  <a:schemeClr val="bg1"/>
-                </a:solidFill>
-              </a:rPr>
-              <a:t>Pain</a:t>
-            </a:r>
-            <a:r>
-              <a:rPr lang="de-DE" dirty="0" smtClean="0">
-                <a:solidFill>
-                  <a:schemeClr val="bg1"/>
-                </a:solidFill>
-              </a:rPr>
-              <a:t> </a:t>
-            </a:r>
-            <a:r>
-              <a:rPr lang="de-DE" dirty="0" err="1" smtClean="0">
-                <a:solidFill>
-                  <a:schemeClr val="bg1"/>
-                </a:solidFill>
-              </a:rPr>
-              <a:t>Ratigs</a:t>
-            </a:r>
-            <a:endParaRPr lang="de-DE" dirty="0">
-              <a:solidFill>
-                <a:schemeClr val="bg1"/>
-              </a:solidFill>
-            </a:endParaRPr>
-          </a:p>
-        </p:txBody>
-      </p:sp>
-      <p:grpSp>
-        <p:nvGrpSpPr>
-          <p:cNvPr id="216" name="Gruppieren 215"/>
-          <p:cNvGrpSpPr/>
-          <p:nvPr/>
-        </p:nvGrpSpPr>
-        <p:grpSpPr>
-          <a:xfrm>
-            <a:off x="1284753" y="1564287"/>
-            <a:ext cx="9368725" cy="3905573"/>
-            <a:chOff x="1284753" y="1564287"/>
-            <a:chExt cx="9368725" cy="3905573"/>
-          </a:xfrm>
-        </p:grpSpPr>
-        <p:grpSp>
-          <p:nvGrpSpPr>
-            <p:cNvPr id="217" name="Gruppieren 216"/>
-            <p:cNvGrpSpPr/>
-            <p:nvPr/>
-          </p:nvGrpSpPr>
-          <p:grpSpPr>
-            <a:xfrm>
-              <a:off x="1284753" y="1564287"/>
-              <a:ext cx="9368725" cy="3905573"/>
-              <a:chOff x="1284753" y="1564287"/>
-              <a:chExt cx="9368725" cy="3905573"/>
-            </a:xfrm>
-          </p:grpSpPr>
-          <p:sp>
-            <p:nvSpPr>
-              <p:cNvPr id="223" name="Rechteck 222"/>
-              <p:cNvSpPr/>
-              <p:nvPr/>
-            </p:nvSpPr>
-            <p:spPr>
-              <a:xfrm>
-                <a:off x="1284753" y="1564287"/>
-                <a:ext cx="9368725" cy="3905573"/>
-              </a:xfrm>
-              <a:prstGeom prst="rect">
-                <a:avLst/>
-              </a:prstGeom>
-              <a:solidFill>
-                <a:srgbClr val="464646"/>
-              </a:solidFill>
-              <a:ln>
-                <a:solidFill>
-                  <a:srgbClr val="464646"/>
-                </a:solidFill>
-              </a:ln>
-            </p:spPr>
-            <p:style>
-              <a:lnRef idx="2">
-                <a:schemeClr val="accent1">
-                  <a:shade val="50000"/>
-                </a:schemeClr>
-              </a:lnRef>
-              <a:fillRef idx="1">
-                <a:schemeClr val="accent1"/>
-              </a:fillRef>
-              <a:effectRef idx="0">
-                <a:schemeClr val="accent1"/>
-              </a:effectRef>
-              <a:fontRef idx="minor">
-                <a:schemeClr val="lt1"/>
-              </a:fontRef>
-            </p:style>
-            <p:txBody>
-              <a:bodyPr rtlCol="0" anchor="ctr"/>
-              <a:lstStyle/>
-              <a:p>
-                <a:pPr algn="ctr"/>
-                <a:endParaRPr lang="de-DE"/>
-              </a:p>
-            </p:txBody>
-          </p:sp>
-          <p:grpSp>
-            <p:nvGrpSpPr>
-              <p:cNvPr id="224" name="Gruppieren 223"/>
-              <p:cNvGrpSpPr/>
-              <p:nvPr/>
-            </p:nvGrpSpPr>
-            <p:grpSpPr>
-              <a:xfrm>
-                <a:off x="1564261" y="2486283"/>
-                <a:ext cx="8809710" cy="2465568"/>
-                <a:chOff x="1564261" y="2486283"/>
-                <a:chExt cx="8809710" cy="2465568"/>
-              </a:xfrm>
-            </p:grpSpPr>
-            <p:sp>
-              <p:nvSpPr>
-                <p:cNvPr id="225" name="Rechteck 224"/>
-                <p:cNvSpPr/>
-                <p:nvPr/>
-              </p:nvSpPr>
-              <p:spPr>
-                <a:xfrm>
-                  <a:off x="5650935" y="3216436"/>
-                  <a:ext cx="464820" cy="1323813"/>
-                </a:xfrm>
-                <a:prstGeom prst="rect">
-                  <a:avLst/>
-                </a:prstGeom>
-                <a:solidFill>
-                  <a:srgbClr val="FF0000"/>
-                </a:solidFill>
-                <a:ln w="57150">
-                  <a:solidFill>
-                    <a:srgbClr val="FF0000"/>
-                  </a:solidFill>
-                </a:ln>
-              </p:spPr>
-              <p:style>
-                <a:lnRef idx="2">
-                  <a:schemeClr val="accent1">
-                    <a:shade val="50000"/>
-                  </a:schemeClr>
-                </a:lnRef>
-                <a:fillRef idx="1">
-                  <a:schemeClr val="accent1"/>
-                </a:fillRef>
-                <a:effectRef idx="0">
-                  <a:schemeClr val="accent1"/>
-                </a:effectRef>
-                <a:fontRef idx="minor">
-                  <a:schemeClr val="lt1"/>
-                </a:fontRef>
-              </p:style>
-              <p:txBody>
-                <a:bodyPr rtlCol="0" anchor="ctr"/>
-                <a:lstStyle/>
-                <a:p>
-                  <a:pPr algn="ctr"/>
-                  <a:endParaRPr lang="de-DE"/>
-                </a:p>
-              </p:txBody>
-            </p:sp>
-            <p:sp>
-              <p:nvSpPr>
-                <p:cNvPr id="226" name="Rechteck 225"/>
-                <p:cNvSpPr/>
-                <p:nvPr/>
-              </p:nvSpPr>
-              <p:spPr>
-                <a:xfrm>
-                  <a:off x="7777066" y="3216436"/>
-                  <a:ext cx="464820" cy="1323813"/>
-                </a:xfrm>
-                <a:prstGeom prst="rect">
-                  <a:avLst/>
-                </a:prstGeom>
-                <a:solidFill>
-                  <a:srgbClr val="FF0000"/>
-                </a:solidFill>
-                <a:ln w="57150">
-                  <a:solidFill>
-                    <a:srgbClr val="FF0000"/>
-                  </a:solidFill>
-                </a:ln>
-              </p:spPr>
-              <p:style>
-                <a:lnRef idx="2">
-                  <a:schemeClr val="accent1">
-                    <a:shade val="50000"/>
-                  </a:schemeClr>
-                </a:lnRef>
-                <a:fillRef idx="1">
-                  <a:schemeClr val="accent1"/>
-                </a:fillRef>
-                <a:effectRef idx="0">
-                  <a:schemeClr val="accent1"/>
-                </a:effectRef>
-                <a:fontRef idx="minor">
-                  <a:schemeClr val="lt1"/>
-                </a:fontRef>
-              </p:style>
-              <p:txBody>
-                <a:bodyPr rtlCol="0" anchor="ctr"/>
-                <a:lstStyle/>
-                <a:p>
-                  <a:pPr algn="ctr"/>
-                  <a:endParaRPr lang="de-DE"/>
-                </a:p>
-              </p:txBody>
-            </p:sp>
-            <p:sp>
-              <p:nvSpPr>
-                <p:cNvPr id="227" name="Rechteck 226"/>
-                <p:cNvSpPr/>
-                <p:nvPr/>
-              </p:nvSpPr>
-              <p:spPr>
-                <a:xfrm>
-                  <a:off x="9794520" y="3216436"/>
-                  <a:ext cx="464820" cy="1323813"/>
-                </a:xfrm>
-                <a:prstGeom prst="rect">
-                  <a:avLst/>
-                </a:prstGeom>
-                <a:solidFill>
-                  <a:srgbClr val="FF0000"/>
-                </a:solidFill>
-                <a:ln w="57150">
-                  <a:solidFill>
-                    <a:srgbClr val="FF0000"/>
-                  </a:solidFill>
-                </a:ln>
-              </p:spPr>
-              <p:style>
-                <a:lnRef idx="2">
-                  <a:schemeClr val="accent1">
-                    <a:shade val="50000"/>
-                  </a:schemeClr>
-                </a:lnRef>
-                <a:fillRef idx="1">
-                  <a:schemeClr val="accent1"/>
-                </a:fillRef>
-                <a:effectRef idx="0">
-                  <a:schemeClr val="accent1"/>
-                </a:effectRef>
-                <a:fontRef idx="minor">
-                  <a:schemeClr val="lt1"/>
-                </a:fontRef>
-              </p:style>
-              <p:txBody>
-                <a:bodyPr rtlCol="0" anchor="ctr"/>
-                <a:lstStyle/>
-                <a:p>
-                  <a:pPr algn="ctr"/>
-                  <a:endParaRPr lang="de-DE"/>
-                </a:p>
-              </p:txBody>
-            </p:sp>
-            <p:sp>
-              <p:nvSpPr>
-                <p:cNvPr id="228" name="Rechteck 227"/>
-                <p:cNvSpPr/>
-                <p:nvPr/>
-              </p:nvSpPr>
-              <p:spPr>
-                <a:xfrm>
-                  <a:off x="3563855" y="3216436"/>
-                  <a:ext cx="464820" cy="1323813"/>
-                </a:xfrm>
-                <a:prstGeom prst="rect">
-                  <a:avLst/>
-                </a:prstGeom>
-                <a:solidFill>
-                  <a:srgbClr val="FF0000"/>
-                </a:solidFill>
-                <a:ln w="57150">
-                  <a:solidFill>
-                    <a:srgbClr val="FF0000"/>
-                  </a:solidFill>
-                </a:ln>
-              </p:spPr>
-              <p:style>
-                <a:lnRef idx="2">
-                  <a:schemeClr val="accent1">
-                    <a:shade val="50000"/>
-                  </a:schemeClr>
-                </a:lnRef>
-                <a:fillRef idx="1">
-                  <a:schemeClr val="accent1"/>
-                </a:fillRef>
-                <a:effectRef idx="0">
-                  <a:schemeClr val="accent1"/>
-                </a:effectRef>
-                <a:fontRef idx="minor">
-                  <a:schemeClr val="lt1"/>
-                </a:fontRef>
-              </p:style>
-              <p:txBody>
-                <a:bodyPr rtlCol="0" anchor="ctr"/>
-                <a:lstStyle/>
-                <a:p>
-                  <a:pPr algn="ctr"/>
-                  <a:endParaRPr lang="de-DE"/>
-                </a:p>
-              </p:txBody>
-            </p:sp>
-            <p:cxnSp>
-              <p:nvCxnSpPr>
-                <p:cNvPr id="229" name="Gerader Verbinder 228"/>
-                <p:cNvCxnSpPr/>
-                <p:nvPr/>
-              </p:nvCxnSpPr>
-              <p:spPr>
-                <a:xfrm flipV="1">
-                  <a:off x="1564261" y="4546600"/>
-                  <a:ext cx="8809710" cy="16037"/>
-                </a:xfrm>
-                <a:prstGeom prst="line">
-                  <a:avLst/>
-                </a:prstGeom>
-                <a:ln w="57150">
-                  <a:solidFill>
-                    <a:schemeClr val="bg1"/>
-                  </a:solidFill>
-                </a:ln>
-              </p:spPr>
-              <p:style>
-                <a:lnRef idx="1">
-                  <a:schemeClr val="accent1"/>
-                </a:lnRef>
-                <a:fillRef idx="0">
-                  <a:schemeClr val="accent1"/>
-                </a:fillRef>
-                <a:effectRef idx="0">
-                  <a:schemeClr val="accent1"/>
-                </a:effectRef>
-                <a:fontRef idx="minor">
-                  <a:schemeClr val="tx1"/>
-                </a:fontRef>
-              </p:style>
-            </p:cxnSp>
-            <p:sp>
-              <p:nvSpPr>
-                <p:cNvPr id="230" name="Rechteck 229"/>
-                <p:cNvSpPr/>
-                <p:nvPr/>
-              </p:nvSpPr>
-              <p:spPr>
-                <a:xfrm>
-                  <a:off x="4341330" y="3232150"/>
-                  <a:ext cx="996950" cy="1308100"/>
-                </a:xfrm>
-                <a:prstGeom prst="rect">
-                  <a:avLst/>
-                </a:prstGeom>
-                <a:noFill/>
-                <a:ln w="57150">
-                  <a:solidFill>
-                    <a:schemeClr val="bg1"/>
-                  </a:solidFill>
-                </a:ln>
-              </p:spPr>
-              <p:style>
-                <a:lnRef idx="2">
-                  <a:schemeClr val="accent1">
-                    <a:shade val="50000"/>
-                  </a:schemeClr>
-                </a:lnRef>
-                <a:fillRef idx="1">
-                  <a:schemeClr val="accent1"/>
-                </a:fillRef>
-                <a:effectRef idx="0">
-                  <a:schemeClr val="accent1"/>
-                </a:effectRef>
-                <a:fontRef idx="minor">
-                  <a:schemeClr val="lt1"/>
-                </a:fontRef>
-              </p:style>
-              <p:txBody>
-                <a:bodyPr rtlCol="0" anchor="ctr"/>
-                <a:lstStyle/>
-                <a:p>
-                  <a:pPr algn="ctr"/>
-                  <a:endParaRPr lang="de-DE"/>
-                </a:p>
-              </p:txBody>
-            </p:sp>
-            <p:grpSp>
-              <p:nvGrpSpPr>
-                <p:cNvPr id="231" name="Gruppieren 230"/>
-                <p:cNvGrpSpPr/>
-                <p:nvPr/>
-              </p:nvGrpSpPr>
-              <p:grpSpPr>
-                <a:xfrm>
-                  <a:off x="2345184" y="3576030"/>
-                  <a:ext cx="815082" cy="604623"/>
-                  <a:chOff x="2491998" y="2031897"/>
-                  <a:chExt cx="574733" cy="428457"/>
-                </a:xfrm>
-                <a:solidFill>
-                  <a:schemeClr val="bg1"/>
-                </a:solidFill>
-              </p:grpSpPr>
-              <p:grpSp>
-                <p:nvGrpSpPr>
-                  <p:cNvPr id="277" name="Gruppieren 276"/>
-                  <p:cNvGrpSpPr/>
-                  <p:nvPr/>
-                </p:nvGrpSpPr>
-                <p:grpSpPr>
-                  <a:xfrm>
-                    <a:off x="2491998" y="2031897"/>
-                    <a:ext cx="574733" cy="428457"/>
-                    <a:chOff x="2491998" y="2031897"/>
-                    <a:chExt cx="574733" cy="428457"/>
-                  </a:xfrm>
-                  <a:grpFill/>
-                </p:grpSpPr>
-                <p:sp>
-                  <p:nvSpPr>
-                    <p:cNvPr id="279" name="Ellipse 278"/>
-                    <p:cNvSpPr/>
-                    <p:nvPr/>
-                  </p:nvSpPr>
-                  <p:spPr>
-                    <a:xfrm>
-                      <a:off x="2491998" y="2231755"/>
-                      <a:ext cx="230539" cy="228599"/>
-                    </a:xfrm>
-                    <a:prstGeom prst="ellipse">
-                      <a:avLst/>
-                    </a:prstGeom>
-                    <a:noFill/>
-                    <a:ln w="38100">
-                      <a:solidFill>
-                        <a:schemeClr val="bg1"/>
-                      </a:solidFill>
-                    </a:ln>
-                  </p:spPr>
-                  <p:style>
-                    <a:lnRef idx="2">
-                      <a:schemeClr val="accent1">
-                        <a:shade val="50000"/>
-                      </a:schemeClr>
-                    </a:lnRef>
-                    <a:fillRef idx="1">
-                      <a:schemeClr val="accent1"/>
-                    </a:fillRef>
-                    <a:effectRef idx="0">
-                      <a:schemeClr val="accent1"/>
-                    </a:effectRef>
-                    <a:fontRef idx="minor">
-                      <a:schemeClr val="lt1"/>
-                    </a:fontRef>
-                  </p:style>
-                  <p:txBody>
-                    <a:bodyPr rtlCol="0" anchor="ctr"/>
-                    <a:lstStyle/>
-                    <a:p>
-                      <a:pPr algn="ctr"/>
-                      <a:endParaRPr lang="de-DE"/>
-                    </a:p>
-                  </p:txBody>
-                </p:sp>
-                <p:sp>
-                  <p:nvSpPr>
-                    <p:cNvPr id="280" name="Ellipse 279"/>
-                    <p:cNvSpPr/>
-                    <p:nvPr/>
-                  </p:nvSpPr>
-                  <p:spPr>
-                    <a:xfrm>
-                      <a:off x="2836192" y="2227878"/>
-                      <a:ext cx="230539" cy="228599"/>
-                    </a:xfrm>
-                    <a:prstGeom prst="ellipse">
-                      <a:avLst/>
-                    </a:prstGeom>
-                    <a:noFill/>
-                    <a:ln w="38100">
-                      <a:solidFill>
-                        <a:schemeClr val="bg1"/>
-                      </a:solidFill>
-                    </a:ln>
-                  </p:spPr>
-                  <p:style>
-                    <a:lnRef idx="2">
-                      <a:schemeClr val="accent1">
-                        <a:shade val="50000"/>
-                      </a:schemeClr>
-                    </a:lnRef>
-                    <a:fillRef idx="1">
-                      <a:schemeClr val="accent1"/>
-                    </a:fillRef>
-                    <a:effectRef idx="0">
-                      <a:schemeClr val="accent1"/>
-                    </a:effectRef>
-                    <a:fontRef idx="minor">
-                      <a:schemeClr val="lt1"/>
-                    </a:fontRef>
-                  </p:style>
-                  <p:txBody>
-                    <a:bodyPr rtlCol="0" anchor="ctr"/>
-                    <a:lstStyle/>
-                    <a:p>
-                      <a:pPr algn="ctr"/>
-                      <a:endParaRPr lang="de-DE"/>
-                    </a:p>
-                  </p:txBody>
-                </p:sp>
-                <p:cxnSp>
-                  <p:nvCxnSpPr>
-                    <p:cNvPr id="281" name="Gerader Verbinder 280"/>
-                    <p:cNvCxnSpPr>
-                      <a:endCxn id="280" idx="2"/>
-                    </p:cNvCxnSpPr>
-                    <p:nvPr/>
-                  </p:nvCxnSpPr>
-                  <p:spPr>
-                    <a:xfrm flipV="1">
-                      <a:off x="2607267" y="2342178"/>
-                      <a:ext cx="228925" cy="1"/>
-                    </a:xfrm>
-                    <a:prstGeom prst="line">
-                      <a:avLst/>
-                    </a:prstGeom>
-                    <a:grpFill/>
-                    <a:ln w="38100">
-                      <a:solidFill>
-                        <a:schemeClr val="bg1"/>
-                      </a:solidFill>
-                    </a:ln>
-                  </p:spPr>
-                  <p:style>
-                    <a:lnRef idx="1">
-                      <a:schemeClr val="dk1"/>
-                    </a:lnRef>
-                    <a:fillRef idx="0">
-                      <a:schemeClr val="dk1"/>
-                    </a:fillRef>
-                    <a:effectRef idx="0">
-                      <a:schemeClr val="dk1"/>
-                    </a:effectRef>
-                    <a:fontRef idx="minor">
-                      <a:schemeClr val="tx1"/>
-                    </a:fontRef>
-                  </p:style>
-                </p:cxnSp>
-                <p:cxnSp>
-                  <p:nvCxnSpPr>
-                    <p:cNvPr id="282" name="Gerader Verbinder 281"/>
-                    <p:cNvCxnSpPr/>
-                    <p:nvPr/>
-                  </p:nvCxnSpPr>
-                  <p:spPr>
-                    <a:xfrm>
-                      <a:off x="2836192" y="2071730"/>
-                      <a:ext cx="115269" cy="251981"/>
-                    </a:xfrm>
-                    <a:prstGeom prst="line">
-                      <a:avLst/>
-                    </a:prstGeom>
-                    <a:grpFill/>
-                    <a:ln w="38100">
-                      <a:solidFill>
-                        <a:schemeClr val="bg1"/>
-                      </a:solidFill>
-                    </a:ln>
-                  </p:spPr>
-                  <p:style>
-                    <a:lnRef idx="1">
-                      <a:schemeClr val="dk1"/>
-                    </a:lnRef>
-                    <a:fillRef idx="0">
-                      <a:schemeClr val="dk1"/>
-                    </a:fillRef>
-                    <a:effectRef idx="0">
-                      <a:schemeClr val="dk1"/>
-                    </a:effectRef>
-                    <a:fontRef idx="minor">
-                      <a:schemeClr val="tx1"/>
-                    </a:fontRef>
-                  </p:style>
-                </p:cxnSp>
-                <p:cxnSp>
-                  <p:nvCxnSpPr>
-                    <p:cNvPr id="283" name="Gerader Verbinder 282"/>
-                    <p:cNvCxnSpPr/>
-                    <p:nvPr/>
-                  </p:nvCxnSpPr>
-                  <p:spPr>
-                    <a:xfrm flipH="1" flipV="1">
-                      <a:off x="2688957" y="2114292"/>
-                      <a:ext cx="86198" cy="227886"/>
-                    </a:xfrm>
-                    <a:prstGeom prst="line">
-                      <a:avLst/>
-                    </a:prstGeom>
-                    <a:grpFill/>
-                    <a:ln w="38100">
-                      <a:solidFill>
-                        <a:schemeClr val="bg1"/>
-                      </a:solidFill>
-                    </a:ln>
-                  </p:spPr>
-                  <p:style>
-                    <a:lnRef idx="1">
-                      <a:schemeClr val="dk1"/>
-                    </a:lnRef>
-                    <a:fillRef idx="0">
-                      <a:schemeClr val="dk1"/>
-                    </a:fillRef>
-                    <a:effectRef idx="0">
-                      <a:schemeClr val="dk1"/>
-                    </a:effectRef>
-                    <a:fontRef idx="minor">
-                      <a:schemeClr val="tx1"/>
-                    </a:fontRef>
-                  </p:style>
-                </p:cxnSp>
-                <p:cxnSp>
-                  <p:nvCxnSpPr>
-                    <p:cNvPr id="284" name="Gerader Verbinder 283"/>
-                    <p:cNvCxnSpPr/>
-                    <p:nvPr/>
-                  </p:nvCxnSpPr>
-                  <p:spPr>
-                    <a:xfrm flipV="1">
-                      <a:off x="2749418" y="2287948"/>
-                      <a:ext cx="40067" cy="104621"/>
-                    </a:xfrm>
-                    <a:prstGeom prst="line">
-                      <a:avLst/>
-                    </a:prstGeom>
-                    <a:grpFill/>
-                    <a:ln w="38100">
-                      <a:solidFill>
-                        <a:schemeClr val="bg1"/>
-                      </a:solidFill>
-                    </a:ln>
-                  </p:spPr>
-                  <p:style>
-                    <a:lnRef idx="1">
-                      <a:schemeClr val="dk1"/>
-                    </a:lnRef>
-                    <a:fillRef idx="0">
-                      <a:schemeClr val="dk1"/>
-                    </a:fillRef>
-                    <a:effectRef idx="0">
-                      <a:schemeClr val="dk1"/>
-                    </a:effectRef>
-                    <a:fontRef idx="minor">
-                      <a:schemeClr val="tx1"/>
-                    </a:fontRef>
-                  </p:style>
-                </p:cxnSp>
-                <p:cxnSp>
-                  <p:nvCxnSpPr>
-                    <p:cNvPr id="285" name="Gerader Verbinder 284"/>
-                    <p:cNvCxnSpPr/>
-                    <p:nvPr/>
-                  </p:nvCxnSpPr>
-                  <p:spPr>
-                    <a:xfrm flipH="1">
-                      <a:off x="2789277" y="2031897"/>
-                      <a:ext cx="93830" cy="95237"/>
-                    </a:xfrm>
-                    <a:prstGeom prst="line">
-                      <a:avLst/>
-                    </a:prstGeom>
-                    <a:grpFill/>
-                    <a:ln w="38100">
-                      <a:solidFill>
-                        <a:schemeClr val="bg1"/>
-                      </a:solidFill>
-                    </a:ln>
-                  </p:spPr>
-                  <p:style>
-                    <a:lnRef idx="1">
-                      <a:schemeClr val="dk1"/>
-                    </a:lnRef>
-                    <a:fillRef idx="0">
-                      <a:schemeClr val="dk1"/>
-                    </a:fillRef>
-                    <a:effectRef idx="0">
-                      <a:schemeClr val="dk1"/>
-                    </a:effectRef>
-                    <a:fontRef idx="minor">
-                      <a:schemeClr val="tx1"/>
-                    </a:fontRef>
-                  </p:style>
-                </p:cxnSp>
-              </p:grpSp>
-              <p:sp>
-                <p:nvSpPr>
-                  <p:cNvPr id="278" name="Ellipse 277"/>
-                  <p:cNvSpPr/>
-                  <p:nvPr/>
-                </p:nvSpPr>
-                <p:spPr>
-                  <a:xfrm>
-                    <a:off x="2665878" y="2104445"/>
-                    <a:ext cx="68163" cy="45719"/>
-                  </a:xfrm>
-                  <a:prstGeom prst="ellipse">
-                    <a:avLst/>
-                  </a:prstGeom>
-                  <a:grpFill/>
-                  <a:ln w="38100">
-                    <a:solidFill>
-                      <a:schemeClr val="bg1"/>
-                    </a:solidFill>
-                  </a:ln>
-                </p:spPr>
-                <p:style>
-                  <a:lnRef idx="2">
-                    <a:schemeClr val="dk1">
-                      <a:shade val="50000"/>
-                    </a:schemeClr>
-                  </a:lnRef>
-                  <a:fillRef idx="1">
-                    <a:schemeClr val="dk1"/>
-                  </a:fillRef>
-                  <a:effectRef idx="0">
-                    <a:schemeClr val="dk1"/>
-                  </a:effectRef>
-                  <a:fontRef idx="minor">
-                    <a:schemeClr val="lt1"/>
-                  </a:fontRef>
-                </p:style>
-                <p:txBody>
-                  <a:bodyPr rtlCol="0" anchor="ctr"/>
-                  <a:lstStyle/>
-                  <a:p>
-                    <a:pPr algn="ctr"/>
-                    <a:endParaRPr lang="de-DE"/>
-                  </a:p>
-                </p:txBody>
-              </p:sp>
-            </p:grpSp>
-            <p:grpSp>
-              <p:nvGrpSpPr>
-                <p:cNvPr id="232" name="Gruppieren 231"/>
-                <p:cNvGrpSpPr/>
-                <p:nvPr/>
-              </p:nvGrpSpPr>
-              <p:grpSpPr>
-                <a:xfrm>
-                  <a:off x="6516130" y="3576030"/>
-                  <a:ext cx="815082" cy="604623"/>
-                  <a:chOff x="2491998" y="2031897"/>
-                  <a:chExt cx="574733" cy="428457"/>
-                </a:xfrm>
-                <a:solidFill>
-                  <a:schemeClr val="bg1"/>
-                </a:solidFill>
-              </p:grpSpPr>
-              <p:grpSp>
-                <p:nvGrpSpPr>
-                  <p:cNvPr id="268" name="Gruppieren 267"/>
-                  <p:cNvGrpSpPr/>
-                  <p:nvPr/>
-                </p:nvGrpSpPr>
-                <p:grpSpPr>
-                  <a:xfrm>
-                    <a:off x="2491998" y="2031897"/>
-                    <a:ext cx="574733" cy="428457"/>
-                    <a:chOff x="2491998" y="2031897"/>
-                    <a:chExt cx="574733" cy="428457"/>
-                  </a:xfrm>
-                  <a:grpFill/>
-                </p:grpSpPr>
-                <p:sp>
-                  <p:nvSpPr>
-                    <p:cNvPr id="270" name="Ellipse 269"/>
-                    <p:cNvSpPr/>
-                    <p:nvPr/>
-                  </p:nvSpPr>
-                  <p:spPr>
-                    <a:xfrm>
-                      <a:off x="2491998" y="2231755"/>
-                      <a:ext cx="230539" cy="228599"/>
-                    </a:xfrm>
-                    <a:prstGeom prst="ellipse">
-                      <a:avLst/>
-                    </a:prstGeom>
-                    <a:noFill/>
-                    <a:ln w="38100">
-                      <a:solidFill>
-                        <a:schemeClr val="bg1"/>
-                      </a:solidFill>
-                    </a:ln>
-                  </p:spPr>
-                  <p:style>
-                    <a:lnRef idx="2">
-                      <a:schemeClr val="accent1">
-                        <a:shade val="50000"/>
-                      </a:schemeClr>
-                    </a:lnRef>
-                    <a:fillRef idx="1">
-                      <a:schemeClr val="accent1"/>
-                    </a:fillRef>
-                    <a:effectRef idx="0">
-                      <a:schemeClr val="accent1"/>
-                    </a:effectRef>
-                    <a:fontRef idx="minor">
-                      <a:schemeClr val="lt1"/>
-                    </a:fontRef>
-                  </p:style>
-                  <p:txBody>
-                    <a:bodyPr rtlCol="0" anchor="ctr"/>
-                    <a:lstStyle/>
-                    <a:p>
-                      <a:pPr algn="ctr"/>
-                      <a:endParaRPr lang="de-DE"/>
-                    </a:p>
-                  </p:txBody>
-                </p:sp>
-                <p:sp>
-                  <p:nvSpPr>
-                    <p:cNvPr id="271" name="Ellipse 270"/>
-                    <p:cNvSpPr/>
-                    <p:nvPr/>
-                  </p:nvSpPr>
-                  <p:spPr>
-                    <a:xfrm>
-                      <a:off x="2836192" y="2227878"/>
-                      <a:ext cx="230539" cy="228599"/>
-                    </a:xfrm>
-                    <a:prstGeom prst="ellipse">
-                      <a:avLst/>
-                    </a:prstGeom>
-                    <a:noFill/>
-                    <a:ln w="38100">
-                      <a:solidFill>
-                        <a:schemeClr val="bg1"/>
-                      </a:solidFill>
-                    </a:ln>
-                  </p:spPr>
-                  <p:style>
-                    <a:lnRef idx="2">
-                      <a:schemeClr val="accent1">
-                        <a:shade val="50000"/>
-                      </a:schemeClr>
-                    </a:lnRef>
-                    <a:fillRef idx="1">
-                      <a:schemeClr val="accent1"/>
-                    </a:fillRef>
-                    <a:effectRef idx="0">
-                      <a:schemeClr val="accent1"/>
-                    </a:effectRef>
-                    <a:fontRef idx="minor">
-                      <a:schemeClr val="lt1"/>
-                    </a:fontRef>
-                  </p:style>
-                  <p:txBody>
-                    <a:bodyPr rtlCol="0" anchor="ctr"/>
-                    <a:lstStyle/>
-                    <a:p>
-                      <a:pPr algn="ctr"/>
-                      <a:endParaRPr lang="de-DE"/>
-                    </a:p>
-                  </p:txBody>
-                </p:sp>
-                <p:cxnSp>
-                  <p:nvCxnSpPr>
-                    <p:cNvPr id="272" name="Gerader Verbinder 271"/>
-                    <p:cNvCxnSpPr>
-                      <a:endCxn id="271" idx="2"/>
-                    </p:cNvCxnSpPr>
-                    <p:nvPr/>
-                  </p:nvCxnSpPr>
-                  <p:spPr>
-                    <a:xfrm flipV="1">
-                      <a:off x="2607267" y="2342178"/>
-                      <a:ext cx="228925" cy="1"/>
-                    </a:xfrm>
-                    <a:prstGeom prst="line">
-                      <a:avLst/>
-                    </a:prstGeom>
-                    <a:grpFill/>
-                    <a:ln w="38100">
-                      <a:solidFill>
-                        <a:schemeClr val="bg1"/>
-                      </a:solidFill>
-                    </a:ln>
-                  </p:spPr>
-                  <p:style>
-                    <a:lnRef idx="1">
-                      <a:schemeClr val="dk1"/>
-                    </a:lnRef>
-                    <a:fillRef idx="0">
-                      <a:schemeClr val="dk1"/>
-                    </a:fillRef>
-                    <a:effectRef idx="0">
-                      <a:schemeClr val="dk1"/>
-                    </a:effectRef>
-                    <a:fontRef idx="minor">
-                      <a:schemeClr val="tx1"/>
-                    </a:fontRef>
-                  </p:style>
-                </p:cxnSp>
-                <p:cxnSp>
-                  <p:nvCxnSpPr>
-                    <p:cNvPr id="273" name="Gerader Verbinder 272"/>
-                    <p:cNvCxnSpPr/>
-                    <p:nvPr/>
-                  </p:nvCxnSpPr>
-                  <p:spPr>
-                    <a:xfrm>
-                      <a:off x="2836192" y="2071730"/>
-                      <a:ext cx="115269" cy="251981"/>
-                    </a:xfrm>
-                    <a:prstGeom prst="line">
-                      <a:avLst/>
-                    </a:prstGeom>
-                    <a:grpFill/>
-                    <a:ln w="38100">
-                      <a:solidFill>
-                        <a:schemeClr val="bg1"/>
-                      </a:solidFill>
-                    </a:ln>
-                  </p:spPr>
-                  <p:style>
-                    <a:lnRef idx="1">
-                      <a:schemeClr val="dk1"/>
-                    </a:lnRef>
-                    <a:fillRef idx="0">
-                      <a:schemeClr val="dk1"/>
-                    </a:fillRef>
-                    <a:effectRef idx="0">
-                      <a:schemeClr val="dk1"/>
-                    </a:effectRef>
-                    <a:fontRef idx="minor">
-                      <a:schemeClr val="tx1"/>
-                    </a:fontRef>
-                  </p:style>
-                </p:cxnSp>
-                <p:cxnSp>
-                  <p:nvCxnSpPr>
-                    <p:cNvPr id="274" name="Gerader Verbinder 273"/>
-                    <p:cNvCxnSpPr/>
-                    <p:nvPr/>
-                  </p:nvCxnSpPr>
-                  <p:spPr>
-                    <a:xfrm flipH="1" flipV="1">
-                      <a:off x="2688957" y="2114292"/>
-                      <a:ext cx="86198" cy="227886"/>
-                    </a:xfrm>
-                    <a:prstGeom prst="line">
-                      <a:avLst/>
-                    </a:prstGeom>
-                    <a:grpFill/>
-                    <a:ln w="38100">
-                      <a:solidFill>
-                        <a:schemeClr val="bg1"/>
-                      </a:solidFill>
-                    </a:ln>
-                  </p:spPr>
-                  <p:style>
-                    <a:lnRef idx="1">
-                      <a:schemeClr val="dk1"/>
-                    </a:lnRef>
-                    <a:fillRef idx="0">
-                      <a:schemeClr val="dk1"/>
-                    </a:fillRef>
-                    <a:effectRef idx="0">
-                      <a:schemeClr val="dk1"/>
-                    </a:effectRef>
-                    <a:fontRef idx="minor">
-                      <a:schemeClr val="tx1"/>
-                    </a:fontRef>
-                  </p:style>
-                </p:cxnSp>
-                <p:cxnSp>
-                  <p:nvCxnSpPr>
-                    <p:cNvPr id="275" name="Gerader Verbinder 274"/>
-                    <p:cNvCxnSpPr/>
-                    <p:nvPr/>
-                  </p:nvCxnSpPr>
-                  <p:spPr>
-                    <a:xfrm flipV="1">
-                      <a:off x="2749418" y="2287948"/>
-                      <a:ext cx="40067" cy="104621"/>
-                    </a:xfrm>
-                    <a:prstGeom prst="line">
-                      <a:avLst/>
-                    </a:prstGeom>
-                    <a:grpFill/>
-                    <a:ln w="38100">
-                      <a:solidFill>
-                        <a:schemeClr val="bg1"/>
-                      </a:solidFill>
-                    </a:ln>
-                  </p:spPr>
-                  <p:style>
-                    <a:lnRef idx="1">
-                      <a:schemeClr val="dk1"/>
-                    </a:lnRef>
-                    <a:fillRef idx="0">
-                      <a:schemeClr val="dk1"/>
-                    </a:fillRef>
-                    <a:effectRef idx="0">
-                      <a:schemeClr val="dk1"/>
-                    </a:effectRef>
-                    <a:fontRef idx="minor">
-                      <a:schemeClr val="tx1"/>
-                    </a:fontRef>
-                  </p:style>
-                </p:cxnSp>
-                <p:cxnSp>
-                  <p:nvCxnSpPr>
-                    <p:cNvPr id="276" name="Gerader Verbinder 275"/>
-                    <p:cNvCxnSpPr/>
-                    <p:nvPr/>
-                  </p:nvCxnSpPr>
-                  <p:spPr>
-                    <a:xfrm flipH="1">
-                      <a:off x="2789277" y="2031897"/>
-                      <a:ext cx="93830" cy="95237"/>
-                    </a:xfrm>
-                    <a:prstGeom prst="line">
-                      <a:avLst/>
-                    </a:prstGeom>
-                    <a:grpFill/>
-                    <a:ln w="38100">
-                      <a:solidFill>
-                        <a:schemeClr val="bg1"/>
-                      </a:solidFill>
-                    </a:ln>
-                  </p:spPr>
-                  <p:style>
-                    <a:lnRef idx="1">
-                      <a:schemeClr val="dk1"/>
-                    </a:lnRef>
-                    <a:fillRef idx="0">
-                      <a:schemeClr val="dk1"/>
-                    </a:fillRef>
-                    <a:effectRef idx="0">
-                      <a:schemeClr val="dk1"/>
-                    </a:effectRef>
-                    <a:fontRef idx="minor">
-                      <a:schemeClr val="tx1"/>
-                    </a:fontRef>
-                  </p:style>
-                </p:cxnSp>
-              </p:grpSp>
-              <p:sp>
-                <p:nvSpPr>
-                  <p:cNvPr id="269" name="Ellipse 268"/>
-                  <p:cNvSpPr/>
-                  <p:nvPr/>
-                </p:nvSpPr>
-                <p:spPr>
-                  <a:xfrm>
-                    <a:off x="2665878" y="2104445"/>
-                    <a:ext cx="68163" cy="45719"/>
-                  </a:xfrm>
-                  <a:prstGeom prst="ellipse">
-                    <a:avLst/>
-                  </a:prstGeom>
-                  <a:grpFill/>
-                  <a:ln w="38100">
-                    <a:solidFill>
-                      <a:schemeClr val="bg1"/>
-                    </a:solidFill>
-                  </a:ln>
-                </p:spPr>
-                <p:style>
-                  <a:lnRef idx="2">
-                    <a:schemeClr val="dk1">
-                      <a:shade val="50000"/>
-                    </a:schemeClr>
-                  </a:lnRef>
-                  <a:fillRef idx="1">
-                    <a:schemeClr val="dk1"/>
-                  </a:fillRef>
-                  <a:effectRef idx="0">
-                    <a:schemeClr val="dk1"/>
-                  </a:effectRef>
-                  <a:fontRef idx="minor">
-                    <a:schemeClr val="lt1"/>
-                  </a:fontRef>
-                </p:style>
-                <p:txBody>
-                  <a:bodyPr rtlCol="0" anchor="ctr"/>
-                  <a:lstStyle/>
-                  <a:p>
-                    <a:pPr algn="ctr"/>
-                    <a:endParaRPr lang="de-DE"/>
-                  </a:p>
-                </p:txBody>
-              </p:sp>
-            </p:grpSp>
-            <p:grpSp>
-              <p:nvGrpSpPr>
-                <p:cNvPr id="233" name="Gruppieren 232"/>
-                <p:cNvGrpSpPr/>
-                <p:nvPr/>
-              </p:nvGrpSpPr>
-              <p:grpSpPr>
-                <a:xfrm>
-                  <a:off x="4430657" y="3576030"/>
-                  <a:ext cx="815082" cy="604623"/>
-                  <a:chOff x="2491998" y="2031897"/>
-                  <a:chExt cx="574733" cy="428457"/>
-                </a:xfrm>
-                <a:solidFill>
-                  <a:schemeClr val="bg1"/>
-                </a:solidFill>
-              </p:grpSpPr>
-              <p:grpSp>
-                <p:nvGrpSpPr>
-                  <p:cNvPr id="259" name="Gruppieren 258"/>
-                  <p:cNvGrpSpPr/>
-                  <p:nvPr/>
-                </p:nvGrpSpPr>
-                <p:grpSpPr>
-                  <a:xfrm>
-                    <a:off x="2491998" y="2031897"/>
-                    <a:ext cx="574733" cy="428457"/>
-                    <a:chOff x="2491998" y="2031897"/>
-                    <a:chExt cx="574733" cy="428457"/>
-                  </a:xfrm>
-                  <a:grpFill/>
-                </p:grpSpPr>
-                <p:sp>
-                  <p:nvSpPr>
-                    <p:cNvPr id="261" name="Ellipse 260"/>
-                    <p:cNvSpPr/>
-                    <p:nvPr/>
-                  </p:nvSpPr>
-                  <p:spPr>
-                    <a:xfrm>
-                      <a:off x="2491998" y="2231755"/>
-                      <a:ext cx="230539" cy="228599"/>
-                    </a:xfrm>
-                    <a:prstGeom prst="ellipse">
-                      <a:avLst/>
-                    </a:prstGeom>
-                    <a:noFill/>
-                    <a:ln w="38100">
-                      <a:solidFill>
-                        <a:schemeClr val="bg1"/>
-                      </a:solidFill>
-                    </a:ln>
-                  </p:spPr>
-                  <p:style>
-                    <a:lnRef idx="2">
-                      <a:schemeClr val="accent1">
-                        <a:shade val="50000"/>
-                      </a:schemeClr>
-                    </a:lnRef>
-                    <a:fillRef idx="1">
-                      <a:schemeClr val="accent1"/>
-                    </a:fillRef>
-                    <a:effectRef idx="0">
-                      <a:schemeClr val="accent1"/>
-                    </a:effectRef>
-                    <a:fontRef idx="minor">
-                      <a:schemeClr val="lt1"/>
-                    </a:fontRef>
-                  </p:style>
-                  <p:txBody>
-                    <a:bodyPr rtlCol="0" anchor="ctr"/>
-                    <a:lstStyle/>
-                    <a:p>
-                      <a:pPr algn="ctr"/>
-                      <a:endParaRPr lang="de-DE"/>
-                    </a:p>
-                  </p:txBody>
-                </p:sp>
-                <p:sp>
-                  <p:nvSpPr>
-                    <p:cNvPr id="262" name="Ellipse 261"/>
-                    <p:cNvSpPr/>
-                    <p:nvPr/>
-                  </p:nvSpPr>
-                  <p:spPr>
-                    <a:xfrm>
-                      <a:off x="2836192" y="2227878"/>
-                      <a:ext cx="230539" cy="228599"/>
-                    </a:xfrm>
-                    <a:prstGeom prst="ellipse">
-                      <a:avLst/>
-                    </a:prstGeom>
-                    <a:noFill/>
-                    <a:ln w="38100">
-                      <a:solidFill>
-                        <a:schemeClr val="bg1"/>
-                      </a:solidFill>
-                    </a:ln>
-                  </p:spPr>
-                  <p:style>
-                    <a:lnRef idx="2">
-                      <a:schemeClr val="accent1">
-                        <a:shade val="50000"/>
-                      </a:schemeClr>
-                    </a:lnRef>
-                    <a:fillRef idx="1">
-                      <a:schemeClr val="accent1"/>
-                    </a:fillRef>
-                    <a:effectRef idx="0">
-                      <a:schemeClr val="accent1"/>
-                    </a:effectRef>
-                    <a:fontRef idx="minor">
-                      <a:schemeClr val="lt1"/>
-                    </a:fontRef>
-                  </p:style>
-                  <p:txBody>
-                    <a:bodyPr rtlCol="0" anchor="ctr"/>
-                    <a:lstStyle/>
-                    <a:p>
-                      <a:pPr algn="ctr"/>
-                      <a:endParaRPr lang="de-DE"/>
-                    </a:p>
-                  </p:txBody>
-                </p:sp>
-                <p:cxnSp>
-                  <p:nvCxnSpPr>
-                    <p:cNvPr id="263" name="Gerader Verbinder 262"/>
-                    <p:cNvCxnSpPr>
-                      <a:endCxn id="262" idx="2"/>
-                    </p:cNvCxnSpPr>
-                    <p:nvPr/>
-                  </p:nvCxnSpPr>
-                  <p:spPr>
-                    <a:xfrm flipV="1">
-                      <a:off x="2607267" y="2342178"/>
-                      <a:ext cx="228925" cy="1"/>
-                    </a:xfrm>
-                    <a:prstGeom prst="line">
-                      <a:avLst/>
-                    </a:prstGeom>
-                    <a:grpFill/>
-                    <a:ln w="38100">
-                      <a:solidFill>
-                        <a:schemeClr val="bg1"/>
-                      </a:solidFill>
-                    </a:ln>
-                  </p:spPr>
-                  <p:style>
-                    <a:lnRef idx="1">
-                      <a:schemeClr val="dk1"/>
-                    </a:lnRef>
-                    <a:fillRef idx="0">
-                      <a:schemeClr val="dk1"/>
-                    </a:fillRef>
-                    <a:effectRef idx="0">
-                      <a:schemeClr val="dk1"/>
-                    </a:effectRef>
-                    <a:fontRef idx="minor">
-                      <a:schemeClr val="tx1"/>
-                    </a:fontRef>
-                  </p:style>
-                </p:cxnSp>
-                <p:cxnSp>
-                  <p:nvCxnSpPr>
-                    <p:cNvPr id="264" name="Gerader Verbinder 263"/>
-                    <p:cNvCxnSpPr/>
-                    <p:nvPr/>
-                  </p:nvCxnSpPr>
-                  <p:spPr>
-                    <a:xfrm>
-                      <a:off x="2836192" y="2071730"/>
-                      <a:ext cx="115269" cy="251981"/>
-                    </a:xfrm>
-                    <a:prstGeom prst="line">
-                      <a:avLst/>
-                    </a:prstGeom>
-                    <a:grpFill/>
-                    <a:ln w="38100">
-                      <a:solidFill>
-                        <a:schemeClr val="bg1"/>
-                      </a:solidFill>
-                    </a:ln>
-                  </p:spPr>
-                  <p:style>
-                    <a:lnRef idx="1">
-                      <a:schemeClr val="dk1"/>
-                    </a:lnRef>
-                    <a:fillRef idx="0">
-                      <a:schemeClr val="dk1"/>
-                    </a:fillRef>
-                    <a:effectRef idx="0">
-                      <a:schemeClr val="dk1"/>
-                    </a:effectRef>
-                    <a:fontRef idx="minor">
-                      <a:schemeClr val="tx1"/>
-                    </a:fontRef>
-                  </p:style>
-                </p:cxnSp>
-                <p:cxnSp>
-                  <p:nvCxnSpPr>
-                    <p:cNvPr id="265" name="Gerader Verbinder 264"/>
-                    <p:cNvCxnSpPr/>
-                    <p:nvPr/>
-                  </p:nvCxnSpPr>
-                  <p:spPr>
-                    <a:xfrm flipH="1" flipV="1">
-                      <a:off x="2688957" y="2114292"/>
-                      <a:ext cx="86198" cy="227886"/>
-                    </a:xfrm>
-                    <a:prstGeom prst="line">
-                      <a:avLst/>
-                    </a:prstGeom>
-                    <a:grpFill/>
-                    <a:ln w="38100">
-                      <a:solidFill>
-                        <a:schemeClr val="bg1"/>
-                      </a:solidFill>
-                    </a:ln>
-                  </p:spPr>
-                  <p:style>
-                    <a:lnRef idx="1">
-                      <a:schemeClr val="dk1"/>
-                    </a:lnRef>
-                    <a:fillRef idx="0">
-                      <a:schemeClr val="dk1"/>
-                    </a:fillRef>
-                    <a:effectRef idx="0">
-                      <a:schemeClr val="dk1"/>
-                    </a:effectRef>
-                    <a:fontRef idx="minor">
-                      <a:schemeClr val="tx1"/>
-                    </a:fontRef>
-                  </p:style>
-                </p:cxnSp>
-                <p:cxnSp>
-                  <p:nvCxnSpPr>
-                    <p:cNvPr id="266" name="Gerader Verbinder 265"/>
-                    <p:cNvCxnSpPr/>
-                    <p:nvPr/>
-                  </p:nvCxnSpPr>
-                  <p:spPr>
-                    <a:xfrm flipV="1">
-                      <a:off x="2749418" y="2287948"/>
-                      <a:ext cx="40067" cy="104621"/>
-                    </a:xfrm>
-                    <a:prstGeom prst="line">
-                      <a:avLst/>
-                    </a:prstGeom>
-                    <a:grpFill/>
-                    <a:ln w="38100">
-                      <a:solidFill>
-                        <a:schemeClr val="bg1"/>
-                      </a:solidFill>
-                    </a:ln>
-                  </p:spPr>
-                  <p:style>
-                    <a:lnRef idx="1">
-                      <a:schemeClr val="dk1"/>
-                    </a:lnRef>
-                    <a:fillRef idx="0">
-                      <a:schemeClr val="dk1"/>
-                    </a:fillRef>
-                    <a:effectRef idx="0">
-                      <a:schemeClr val="dk1"/>
-                    </a:effectRef>
-                    <a:fontRef idx="minor">
-                      <a:schemeClr val="tx1"/>
-                    </a:fontRef>
-                  </p:style>
-                </p:cxnSp>
-                <p:cxnSp>
-                  <p:nvCxnSpPr>
-                    <p:cNvPr id="267" name="Gerader Verbinder 266"/>
-                    <p:cNvCxnSpPr/>
-                    <p:nvPr/>
-                  </p:nvCxnSpPr>
-                  <p:spPr>
-                    <a:xfrm flipH="1">
-                      <a:off x="2789277" y="2031897"/>
-                      <a:ext cx="93830" cy="95237"/>
-                    </a:xfrm>
-                    <a:prstGeom prst="line">
-                      <a:avLst/>
-                    </a:prstGeom>
-                    <a:grpFill/>
-                    <a:ln w="38100">
-                      <a:solidFill>
-                        <a:schemeClr val="bg1"/>
-                      </a:solidFill>
-                    </a:ln>
-                  </p:spPr>
-                  <p:style>
-                    <a:lnRef idx="1">
-                      <a:schemeClr val="dk1"/>
-                    </a:lnRef>
-                    <a:fillRef idx="0">
-                      <a:schemeClr val="dk1"/>
-                    </a:fillRef>
-                    <a:effectRef idx="0">
-                      <a:schemeClr val="dk1"/>
-                    </a:effectRef>
-                    <a:fontRef idx="minor">
-                      <a:schemeClr val="tx1"/>
-                    </a:fontRef>
-                  </p:style>
-                </p:cxnSp>
-              </p:grpSp>
-              <p:sp>
-                <p:nvSpPr>
-                  <p:cNvPr id="260" name="Ellipse 259"/>
-                  <p:cNvSpPr/>
-                  <p:nvPr/>
-                </p:nvSpPr>
-                <p:spPr>
-                  <a:xfrm>
-                    <a:off x="2665878" y="2104445"/>
-                    <a:ext cx="68163" cy="45719"/>
-                  </a:xfrm>
-                  <a:prstGeom prst="ellipse">
-                    <a:avLst/>
-                  </a:prstGeom>
-                  <a:grpFill/>
-                  <a:ln w="38100">
-                    <a:solidFill>
-                      <a:schemeClr val="bg1"/>
-                    </a:solidFill>
-                  </a:ln>
-                </p:spPr>
-                <p:style>
-                  <a:lnRef idx="2">
-                    <a:schemeClr val="dk1">
-                      <a:shade val="50000"/>
-                    </a:schemeClr>
-                  </a:lnRef>
-                  <a:fillRef idx="1">
-                    <a:schemeClr val="dk1"/>
-                  </a:fillRef>
-                  <a:effectRef idx="0">
-                    <a:schemeClr val="dk1"/>
-                  </a:effectRef>
-                  <a:fontRef idx="minor">
-                    <a:schemeClr val="lt1"/>
-                  </a:fontRef>
-                </p:style>
-                <p:txBody>
-                  <a:bodyPr rtlCol="0" anchor="ctr"/>
-                  <a:lstStyle/>
-                  <a:p>
-                    <a:pPr algn="ctr"/>
-                    <a:endParaRPr lang="de-DE"/>
-                  </a:p>
-                </p:txBody>
-              </p:sp>
-            </p:grpSp>
-            <p:grpSp>
-              <p:nvGrpSpPr>
-                <p:cNvPr id="234" name="Gruppieren 233"/>
-                <p:cNvGrpSpPr/>
-                <p:nvPr/>
-              </p:nvGrpSpPr>
-              <p:grpSpPr>
-                <a:xfrm>
-                  <a:off x="8601604" y="3576030"/>
-                  <a:ext cx="815082" cy="604623"/>
-                  <a:chOff x="2491998" y="2031897"/>
-                  <a:chExt cx="574733" cy="428457"/>
-                </a:xfrm>
-                <a:solidFill>
-                  <a:schemeClr val="bg1"/>
-                </a:solidFill>
-              </p:grpSpPr>
-              <p:grpSp>
-                <p:nvGrpSpPr>
-                  <p:cNvPr id="250" name="Gruppieren 249"/>
-                  <p:cNvGrpSpPr/>
-                  <p:nvPr/>
-                </p:nvGrpSpPr>
-                <p:grpSpPr>
-                  <a:xfrm>
-                    <a:off x="2491998" y="2031897"/>
-                    <a:ext cx="574733" cy="428457"/>
-                    <a:chOff x="2491998" y="2031897"/>
-                    <a:chExt cx="574733" cy="428457"/>
-                  </a:xfrm>
-                  <a:grpFill/>
-                </p:grpSpPr>
-                <p:sp>
-                  <p:nvSpPr>
-                    <p:cNvPr id="252" name="Ellipse 251"/>
-                    <p:cNvSpPr/>
-                    <p:nvPr/>
-                  </p:nvSpPr>
-                  <p:spPr>
-                    <a:xfrm>
-                      <a:off x="2491998" y="2231755"/>
-                      <a:ext cx="230539" cy="228599"/>
-                    </a:xfrm>
-                    <a:prstGeom prst="ellipse">
-                      <a:avLst/>
-                    </a:prstGeom>
-                    <a:noFill/>
-                    <a:ln w="38100">
-                      <a:solidFill>
-                        <a:schemeClr val="bg1"/>
-                      </a:solidFill>
-                    </a:ln>
-                  </p:spPr>
-                  <p:style>
-                    <a:lnRef idx="2">
-                      <a:schemeClr val="accent1">
-                        <a:shade val="50000"/>
-                      </a:schemeClr>
-                    </a:lnRef>
-                    <a:fillRef idx="1">
-                      <a:schemeClr val="accent1"/>
-                    </a:fillRef>
-                    <a:effectRef idx="0">
-                      <a:schemeClr val="accent1"/>
-                    </a:effectRef>
-                    <a:fontRef idx="minor">
-                      <a:schemeClr val="lt1"/>
-                    </a:fontRef>
-                  </p:style>
-                  <p:txBody>
-                    <a:bodyPr rtlCol="0" anchor="ctr"/>
-                    <a:lstStyle/>
-                    <a:p>
-                      <a:pPr algn="ctr"/>
-                      <a:endParaRPr lang="de-DE"/>
-                    </a:p>
-                  </p:txBody>
-                </p:sp>
-                <p:sp>
-                  <p:nvSpPr>
-                    <p:cNvPr id="253" name="Ellipse 252"/>
-                    <p:cNvSpPr/>
-                    <p:nvPr/>
-                  </p:nvSpPr>
-                  <p:spPr>
-                    <a:xfrm>
-                      <a:off x="2836192" y="2227878"/>
-                      <a:ext cx="230539" cy="228599"/>
-                    </a:xfrm>
-                    <a:prstGeom prst="ellipse">
-                      <a:avLst/>
-                    </a:prstGeom>
-                    <a:noFill/>
-                    <a:ln w="38100">
-                      <a:solidFill>
-                        <a:schemeClr val="bg1"/>
-                      </a:solidFill>
-                    </a:ln>
-                  </p:spPr>
-                  <p:style>
-                    <a:lnRef idx="2">
-                      <a:schemeClr val="accent1">
-                        <a:shade val="50000"/>
-                      </a:schemeClr>
-                    </a:lnRef>
-                    <a:fillRef idx="1">
-                      <a:schemeClr val="accent1"/>
-                    </a:fillRef>
-                    <a:effectRef idx="0">
-                      <a:schemeClr val="accent1"/>
-                    </a:effectRef>
-                    <a:fontRef idx="minor">
-                      <a:schemeClr val="lt1"/>
-                    </a:fontRef>
-                  </p:style>
-                  <p:txBody>
-                    <a:bodyPr rtlCol="0" anchor="ctr"/>
-                    <a:lstStyle/>
-                    <a:p>
-                      <a:pPr algn="ctr"/>
-                      <a:endParaRPr lang="de-DE"/>
-                    </a:p>
-                  </p:txBody>
-                </p:sp>
-                <p:cxnSp>
-                  <p:nvCxnSpPr>
-                    <p:cNvPr id="254" name="Gerader Verbinder 253"/>
-                    <p:cNvCxnSpPr>
-                      <a:endCxn id="253" idx="2"/>
-                    </p:cNvCxnSpPr>
-                    <p:nvPr/>
-                  </p:nvCxnSpPr>
-                  <p:spPr>
-                    <a:xfrm flipV="1">
-                      <a:off x="2607267" y="2342178"/>
-                      <a:ext cx="228925" cy="1"/>
-                    </a:xfrm>
-                    <a:prstGeom prst="line">
-                      <a:avLst/>
-                    </a:prstGeom>
-                    <a:grpFill/>
-                    <a:ln w="38100">
-                      <a:solidFill>
-                        <a:schemeClr val="bg1"/>
-                      </a:solidFill>
-                    </a:ln>
-                  </p:spPr>
-                  <p:style>
-                    <a:lnRef idx="1">
-                      <a:schemeClr val="dk1"/>
-                    </a:lnRef>
-                    <a:fillRef idx="0">
-                      <a:schemeClr val="dk1"/>
-                    </a:fillRef>
-                    <a:effectRef idx="0">
-                      <a:schemeClr val="dk1"/>
-                    </a:effectRef>
-                    <a:fontRef idx="minor">
-                      <a:schemeClr val="tx1"/>
-                    </a:fontRef>
-                  </p:style>
-                </p:cxnSp>
-                <p:cxnSp>
-                  <p:nvCxnSpPr>
-                    <p:cNvPr id="255" name="Gerader Verbinder 254"/>
-                    <p:cNvCxnSpPr/>
-                    <p:nvPr/>
-                  </p:nvCxnSpPr>
-                  <p:spPr>
-                    <a:xfrm>
-                      <a:off x="2836192" y="2071730"/>
-                      <a:ext cx="115269" cy="251981"/>
-                    </a:xfrm>
-                    <a:prstGeom prst="line">
-                      <a:avLst/>
-                    </a:prstGeom>
-                    <a:grpFill/>
-                    <a:ln w="38100">
-                      <a:solidFill>
-                        <a:schemeClr val="bg1"/>
-                      </a:solidFill>
-                    </a:ln>
-                  </p:spPr>
-                  <p:style>
-                    <a:lnRef idx="1">
-                      <a:schemeClr val="dk1"/>
-                    </a:lnRef>
-                    <a:fillRef idx="0">
-                      <a:schemeClr val="dk1"/>
-                    </a:fillRef>
-                    <a:effectRef idx="0">
-                      <a:schemeClr val="dk1"/>
-                    </a:effectRef>
-                    <a:fontRef idx="minor">
-                      <a:schemeClr val="tx1"/>
-                    </a:fontRef>
-                  </p:style>
-                </p:cxnSp>
-                <p:cxnSp>
-                  <p:nvCxnSpPr>
-                    <p:cNvPr id="256" name="Gerader Verbinder 255"/>
-                    <p:cNvCxnSpPr/>
-                    <p:nvPr/>
-                  </p:nvCxnSpPr>
-                  <p:spPr>
-                    <a:xfrm flipH="1" flipV="1">
-                      <a:off x="2688957" y="2114292"/>
-                      <a:ext cx="86198" cy="227886"/>
-                    </a:xfrm>
-                    <a:prstGeom prst="line">
-                      <a:avLst/>
-                    </a:prstGeom>
-                    <a:grpFill/>
-                    <a:ln w="38100">
-                      <a:solidFill>
-                        <a:schemeClr val="bg1"/>
-                      </a:solidFill>
-                    </a:ln>
-                  </p:spPr>
-                  <p:style>
-                    <a:lnRef idx="1">
-                      <a:schemeClr val="dk1"/>
-                    </a:lnRef>
-                    <a:fillRef idx="0">
-                      <a:schemeClr val="dk1"/>
-                    </a:fillRef>
-                    <a:effectRef idx="0">
-                      <a:schemeClr val="dk1"/>
-                    </a:effectRef>
-                    <a:fontRef idx="minor">
-                      <a:schemeClr val="tx1"/>
-                    </a:fontRef>
-                  </p:style>
-                </p:cxnSp>
-                <p:cxnSp>
-                  <p:nvCxnSpPr>
-                    <p:cNvPr id="257" name="Gerader Verbinder 256"/>
-                    <p:cNvCxnSpPr/>
-                    <p:nvPr/>
-                  </p:nvCxnSpPr>
-                  <p:spPr>
-                    <a:xfrm flipV="1">
-                      <a:off x="2749418" y="2287948"/>
-                      <a:ext cx="40067" cy="104621"/>
-                    </a:xfrm>
-                    <a:prstGeom prst="line">
-                      <a:avLst/>
-                    </a:prstGeom>
-                    <a:grpFill/>
-                    <a:ln w="38100">
-                      <a:solidFill>
-                        <a:schemeClr val="bg1"/>
-                      </a:solidFill>
-                    </a:ln>
-                  </p:spPr>
-                  <p:style>
-                    <a:lnRef idx="1">
-                      <a:schemeClr val="dk1"/>
-                    </a:lnRef>
-                    <a:fillRef idx="0">
-                      <a:schemeClr val="dk1"/>
-                    </a:fillRef>
-                    <a:effectRef idx="0">
-                      <a:schemeClr val="dk1"/>
-                    </a:effectRef>
-                    <a:fontRef idx="minor">
-                      <a:schemeClr val="tx1"/>
-                    </a:fontRef>
-                  </p:style>
-                </p:cxnSp>
-                <p:cxnSp>
-                  <p:nvCxnSpPr>
-                    <p:cNvPr id="258" name="Gerader Verbinder 257"/>
-                    <p:cNvCxnSpPr/>
-                    <p:nvPr/>
-                  </p:nvCxnSpPr>
-                  <p:spPr>
-                    <a:xfrm flipH="1">
-                      <a:off x="2789277" y="2031897"/>
-                      <a:ext cx="93830" cy="95237"/>
-                    </a:xfrm>
-                    <a:prstGeom prst="line">
-                      <a:avLst/>
-                    </a:prstGeom>
-                    <a:grpFill/>
-                    <a:ln w="38100">
-                      <a:solidFill>
-                        <a:schemeClr val="bg1"/>
-                      </a:solidFill>
-                    </a:ln>
-                  </p:spPr>
-                  <p:style>
-                    <a:lnRef idx="1">
-                      <a:schemeClr val="dk1"/>
-                    </a:lnRef>
-                    <a:fillRef idx="0">
-                      <a:schemeClr val="dk1"/>
-                    </a:fillRef>
-                    <a:effectRef idx="0">
-                      <a:schemeClr val="dk1"/>
-                    </a:effectRef>
-                    <a:fontRef idx="minor">
-                      <a:schemeClr val="tx1"/>
-                    </a:fontRef>
-                  </p:style>
-                </p:cxnSp>
-              </p:grpSp>
-              <p:sp>
-                <p:nvSpPr>
-                  <p:cNvPr id="251" name="Ellipse 250"/>
-                  <p:cNvSpPr/>
-                  <p:nvPr/>
-                </p:nvSpPr>
-                <p:spPr>
-                  <a:xfrm>
-                    <a:off x="2665878" y="2104445"/>
-                    <a:ext cx="68163" cy="45719"/>
-                  </a:xfrm>
-                  <a:prstGeom prst="ellipse">
-                    <a:avLst/>
-                  </a:prstGeom>
-                  <a:grpFill/>
-                  <a:ln w="38100">
-                    <a:solidFill>
-                      <a:schemeClr val="bg1"/>
-                    </a:solidFill>
-                  </a:ln>
-                </p:spPr>
-                <p:style>
-                  <a:lnRef idx="2">
-                    <a:schemeClr val="dk1">
-                      <a:shade val="50000"/>
-                    </a:schemeClr>
-                  </a:lnRef>
-                  <a:fillRef idx="1">
-                    <a:schemeClr val="dk1"/>
-                  </a:fillRef>
-                  <a:effectRef idx="0">
-                    <a:schemeClr val="dk1"/>
-                  </a:effectRef>
-                  <a:fontRef idx="minor">
-                    <a:schemeClr val="lt1"/>
-                  </a:fontRef>
-                </p:style>
-                <p:txBody>
-                  <a:bodyPr rtlCol="0" anchor="ctr"/>
-                  <a:lstStyle/>
-                  <a:p>
-                    <a:pPr algn="ctr"/>
-                    <a:endParaRPr lang="de-DE"/>
-                  </a:p>
-                </p:txBody>
-              </p:sp>
-            </p:grpSp>
-            <p:sp>
-              <p:nvSpPr>
-                <p:cNvPr id="235" name="Gewitterblitz 234"/>
-                <p:cNvSpPr/>
-                <p:nvPr/>
-              </p:nvSpPr>
-              <p:spPr>
-                <a:xfrm>
-                  <a:off x="3630100" y="2608167"/>
-                  <a:ext cx="332329" cy="443327"/>
-                </a:xfrm>
-                <a:prstGeom prst="lightningBolt">
-                  <a:avLst/>
-                </a:prstGeom>
-                <a:solidFill>
-                  <a:srgbClr val="FF0000"/>
-                </a:solidFill>
-                <a:ln>
-                  <a:solidFill>
-                    <a:schemeClr val="bg1"/>
-                  </a:solidFill>
-                </a:ln>
-              </p:spPr>
-              <p:style>
-                <a:lnRef idx="2">
-                  <a:schemeClr val="accent1">
-                    <a:shade val="50000"/>
-                  </a:schemeClr>
-                </a:lnRef>
-                <a:fillRef idx="1">
-                  <a:schemeClr val="accent1"/>
-                </a:fillRef>
-                <a:effectRef idx="0">
-                  <a:schemeClr val="accent1"/>
-                </a:effectRef>
-                <a:fontRef idx="minor">
-                  <a:schemeClr val="lt1"/>
-                </a:fontRef>
-              </p:style>
-              <p:txBody>
-                <a:bodyPr rtlCol="0" anchor="ctr"/>
-                <a:lstStyle/>
-                <a:p>
-                  <a:pPr algn="ctr"/>
-                  <a:endParaRPr lang="de-DE"/>
-                </a:p>
-              </p:txBody>
-            </p:sp>
-            <p:sp>
-              <p:nvSpPr>
-                <p:cNvPr id="236" name="Gewitterblitz 235"/>
-                <p:cNvSpPr/>
-                <p:nvPr/>
-              </p:nvSpPr>
-              <p:spPr>
-                <a:xfrm>
-                  <a:off x="5622252" y="2608167"/>
-                  <a:ext cx="332329" cy="443327"/>
-                </a:xfrm>
-                <a:prstGeom prst="lightningBolt">
-                  <a:avLst/>
-                </a:prstGeom>
-                <a:solidFill>
-                  <a:srgbClr val="FF0000"/>
-                </a:solidFill>
-                <a:ln>
-                  <a:solidFill>
-                    <a:schemeClr val="bg1"/>
-                  </a:solidFill>
-                </a:ln>
-              </p:spPr>
-              <p:style>
-                <a:lnRef idx="2">
-                  <a:schemeClr val="accent1">
-                    <a:shade val="50000"/>
-                  </a:schemeClr>
-                </a:lnRef>
-                <a:fillRef idx="1">
-                  <a:schemeClr val="accent1"/>
-                </a:fillRef>
-                <a:effectRef idx="0">
-                  <a:schemeClr val="accent1"/>
-                </a:effectRef>
-                <a:fontRef idx="minor">
-                  <a:schemeClr val="lt1"/>
-                </a:fontRef>
-              </p:style>
-              <p:txBody>
-                <a:bodyPr rtlCol="0" anchor="ctr"/>
-                <a:lstStyle/>
-                <a:p>
-                  <a:pPr algn="ctr"/>
-                  <a:endParaRPr lang="de-DE"/>
-                </a:p>
-              </p:txBody>
-            </p:sp>
-            <p:sp>
-              <p:nvSpPr>
-                <p:cNvPr id="237" name="Gewitterblitz 236"/>
-                <p:cNvSpPr/>
-                <p:nvPr/>
-              </p:nvSpPr>
-              <p:spPr>
-                <a:xfrm>
-                  <a:off x="7732202" y="2608167"/>
-                  <a:ext cx="332329" cy="443327"/>
-                </a:xfrm>
-                <a:prstGeom prst="lightningBolt">
-                  <a:avLst/>
-                </a:prstGeom>
-                <a:solidFill>
-                  <a:srgbClr val="FF0000"/>
-                </a:solidFill>
-                <a:ln>
-                  <a:solidFill>
-                    <a:schemeClr val="bg1"/>
-                  </a:solidFill>
-                </a:ln>
-              </p:spPr>
-              <p:style>
-                <a:lnRef idx="2">
-                  <a:schemeClr val="accent1">
-                    <a:shade val="50000"/>
-                  </a:schemeClr>
-                </a:lnRef>
-                <a:fillRef idx="1">
-                  <a:schemeClr val="accent1"/>
-                </a:fillRef>
-                <a:effectRef idx="0">
-                  <a:schemeClr val="accent1"/>
-                </a:effectRef>
-                <a:fontRef idx="minor">
-                  <a:schemeClr val="lt1"/>
-                </a:fontRef>
-              </p:style>
-              <p:txBody>
-                <a:bodyPr rtlCol="0" anchor="ctr"/>
-                <a:lstStyle/>
-                <a:p>
-                  <a:pPr algn="ctr"/>
-                  <a:endParaRPr lang="de-DE"/>
-                </a:p>
-              </p:txBody>
-            </p:sp>
-            <p:sp>
-              <p:nvSpPr>
-                <p:cNvPr id="238" name="Gewitterblitz 237"/>
-                <p:cNvSpPr/>
-                <p:nvPr/>
-              </p:nvSpPr>
-              <p:spPr>
-                <a:xfrm>
-                  <a:off x="9793530" y="2608167"/>
-                  <a:ext cx="332329" cy="443327"/>
-                </a:xfrm>
-                <a:prstGeom prst="lightningBolt">
-                  <a:avLst/>
-                </a:prstGeom>
-                <a:solidFill>
-                  <a:srgbClr val="FF0000"/>
-                </a:solidFill>
-                <a:ln>
-                  <a:solidFill>
-                    <a:schemeClr val="bg1"/>
-                  </a:solidFill>
-                </a:ln>
-              </p:spPr>
-              <p:style>
-                <a:lnRef idx="2">
-                  <a:schemeClr val="accent1">
-                    <a:shade val="50000"/>
-                  </a:schemeClr>
-                </a:lnRef>
-                <a:fillRef idx="1">
-                  <a:schemeClr val="accent1"/>
-                </a:fillRef>
-                <a:effectRef idx="0">
-                  <a:schemeClr val="accent1"/>
-                </a:effectRef>
-                <a:fontRef idx="minor">
-                  <a:schemeClr val="lt1"/>
-                </a:fontRef>
-              </p:style>
-              <p:txBody>
-                <a:bodyPr rtlCol="0" anchor="ctr"/>
-                <a:lstStyle/>
-                <a:p>
-                  <a:pPr algn="ctr"/>
-                  <a:endParaRPr lang="de-DE"/>
-                </a:p>
-              </p:txBody>
-            </p:sp>
-            <p:sp>
-              <p:nvSpPr>
-                <p:cNvPr id="239" name="Textfeld 238"/>
-                <p:cNvSpPr txBox="1"/>
-                <p:nvPr/>
-              </p:nvSpPr>
-              <p:spPr>
-                <a:xfrm>
-                  <a:off x="2254250" y="4582519"/>
-                  <a:ext cx="1064260" cy="369332"/>
-                </a:xfrm>
-                <a:prstGeom prst="rect">
-                  <a:avLst/>
-                </a:prstGeom>
-                <a:noFill/>
-              </p:spPr>
-              <p:txBody>
-                <a:bodyPr wrap="square" rtlCol="0">
-                  <a:spAutoFit/>
-                </a:bodyPr>
-                <a:lstStyle/>
-                <a:p>
-                  <a:r>
-                    <a:rPr lang="de-DE" dirty="0" smtClean="0">
-                      <a:solidFill>
-                        <a:schemeClr val="bg1"/>
-                      </a:solidFill>
-                    </a:rPr>
-                    <a:t>5 min</a:t>
-                  </a:r>
-                  <a:endParaRPr lang="de-DE" dirty="0">
-                    <a:solidFill>
-                      <a:schemeClr val="bg1"/>
-                    </a:solidFill>
-                  </a:endParaRPr>
-                </a:p>
-              </p:txBody>
-            </p:sp>
-            <p:sp>
-              <p:nvSpPr>
-                <p:cNvPr id="240" name="Textfeld 239"/>
-                <p:cNvSpPr txBox="1"/>
-                <p:nvPr/>
-              </p:nvSpPr>
-              <p:spPr>
-                <a:xfrm>
-                  <a:off x="4412093" y="4582519"/>
-                  <a:ext cx="1064260" cy="369332"/>
-                </a:xfrm>
-                <a:prstGeom prst="rect">
-                  <a:avLst/>
-                </a:prstGeom>
-                <a:noFill/>
-              </p:spPr>
-              <p:txBody>
-                <a:bodyPr wrap="square" rtlCol="0">
-                  <a:spAutoFit/>
-                </a:bodyPr>
-                <a:lstStyle/>
-                <a:p>
-                  <a:r>
-                    <a:rPr lang="de-DE" dirty="0" smtClean="0">
-                      <a:solidFill>
-                        <a:schemeClr val="bg1"/>
-                      </a:solidFill>
-                    </a:rPr>
-                    <a:t>5 min</a:t>
-                  </a:r>
-                  <a:endParaRPr lang="de-DE" dirty="0">
-                    <a:solidFill>
-                      <a:schemeClr val="bg1"/>
-                    </a:solidFill>
-                  </a:endParaRPr>
-                </a:p>
-              </p:txBody>
-            </p:sp>
-            <p:sp>
-              <p:nvSpPr>
-                <p:cNvPr id="241" name="Textfeld 240"/>
-                <p:cNvSpPr txBox="1"/>
-                <p:nvPr/>
-              </p:nvSpPr>
-              <p:spPr>
-                <a:xfrm>
-                  <a:off x="6569936" y="4582519"/>
-                  <a:ext cx="1064260" cy="369332"/>
-                </a:xfrm>
-                <a:prstGeom prst="rect">
-                  <a:avLst/>
-                </a:prstGeom>
-                <a:noFill/>
-              </p:spPr>
-              <p:txBody>
-                <a:bodyPr wrap="square" rtlCol="0">
-                  <a:spAutoFit/>
-                </a:bodyPr>
-                <a:lstStyle/>
-                <a:p>
-                  <a:r>
-                    <a:rPr lang="de-DE" dirty="0" smtClean="0">
-                      <a:solidFill>
-                        <a:schemeClr val="bg1"/>
-                      </a:solidFill>
-                    </a:rPr>
-                    <a:t>5 min</a:t>
-                  </a:r>
-                  <a:endParaRPr lang="de-DE" dirty="0">
-                    <a:solidFill>
-                      <a:schemeClr val="bg1"/>
-                    </a:solidFill>
-                  </a:endParaRPr>
-                </a:p>
-              </p:txBody>
-            </p:sp>
-            <p:sp>
-              <p:nvSpPr>
-                <p:cNvPr id="242" name="Textfeld 241"/>
-                <p:cNvSpPr txBox="1"/>
-                <p:nvPr/>
-              </p:nvSpPr>
-              <p:spPr>
-                <a:xfrm>
-                  <a:off x="8727778" y="4582519"/>
-                  <a:ext cx="1064260" cy="369332"/>
-                </a:xfrm>
-                <a:prstGeom prst="rect">
-                  <a:avLst/>
-                </a:prstGeom>
-                <a:noFill/>
-              </p:spPr>
-              <p:txBody>
-                <a:bodyPr wrap="square" rtlCol="0">
-                  <a:spAutoFit/>
-                </a:bodyPr>
-                <a:lstStyle/>
-                <a:p>
-                  <a:r>
-                    <a:rPr lang="de-DE" dirty="0" smtClean="0">
-                      <a:solidFill>
-                        <a:schemeClr val="bg1"/>
-                      </a:solidFill>
-                    </a:rPr>
-                    <a:t>5 min</a:t>
-                  </a:r>
-                  <a:endParaRPr lang="de-DE" dirty="0">
-                    <a:solidFill>
-                      <a:schemeClr val="bg1"/>
-                    </a:solidFill>
-                  </a:endParaRPr>
-                </a:p>
-              </p:txBody>
-            </p:sp>
-            <p:sp>
-              <p:nvSpPr>
-                <p:cNvPr id="243" name="Rechteck 242"/>
-                <p:cNvSpPr/>
-                <p:nvPr/>
-              </p:nvSpPr>
-              <p:spPr>
-                <a:xfrm>
-                  <a:off x="4341373" y="2486283"/>
-                  <a:ext cx="996950" cy="2061582"/>
-                </a:xfrm>
-                <a:prstGeom prst="rect">
-                  <a:avLst/>
-                </a:prstGeom>
-                <a:noFill/>
-                <a:ln w="57150">
-                  <a:solidFill>
-                    <a:schemeClr val="bg1"/>
-                  </a:solidFill>
-                  <a:prstDash val="sysDot"/>
-                </a:ln>
-              </p:spPr>
-              <p:style>
-                <a:lnRef idx="2">
-                  <a:schemeClr val="accent1">
-                    <a:shade val="50000"/>
-                  </a:schemeClr>
-                </a:lnRef>
-                <a:fillRef idx="1">
-                  <a:schemeClr val="accent1"/>
-                </a:fillRef>
-                <a:effectRef idx="0">
-                  <a:schemeClr val="accent1"/>
-                </a:effectRef>
-                <a:fontRef idx="minor">
-                  <a:schemeClr val="lt1"/>
-                </a:fontRef>
-              </p:style>
-              <p:txBody>
-                <a:bodyPr rtlCol="0" anchor="ctr"/>
-                <a:lstStyle/>
-                <a:p>
-                  <a:pPr algn="ctr"/>
-                  <a:endParaRPr lang="de-DE"/>
-                </a:p>
-              </p:txBody>
-            </p:sp>
-            <p:sp>
-              <p:nvSpPr>
-                <p:cNvPr id="244" name="Rechteck 243"/>
-                <p:cNvSpPr/>
-                <p:nvPr/>
-              </p:nvSpPr>
-              <p:spPr>
-                <a:xfrm>
-                  <a:off x="2268265" y="3240169"/>
-                  <a:ext cx="996950" cy="1308100"/>
-                </a:xfrm>
-                <a:prstGeom prst="rect">
-                  <a:avLst/>
-                </a:prstGeom>
-                <a:noFill/>
-                <a:ln w="57150">
-                  <a:solidFill>
-                    <a:schemeClr val="bg1"/>
-                  </a:solidFill>
-                </a:ln>
-              </p:spPr>
-              <p:style>
-                <a:lnRef idx="2">
-                  <a:schemeClr val="accent1">
-                    <a:shade val="50000"/>
-                  </a:schemeClr>
-                </a:lnRef>
-                <a:fillRef idx="1">
-                  <a:schemeClr val="accent1"/>
-                </a:fillRef>
-                <a:effectRef idx="0">
-                  <a:schemeClr val="accent1"/>
-                </a:effectRef>
-                <a:fontRef idx="minor">
-                  <a:schemeClr val="lt1"/>
-                </a:fontRef>
-              </p:style>
-              <p:txBody>
-                <a:bodyPr rtlCol="0" anchor="ctr"/>
-                <a:lstStyle/>
-                <a:p>
-                  <a:pPr algn="ctr"/>
-                  <a:endParaRPr lang="de-DE"/>
-                </a:p>
-              </p:txBody>
-            </p:sp>
-            <p:sp>
-              <p:nvSpPr>
-                <p:cNvPr id="245" name="Rechteck 244"/>
-                <p:cNvSpPr/>
-                <p:nvPr/>
-              </p:nvSpPr>
-              <p:spPr>
-                <a:xfrm>
-                  <a:off x="2268308" y="2486283"/>
-                  <a:ext cx="996950" cy="2061582"/>
-                </a:xfrm>
-                <a:prstGeom prst="rect">
-                  <a:avLst/>
-                </a:prstGeom>
-                <a:noFill/>
-                <a:ln w="57150">
-                  <a:solidFill>
-                    <a:schemeClr val="bg1"/>
-                  </a:solidFill>
-                  <a:prstDash val="sysDot"/>
-                </a:ln>
-              </p:spPr>
-              <p:style>
-                <a:lnRef idx="2">
-                  <a:schemeClr val="accent1">
-                    <a:shade val="50000"/>
-                  </a:schemeClr>
-                </a:lnRef>
-                <a:fillRef idx="1">
-                  <a:schemeClr val="accent1"/>
-                </a:fillRef>
-                <a:effectRef idx="0">
-                  <a:schemeClr val="accent1"/>
-                </a:effectRef>
-                <a:fontRef idx="minor">
-                  <a:schemeClr val="lt1"/>
-                </a:fontRef>
-              </p:style>
-              <p:txBody>
-                <a:bodyPr rtlCol="0" anchor="ctr"/>
-                <a:lstStyle/>
-                <a:p>
-                  <a:pPr algn="ctr"/>
-                  <a:endParaRPr lang="de-DE"/>
-                </a:p>
-              </p:txBody>
-            </p:sp>
-            <p:sp>
-              <p:nvSpPr>
-                <p:cNvPr id="246" name="Rechteck 245"/>
-                <p:cNvSpPr/>
-                <p:nvPr/>
-              </p:nvSpPr>
-              <p:spPr>
-                <a:xfrm>
-                  <a:off x="6443864" y="3210157"/>
-                  <a:ext cx="996950" cy="1308100"/>
-                </a:xfrm>
-                <a:prstGeom prst="rect">
-                  <a:avLst/>
-                </a:prstGeom>
-                <a:noFill/>
-                <a:ln w="57150">
-                  <a:solidFill>
-                    <a:schemeClr val="bg1"/>
-                  </a:solidFill>
-                </a:ln>
-              </p:spPr>
-              <p:style>
-                <a:lnRef idx="2">
-                  <a:schemeClr val="accent1">
-                    <a:shade val="50000"/>
-                  </a:schemeClr>
-                </a:lnRef>
-                <a:fillRef idx="1">
-                  <a:schemeClr val="accent1"/>
-                </a:fillRef>
-                <a:effectRef idx="0">
-                  <a:schemeClr val="accent1"/>
-                </a:effectRef>
-                <a:fontRef idx="minor">
-                  <a:schemeClr val="lt1"/>
-                </a:fontRef>
-              </p:style>
-              <p:txBody>
-                <a:bodyPr rtlCol="0" anchor="ctr"/>
-                <a:lstStyle/>
-                <a:p>
-                  <a:pPr algn="ctr"/>
-                  <a:endParaRPr lang="de-DE"/>
-                </a:p>
-              </p:txBody>
-            </p:sp>
-            <p:sp>
-              <p:nvSpPr>
-                <p:cNvPr id="247" name="Rechteck 246"/>
-                <p:cNvSpPr/>
-                <p:nvPr/>
-              </p:nvSpPr>
-              <p:spPr>
-                <a:xfrm>
-                  <a:off x="6443907" y="2486283"/>
-                  <a:ext cx="996950" cy="2061582"/>
-                </a:xfrm>
-                <a:prstGeom prst="rect">
-                  <a:avLst/>
-                </a:prstGeom>
-                <a:noFill/>
-                <a:ln w="57150">
-                  <a:solidFill>
-                    <a:schemeClr val="bg1"/>
-                  </a:solidFill>
-                  <a:prstDash val="sysDot"/>
-                </a:ln>
-              </p:spPr>
-              <p:style>
-                <a:lnRef idx="2">
-                  <a:schemeClr val="accent1">
-                    <a:shade val="50000"/>
-                  </a:schemeClr>
-                </a:lnRef>
-                <a:fillRef idx="1">
-                  <a:schemeClr val="accent1"/>
-                </a:fillRef>
-                <a:effectRef idx="0">
-                  <a:schemeClr val="accent1"/>
-                </a:effectRef>
-                <a:fontRef idx="minor">
-                  <a:schemeClr val="lt1"/>
-                </a:fontRef>
-              </p:style>
-              <p:txBody>
-                <a:bodyPr rtlCol="0" anchor="ctr"/>
-                <a:lstStyle/>
-                <a:p>
-                  <a:pPr algn="ctr"/>
-                  <a:endParaRPr lang="de-DE"/>
-                </a:p>
-              </p:txBody>
-            </p:sp>
-            <p:sp>
-              <p:nvSpPr>
-                <p:cNvPr id="248" name="Rechteck 247"/>
-                <p:cNvSpPr/>
-                <p:nvPr/>
-              </p:nvSpPr>
-              <p:spPr>
-                <a:xfrm>
-                  <a:off x="8501868" y="3232150"/>
-                  <a:ext cx="996950" cy="1308100"/>
-                </a:xfrm>
-                <a:prstGeom prst="rect">
-                  <a:avLst/>
-                </a:prstGeom>
-                <a:noFill/>
-                <a:ln w="57150">
-                  <a:solidFill>
-                    <a:schemeClr val="bg1"/>
-                  </a:solidFill>
-                </a:ln>
-              </p:spPr>
-              <p:style>
-                <a:lnRef idx="2">
-                  <a:schemeClr val="accent1">
-                    <a:shade val="50000"/>
-                  </a:schemeClr>
-                </a:lnRef>
-                <a:fillRef idx="1">
-                  <a:schemeClr val="accent1"/>
-                </a:fillRef>
-                <a:effectRef idx="0">
-                  <a:schemeClr val="accent1"/>
-                </a:effectRef>
-                <a:fontRef idx="minor">
-                  <a:schemeClr val="lt1"/>
-                </a:fontRef>
-              </p:style>
-              <p:txBody>
-                <a:bodyPr rtlCol="0" anchor="ctr"/>
-                <a:lstStyle/>
-                <a:p>
-                  <a:pPr algn="ctr"/>
-                  <a:endParaRPr lang="de-DE"/>
-                </a:p>
-              </p:txBody>
-            </p:sp>
-            <p:sp>
-              <p:nvSpPr>
-                <p:cNvPr id="249" name="Rechteck 248"/>
-                <p:cNvSpPr/>
-                <p:nvPr/>
-              </p:nvSpPr>
-              <p:spPr>
-                <a:xfrm>
-                  <a:off x="8504509" y="2486283"/>
-                  <a:ext cx="996950" cy="2061582"/>
-                </a:xfrm>
-                <a:prstGeom prst="rect">
-                  <a:avLst/>
-                </a:prstGeom>
-                <a:noFill/>
-                <a:ln w="57150">
-                  <a:solidFill>
-                    <a:schemeClr val="bg1"/>
-                  </a:solidFill>
-                  <a:prstDash val="sysDot"/>
-                </a:ln>
-              </p:spPr>
-              <p:style>
-                <a:lnRef idx="2">
-                  <a:schemeClr val="accent1">
-                    <a:shade val="50000"/>
-                  </a:schemeClr>
-                </a:lnRef>
-                <a:fillRef idx="1">
-                  <a:schemeClr val="accent1"/>
-                </a:fillRef>
-                <a:effectRef idx="0">
-                  <a:schemeClr val="accent1"/>
-                </a:effectRef>
-                <a:fontRef idx="minor">
-                  <a:schemeClr val="lt1"/>
-                </a:fontRef>
-              </p:style>
-              <p:txBody>
-                <a:bodyPr rtlCol="0" anchor="ctr"/>
-                <a:lstStyle/>
-                <a:p>
-                  <a:pPr algn="ctr"/>
-                  <a:endParaRPr lang="de-DE"/>
-                </a:p>
-              </p:txBody>
-            </p:sp>
-          </p:grpSp>
-        </p:grpSp>
-        <p:grpSp>
-          <p:nvGrpSpPr>
-            <p:cNvPr id="218" name="Gruppieren 217"/>
-            <p:cNvGrpSpPr/>
-            <p:nvPr/>
-          </p:nvGrpSpPr>
-          <p:grpSpPr>
-            <a:xfrm>
-              <a:off x="2345184" y="1948851"/>
-              <a:ext cx="7276683" cy="369332"/>
-              <a:chOff x="2345184" y="1948851"/>
-              <a:chExt cx="7276683" cy="369332"/>
-            </a:xfrm>
-          </p:grpSpPr>
-          <p:sp>
-            <p:nvSpPr>
-              <p:cNvPr id="219" name="Textfeld 218"/>
-              <p:cNvSpPr txBox="1"/>
-              <p:nvPr/>
-            </p:nvSpPr>
-            <p:spPr>
-              <a:xfrm>
-                <a:off x="2345184" y="1948851"/>
-                <a:ext cx="1064260" cy="369332"/>
-              </a:xfrm>
-              <a:prstGeom prst="rect">
-                <a:avLst/>
-              </a:prstGeom>
-              <a:noFill/>
-            </p:spPr>
-            <p:txBody>
-              <a:bodyPr wrap="square" rtlCol="0">
-                <a:spAutoFit/>
-              </a:bodyPr>
-              <a:lstStyle/>
-              <a:p>
-                <a:r>
-                  <a:rPr lang="de-DE" dirty="0" smtClean="0">
-                    <a:solidFill>
-                      <a:schemeClr val="bg1"/>
-                    </a:solidFill>
-                  </a:rPr>
-                  <a:t>Block 1</a:t>
-                </a:r>
-                <a:endParaRPr lang="de-DE" dirty="0">
-                  <a:solidFill>
-                    <a:schemeClr val="bg1"/>
-                  </a:solidFill>
-                </a:endParaRPr>
-              </a:p>
-            </p:txBody>
-          </p:sp>
-          <p:sp>
-            <p:nvSpPr>
-              <p:cNvPr id="220" name="Textfeld 219"/>
-              <p:cNvSpPr txBox="1"/>
-              <p:nvPr/>
-            </p:nvSpPr>
-            <p:spPr>
-              <a:xfrm>
-                <a:off x="4415992" y="1948851"/>
-                <a:ext cx="1064260" cy="369332"/>
-              </a:xfrm>
-              <a:prstGeom prst="rect">
-                <a:avLst/>
-              </a:prstGeom>
-              <a:noFill/>
-            </p:spPr>
-            <p:txBody>
-              <a:bodyPr wrap="square" rtlCol="0">
-                <a:spAutoFit/>
-              </a:bodyPr>
-              <a:lstStyle/>
-              <a:p>
-                <a:r>
-                  <a:rPr lang="de-DE" dirty="0" smtClean="0">
-                    <a:solidFill>
-                      <a:schemeClr val="bg1"/>
-                    </a:solidFill>
-                  </a:rPr>
-                  <a:t>Block 2</a:t>
-                </a:r>
-                <a:endParaRPr lang="de-DE" dirty="0">
-                  <a:solidFill>
-                    <a:schemeClr val="bg1"/>
-                  </a:solidFill>
-                </a:endParaRPr>
-              </a:p>
-            </p:txBody>
-          </p:sp>
-          <p:sp>
-            <p:nvSpPr>
-              <p:cNvPr id="221" name="Textfeld 220"/>
-              <p:cNvSpPr txBox="1"/>
-              <p:nvPr/>
-            </p:nvSpPr>
-            <p:spPr>
-              <a:xfrm>
-                <a:off x="6486800" y="1948851"/>
-                <a:ext cx="1064260" cy="369332"/>
-              </a:xfrm>
-              <a:prstGeom prst="rect">
-                <a:avLst/>
-              </a:prstGeom>
-              <a:noFill/>
-            </p:spPr>
-            <p:txBody>
-              <a:bodyPr wrap="square" rtlCol="0">
-                <a:spAutoFit/>
-              </a:bodyPr>
-              <a:lstStyle/>
-              <a:p>
-                <a:r>
-                  <a:rPr lang="de-DE" dirty="0" smtClean="0">
-                    <a:solidFill>
-                      <a:schemeClr val="bg1"/>
-                    </a:solidFill>
-                  </a:rPr>
-                  <a:t>Block 3</a:t>
-                </a:r>
-                <a:endParaRPr lang="de-DE" dirty="0">
-                  <a:solidFill>
-                    <a:schemeClr val="bg1"/>
-                  </a:solidFill>
-                </a:endParaRPr>
-              </a:p>
-            </p:txBody>
-          </p:sp>
-          <p:sp>
-            <p:nvSpPr>
-              <p:cNvPr id="222" name="Textfeld 221"/>
-              <p:cNvSpPr txBox="1"/>
-              <p:nvPr/>
-            </p:nvSpPr>
-            <p:spPr>
-              <a:xfrm>
-                <a:off x="8557607" y="1948851"/>
-                <a:ext cx="1064260" cy="369332"/>
-              </a:xfrm>
-              <a:prstGeom prst="rect">
-                <a:avLst/>
-              </a:prstGeom>
-              <a:noFill/>
-            </p:spPr>
-            <p:txBody>
-              <a:bodyPr wrap="square" rtlCol="0">
-                <a:spAutoFit/>
-              </a:bodyPr>
-              <a:lstStyle/>
-              <a:p>
-                <a:r>
-                  <a:rPr lang="de-DE" dirty="0" smtClean="0">
-                    <a:solidFill>
-                      <a:schemeClr val="bg1"/>
-                    </a:solidFill>
-                  </a:rPr>
-                  <a:t>Block 4</a:t>
-                </a:r>
-                <a:endParaRPr lang="de-DE" dirty="0">
-                  <a:solidFill>
-                    <a:schemeClr val="bg1"/>
-                  </a:solidFill>
-                </a:endParaRPr>
-              </a:p>
-            </p:txBody>
-          </p:sp>
-        </p:grpSp>
-      </p:grpSp>
-      <p:sp>
-        <p:nvSpPr>
-          <p:cNvPr id="138" name="Rechteck 137"/>
-          <p:cNvSpPr/>
-          <p:nvPr/>
-        </p:nvSpPr>
-        <p:spPr>
-          <a:xfrm>
-            <a:off x="8400739" y="1564286"/>
-            <a:ext cx="2551335" cy="3905573"/>
-          </a:xfrm>
-          <a:prstGeom prst="rect">
-            <a:avLst/>
-          </a:prstGeom>
-          <a:solidFill>
-            <a:srgbClr val="464646">
-              <a:alpha val="91000"/>
-            </a:srgbClr>
-          </a:solidFill>
-          <a:ln>
-            <a:solidFill>
-              <a:srgbClr val="464646"/>
-            </a:solidFill>
-          </a:ln>
-        </p:spPr>
-        <p:style>
-          <a:lnRef idx="2">
-            <a:schemeClr val="accent1">
-              <a:shade val="50000"/>
-            </a:schemeClr>
-          </a:lnRef>
-          <a:fillRef idx="1">
-            <a:schemeClr val="accent1"/>
-          </a:fillRef>
-          <a:effectRef idx="0">
-            <a:schemeClr val="accent1"/>
-          </a:effectRef>
-          <a:fontRef idx="minor">
-            <a:schemeClr val="lt1"/>
-          </a:fontRef>
-        </p:style>
-        <p:txBody>
-          <a:bodyPr rtlCol="0" anchor="ctr"/>
-          <a:lstStyle/>
-          <a:p>
-            <a:pPr algn="ctr"/>
-            <a:endParaRPr lang="de-DE"/>
-          </a:p>
-        </p:txBody>
-      </p:sp>
-      <p:sp>
-        <p:nvSpPr>
-          <p:cNvPr id="74" name="Rechteck 73"/>
-          <p:cNvSpPr/>
-          <p:nvPr/>
-        </p:nvSpPr>
-        <p:spPr>
-          <a:xfrm>
-            <a:off x="1403077" y="1564286"/>
-            <a:ext cx="4819991" cy="3905573"/>
-          </a:xfrm>
-          <a:prstGeom prst="rect">
-            <a:avLst/>
-          </a:prstGeom>
-          <a:solidFill>
-            <a:srgbClr val="464646">
-              <a:alpha val="91000"/>
-            </a:srgbClr>
-          </a:solidFill>
-          <a:ln>
-            <a:solidFill>
-              <a:srgbClr val="464646"/>
-            </a:solidFill>
-          </a:ln>
-        </p:spPr>
-        <p:style>
-          <a:lnRef idx="2">
-            <a:schemeClr val="accent1">
-              <a:shade val="50000"/>
-            </a:schemeClr>
-          </a:lnRef>
-          <a:fillRef idx="1">
-            <a:schemeClr val="accent1"/>
-          </a:fillRef>
-          <a:effectRef idx="0">
-            <a:schemeClr val="accent1"/>
-          </a:effectRef>
-          <a:fontRef idx="minor">
-            <a:schemeClr val="lt1"/>
-          </a:fontRef>
-        </p:style>
-        <p:txBody>
-          <a:bodyPr rtlCol="0" anchor="ctr"/>
-          <a:lstStyle/>
-          <a:p>
-            <a:pPr algn="ctr"/>
-            <a:endParaRPr lang="de-DE"/>
-          </a:p>
-        </p:txBody>
-      </p:sp>
-    </p:spTree>
-    <p:extLst>
-      <p:ext uri="{BB962C8B-B14F-4D97-AF65-F5344CB8AC3E}">
-        <p14:creationId xmlns:p14="http://schemas.microsoft.com/office/powerpoint/2010/main" val="3248508930"/>
       </p:ext>
     </p:extLst>
   </p:cSld>
@@ -26932,6 +24430,2832 @@
         </p:nvSpPr>
         <p:spPr>
           <a:xfrm>
+            <a:off x="8400739" y="1564286"/>
+            <a:ext cx="2551335" cy="3905573"/>
+          </a:xfrm>
+          <a:prstGeom prst="rect">
+            <a:avLst/>
+          </a:prstGeom>
+          <a:solidFill>
+            <a:srgbClr val="464646">
+              <a:alpha val="91000"/>
+            </a:srgbClr>
+          </a:solidFill>
+          <a:ln>
+            <a:solidFill>
+              <a:srgbClr val="464646"/>
+            </a:solidFill>
+          </a:ln>
+        </p:spPr>
+        <p:style>
+          <a:lnRef idx="2">
+            <a:schemeClr val="accent1">
+              <a:shade val="50000"/>
+            </a:schemeClr>
+          </a:lnRef>
+          <a:fillRef idx="1">
+            <a:schemeClr val="accent1"/>
+          </a:fillRef>
+          <a:effectRef idx="0">
+            <a:schemeClr val="accent1"/>
+          </a:effectRef>
+          <a:fontRef idx="minor">
+            <a:schemeClr val="lt1"/>
+          </a:fontRef>
+        </p:style>
+        <p:txBody>
+          <a:bodyPr rtlCol="0" anchor="ctr"/>
+          <a:lstStyle/>
+          <a:p>
+            <a:pPr algn="ctr"/>
+            <a:endParaRPr lang="de-DE"/>
+          </a:p>
+        </p:txBody>
+      </p:sp>
+      <p:sp>
+        <p:nvSpPr>
+          <p:cNvPr id="74" name="Rechteck 73"/>
+          <p:cNvSpPr/>
+          <p:nvPr/>
+        </p:nvSpPr>
+        <p:spPr>
+          <a:xfrm>
+            <a:off x="1403077" y="1564286"/>
+            <a:ext cx="4819991" cy="3905573"/>
+          </a:xfrm>
+          <a:prstGeom prst="rect">
+            <a:avLst/>
+          </a:prstGeom>
+          <a:solidFill>
+            <a:srgbClr val="464646">
+              <a:alpha val="91000"/>
+            </a:srgbClr>
+          </a:solidFill>
+          <a:ln>
+            <a:solidFill>
+              <a:srgbClr val="464646"/>
+            </a:solidFill>
+          </a:ln>
+        </p:spPr>
+        <p:style>
+          <a:lnRef idx="2">
+            <a:schemeClr val="accent1">
+              <a:shade val="50000"/>
+            </a:schemeClr>
+          </a:lnRef>
+          <a:fillRef idx="1">
+            <a:schemeClr val="accent1"/>
+          </a:fillRef>
+          <a:effectRef idx="0">
+            <a:schemeClr val="accent1"/>
+          </a:effectRef>
+          <a:fontRef idx="minor">
+            <a:schemeClr val="lt1"/>
+          </a:fontRef>
+        </p:style>
+        <p:txBody>
+          <a:bodyPr rtlCol="0" anchor="ctr"/>
+          <a:lstStyle/>
+          <a:p>
+            <a:pPr algn="ctr"/>
+            <a:endParaRPr lang="de-DE"/>
+          </a:p>
+        </p:txBody>
+      </p:sp>
+    </p:spTree>
+    <p:extLst>
+      <p:ext uri="{BB962C8B-B14F-4D97-AF65-F5344CB8AC3E}">
+        <p14:creationId xmlns:p14="http://schemas.microsoft.com/office/powerpoint/2010/main" val="3248508930"/>
+      </p:ext>
+    </p:extLst>
+  </p:cSld>
+  <p:clrMapOvr>
+    <a:masterClrMapping/>
+  </p:clrMapOvr>
+  <p:timing>
+    <p:tnLst>
+      <p:par>
+        <p:cTn id="1" dur="indefinite" restart="never" nodeType="tmRoot"/>
+      </p:par>
+    </p:tnLst>
+  </p:timing>
+</p:sld>
+</file>
+
+<file path=ppt/slides/slide21.xml><?xml version="1.0" encoding="utf-8"?>
+<p:sld xmlns:a="http://schemas.openxmlformats.org/drawingml/2006/main" xmlns:r="http://schemas.openxmlformats.org/officeDocument/2006/relationships" xmlns:p="http://schemas.openxmlformats.org/presentationml/2006/main">
+  <p:cSld>
+    <p:bg>
+      <p:bgPr>
+        <a:solidFill>
+          <a:srgbClr val="464646"/>
+        </a:solidFill>
+        <a:effectLst/>
+      </p:bgPr>
+    </p:bg>
+    <p:spTree>
+      <p:nvGrpSpPr>
+        <p:cNvPr id="1" name=""/>
+        <p:cNvGrpSpPr/>
+        <p:nvPr/>
+      </p:nvGrpSpPr>
+      <p:grpSpPr>
+        <a:xfrm>
+          <a:off x="0" y="0"/>
+          <a:ext cx="0" cy="0"/>
+          <a:chOff x="0" y="0"/>
+          <a:chExt cx="0" cy="0"/>
+        </a:xfrm>
+      </p:grpSpPr>
+      <p:sp>
+        <p:nvSpPr>
+          <p:cNvPr id="2" name="Textfeld 1"/>
+          <p:cNvSpPr txBox="1"/>
+          <p:nvPr/>
+        </p:nvSpPr>
+        <p:spPr>
+          <a:xfrm>
+            <a:off x="3696346" y="728421"/>
+            <a:ext cx="4545540" cy="369332"/>
+          </a:xfrm>
+          <a:prstGeom prst="rect">
+            <a:avLst/>
+          </a:prstGeom>
+          <a:noFill/>
+        </p:spPr>
+        <p:txBody>
+          <a:bodyPr wrap="none" rtlCol="0">
+            <a:spAutoFit/>
+          </a:bodyPr>
+          <a:lstStyle/>
+          <a:p>
+            <a:r>
+              <a:rPr lang="de-DE" dirty="0" smtClean="0">
+                <a:solidFill>
+                  <a:schemeClr val="bg1"/>
+                </a:solidFill>
+              </a:rPr>
+              <a:t>Versuchsaufbau Fahrradfahren und </a:t>
+            </a:r>
+            <a:r>
+              <a:rPr lang="de-DE" dirty="0" err="1" smtClean="0">
+                <a:solidFill>
+                  <a:schemeClr val="bg1"/>
+                </a:solidFill>
+              </a:rPr>
+              <a:t>Pain</a:t>
+            </a:r>
+            <a:r>
+              <a:rPr lang="de-DE" dirty="0" smtClean="0">
+                <a:solidFill>
+                  <a:schemeClr val="bg1"/>
+                </a:solidFill>
+              </a:rPr>
+              <a:t> </a:t>
+            </a:r>
+            <a:r>
+              <a:rPr lang="de-DE" dirty="0" err="1" smtClean="0">
+                <a:solidFill>
+                  <a:schemeClr val="bg1"/>
+                </a:solidFill>
+              </a:rPr>
+              <a:t>Ratigs</a:t>
+            </a:r>
+            <a:endParaRPr lang="de-DE" dirty="0">
+              <a:solidFill>
+                <a:schemeClr val="bg1"/>
+              </a:solidFill>
+            </a:endParaRPr>
+          </a:p>
+        </p:txBody>
+      </p:sp>
+      <p:grpSp>
+        <p:nvGrpSpPr>
+          <p:cNvPr id="216" name="Gruppieren 215"/>
+          <p:cNvGrpSpPr/>
+          <p:nvPr/>
+        </p:nvGrpSpPr>
+        <p:grpSpPr>
+          <a:xfrm>
+            <a:off x="1284753" y="1564287"/>
+            <a:ext cx="9368725" cy="3905573"/>
+            <a:chOff x="1284753" y="1564287"/>
+            <a:chExt cx="9368725" cy="3905573"/>
+          </a:xfrm>
+        </p:grpSpPr>
+        <p:grpSp>
+          <p:nvGrpSpPr>
+            <p:cNvPr id="217" name="Gruppieren 216"/>
+            <p:cNvGrpSpPr/>
+            <p:nvPr/>
+          </p:nvGrpSpPr>
+          <p:grpSpPr>
+            <a:xfrm>
+              <a:off x="1284753" y="1564287"/>
+              <a:ext cx="9368725" cy="3905573"/>
+              <a:chOff x="1284753" y="1564287"/>
+              <a:chExt cx="9368725" cy="3905573"/>
+            </a:xfrm>
+          </p:grpSpPr>
+          <p:sp>
+            <p:nvSpPr>
+              <p:cNvPr id="223" name="Rechteck 222"/>
+              <p:cNvSpPr/>
+              <p:nvPr/>
+            </p:nvSpPr>
+            <p:spPr>
+              <a:xfrm>
+                <a:off x="1284753" y="1564287"/>
+                <a:ext cx="9368725" cy="3905573"/>
+              </a:xfrm>
+              <a:prstGeom prst="rect">
+                <a:avLst/>
+              </a:prstGeom>
+              <a:solidFill>
+                <a:srgbClr val="464646"/>
+              </a:solidFill>
+              <a:ln>
+                <a:solidFill>
+                  <a:srgbClr val="464646"/>
+                </a:solidFill>
+              </a:ln>
+            </p:spPr>
+            <p:style>
+              <a:lnRef idx="2">
+                <a:schemeClr val="accent1">
+                  <a:shade val="50000"/>
+                </a:schemeClr>
+              </a:lnRef>
+              <a:fillRef idx="1">
+                <a:schemeClr val="accent1"/>
+              </a:fillRef>
+              <a:effectRef idx="0">
+                <a:schemeClr val="accent1"/>
+              </a:effectRef>
+              <a:fontRef idx="minor">
+                <a:schemeClr val="lt1"/>
+              </a:fontRef>
+            </p:style>
+            <p:txBody>
+              <a:bodyPr rtlCol="0" anchor="ctr"/>
+              <a:lstStyle/>
+              <a:p>
+                <a:pPr algn="ctr"/>
+                <a:endParaRPr lang="de-DE"/>
+              </a:p>
+            </p:txBody>
+          </p:sp>
+          <p:grpSp>
+            <p:nvGrpSpPr>
+              <p:cNvPr id="224" name="Gruppieren 223"/>
+              <p:cNvGrpSpPr/>
+              <p:nvPr/>
+            </p:nvGrpSpPr>
+            <p:grpSpPr>
+              <a:xfrm>
+                <a:off x="1564261" y="2486283"/>
+                <a:ext cx="8809710" cy="2465568"/>
+                <a:chOff x="1564261" y="2486283"/>
+                <a:chExt cx="8809710" cy="2465568"/>
+              </a:xfrm>
+            </p:grpSpPr>
+            <p:sp>
+              <p:nvSpPr>
+                <p:cNvPr id="225" name="Rechteck 224"/>
+                <p:cNvSpPr/>
+                <p:nvPr/>
+              </p:nvSpPr>
+              <p:spPr>
+                <a:xfrm>
+                  <a:off x="5650935" y="3216436"/>
+                  <a:ext cx="464820" cy="1323813"/>
+                </a:xfrm>
+                <a:prstGeom prst="rect">
+                  <a:avLst/>
+                </a:prstGeom>
+                <a:solidFill>
+                  <a:srgbClr val="FF0000"/>
+                </a:solidFill>
+                <a:ln w="57150">
+                  <a:solidFill>
+                    <a:srgbClr val="FF0000"/>
+                  </a:solidFill>
+                </a:ln>
+              </p:spPr>
+              <p:style>
+                <a:lnRef idx="2">
+                  <a:schemeClr val="accent1">
+                    <a:shade val="50000"/>
+                  </a:schemeClr>
+                </a:lnRef>
+                <a:fillRef idx="1">
+                  <a:schemeClr val="accent1"/>
+                </a:fillRef>
+                <a:effectRef idx="0">
+                  <a:schemeClr val="accent1"/>
+                </a:effectRef>
+                <a:fontRef idx="minor">
+                  <a:schemeClr val="lt1"/>
+                </a:fontRef>
+              </p:style>
+              <p:txBody>
+                <a:bodyPr rtlCol="0" anchor="ctr"/>
+                <a:lstStyle/>
+                <a:p>
+                  <a:pPr algn="ctr"/>
+                  <a:endParaRPr lang="de-DE"/>
+                </a:p>
+              </p:txBody>
+            </p:sp>
+            <p:sp>
+              <p:nvSpPr>
+                <p:cNvPr id="226" name="Rechteck 225"/>
+                <p:cNvSpPr/>
+                <p:nvPr/>
+              </p:nvSpPr>
+              <p:spPr>
+                <a:xfrm>
+                  <a:off x="7777066" y="3216436"/>
+                  <a:ext cx="464820" cy="1323813"/>
+                </a:xfrm>
+                <a:prstGeom prst="rect">
+                  <a:avLst/>
+                </a:prstGeom>
+                <a:solidFill>
+                  <a:srgbClr val="FF0000"/>
+                </a:solidFill>
+                <a:ln w="57150">
+                  <a:solidFill>
+                    <a:srgbClr val="FF0000"/>
+                  </a:solidFill>
+                </a:ln>
+              </p:spPr>
+              <p:style>
+                <a:lnRef idx="2">
+                  <a:schemeClr val="accent1">
+                    <a:shade val="50000"/>
+                  </a:schemeClr>
+                </a:lnRef>
+                <a:fillRef idx="1">
+                  <a:schemeClr val="accent1"/>
+                </a:fillRef>
+                <a:effectRef idx="0">
+                  <a:schemeClr val="accent1"/>
+                </a:effectRef>
+                <a:fontRef idx="minor">
+                  <a:schemeClr val="lt1"/>
+                </a:fontRef>
+              </p:style>
+              <p:txBody>
+                <a:bodyPr rtlCol="0" anchor="ctr"/>
+                <a:lstStyle/>
+                <a:p>
+                  <a:pPr algn="ctr"/>
+                  <a:endParaRPr lang="de-DE"/>
+                </a:p>
+              </p:txBody>
+            </p:sp>
+            <p:sp>
+              <p:nvSpPr>
+                <p:cNvPr id="227" name="Rechteck 226"/>
+                <p:cNvSpPr/>
+                <p:nvPr/>
+              </p:nvSpPr>
+              <p:spPr>
+                <a:xfrm>
+                  <a:off x="9794520" y="3216436"/>
+                  <a:ext cx="464820" cy="1323813"/>
+                </a:xfrm>
+                <a:prstGeom prst="rect">
+                  <a:avLst/>
+                </a:prstGeom>
+                <a:solidFill>
+                  <a:srgbClr val="FF0000"/>
+                </a:solidFill>
+                <a:ln w="57150">
+                  <a:solidFill>
+                    <a:srgbClr val="FF0000"/>
+                  </a:solidFill>
+                </a:ln>
+              </p:spPr>
+              <p:style>
+                <a:lnRef idx="2">
+                  <a:schemeClr val="accent1">
+                    <a:shade val="50000"/>
+                  </a:schemeClr>
+                </a:lnRef>
+                <a:fillRef idx="1">
+                  <a:schemeClr val="accent1"/>
+                </a:fillRef>
+                <a:effectRef idx="0">
+                  <a:schemeClr val="accent1"/>
+                </a:effectRef>
+                <a:fontRef idx="minor">
+                  <a:schemeClr val="lt1"/>
+                </a:fontRef>
+              </p:style>
+              <p:txBody>
+                <a:bodyPr rtlCol="0" anchor="ctr"/>
+                <a:lstStyle/>
+                <a:p>
+                  <a:pPr algn="ctr"/>
+                  <a:endParaRPr lang="de-DE"/>
+                </a:p>
+              </p:txBody>
+            </p:sp>
+            <p:sp>
+              <p:nvSpPr>
+                <p:cNvPr id="228" name="Rechteck 227"/>
+                <p:cNvSpPr/>
+                <p:nvPr/>
+              </p:nvSpPr>
+              <p:spPr>
+                <a:xfrm>
+                  <a:off x="3563855" y="3216436"/>
+                  <a:ext cx="464820" cy="1323813"/>
+                </a:xfrm>
+                <a:prstGeom prst="rect">
+                  <a:avLst/>
+                </a:prstGeom>
+                <a:solidFill>
+                  <a:srgbClr val="FF0000"/>
+                </a:solidFill>
+                <a:ln w="57150">
+                  <a:solidFill>
+                    <a:srgbClr val="FF0000"/>
+                  </a:solidFill>
+                </a:ln>
+              </p:spPr>
+              <p:style>
+                <a:lnRef idx="2">
+                  <a:schemeClr val="accent1">
+                    <a:shade val="50000"/>
+                  </a:schemeClr>
+                </a:lnRef>
+                <a:fillRef idx="1">
+                  <a:schemeClr val="accent1"/>
+                </a:fillRef>
+                <a:effectRef idx="0">
+                  <a:schemeClr val="accent1"/>
+                </a:effectRef>
+                <a:fontRef idx="minor">
+                  <a:schemeClr val="lt1"/>
+                </a:fontRef>
+              </p:style>
+              <p:txBody>
+                <a:bodyPr rtlCol="0" anchor="ctr"/>
+                <a:lstStyle/>
+                <a:p>
+                  <a:pPr algn="ctr"/>
+                  <a:endParaRPr lang="de-DE"/>
+                </a:p>
+              </p:txBody>
+            </p:sp>
+            <p:cxnSp>
+              <p:nvCxnSpPr>
+                <p:cNvPr id="229" name="Gerader Verbinder 228"/>
+                <p:cNvCxnSpPr/>
+                <p:nvPr/>
+              </p:nvCxnSpPr>
+              <p:spPr>
+                <a:xfrm flipV="1">
+                  <a:off x="1564261" y="4546600"/>
+                  <a:ext cx="8809710" cy="16037"/>
+                </a:xfrm>
+                <a:prstGeom prst="line">
+                  <a:avLst/>
+                </a:prstGeom>
+                <a:ln w="57150">
+                  <a:solidFill>
+                    <a:schemeClr val="bg1"/>
+                  </a:solidFill>
+                </a:ln>
+              </p:spPr>
+              <p:style>
+                <a:lnRef idx="1">
+                  <a:schemeClr val="accent1"/>
+                </a:lnRef>
+                <a:fillRef idx="0">
+                  <a:schemeClr val="accent1"/>
+                </a:fillRef>
+                <a:effectRef idx="0">
+                  <a:schemeClr val="accent1"/>
+                </a:effectRef>
+                <a:fontRef idx="minor">
+                  <a:schemeClr val="tx1"/>
+                </a:fontRef>
+              </p:style>
+            </p:cxnSp>
+            <p:sp>
+              <p:nvSpPr>
+                <p:cNvPr id="230" name="Rechteck 229"/>
+                <p:cNvSpPr/>
+                <p:nvPr/>
+              </p:nvSpPr>
+              <p:spPr>
+                <a:xfrm>
+                  <a:off x="4341330" y="3232150"/>
+                  <a:ext cx="996950" cy="1308100"/>
+                </a:xfrm>
+                <a:prstGeom prst="rect">
+                  <a:avLst/>
+                </a:prstGeom>
+                <a:noFill/>
+                <a:ln w="57150">
+                  <a:solidFill>
+                    <a:schemeClr val="bg1"/>
+                  </a:solidFill>
+                </a:ln>
+              </p:spPr>
+              <p:style>
+                <a:lnRef idx="2">
+                  <a:schemeClr val="accent1">
+                    <a:shade val="50000"/>
+                  </a:schemeClr>
+                </a:lnRef>
+                <a:fillRef idx="1">
+                  <a:schemeClr val="accent1"/>
+                </a:fillRef>
+                <a:effectRef idx="0">
+                  <a:schemeClr val="accent1"/>
+                </a:effectRef>
+                <a:fontRef idx="minor">
+                  <a:schemeClr val="lt1"/>
+                </a:fontRef>
+              </p:style>
+              <p:txBody>
+                <a:bodyPr rtlCol="0" anchor="ctr"/>
+                <a:lstStyle/>
+                <a:p>
+                  <a:pPr algn="ctr"/>
+                  <a:endParaRPr lang="de-DE"/>
+                </a:p>
+              </p:txBody>
+            </p:sp>
+            <p:grpSp>
+              <p:nvGrpSpPr>
+                <p:cNvPr id="231" name="Gruppieren 230"/>
+                <p:cNvGrpSpPr/>
+                <p:nvPr/>
+              </p:nvGrpSpPr>
+              <p:grpSpPr>
+                <a:xfrm>
+                  <a:off x="2345184" y="3576030"/>
+                  <a:ext cx="815082" cy="604623"/>
+                  <a:chOff x="2491998" y="2031897"/>
+                  <a:chExt cx="574733" cy="428457"/>
+                </a:xfrm>
+                <a:solidFill>
+                  <a:schemeClr val="bg1"/>
+                </a:solidFill>
+              </p:grpSpPr>
+              <p:grpSp>
+                <p:nvGrpSpPr>
+                  <p:cNvPr id="277" name="Gruppieren 276"/>
+                  <p:cNvGrpSpPr/>
+                  <p:nvPr/>
+                </p:nvGrpSpPr>
+                <p:grpSpPr>
+                  <a:xfrm>
+                    <a:off x="2491998" y="2031897"/>
+                    <a:ext cx="574733" cy="428457"/>
+                    <a:chOff x="2491998" y="2031897"/>
+                    <a:chExt cx="574733" cy="428457"/>
+                  </a:xfrm>
+                  <a:grpFill/>
+                </p:grpSpPr>
+                <p:sp>
+                  <p:nvSpPr>
+                    <p:cNvPr id="279" name="Ellipse 278"/>
+                    <p:cNvSpPr/>
+                    <p:nvPr/>
+                  </p:nvSpPr>
+                  <p:spPr>
+                    <a:xfrm>
+                      <a:off x="2491998" y="2231755"/>
+                      <a:ext cx="230539" cy="228599"/>
+                    </a:xfrm>
+                    <a:prstGeom prst="ellipse">
+                      <a:avLst/>
+                    </a:prstGeom>
+                    <a:noFill/>
+                    <a:ln w="38100">
+                      <a:solidFill>
+                        <a:schemeClr val="bg1"/>
+                      </a:solidFill>
+                    </a:ln>
+                  </p:spPr>
+                  <p:style>
+                    <a:lnRef idx="2">
+                      <a:schemeClr val="accent1">
+                        <a:shade val="50000"/>
+                      </a:schemeClr>
+                    </a:lnRef>
+                    <a:fillRef idx="1">
+                      <a:schemeClr val="accent1"/>
+                    </a:fillRef>
+                    <a:effectRef idx="0">
+                      <a:schemeClr val="accent1"/>
+                    </a:effectRef>
+                    <a:fontRef idx="minor">
+                      <a:schemeClr val="lt1"/>
+                    </a:fontRef>
+                  </p:style>
+                  <p:txBody>
+                    <a:bodyPr rtlCol="0" anchor="ctr"/>
+                    <a:lstStyle/>
+                    <a:p>
+                      <a:pPr algn="ctr"/>
+                      <a:endParaRPr lang="de-DE"/>
+                    </a:p>
+                  </p:txBody>
+                </p:sp>
+                <p:sp>
+                  <p:nvSpPr>
+                    <p:cNvPr id="280" name="Ellipse 279"/>
+                    <p:cNvSpPr/>
+                    <p:nvPr/>
+                  </p:nvSpPr>
+                  <p:spPr>
+                    <a:xfrm>
+                      <a:off x="2836192" y="2227878"/>
+                      <a:ext cx="230539" cy="228599"/>
+                    </a:xfrm>
+                    <a:prstGeom prst="ellipse">
+                      <a:avLst/>
+                    </a:prstGeom>
+                    <a:noFill/>
+                    <a:ln w="38100">
+                      <a:solidFill>
+                        <a:schemeClr val="bg1"/>
+                      </a:solidFill>
+                    </a:ln>
+                  </p:spPr>
+                  <p:style>
+                    <a:lnRef idx="2">
+                      <a:schemeClr val="accent1">
+                        <a:shade val="50000"/>
+                      </a:schemeClr>
+                    </a:lnRef>
+                    <a:fillRef idx="1">
+                      <a:schemeClr val="accent1"/>
+                    </a:fillRef>
+                    <a:effectRef idx="0">
+                      <a:schemeClr val="accent1"/>
+                    </a:effectRef>
+                    <a:fontRef idx="minor">
+                      <a:schemeClr val="lt1"/>
+                    </a:fontRef>
+                  </p:style>
+                  <p:txBody>
+                    <a:bodyPr rtlCol="0" anchor="ctr"/>
+                    <a:lstStyle/>
+                    <a:p>
+                      <a:pPr algn="ctr"/>
+                      <a:endParaRPr lang="de-DE"/>
+                    </a:p>
+                  </p:txBody>
+                </p:sp>
+                <p:cxnSp>
+                  <p:nvCxnSpPr>
+                    <p:cNvPr id="281" name="Gerader Verbinder 280"/>
+                    <p:cNvCxnSpPr>
+                      <a:endCxn id="280" idx="2"/>
+                    </p:cNvCxnSpPr>
+                    <p:nvPr/>
+                  </p:nvCxnSpPr>
+                  <p:spPr>
+                    <a:xfrm flipV="1">
+                      <a:off x="2607267" y="2342178"/>
+                      <a:ext cx="228925" cy="1"/>
+                    </a:xfrm>
+                    <a:prstGeom prst="line">
+                      <a:avLst/>
+                    </a:prstGeom>
+                    <a:grpFill/>
+                    <a:ln w="38100">
+                      <a:solidFill>
+                        <a:schemeClr val="bg1"/>
+                      </a:solidFill>
+                    </a:ln>
+                  </p:spPr>
+                  <p:style>
+                    <a:lnRef idx="1">
+                      <a:schemeClr val="dk1"/>
+                    </a:lnRef>
+                    <a:fillRef idx="0">
+                      <a:schemeClr val="dk1"/>
+                    </a:fillRef>
+                    <a:effectRef idx="0">
+                      <a:schemeClr val="dk1"/>
+                    </a:effectRef>
+                    <a:fontRef idx="minor">
+                      <a:schemeClr val="tx1"/>
+                    </a:fontRef>
+                  </p:style>
+                </p:cxnSp>
+                <p:cxnSp>
+                  <p:nvCxnSpPr>
+                    <p:cNvPr id="282" name="Gerader Verbinder 281"/>
+                    <p:cNvCxnSpPr/>
+                    <p:nvPr/>
+                  </p:nvCxnSpPr>
+                  <p:spPr>
+                    <a:xfrm>
+                      <a:off x="2836192" y="2071730"/>
+                      <a:ext cx="115269" cy="251981"/>
+                    </a:xfrm>
+                    <a:prstGeom prst="line">
+                      <a:avLst/>
+                    </a:prstGeom>
+                    <a:grpFill/>
+                    <a:ln w="38100">
+                      <a:solidFill>
+                        <a:schemeClr val="bg1"/>
+                      </a:solidFill>
+                    </a:ln>
+                  </p:spPr>
+                  <p:style>
+                    <a:lnRef idx="1">
+                      <a:schemeClr val="dk1"/>
+                    </a:lnRef>
+                    <a:fillRef idx="0">
+                      <a:schemeClr val="dk1"/>
+                    </a:fillRef>
+                    <a:effectRef idx="0">
+                      <a:schemeClr val="dk1"/>
+                    </a:effectRef>
+                    <a:fontRef idx="minor">
+                      <a:schemeClr val="tx1"/>
+                    </a:fontRef>
+                  </p:style>
+                </p:cxnSp>
+                <p:cxnSp>
+                  <p:nvCxnSpPr>
+                    <p:cNvPr id="283" name="Gerader Verbinder 282"/>
+                    <p:cNvCxnSpPr/>
+                    <p:nvPr/>
+                  </p:nvCxnSpPr>
+                  <p:spPr>
+                    <a:xfrm flipH="1" flipV="1">
+                      <a:off x="2688957" y="2114292"/>
+                      <a:ext cx="86198" cy="227886"/>
+                    </a:xfrm>
+                    <a:prstGeom prst="line">
+                      <a:avLst/>
+                    </a:prstGeom>
+                    <a:grpFill/>
+                    <a:ln w="38100">
+                      <a:solidFill>
+                        <a:schemeClr val="bg1"/>
+                      </a:solidFill>
+                    </a:ln>
+                  </p:spPr>
+                  <p:style>
+                    <a:lnRef idx="1">
+                      <a:schemeClr val="dk1"/>
+                    </a:lnRef>
+                    <a:fillRef idx="0">
+                      <a:schemeClr val="dk1"/>
+                    </a:fillRef>
+                    <a:effectRef idx="0">
+                      <a:schemeClr val="dk1"/>
+                    </a:effectRef>
+                    <a:fontRef idx="minor">
+                      <a:schemeClr val="tx1"/>
+                    </a:fontRef>
+                  </p:style>
+                </p:cxnSp>
+                <p:cxnSp>
+                  <p:nvCxnSpPr>
+                    <p:cNvPr id="284" name="Gerader Verbinder 283"/>
+                    <p:cNvCxnSpPr/>
+                    <p:nvPr/>
+                  </p:nvCxnSpPr>
+                  <p:spPr>
+                    <a:xfrm flipV="1">
+                      <a:off x="2749418" y="2287948"/>
+                      <a:ext cx="40067" cy="104621"/>
+                    </a:xfrm>
+                    <a:prstGeom prst="line">
+                      <a:avLst/>
+                    </a:prstGeom>
+                    <a:grpFill/>
+                    <a:ln w="38100">
+                      <a:solidFill>
+                        <a:schemeClr val="bg1"/>
+                      </a:solidFill>
+                    </a:ln>
+                  </p:spPr>
+                  <p:style>
+                    <a:lnRef idx="1">
+                      <a:schemeClr val="dk1"/>
+                    </a:lnRef>
+                    <a:fillRef idx="0">
+                      <a:schemeClr val="dk1"/>
+                    </a:fillRef>
+                    <a:effectRef idx="0">
+                      <a:schemeClr val="dk1"/>
+                    </a:effectRef>
+                    <a:fontRef idx="minor">
+                      <a:schemeClr val="tx1"/>
+                    </a:fontRef>
+                  </p:style>
+                </p:cxnSp>
+                <p:cxnSp>
+                  <p:nvCxnSpPr>
+                    <p:cNvPr id="285" name="Gerader Verbinder 284"/>
+                    <p:cNvCxnSpPr/>
+                    <p:nvPr/>
+                  </p:nvCxnSpPr>
+                  <p:spPr>
+                    <a:xfrm flipH="1">
+                      <a:off x="2789277" y="2031897"/>
+                      <a:ext cx="93830" cy="95237"/>
+                    </a:xfrm>
+                    <a:prstGeom prst="line">
+                      <a:avLst/>
+                    </a:prstGeom>
+                    <a:grpFill/>
+                    <a:ln w="38100">
+                      <a:solidFill>
+                        <a:schemeClr val="bg1"/>
+                      </a:solidFill>
+                    </a:ln>
+                  </p:spPr>
+                  <p:style>
+                    <a:lnRef idx="1">
+                      <a:schemeClr val="dk1"/>
+                    </a:lnRef>
+                    <a:fillRef idx="0">
+                      <a:schemeClr val="dk1"/>
+                    </a:fillRef>
+                    <a:effectRef idx="0">
+                      <a:schemeClr val="dk1"/>
+                    </a:effectRef>
+                    <a:fontRef idx="minor">
+                      <a:schemeClr val="tx1"/>
+                    </a:fontRef>
+                  </p:style>
+                </p:cxnSp>
+              </p:grpSp>
+              <p:sp>
+                <p:nvSpPr>
+                  <p:cNvPr id="278" name="Ellipse 277"/>
+                  <p:cNvSpPr/>
+                  <p:nvPr/>
+                </p:nvSpPr>
+                <p:spPr>
+                  <a:xfrm>
+                    <a:off x="2665878" y="2104445"/>
+                    <a:ext cx="68163" cy="45719"/>
+                  </a:xfrm>
+                  <a:prstGeom prst="ellipse">
+                    <a:avLst/>
+                  </a:prstGeom>
+                  <a:grpFill/>
+                  <a:ln w="38100">
+                    <a:solidFill>
+                      <a:schemeClr val="bg1"/>
+                    </a:solidFill>
+                  </a:ln>
+                </p:spPr>
+                <p:style>
+                  <a:lnRef idx="2">
+                    <a:schemeClr val="dk1">
+                      <a:shade val="50000"/>
+                    </a:schemeClr>
+                  </a:lnRef>
+                  <a:fillRef idx="1">
+                    <a:schemeClr val="dk1"/>
+                  </a:fillRef>
+                  <a:effectRef idx="0">
+                    <a:schemeClr val="dk1"/>
+                  </a:effectRef>
+                  <a:fontRef idx="minor">
+                    <a:schemeClr val="lt1"/>
+                  </a:fontRef>
+                </p:style>
+                <p:txBody>
+                  <a:bodyPr rtlCol="0" anchor="ctr"/>
+                  <a:lstStyle/>
+                  <a:p>
+                    <a:pPr algn="ctr"/>
+                    <a:endParaRPr lang="de-DE"/>
+                  </a:p>
+                </p:txBody>
+              </p:sp>
+            </p:grpSp>
+            <p:grpSp>
+              <p:nvGrpSpPr>
+                <p:cNvPr id="232" name="Gruppieren 231"/>
+                <p:cNvGrpSpPr/>
+                <p:nvPr/>
+              </p:nvGrpSpPr>
+              <p:grpSpPr>
+                <a:xfrm>
+                  <a:off x="6516130" y="3576030"/>
+                  <a:ext cx="815082" cy="604623"/>
+                  <a:chOff x="2491998" y="2031897"/>
+                  <a:chExt cx="574733" cy="428457"/>
+                </a:xfrm>
+                <a:solidFill>
+                  <a:schemeClr val="bg1"/>
+                </a:solidFill>
+              </p:grpSpPr>
+              <p:grpSp>
+                <p:nvGrpSpPr>
+                  <p:cNvPr id="268" name="Gruppieren 267"/>
+                  <p:cNvGrpSpPr/>
+                  <p:nvPr/>
+                </p:nvGrpSpPr>
+                <p:grpSpPr>
+                  <a:xfrm>
+                    <a:off x="2491998" y="2031897"/>
+                    <a:ext cx="574733" cy="428457"/>
+                    <a:chOff x="2491998" y="2031897"/>
+                    <a:chExt cx="574733" cy="428457"/>
+                  </a:xfrm>
+                  <a:grpFill/>
+                </p:grpSpPr>
+                <p:sp>
+                  <p:nvSpPr>
+                    <p:cNvPr id="270" name="Ellipse 269"/>
+                    <p:cNvSpPr/>
+                    <p:nvPr/>
+                  </p:nvSpPr>
+                  <p:spPr>
+                    <a:xfrm>
+                      <a:off x="2491998" y="2231755"/>
+                      <a:ext cx="230539" cy="228599"/>
+                    </a:xfrm>
+                    <a:prstGeom prst="ellipse">
+                      <a:avLst/>
+                    </a:prstGeom>
+                    <a:noFill/>
+                    <a:ln w="38100">
+                      <a:solidFill>
+                        <a:schemeClr val="bg1"/>
+                      </a:solidFill>
+                    </a:ln>
+                  </p:spPr>
+                  <p:style>
+                    <a:lnRef idx="2">
+                      <a:schemeClr val="accent1">
+                        <a:shade val="50000"/>
+                      </a:schemeClr>
+                    </a:lnRef>
+                    <a:fillRef idx="1">
+                      <a:schemeClr val="accent1"/>
+                    </a:fillRef>
+                    <a:effectRef idx="0">
+                      <a:schemeClr val="accent1"/>
+                    </a:effectRef>
+                    <a:fontRef idx="minor">
+                      <a:schemeClr val="lt1"/>
+                    </a:fontRef>
+                  </p:style>
+                  <p:txBody>
+                    <a:bodyPr rtlCol="0" anchor="ctr"/>
+                    <a:lstStyle/>
+                    <a:p>
+                      <a:pPr algn="ctr"/>
+                      <a:endParaRPr lang="de-DE"/>
+                    </a:p>
+                  </p:txBody>
+                </p:sp>
+                <p:sp>
+                  <p:nvSpPr>
+                    <p:cNvPr id="271" name="Ellipse 270"/>
+                    <p:cNvSpPr/>
+                    <p:nvPr/>
+                  </p:nvSpPr>
+                  <p:spPr>
+                    <a:xfrm>
+                      <a:off x="2836192" y="2227878"/>
+                      <a:ext cx="230539" cy="228599"/>
+                    </a:xfrm>
+                    <a:prstGeom prst="ellipse">
+                      <a:avLst/>
+                    </a:prstGeom>
+                    <a:noFill/>
+                    <a:ln w="38100">
+                      <a:solidFill>
+                        <a:schemeClr val="bg1"/>
+                      </a:solidFill>
+                    </a:ln>
+                  </p:spPr>
+                  <p:style>
+                    <a:lnRef idx="2">
+                      <a:schemeClr val="accent1">
+                        <a:shade val="50000"/>
+                      </a:schemeClr>
+                    </a:lnRef>
+                    <a:fillRef idx="1">
+                      <a:schemeClr val="accent1"/>
+                    </a:fillRef>
+                    <a:effectRef idx="0">
+                      <a:schemeClr val="accent1"/>
+                    </a:effectRef>
+                    <a:fontRef idx="minor">
+                      <a:schemeClr val="lt1"/>
+                    </a:fontRef>
+                  </p:style>
+                  <p:txBody>
+                    <a:bodyPr rtlCol="0" anchor="ctr"/>
+                    <a:lstStyle/>
+                    <a:p>
+                      <a:pPr algn="ctr"/>
+                      <a:endParaRPr lang="de-DE"/>
+                    </a:p>
+                  </p:txBody>
+                </p:sp>
+                <p:cxnSp>
+                  <p:nvCxnSpPr>
+                    <p:cNvPr id="272" name="Gerader Verbinder 271"/>
+                    <p:cNvCxnSpPr>
+                      <a:endCxn id="271" idx="2"/>
+                    </p:cNvCxnSpPr>
+                    <p:nvPr/>
+                  </p:nvCxnSpPr>
+                  <p:spPr>
+                    <a:xfrm flipV="1">
+                      <a:off x="2607267" y="2342178"/>
+                      <a:ext cx="228925" cy="1"/>
+                    </a:xfrm>
+                    <a:prstGeom prst="line">
+                      <a:avLst/>
+                    </a:prstGeom>
+                    <a:grpFill/>
+                    <a:ln w="38100">
+                      <a:solidFill>
+                        <a:schemeClr val="bg1"/>
+                      </a:solidFill>
+                    </a:ln>
+                  </p:spPr>
+                  <p:style>
+                    <a:lnRef idx="1">
+                      <a:schemeClr val="dk1"/>
+                    </a:lnRef>
+                    <a:fillRef idx="0">
+                      <a:schemeClr val="dk1"/>
+                    </a:fillRef>
+                    <a:effectRef idx="0">
+                      <a:schemeClr val="dk1"/>
+                    </a:effectRef>
+                    <a:fontRef idx="minor">
+                      <a:schemeClr val="tx1"/>
+                    </a:fontRef>
+                  </p:style>
+                </p:cxnSp>
+                <p:cxnSp>
+                  <p:nvCxnSpPr>
+                    <p:cNvPr id="273" name="Gerader Verbinder 272"/>
+                    <p:cNvCxnSpPr/>
+                    <p:nvPr/>
+                  </p:nvCxnSpPr>
+                  <p:spPr>
+                    <a:xfrm>
+                      <a:off x="2836192" y="2071730"/>
+                      <a:ext cx="115269" cy="251981"/>
+                    </a:xfrm>
+                    <a:prstGeom prst="line">
+                      <a:avLst/>
+                    </a:prstGeom>
+                    <a:grpFill/>
+                    <a:ln w="38100">
+                      <a:solidFill>
+                        <a:schemeClr val="bg1"/>
+                      </a:solidFill>
+                    </a:ln>
+                  </p:spPr>
+                  <p:style>
+                    <a:lnRef idx="1">
+                      <a:schemeClr val="dk1"/>
+                    </a:lnRef>
+                    <a:fillRef idx="0">
+                      <a:schemeClr val="dk1"/>
+                    </a:fillRef>
+                    <a:effectRef idx="0">
+                      <a:schemeClr val="dk1"/>
+                    </a:effectRef>
+                    <a:fontRef idx="minor">
+                      <a:schemeClr val="tx1"/>
+                    </a:fontRef>
+                  </p:style>
+                </p:cxnSp>
+                <p:cxnSp>
+                  <p:nvCxnSpPr>
+                    <p:cNvPr id="274" name="Gerader Verbinder 273"/>
+                    <p:cNvCxnSpPr/>
+                    <p:nvPr/>
+                  </p:nvCxnSpPr>
+                  <p:spPr>
+                    <a:xfrm flipH="1" flipV="1">
+                      <a:off x="2688957" y="2114292"/>
+                      <a:ext cx="86198" cy="227886"/>
+                    </a:xfrm>
+                    <a:prstGeom prst="line">
+                      <a:avLst/>
+                    </a:prstGeom>
+                    <a:grpFill/>
+                    <a:ln w="38100">
+                      <a:solidFill>
+                        <a:schemeClr val="bg1"/>
+                      </a:solidFill>
+                    </a:ln>
+                  </p:spPr>
+                  <p:style>
+                    <a:lnRef idx="1">
+                      <a:schemeClr val="dk1"/>
+                    </a:lnRef>
+                    <a:fillRef idx="0">
+                      <a:schemeClr val="dk1"/>
+                    </a:fillRef>
+                    <a:effectRef idx="0">
+                      <a:schemeClr val="dk1"/>
+                    </a:effectRef>
+                    <a:fontRef idx="minor">
+                      <a:schemeClr val="tx1"/>
+                    </a:fontRef>
+                  </p:style>
+                </p:cxnSp>
+                <p:cxnSp>
+                  <p:nvCxnSpPr>
+                    <p:cNvPr id="275" name="Gerader Verbinder 274"/>
+                    <p:cNvCxnSpPr/>
+                    <p:nvPr/>
+                  </p:nvCxnSpPr>
+                  <p:spPr>
+                    <a:xfrm flipV="1">
+                      <a:off x="2749418" y="2287948"/>
+                      <a:ext cx="40067" cy="104621"/>
+                    </a:xfrm>
+                    <a:prstGeom prst="line">
+                      <a:avLst/>
+                    </a:prstGeom>
+                    <a:grpFill/>
+                    <a:ln w="38100">
+                      <a:solidFill>
+                        <a:schemeClr val="bg1"/>
+                      </a:solidFill>
+                    </a:ln>
+                  </p:spPr>
+                  <p:style>
+                    <a:lnRef idx="1">
+                      <a:schemeClr val="dk1"/>
+                    </a:lnRef>
+                    <a:fillRef idx="0">
+                      <a:schemeClr val="dk1"/>
+                    </a:fillRef>
+                    <a:effectRef idx="0">
+                      <a:schemeClr val="dk1"/>
+                    </a:effectRef>
+                    <a:fontRef idx="minor">
+                      <a:schemeClr val="tx1"/>
+                    </a:fontRef>
+                  </p:style>
+                </p:cxnSp>
+                <p:cxnSp>
+                  <p:nvCxnSpPr>
+                    <p:cNvPr id="276" name="Gerader Verbinder 275"/>
+                    <p:cNvCxnSpPr/>
+                    <p:nvPr/>
+                  </p:nvCxnSpPr>
+                  <p:spPr>
+                    <a:xfrm flipH="1">
+                      <a:off x="2789277" y="2031897"/>
+                      <a:ext cx="93830" cy="95237"/>
+                    </a:xfrm>
+                    <a:prstGeom prst="line">
+                      <a:avLst/>
+                    </a:prstGeom>
+                    <a:grpFill/>
+                    <a:ln w="38100">
+                      <a:solidFill>
+                        <a:schemeClr val="bg1"/>
+                      </a:solidFill>
+                    </a:ln>
+                  </p:spPr>
+                  <p:style>
+                    <a:lnRef idx="1">
+                      <a:schemeClr val="dk1"/>
+                    </a:lnRef>
+                    <a:fillRef idx="0">
+                      <a:schemeClr val="dk1"/>
+                    </a:fillRef>
+                    <a:effectRef idx="0">
+                      <a:schemeClr val="dk1"/>
+                    </a:effectRef>
+                    <a:fontRef idx="minor">
+                      <a:schemeClr val="tx1"/>
+                    </a:fontRef>
+                  </p:style>
+                </p:cxnSp>
+              </p:grpSp>
+              <p:sp>
+                <p:nvSpPr>
+                  <p:cNvPr id="269" name="Ellipse 268"/>
+                  <p:cNvSpPr/>
+                  <p:nvPr/>
+                </p:nvSpPr>
+                <p:spPr>
+                  <a:xfrm>
+                    <a:off x="2665878" y="2104445"/>
+                    <a:ext cx="68163" cy="45719"/>
+                  </a:xfrm>
+                  <a:prstGeom prst="ellipse">
+                    <a:avLst/>
+                  </a:prstGeom>
+                  <a:grpFill/>
+                  <a:ln w="38100">
+                    <a:solidFill>
+                      <a:schemeClr val="bg1"/>
+                    </a:solidFill>
+                  </a:ln>
+                </p:spPr>
+                <p:style>
+                  <a:lnRef idx="2">
+                    <a:schemeClr val="dk1">
+                      <a:shade val="50000"/>
+                    </a:schemeClr>
+                  </a:lnRef>
+                  <a:fillRef idx="1">
+                    <a:schemeClr val="dk1"/>
+                  </a:fillRef>
+                  <a:effectRef idx="0">
+                    <a:schemeClr val="dk1"/>
+                  </a:effectRef>
+                  <a:fontRef idx="minor">
+                    <a:schemeClr val="lt1"/>
+                  </a:fontRef>
+                </p:style>
+                <p:txBody>
+                  <a:bodyPr rtlCol="0" anchor="ctr"/>
+                  <a:lstStyle/>
+                  <a:p>
+                    <a:pPr algn="ctr"/>
+                    <a:endParaRPr lang="de-DE"/>
+                  </a:p>
+                </p:txBody>
+              </p:sp>
+            </p:grpSp>
+            <p:grpSp>
+              <p:nvGrpSpPr>
+                <p:cNvPr id="233" name="Gruppieren 232"/>
+                <p:cNvGrpSpPr/>
+                <p:nvPr/>
+              </p:nvGrpSpPr>
+              <p:grpSpPr>
+                <a:xfrm>
+                  <a:off x="4430657" y="3576030"/>
+                  <a:ext cx="815082" cy="604623"/>
+                  <a:chOff x="2491998" y="2031897"/>
+                  <a:chExt cx="574733" cy="428457"/>
+                </a:xfrm>
+                <a:solidFill>
+                  <a:schemeClr val="bg1"/>
+                </a:solidFill>
+              </p:grpSpPr>
+              <p:grpSp>
+                <p:nvGrpSpPr>
+                  <p:cNvPr id="259" name="Gruppieren 258"/>
+                  <p:cNvGrpSpPr/>
+                  <p:nvPr/>
+                </p:nvGrpSpPr>
+                <p:grpSpPr>
+                  <a:xfrm>
+                    <a:off x="2491998" y="2031897"/>
+                    <a:ext cx="574733" cy="428457"/>
+                    <a:chOff x="2491998" y="2031897"/>
+                    <a:chExt cx="574733" cy="428457"/>
+                  </a:xfrm>
+                  <a:grpFill/>
+                </p:grpSpPr>
+                <p:sp>
+                  <p:nvSpPr>
+                    <p:cNvPr id="261" name="Ellipse 260"/>
+                    <p:cNvSpPr/>
+                    <p:nvPr/>
+                  </p:nvSpPr>
+                  <p:spPr>
+                    <a:xfrm>
+                      <a:off x="2491998" y="2231755"/>
+                      <a:ext cx="230539" cy="228599"/>
+                    </a:xfrm>
+                    <a:prstGeom prst="ellipse">
+                      <a:avLst/>
+                    </a:prstGeom>
+                    <a:noFill/>
+                    <a:ln w="38100">
+                      <a:solidFill>
+                        <a:schemeClr val="bg1"/>
+                      </a:solidFill>
+                    </a:ln>
+                  </p:spPr>
+                  <p:style>
+                    <a:lnRef idx="2">
+                      <a:schemeClr val="accent1">
+                        <a:shade val="50000"/>
+                      </a:schemeClr>
+                    </a:lnRef>
+                    <a:fillRef idx="1">
+                      <a:schemeClr val="accent1"/>
+                    </a:fillRef>
+                    <a:effectRef idx="0">
+                      <a:schemeClr val="accent1"/>
+                    </a:effectRef>
+                    <a:fontRef idx="minor">
+                      <a:schemeClr val="lt1"/>
+                    </a:fontRef>
+                  </p:style>
+                  <p:txBody>
+                    <a:bodyPr rtlCol="0" anchor="ctr"/>
+                    <a:lstStyle/>
+                    <a:p>
+                      <a:pPr algn="ctr"/>
+                      <a:endParaRPr lang="de-DE"/>
+                    </a:p>
+                  </p:txBody>
+                </p:sp>
+                <p:sp>
+                  <p:nvSpPr>
+                    <p:cNvPr id="262" name="Ellipse 261"/>
+                    <p:cNvSpPr/>
+                    <p:nvPr/>
+                  </p:nvSpPr>
+                  <p:spPr>
+                    <a:xfrm>
+                      <a:off x="2836192" y="2227878"/>
+                      <a:ext cx="230539" cy="228599"/>
+                    </a:xfrm>
+                    <a:prstGeom prst="ellipse">
+                      <a:avLst/>
+                    </a:prstGeom>
+                    <a:noFill/>
+                    <a:ln w="38100">
+                      <a:solidFill>
+                        <a:schemeClr val="bg1"/>
+                      </a:solidFill>
+                    </a:ln>
+                  </p:spPr>
+                  <p:style>
+                    <a:lnRef idx="2">
+                      <a:schemeClr val="accent1">
+                        <a:shade val="50000"/>
+                      </a:schemeClr>
+                    </a:lnRef>
+                    <a:fillRef idx="1">
+                      <a:schemeClr val="accent1"/>
+                    </a:fillRef>
+                    <a:effectRef idx="0">
+                      <a:schemeClr val="accent1"/>
+                    </a:effectRef>
+                    <a:fontRef idx="minor">
+                      <a:schemeClr val="lt1"/>
+                    </a:fontRef>
+                  </p:style>
+                  <p:txBody>
+                    <a:bodyPr rtlCol="0" anchor="ctr"/>
+                    <a:lstStyle/>
+                    <a:p>
+                      <a:pPr algn="ctr"/>
+                      <a:endParaRPr lang="de-DE"/>
+                    </a:p>
+                  </p:txBody>
+                </p:sp>
+                <p:cxnSp>
+                  <p:nvCxnSpPr>
+                    <p:cNvPr id="263" name="Gerader Verbinder 262"/>
+                    <p:cNvCxnSpPr>
+                      <a:endCxn id="262" idx="2"/>
+                    </p:cNvCxnSpPr>
+                    <p:nvPr/>
+                  </p:nvCxnSpPr>
+                  <p:spPr>
+                    <a:xfrm flipV="1">
+                      <a:off x="2607267" y="2342178"/>
+                      <a:ext cx="228925" cy="1"/>
+                    </a:xfrm>
+                    <a:prstGeom prst="line">
+                      <a:avLst/>
+                    </a:prstGeom>
+                    <a:grpFill/>
+                    <a:ln w="38100">
+                      <a:solidFill>
+                        <a:schemeClr val="bg1"/>
+                      </a:solidFill>
+                    </a:ln>
+                  </p:spPr>
+                  <p:style>
+                    <a:lnRef idx="1">
+                      <a:schemeClr val="dk1"/>
+                    </a:lnRef>
+                    <a:fillRef idx="0">
+                      <a:schemeClr val="dk1"/>
+                    </a:fillRef>
+                    <a:effectRef idx="0">
+                      <a:schemeClr val="dk1"/>
+                    </a:effectRef>
+                    <a:fontRef idx="minor">
+                      <a:schemeClr val="tx1"/>
+                    </a:fontRef>
+                  </p:style>
+                </p:cxnSp>
+                <p:cxnSp>
+                  <p:nvCxnSpPr>
+                    <p:cNvPr id="264" name="Gerader Verbinder 263"/>
+                    <p:cNvCxnSpPr/>
+                    <p:nvPr/>
+                  </p:nvCxnSpPr>
+                  <p:spPr>
+                    <a:xfrm>
+                      <a:off x="2836192" y="2071730"/>
+                      <a:ext cx="115269" cy="251981"/>
+                    </a:xfrm>
+                    <a:prstGeom prst="line">
+                      <a:avLst/>
+                    </a:prstGeom>
+                    <a:grpFill/>
+                    <a:ln w="38100">
+                      <a:solidFill>
+                        <a:schemeClr val="bg1"/>
+                      </a:solidFill>
+                    </a:ln>
+                  </p:spPr>
+                  <p:style>
+                    <a:lnRef idx="1">
+                      <a:schemeClr val="dk1"/>
+                    </a:lnRef>
+                    <a:fillRef idx="0">
+                      <a:schemeClr val="dk1"/>
+                    </a:fillRef>
+                    <a:effectRef idx="0">
+                      <a:schemeClr val="dk1"/>
+                    </a:effectRef>
+                    <a:fontRef idx="minor">
+                      <a:schemeClr val="tx1"/>
+                    </a:fontRef>
+                  </p:style>
+                </p:cxnSp>
+                <p:cxnSp>
+                  <p:nvCxnSpPr>
+                    <p:cNvPr id="265" name="Gerader Verbinder 264"/>
+                    <p:cNvCxnSpPr/>
+                    <p:nvPr/>
+                  </p:nvCxnSpPr>
+                  <p:spPr>
+                    <a:xfrm flipH="1" flipV="1">
+                      <a:off x="2688957" y="2114292"/>
+                      <a:ext cx="86198" cy="227886"/>
+                    </a:xfrm>
+                    <a:prstGeom prst="line">
+                      <a:avLst/>
+                    </a:prstGeom>
+                    <a:grpFill/>
+                    <a:ln w="38100">
+                      <a:solidFill>
+                        <a:schemeClr val="bg1"/>
+                      </a:solidFill>
+                    </a:ln>
+                  </p:spPr>
+                  <p:style>
+                    <a:lnRef idx="1">
+                      <a:schemeClr val="dk1"/>
+                    </a:lnRef>
+                    <a:fillRef idx="0">
+                      <a:schemeClr val="dk1"/>
+                    </a:fillRef>
+                    <a:effectRef idx="0">
+                      <a:schemeClr val="dk1"/>
+                    </a:effectRef>
+                    <a:fontRef idx="minor">
+                      <a:schemeClr val="tx1"/>
+                    </a:fontRef>
+                  </p:style>
+                </p:cxnSp>
+                <p:cxnSp>
+                  <p:nvCxnSpPr>
+                    <p:cNvPr id="266" name="Gerader Verbinder 265"/>
+                    <p:cNvCxnSpPr/>
+                    <p:nvPr/>
+                  </p:nvCxnSpPr>
+                  <p:spPr>
+                    <a:xfrm flipV="1">
+                      <a:off x="2749418" y="2287948"/>
+                      <a:ext cx="40067" cy="104621"/>
+                    </a:xfrm>
+                    <a:prstGeom prst="line">
+                      <a:avLst/>
+                    </a:prstGeom>
+                    <a:grpFill/>
+                    <a:ln w="38100">
+                      <a:solidFill>
+                        <a:schemeClr val="bg1"/>
+                      </a:solidFill>
+                    </a:ln>
+                  </p:spPr>
+                  <p:style>
+                    <a:lnRef idx="1">
+                      <a:schemeClr val="dk1"/>
+                    </a:lnRef>
+                    <a:fillRef idx="0">
+                      <a:schemeClr val="dk1"/>
+                    </a:fillRef>
+                    <a:effectRef idx="0">
+                      <a:schemeClr val="dk1"/>
+                    </a:effectRef>
+                    <a:fontRef idx="minor">
+                      <a:schemeClr val="tx1"/>
+                    </a:fontRef>
+                  </p:style>
+                </p:cxnSp>
+                <p:cxnSp>
+                  <p:nvCxnSpPr>
+                    <p:cNvPr id="267" name="Gerader Verbinder 266"/>
+                    <p:cNvCxnSpPr/>
+                    <p:nvPr/>
+                  </p:nvCxnSpPr>
+                  <p:spPr>
+                    <a:xfrm flipH="1">
+                      <a:off x="2789277" y="2031897"/>
+                      <a:ext cx="93830" cy="95237"/>
+                    </a:xfrm>
+                    <a:prstGeom prst="line">
+                      <a:avLst/>
+                    </a:prstGeom>
+                    <a:grpFill/>
+                    <a:ln w="38100">
+                      <a:solidFill>
+                        <a:schemeClr val="bg1"/>
+                      </a:solidFill>
+                    </a:ln>
+                  </p:spPr>
+                  <p:style>
+                    <a:lnRef idx="1">
+                      <a:schemeClr val="dk1"/>
+                    </a:lnRef>
+                    <a:fillRef idx="0">
+                      <a:schemeClr val="dk1"/>
+                    </a:fillRef>
+                    <a:effectRef idx="0">
+                      <a:schemeClr val="dk1"/>
+                    </a:effectRef>
+                    <a:fontRef idx="minor">
+                      <a:schemeClr val="tx1"/>
+                    </a:fontRef>
+                  </p:style>
+                </p:cxnSp>
+              </p:grpSp>
+              <p:sp>
+                <p:nvSpPr>
+                  <p:cNvPr id="260" name="Ellipse 259"/>
+                  <p:cNvSpPr/>
+                  <p:nvPr/>
+                </p:nvSpPr>
+                <p:spPr>
+                  <a:xfrm>
+                    <a:off x="2665878" y="2104445"/>
+                    <a:ext cx="68163" cy="45719"/>
+                  </a:xfrm>
+                  <a:prstGeom prst="ellipse">
+                    <a:avLst/>
+                  </a:prstGeom>
+                  <a:grpFill/>
+                  <a:ln w="38100">
+                    <a:solidFill>
+                      <a:schemeClr val="bg1"/>
+                    </a:solidFill>
+                  </a:ln>
+                </p:spPr>
+                <p:style>
+                  <a:lnRef idx="2">
+                    <a:schemeClr val="dk1">
+                      <a:shade val="50000"/>
+                    </a:schemeClr>
+                  </a:lnRef>
+                  <a:fillRef idx="1">
+                    <a:schemeClr val="dk1"/>
+                  </a:fillRef>
+                  <a:effectRef idx="0">
+                    <a:schemeClr val="dk1"/>
+                  </a:effectRef>
+                  <a:fontRef idx="minor">
+                    <a:schemeClr val="lt1"/>
+                  </a:fontRef>
+                </p:style>
+                <p:txBody>
+                  <a:bodyPr rtlCol="0" anchor="ctr"/>
+                  <a:lstStyle/>
+                  <a:p>
+                    <a:pPr algn="ctr"/>
+                    <a:endParaRPr lang="de-DE"/>
+                  </a:p>
+                </p:txBody>
+              </p:sp>
+            </p:grpSp>
+            <p:grpSp>
+              <p:nvGrpSpPr>
+                <p:cNvPr id="234" name="Gruppieren 233"/>
+                <p:cNvGrpSpPr/>
+                <p:nvPr/>
+              </p:nvGrpSpPr>
+              <p:grpSpPr>
+                <a:xfrm>
+                  <a:off x="8601604" y="3576030"/>
+                  <a:ext cx="815082" cy="604623"/>
+                  <a:chOff x="2491998" y="2031897"/>
+                  <a:chExt cx="574733" cy="428457"/>
+                </a:xfrm>
+                <a:solidFill>
+                  <a:schemeClr val="bg1"/>
+                </a:solidFill>
+              </p:grpSpPr>
+              <p:grpSp>
+                <p:nvGrpSpPr>
+                  <p:cNvPr id="250" name="Gruppieren 249"/>
+                  <p:cNvGrpSpPr/>
+                  <p:nvPr/>
+                </p:nvGrpSpPr>
+                <p:grpSpPr>
+                  <a:xfrm>
+                    <a:off x="2491998" y="2031897"/>
+                    <a:ext cx="574733" cy="428457"/>
+                    <a:chOff x="2491998" y="2031897"/>
+                    <a:chExt cx="574733" cy="428457"/>
+                  </a:xfrm>
+                  <a:grpFill/>
+                </p:grpSpPr>
+                <p:sp>
+                  <p:nvSpPr>
+                    <p:cNvPr id="252" name="Ellipse 251"/>
+                    <p:cNvSpPr/>
+                    <p:nvPr/>
+                  </p:nvSpPr>
+                  <p:spPr>
+                    <a:xfrm>
+                      <a:off x="2491998" y="2231755"/>
+                      <a:ext cx="230539" cy="228599"/>
+                    </a:xfrm>
+                    <a:prstGeom prst="ellipse">
+                      <a:avLst/>
+                    </a:prstGeom>
+                    <a:noFill/>
+                    <a:ln w="38100">
+                      <a:solidFill>
+                        <a:schemeClr val="bg1"/>
+                      </a:solidFill>
+                    </a:ln>
+                  </p:spPr>
+                  <p:style>
+                    <a:lnRef idx="2">
+                      <a:schemeClr val="accent1">
+                        <a:shade val="50000"/>
+                      </a:schemeClr>
+                    </a:lnRef>
+                    <a:fillRef idx="1">
+                      <a:schemeClr val="accent1"/>
+                    </a:fillRef>
+                    <a:effectRef idx="0">
+                      <a:schemeClr val="accent1"/>
+                    </a:effectRef>
+                    <a:fontRef idx="minor">
+                      <a:schemeClr val="lt1"/>
+                    </a:fontRef>
+                  </p:style>
+                  <p:txBody>
+                    <a:bodyPr rtlCol="0" anchor="ctr"/>
+                    <a:lstStyle/>
+                    <a:p>
+                      <a:pPr algn="ctr"/>
+                      <a:endParaRPr lang="de-DE"/>
+                    </a:p>
+                  </p:txBody>
+                </p:sp>
+                <p:sp>
+                  <p:nvSpPr>
+                    <p:cNvPr id="253" name="Ellipse 252"/>
+                    <p:cNvSpPr/>
+                    <p:nvPr/>
+                  </p:nvSpPr>
+                  <p:spPr>
+                    <a:xfrm>
+                      <a:off x="2836192" y="2227878"/>
+                      <a:ext cx="230539" cy="228599"/>
+                    </a:xfrm>
+                    <a:prstGeom prst="ellipse">
+                      <a:avLst/>
+                    </a:prstGeom>
+                    <a:noFill/>
+                    <a:ln w="38100">
+                      <a:solidFill>
+                        <a:schemeClr val="bg1"/>
+                      </a:solidFill>
+                    </a:ln>
+                  </p:spPr>
+                  <p:style>
+                    <a:lnRef idx="2">
+                      <a:schemeClr val="accent1">
+                        <a:shade val="50000"/>
+                      </a:schemeClr>
+                    </a:lnRef>
+                    <a:fillRef idx="1">
+                      <a:schemeClr val="accent1"/>
+                    </a:fillRef>
+                    <a:effectRef idx="0">
+                      <a:schemeClr val="accent1"/>
+                    </a:effectRef>
+                    <a:fontRef idx="minor">
+                      <a:schemeClr val="lt1"/>
+                    </a:fontRef>
+                  </p:style>
+                  <p:txBody>
+                    <a:bodyPr rtlCol="0" anchor="ctr"/>
+                    <a:lstStyle/>
+                    <a:p>
+                      <a:pPr algn="ctr"/>
+                      <a:endParaRPr lang="de-DE"/>
+                    </a:p>
+                  </p:txBody>
+                </p:sp>
+                <p:cxnSp>
+                  <p:nvCxnSpPr>
+                    <p:cNvPr id="254" name="Gerader Verbinder 253"/>
+                    <p:cNvCxnSpPr>
+                      <a:endCxn id="253" idx="2"/>
+                    </p:cNvCxnSpPr>
+                    <p:nvPr/>
+                  </p:nvCxnSpPr>
+                  <p:spPr>
+                    <a:xfrm flipV="1">
+                      <a:off x="2607267" y="2342178"/>
+                      <a:ext cx="228925" cy="1"/>
+                    </a:xfrm>
+                    <a:prstGeom prst="line">
+                      <a:avLst/>
+                    </a:prstGeom>
+                    <a:grpFill/>
+                    <a:ln w="38100">
+                      <a:solidFill>
+                        <a:schemeClr val="bg1"/>
+                      </a:solidFill>
+                    </a:ln>
+                  </p:spPr>
+                  <p:style>
+                    <a:lnRef idx="1">
+                      <a:schemeClr val="dk1"/>
+                    </a:lnRef>
+                    <a:fillRef idx="0">
+                      <a:schemeClr val="dk1"/>
+                    </a:fillRef>
+                    <a:effectRef idx="0">
+                      <a:schemeClr val="dk1"/>
+                    </a:effectRef>
+                    <a:fontRef idx="minor">
+                      <a:schemeClr val="tx1"/>
+                    </a:fontRef>
+                  </p:style>
+                </p:cxnSp>
+                <p:cxnSp>
+                  <p:nvCxnSpPr>
+                    <p:cNvPr id="255" name="Gerader Verbinder 254"/>
+                    <p:cNvCxnSpPr/>
+                    <p:nvPr/>
+                  </p:nvCxnSpPr>
+                  <p:spPr>
+                    <a:xfrm>
+                      <a:off x="2836192" y="2071730"/>
+                      <a:ext cx="115269" cy="251981"/>
+                    </a:xfrm>
+                    <a:prstGeom prst="line">
+                      <a:avLst/>
+                    </a:prstGeom>
+                    <a:grpFill/>
+                    <a:ln w="38100">
+                      <a:solidFill>
+                        <a:schemeClr val="bg1"/>
+                      </a:solidFill>
+                    </a:ln>
+                  </p:spPr>
+                  <p:style>
+                    <a:lnRef idx="1">
+                      <a:schemeClr val="dk1"/>
+                    </a:lnRef>
+                    <a:fillRef idx="0">
+                      <a:schemeClr val="dk1"/>
+                    </a:fillRef>
+                    <a:effectRef idx="0">
+                      <a:schemeClr val="dk1"/>
+                    </a:effectRef>
+                    <a:fontRef idx="minor">
+                      <a:schemeClr val="tx1"/>
+                    </a:fontRef>
+                  </p:style>
+                </p:cxnSp>
+                <p:cxnSp>
+                  <p:nvCxnSpPr>
+                    <p:cNvPr id="256" name="Gerader Verbinder 255"/>
+                    <p:cNvCxnSpPr/>
+                    <p:nvPr/>
+                  </p:nvCxnSpPr>
+                  <p:spPr>
+                    <a:xfrm flipH="1" flipV="1">
+                      <a:off x="2688957" y="2114292"/>
+                      <a:ext cx="86198" cy="227886"/>
+                    </a:xfrm>
+                    <a:prstGeom prst="line">
+                      <a:avLst/>
+                    </a:prstGeom>
+                    <a:grpFill/>
+                    <a:ln w="38100">
+                      <a:solidFill>
+                        <a:schemeClr val="bg1"/>
+                      </a:solidFill>
+                    </a:ln>
+                  </p:spPr>
+                  <p:style>
+                    <a:lnRef idx="1">
+                      <a:schemeClr val="dk1"/>
+                    </a:lnRef>
+                    <a:fillRef idx="0">
+                      <a:schemeClr val="dk1"/>
+                    </a:fillRef>
+                    <a:effectRef idx="0">
+                      <a:schemeClr val="dk1"/>
+                    </a:effectRef>
+                    <a:fontRef idx="minor">
+                      <a:schemeClr val="tx1"/>
+                    </a:fontRef>
+                  </p:style>
+                </p:cxnSp>
+                <p:cxnSp>
+                  <p:nvCxnSpPr>
+                    <p:cNvPr id="257" name="Gerader Verbinder 256"/>
+                    <p:cNvCxnSpPr/>
+                    <p:nvPr/>
+                  </p:nvCxnSpPr>
+                  <p:spPr>
+                    <a:xfrm flipV="1">
+                      <a:off x="2749418" y="2287948"/>
+                      <a:ext cx="40067" cy="104621"/>
+                    </a:xfrm>
+                    <a:prstGeom prst="line">
+                      <a:avLst/>
+                    </a:prstGeom>
+                    <a:grpFill/>
+                    <a:ln w="38100">
+                      <a:solidFill>
+                        <a:schemeClr val="bg1"/>
+                      </a:solidFill>
+                    </a:ln>
+                  </p:spPr>
+                  <p:style>
+                    <a:lnRef idx="1">
+                      <a:schemeClr val="dk1"/>
+                    </a:lnRef>
+                    <a:fillRef idx="0">
+                      <a:schemeClr val="dk1"/>
+                    </a:fillRef>
+                    <a:effectRef idx="0">
+                      <a:schemeClr val="dk1"/>
+                    </a:effectRef>
+                    <a:fontRef idx="minor">
+                      <a:schemeClr val="tx1"/>
+                    </a:fontRef>
+                  </p:style>
+                </p:cxnSp>
+                <p:cxnSp>
+                  <p:nvCxnSpPr>
+                    <p:cNvPr id="258" name="Gerader Verbinder 257"/>
+                    <p:cNvCxnSpPr/>
+                    <p:nvPr/>
+                  </p:nvCxnSpPr>
+                  <p:spPr>
+                    <a:xfrm flipH="1">
+                      <a:off x="2789277" y="2031897"/>
+                      <a:ext cx="93830" cy="95237"/>
+                    </a:xfrm>
+                    <a:prstGeom prst="line">
+                      <a:avLst/>
+                    </a:prstGeom>
+                    <a:grpFill/>
+                    <a:ln w="38100">
+                      <a:solidFill>
+                        <a:schemeClr val="bg1"/>
+                      </a:solidFill>
+                    </a:ln>
+                  </p:spPr>
+                  <p:style>
+                    <a:lnRef idx="1">
+                      <a:schemeClr val="dk1"/>
+                    </a:lnRef>
+                    <a:fillRef idx="0">
+                      <a:schemeClr val="dk1"/>
+                    </a:fillRef>
+                    <a:effectRef idx="0">
+                      <a:schemeClr val="dk1"/>
+                    </a:effectRef>
+                    <a:fontRef idx="minor">
+                      <a:schemeClr val="tx1"/>
+                    </a:fontRef>
+                  </p:style>
+                </p:cxnSp>
+              </p:grpSp>
+              <p:sp>
+                <p:nvSpPr>
+                  <p:cNvPr id="251" name="Ellipse 250"/>
+                  <p:cNvSpPr/>
+                  <p:nvPr/>
+                </p:nvSpPr>
+                <p:spPr>
+                  <a:xfrm>
+                    <a:off x="2665878" y="2104445"/>
+                    <a:ext cx="68163" cy="45719"/>
+                  </a:xfrm>
+                  <a:prstGeom prst="ellipse">
+                    <a:avLst/>
+                  </a:prstGeom>
+                  <a:grpFill/>
+                  <a:ln w="38100">
+                    <a:solidFill>
+                      <a:schemeClr val="bg1"/>
+                    </a:solidFill>
+                  </a:ln>
+                </p:spPr>
+                <p:style>
+                  <a:lnRef idx="2">
+                    <a:schemeClr val="dk1">
+                      <a:shade val="50000"/>
+                    </a:schemeClr>
+                  </a:lnRef>
+                  <a:fillRef idx="1">
+                    <a:schemeClr val="dk1"/>
+                  </a:fillRef>
+                  <a:effectRef idx="0">
+                    <a:schemeClr val="dk1"/>
+                  </a:effectRef>
+                  <a:fontRef idx="minor">
+                    <a:schemeClr val="lt1"/>
+                  </a:fontRef>
+                </p:style>
+                <p:txBody>
+                  <a:bodyPr rtlCol="0" anchor="ctr"/>
+                  <a:lstStyle/>
+                  <a:p>
+                    <a:pPr algn="ctr"/>
+                    <a:endParaRPr lang="de-DE"/>
+                  </a:p>
+                </p:txBody>
+              </p:sp>
+            </p:grpSp>
+            <p:sp>
+              <p:nvSpPr>
+                <p:cNvPr id="235" name="Gewitterblitz 234"/>
+                <p:cNvSpPr/>
+                <p:nvPr/>
+              </p:nvSpPr>
+              <p:spPr>
+                <a:xfrm>
+                  <a:off x="3630100" y="2608167"/>
+                  <a:ext cx="332329" cy="443327"/>
+                </a:xfrm>
+                <a:prstGeom prst="lightningBolt">
+                  <a:avLst/>
+                </a:prstGeom>
+                <a:solidFill>
+                  <a:srgbClr val="FF0000"/>
+                </a:solidFill>
+                <a:ln>
+                  <a:solidFill>
+                    <a:schemeClr val="bg1"/>
+                  </a:solidFill>
+                </a:ln>
+              </p:spPr>
+              <p:style>
+                <a:lnRef idx="2">
+                  <a:schemeClr val="accent1">
+                    <a:shade val="50000"/>
+                  </a:schemeClr>
+                </a:lnRef>
+                <a:fillRef idx="1">
+                  <a:schemeClr val="accent1"/>
+                </a:fillRef>
+                <a:effectRef idx="0">
+                  <a:schemeClr val="accent1"/>
+                </a:effectRef>
+                <a:fontRef idx="minor">
+                  <a:schemeClr val="lt1"/>
+                </a:fontRef>
+              </p:style>
+              <p:txBody>
+                <a:bodyPr rtlCol="0" anchor="ctr"/>
+                <a:lstStyle/>
+                <a:p>
+                  <a:pPr algn="ctr"/>
+                  <a:endParaRPr lang="de-DE"/>
+                </a:p>
+              </p:txBody>
+            </p:sp>
+            <p:sp>
+              <p:nvSpPr>
+                <p:cNvPr id="236" name="Gewitterblitz 235"/>
+                <p:cNvSpPr/>
+                <p:nvPr/>
+              </p:nvSpPr>
+              <p:spPr>
+                <a:xfrm>
+                  <a:off x="5622252" y="2608167"/>
+                  <a:ext cx="332329" cy="443327"/>
+                </a:xfrm>
+                <a:prstGeom prst="lightningBolt">
+                  <a:avLst/>
+                </a:prstGeom>
+                <a:solidFill>
+                  <a:srgbClr val="FF0000"/>
+                </a:solidFill>
+                <a:ln>
+                  <a:solidFill>
+                    <a:schemeClr val="bg1"/>
+                  </a:solidFill>
+                </a:ln>
+              </p:spPr>
+              <p:style>
+                <a:lnRef idx="2">
+                  <a:schemeClr val="accent1">
+                    <a:shade val="50000"/>
+                  </a:schemeClr>
+                </a:lnRef>
+                <a:fillRef idx="1">
+                  <a:schemeClr val="accent1"/>
+                </a:fillRef>
+                <a:effectRef idx="0">
+                  <a:schemeClr val="accent1"/>
+                </a:effectRef>
+                <a:fontRef idx="minor">
+                  <a:schemeClr val="lt1"/>
+                </a:fontRef>
+              </p:style>
+              <p:txBody>
+                <a:bodyPr rtlCol="0" anchor="ctr"/>
+                <a:lstStyle/>
+                <a:p>
+                  <a:pPr algn="ctr"/>
+                  <a:endParaRPr lang="de-DE"/>
+                </a:p>
+              </p:txBody>
+            </p:sp>
+            <p:sp>
+              <p:nvSpPr>
+                <p:cNvPr id="237" name="Gewitterblitz 236"/>
+                <p:cNvSpPr/>
+                <p:nvPr/>
+              </p:nvSpPr>
+              <p:spPr>
+                <a:xfrm>
+                  <a:off x="7732202" y="2608167"/>
+                  <a:ext cx="332329" cy="443327"/>
+                </a:xfrm>
+                <a:prstGeom prst="lightningBolt">
+                  <a:avLst/>
+                </a:prstGeom>
+                <a:solidFill>
+                  <a:srgbClr val="FF0000"/>
+                </a:solidFill>
+                <a:ln>
+                  <a:solidFill>
+                    <a:schemeClr val="bg1"/>
+                  </a:solidFill>
+                </a:ln>
+              </p:spPr>
+              <p:style>
+                <a:lnRef idx="2">
+                  <a:schemeClr val="accent1">
+                    <a:shade val="50000"/>
+                  </a:schemeClr>
+                </a:lnRef>
+                <a:fillRef idx="1">
+                  <a:schemeClr val="accent1"/>
+                </a:fillRef>
+                <a:effectRef idx="0">
+                  <a:schemeClr val="accent1"/>
+                </a:effectRef>
+                <a:fontRef idx="minor">
+                  <a:schemeClr val="lt1"/>
+                </a:fontRef>
+              </p:style>
+              <p:txBody>
+                <a:bodyPr rtlCol="0" anchor="ctr"/>
+                <a:lstStyle/>
+                <a:p>
+                  <a:pPr algn="ctr"/>
+                  <a:endParaRPr lang="de-DE"/>
+                </a:p>
+              </p:txBody>
+            </p:sp>
+            <p:sp>
+              <p:nvSpPr>
+                <p:cNvPr id="238" name="Gewitterblitz 237"/>
+                <p:cNvSpPr/>
+                <p:nvPr/>
+              </p:nvSpPr>
+              <p:spPr>
+                <a:xfrm>
+                  <a:off x="9793530" y="2608167"/>
+                  <a:ext cx="332329" cy="443327"/>
+                </a:xfrm>
+                <a:prstGeom prst="lightningBolt">
+                  <a:avLst/>
+                </a:prstGeom>
+                <a:solidFill>
+                  <a:srgbClr val="FF0000"/>
+                </a:solidFill>
+                <a:ln>
+                  <a:solidFill>
+                    <a:schemeClr val="bg1"/>
+                  </a:solidFill>
+                </a:ln>
+              </p:spPr>
+              <p:style>
+                <a:lnRef idx="2">
+                  <a:schemeClr val="accent1">
+                    <a:shade val="50000"/>
+                  </a:schemeClr>
+                </a:lnRef>
+                <a:fillRef idx="1">
+                  <a:schemeClr val="accent1"/>
+                </a:fillRef>
+                <a:effectRef idx="0">
+                  <a:schemeClr val="accent1"/>
+                </a:effectRef>
+                <a:fontRef idx="minor">
+                  <a:schemeClr val="lt1"/>
+                </a:fontRef>
+              </p:style>
+              <p:txBody>
+                <a:bodyPr rtlCol="0" anchor="ctr"/>
+                <a:lstStyle/>
+                <a:p>
+                  <a:pPr algn="ctr"/>
+                  <a:endParaRPr lang="de-DE"/>
+                </a:p>
+              </p:txBody>
+            </p:sp>
+            <p:sp>
+              <p:nvSpPr>
+                <p:cNvPr id="239" name="Textfeld 238"/>
+                <p:cNvSpPr txBox="1"/>
+                <p:nvPr/>
+              </p:nvSpPr>
+              <p:spPr>
+                <a:xfrm>
+                  <a:off x="2254250" y="4582519"/>
+                  <a:ext cx="1064260" cy="369332"/>
+                </a:xfrm>
+                <a:prstGeom prst="rect">
+                  <a:avLst/>
+                </a:prstGeom>
+                <a:noFill/>
+              </p:spPr>
+              <p:txBody>
+                <a:bodyPr wrap="square" rtlCol="0">
+                  <a:spAutoFit/>
+                </a:bodyPr>
+                <a:lstStyle/>
+                <a:p>
+                  <a:r>
+                    <a:rPr lang="de-DE" dirty="0" smtClean="0">
+                      <a:solidFill>
+                        <a:schemeClr val="bg1"/>
+                      </a:solidFill>
+                    </a:rPr>
+                    <a:t>5 min</a:t>
+                  </a:r>
+                  <a:endParaRPr lang="de-DE" dirty="0">
+                    <a:solidFill>
+                      <a:schemeClr val="bg1"/>
+                    </a:solidFill>
+                  </a:endParaRPr>
+                </a:p>
+              </p:txBody>
+            </p:sp>
+            <p:sp>
+              <p:nvSpPr>
+                <p:cNvPr id="240" name="Textfeld 239"/>
+                <p:cNvSpPr txBox="1"/>
+                <p:nvPr/>
+              </p:nvSpPr>
+              <p:spPr>
+                <a:xfrm>
+                  <a:off x="4412093" y="4582519"/>
+                  <a:ext cx="1064260" cy="369332"/>
+                </a:xfrm>
+                <a:prstGeom prst="rect">
+                  <a:avLst/>
+                </a:prstGeom>
+                <a:noFill/>
+              </p:spPr>
+              <p:txBody>
+                <a:bodyPr wrap="square" rtlCol="0">
+                  <a:spAutoFit/>
+                </a:bodyPr>
+                <a:lstStyle/>
+                <a:p>
+                  <a:r>
+                    <a:rPr lang="de-DE" dirty="0" smtClean="0">
+                      <a:solidFill>
+                        <a:schemeClr val="bg1"/>
+                      </a:solidFill>
+                    </a:rPr>
+                    <a:t>5 min</a:t>
+                  </a:r>
+                  <a:endParaRPr lang="de-DE" dirty="0">
+                    <a:solidFill>
+                      <a:schemeClr val="bg1"/>
+                    </a:solidFill>
+                  </a:endParaRPr>
+                </a:p>
+              </p:txBody>
+            </p:sp>
+            <p:sp>
+              <p:nvSpPr>
+                <p:cNvPr id="241" name="Textfeld 240"/>
+                <p:cNvSpPr txBox="1"/>
+                <p:nvPr/>
+              </p:nvSpPr>
+              <p:spPr>
+                <a:xfrm>
+                  <a:off x="6569936" y="4582519"/>
+                  <a:ext cx="1064260" cy="369332"/>
+                </a:xfrm>
+                <a:prstGeom prst="rect">
+                  <a:avLst/>
+                </a:prstGeom>
+                <a:noFill/>
+              </p:spPr>
+              <p:txBody>
+                <a:bodyPr wrap="square" rtlCol="0">
+                  <a:spAutoFit/>
+                </a:bodyPr>
+                <a:lstStyle/>
+                <a:p>
+                  <a:r>
+                    <a:rPr lang="de-DE" dirty="0" smtClean="0">
+                      <a:solidFill>
+                        <a:schemeClr val="bg1"/>
+                      </a:solidFill>
+                    </a:rPr>
+                    <a:t>5 min</a:t>
+                  </a:r>
+                  <a:endParaRPr lang="de-DE" dirty="0">
+                    <a:solidFill>
+                      <a:schemeClr val="bg1"/>
+                    </a:solidFill>
+                  </a:endParaRPr>
+                </a:p>
+              </p:txBody>
+            </p:sp>
+            <p:sp>
+              <p:nvSpPr>
+                <p:cNvPr id="242" name="Textfeld 241"/>
+                <p:cNvSpPr txBox="1"/>
+                <p:nvPr/>
+              </p:nvSpPr>
+              <p:spPr>
+                <a:xfrm>
+                  <a:off x="8727778" y="4582519"/>
+                  <a:ext cx="1064260" cy="369332"/>
+                </a:xfrm>
+                <a:prstGeom prst="rect">
+                  <a:avLst/>
+                </a:prstGeom>
+                <a:noFill/>
+              </p:spPr>
+              <p:txBody>
+                <a:bodyPr wrap="square" rtlCol="0">
+                  <a:spAutoFit/>
+                </a:bodyPr>
+                <a:lstStyle/>
+                <a:p>
+                  <a:r>
+                    <a:rPr lang="de-DE" dirty="0" smtClean="0">
+                      <a:solidFill>
+                        <a:schemeClr val="bg1"/>
+                      </a:solidFill>
+                    </a:rPr>
+                    <a:t>5 min</a:t>
+                  </a:r>
+                  <a:endParaRPr lang="de-DE" dirty="0">
+                    <a:solidFill>
+                      <a:schemeClr val="bg1"/>
+                    </a:solidFill>
+                  </a:endParaRPr>
+                </a:p>
+              </p:txBody>
+            </p:sp>
+            <p:sp>
+              <p:nvSpPr>
+                <p:cNvPr id="243" name="Rechteck 242"/>
+                <p:cNvSpPr/>
+                <p:nvPr/>
+              </p:nvSpPr>
+              <p:spPr>
+                <a:xfrm>
+                  <a:off x="4341373" y="2486283"/>
+                  <a:ext cx="996950" cy="2061582"/>
+                </a:xfrm>
+                <a:prstGeom prst="rect">
+                  <a:avLst/>
+                </a:prstGeom>
+                <a:noFill/>
+                <a:ln w="57150">
+                  <a:solidFill>
+                    <a:schemeClr val="bg1"/>
+                  </a:solidFill>
+                  <a:prstDash val="sysDot"/>
+                </a:ln>
+              </p:spPr>
+              <p:style>
+                <a:lnRef idx="2">
+                  <a:schemeClr val="accent1">
+                    <a:shade val="50000"/>
+                  </a:schemeClr>
+                </a:lnRef>
+                <a:fillRef idx="1">
+                  <a:schemeClr val="accent1"/>
+                </a:fillRef>
+                <a:effectRef idx="0">
+                  <a:schemeClr val="accent1"/>
+                </a:effectRef>
+                <a:fontRef idx="minor">
+                  <a:schemeClr val="lt1"/>
+                </a:fontRef>
+              </p:style>
+              <p:txBody>
+                <a:bodyPr rtlCol="0" anchor="ctr"/>
+                <a:lstStyle/>
+                <a:p>
+                  <a:pPr algn="ctr"/>
+                  <a:endParaRPr lang="de-DE"/>
+                </a:p>
+              </p:txBody>
+            </p:sp>
+            <p:sp>
+              <p:nvSpPr>
+                <p:cNvPr id="244" name="Rechteck 243"/>
+                <p:cNvSpPr/>
+                <p:nvPr/>
+              </p:nvSpPr>
+              <p:spPr>
+                <a:xfrm>
+                  <a:off x="2268265" y="3240169"/>
+                  <a:ext cx="996950" cy="1308100"/>
+                </a:xfrm>
+                <a:prstGeom prst="rect">
+                  <a:avLst/>
+                </a:prstGeom>
+                <a:noFill/>
+                <a:ln w="57150">
+                  <a:solidFill>
+                    <a:schemeClr val="bg1"/>
+                  </a:solidFill>
+                </a:ln>
+              </p:spPr>
+              <p:style>
+                <a:lnRef idx="2">
+                  <a:schemeClr val="accent1">
+                    <a:shade val="50000"/>
+                  </a:schemeClr>
+                </a:lnRef>
+                <a:fillRef idx="1">
+                  <a:schemeClr val="accent1"/>
+                </a:fillRef>
+                <a:effectRef idx="0">
+                  <a:schemeClr val="accent1"/>
+                </a:effectRef>
+                <a:fontRef idx="minor">
+                  <a:schemeClr val="lt1"/>
+                </a:fontRef>
+              </p:style>
+              <p:txBody>
+                <a:bodyPr rtlCol="0" anchor="ctr"/>
+                <a:lstStyle/>
+                <a:p>
+                  <a:pPr algn="ctr"/>
+                  <a:endParaRPr lang="de-DE"/>
+                </a:p>
+              </p:txBody>
+            </p:sp>
+            <p:sp>
+              <p:nvSpPr>
+                <p:cNvPr id="245" name="Rechteck 244"/>
+                <p:cNvSpPr/>
+                <p:nvPr/>
+              </p:nvSpPr>
+              <p:spPr>
+                <a:xfrm>
+                  <a:off x="2268308" y="2486283"/>
+                  <a:ext cx="996950" cy="2061582"/>
+                </a:xfrm>
+                <a:prstGeom prst="rect">
+                  <a:avLst/>
+                </a:prstGeom>
+                <a:noFill/>
+                <a:ln w="57150">
+                  <a:solidFill>
+                    <a:schemeClr val="bg1"/>
+                  </a:solidFill>
+                  <a:prstDash val="sysDot"/>
+                </a:ln>
+              </p:spPr>
+              <p:style>
+                <a:lnRef idx="2">
+                  <a:schemeClr val="accent1">
+                    <a:shade val="50000"/>
+                  </a:schemeClr>
+                </a:lnRef>
+                <a:fillRef idx="1">
+                  <a:schemeClr val="accent1"/>
+                </a:fillRef>
+                <a:effectRef idx="0">
+                  <a:schemeClr val="accent1"/>
+                </a:effectRef>
+                <a:fontRef idx="minor">
+                  <a:schemeClr val="lt1"/>
+                </a:fontRef>
+              </p:style>
+              <p:txBody>
+                <a:bodyPr rtlCol="0" anchor="ctr"/>
+                <a:lstStyle/>
+                <a:p>
+                  <a:pPr algn="ctr"/>
+                  <a:endParaRPr lang="de-DE"/>
+                </a:p>
+              </p:txBody>
+            </p:sp>
+            <p:sp>
+              <p:nvSpPr>
+                <p:cNvPr id="246" name="Rechteck 245"/>
+                <p:cNvSpPr/>
+                <p:nvPr/>
+              </p:nvSpPr>
+              <p:spPr>
+                <a:xfrm>
+                  <a:off x="6443864" y="3210157"/>
+                  <a:ext cx="996950" cy="1308100"/>
+                </a:xfrm>
+                <a:prstGeom prst="rect">
+                  <a:avLst/>
+                </a:prstGeom>
+                <a:noFill/>
+                <a:ln w="57150">
+                  <a:solidFill>
+                    <a:schemeClr val="bg1"/>
+                  </a:solidFill>
+                </a:ln>
+              </p:spPr>
+              <p:style>
+                <a:lnRef idx="2">
+                  <a:schemeClr val="accent1">
+                    <a:shade val="50000"/>
+                  </a:schemeClr>
+                </a:lnRef>
+                <a:fillRef idx="1">
+                  <a:schemeClr val="accent1"/>
+                </a:fillRef>
+                <a:effectRef idx="0">
+                  <a:schemeClr val="accent1"/>
+                </a:effectRef>
+                <a:fontRef idx="minor">
+                  <a:schemeClr val="lt1"/>
+                </a:fontRef>
+              </p:style>
+              <p:txBody>
+                <a:bodyPr rtlCol="0" anchor="ctr"/>
+                <a:lstStyle/>
+                <a:p>
+                  <a:pPr algn="ctr"/>
+                  <a:endParaRPr lang="de-DE"/>
+                </a:p>
+              </p:txBody>
+            </p:sp>
+            <p:sp>
+              <p:nvSpPr>
+                <p:cNvPr id="247" name="Rechteck 246"/>
+                <p:cNvSpPr/>
+                <p:nvPr/>
+              </p:nvSpPr>
+              <p:spPr>
+                <a:xfrm>
+                  <a:off x="6443907" y="2486283"/>
+                  <a:ext cx="996950" cy="2061582"/>
+                </a:xfrm>
+                <a:prstGeom prst="rect">
+                  <a:avLst/>
+                </a:prstGeom>
+                <a:noFill/>
+                <a:ln w="57150">
+                  <a:solidFill>
+                    <a:schemeClr val="bg1"/>
+                  </a:solidFill>
+                  <a:prstDash val="sysDot"/>
+                </a:ln>
+              </p:spPr>
+              <p:style>
+                <a:lnRef idx="2">
+                  <a:schemeClr val="accent1">
+                    <a:shade val="50000"/>
+                  </a:schemeClr>
+                </a:lnRef>
+                <a:fillRef idx="1">
+                  <a:schemeClr val="accent1"/>
+                </a:fillRef>
+                <a:effectRef idx="0">
+                  <a:schemeClr val="accent1"/>
+                </a:effectRef>
+                <a:fontRef idx="minor">
+                  <a:schemeClr val="lt1"/>
+                </a:fontRef>
+              </p:style>
+              <p:txBody>
+                <a:bodyPr rtlCol="0" anchor="ctr"/>
+                <a:lstStyle/>
+                <a:p>
+                  <a:pPr algn="ctr"/>
+                  <a:endParaRPr lang="de-DE"/>
+                </a:p>
+              </p:txBody>
+            </p:sp>
+            <p:sp>
+              <p:nvSpPr>
+                <p:cNvPr id="248" name="Rechteck 247"/>
+                <p:cNvSpPr/>
+                <p:nvPr/>
+              </p:nvSpPr>
+              <p:spPr>
+                <a:xfrm>
+                  <a:off x="8501868" y="3232150"/>
+                  <a:ext cx="996950" cy="1308100"/>
+                </a:xfrm>
+                <a:prstGeom prst="rect">
+                  <a:avLst/>
+                </a:prstGeom>
+                <a:noFill/>
+                <a:ln w="57150">
+                  <a:solidFill>
+                    <a:schemeClr val="bg1"/>
+                  </a:solidFill>
+                </a:ln>
+              </p:spPr>
+              <p:style>
+                <a:lnRef idx="2">
+                  <a:schemeClr val="accent1">
+                    <a:shade val="50000"/>
+                  </a:schemeClr>
+                </a:lnRef>
+                <a:fillRef idx="1">
+                  <a:schemeClr val="accent1"/>
+                </a:fillRef>
+                <a:effectRef idx="0">
+                  <a:schemeClr val="accent1"/>
+                </a:effectRef>
+                <a:fontRef idx="minor">
+                  <a:schemeClr val="lt1"/>
+                </a:fontRef>
+              </p:style>
+              <p:txBody>
+                <a:bodyPr rtlCol="0" anchor="ctr"/>
+                <a:lstStyle/>
+                <a:p>
+                  <a:pPr algn="ctr"/>
+                  <a:endParaRPr lang="de-DE"/>
+                </a:p>
+              </p:txBody>
+            </p:sp>
+            <p:sp>
+              <p:nvSpPr>
+                <p:cNvPr id="249" name="Rechteck 248"/>
+                <p:cNvSpPr/>
+                <p:nvPr/>
+              </p:nvSpPr>
+              <p:spPr>
+                <a:xfrm>
+                  <a:off x="8504509" y="2486283"/>
+                  <a:ext cx="996950" cy="2061582"/>
+                </a:xfrm>
+                <a:prstGeom prst="rect">
+                  <a:avLst/>
+                </a:prstGeom>
+                <a:noFill/>
+                <a:ln w="57150">
+                  <a:solidFill>
+                    <a:schemeClr val="bg1"/>
+                  </a:solidFill>
+                  <a:prstDash val="sysDot"/>
+                </a:ln>
+              </p:spPr>
+              <p:style>
+                <a:lnRef idx="2">
+                  <a:schemeClr val="accent1">
+                    <a:shade val="50000"/>
+                  </a:schemeClr>
+                </a:lnRef>
+                <a:fillRef idx="1">
+                  <a:schemeClr val="accent1"/>
+                </a:fillRef>
+                <a:effectRef idx="0">
+                  <a:schemeClr val="accent1"/>
+                </a:effectRef>
+                <a:fontRef idx="minor">
+                  <a:schemeClr val="lt1"/>
+                </a:fontRef>
+              </p:style>
+              <p:txBody>
+                <a:bodyPr rtlCol="0" anchor="ctr"/>
+                <a:lstStyle/>
+                <a:p>
+                  <a:pPr algn="ctr"/>
+                  <a:endParaRPr lang="de-DE"/>
+                </a:p>
+              </p:txBody>
+            </p:sp>
+          </p:grpSp>
+        </p:grpSp>
+        <p:grpSp>
+          <p:nvGrpSpPr>
+            <p:cNvPr id="218" name="Gruppieren 217"/>
+            <p:cNvGrpSpPr/>
+            <p:nvPr/>
+          </p:nvGrpSpPr>
+          <p:grpSpPr>
+            <a:xfrm>
+              <a:off x="2345184" y="1948851"/>
+              <a:ext cx="7276683" cy="369332"/>
+              <a:chOff x="2345184" y="1948851"/>
+              <a:chExt cx="7276683" cy="369332"/>
+            </a:xfrm>
+          </p:grpSpPr>
+          <p:sp>
+            <p:nvSpPr>
+              <p:cNvPr id="219" name="Textfeld 218"/>
+              <p:cNvSpPr txBox="1"/>
+              <p:nvPr/>
+            </p:nvSpPr>
+            <p:spPr>
+              <a:xfrm>
+                <a:off x="2345184" y="1948851"/>
+                <a:ext cx="1064260" cy="369332"/>
+              </a:xfrm>
+              <a:prstGeom prst="rect">
+                <a:avLst/>
+              </a:prstGeom>
+              <a:noFill/>
+            </p:spPr>
+            <p:txBody>
+              <a:bodyPr wrap="square" rtlCol="0">
+                <a:spAutoFit/>
+              </a:bodyPr>
+              <a:lstStyle/>
+              <a:p>
+                <a:r>
+                  <a:rPr lang="de-DE" dirty="0" smtClean="0">
+                    <a:solidFill>
+                      <a:schemeClr val="bg1"/>
+                    </a:solidFill>
+                  </a:rPr>
+                  <a:t>Block 1</a:t>
+                </a:r>
+                <a:endParaRPr lang="de-DE" dirty="0">
+                  <a:solidFill>
+                    <a:schemeClr val="bg1"/>
+                  </a:solidFill>
+                </a:endParaRPr>
+              </a:p>
+            </p:txBody>
+          </p:sp>
+          <p:sp>
+            <p:nvSpPr>
+              <p:cNvPr id="220" name="Textfeld 219"/>
+              <p:cNvSpPr txBox="1"/>
+              <p:nvPr/>
+            </p:nvSpPr>
+            <p:spPr>
+              <a:xfrm>
+                <a:off x="4415992" y="1948851"/>
+                <a:ext cx="1064260" cy="369332"/>
+              </a:xfrm>
+              <a:prstGeom prst="rect">
+                <a:avLst/>
+              </a:prstGeom>
+              <a:noFill/>
+            </p:spPr>
+            <p:txBody>
+              <a:bodyPr wrap="square" rtlCol="0">
+                <a:spAutoFit/>
+              </a:bodyPr>
+              <a:lstStyle/>
+              <a:p>
+                <a:r>
+                  <a:rPr lang="de-DE" dirty="0" smtClean="0">
+                    <a:solidFill>
+                      <a:schemeClr val="bg1"/>
+                    </a:solidFill>
+                  </a:rPr>
+                  <a:t>Block 2</a:t>
+                </a:r>
+                <a:endParaRPr lang="de-DE" dirty="0">
+                  <a:solidFill>
+                    <a:schemeClr val="bg1"/>
+                  </a:solidFill>
+                </a:endParaRPr>
+              </a:p>
+            </p:txBody>
+          </p:sp>
+          <p:sp>
+            <p:nvSpPr>
+              <p:cNvPr id="221" name="Textfeld 220"/>
+              <p:cNvSpPr txBox="1"/>
+              <p:nvPr/>
+            </p:nvSpPr>
+            <p:spPr>
+              <a:xfrm>
+                <a:off x="6486800" y="1948851"/>
+                <a:ext cx="1064260" cy="369332"/>
+              </a:xfrm>
+              <a:prstGeom prst="rect">
+                <a:avLst/>
+              </a:prstGeom>
+              <a:noFill/>
+            </p:spPr>
+            <p:txBody>
+              <a:bodyPr wrap="square" rtlCol="0">
+                <a:spAutoFit/>
+              </a:bodyPr>
+              <a:lstStyle/>
+              <a:p>
+                <a:r>
+                  <a:rPr lang="de-DE" dirty="0" smtClean="0">
+                    <a:solidFill>
+                      <a:schemeClr val="bg1"/>
+                    </a:solidFill>
+                  </a:rPr>
+                  <a:t>Block 3</a:t>
+                </a:r>
+                <a:endParaRPr lang="de-DE" dirty="0">
+                  <a:solidFill>
+                    <a:schemeClr val="bg1"/>
+                  </a:solidFill>
+                </a:endParaRPr>
+              </a:p>
+            </p:txBody>
+          </p:sp>
+          <p:sp>
+            <p:nvSpPr>
+              <p:cNvPr id="222" name="Textfeld 221"/>
+              <p:cNvSpPr txBox="1"/>
+              <p:nvPr/>
+            </p:nvSpPr>
+            <p:spPr>
+              <a:xfrm>
+                <a:off x="8557607" y="1948851"/>
+                <a:ext cx="1064260" cy="369332"/>
+              </a:xfrm>
+              <a:prstGeom prst="rect">
+                <a:avLst/>
+              </a:prstGeom>
+              <a:noFill/>
+            </p:spPr>
+            <p:txBody>
+              <a:bodyPr wrap="square" rtlCol="0">
+                <a:spAutoFit/>
+              </a:bodyPr>
+              <a:lstStyle/>
+              <a:p>
+                <a:r>
+                  <a:rPr lang="de-DE" dirty="0" smtClean="0">
+                    <a:solidFill>
+                      <a:schemeClr val="bg1"/>
+                    </a:solidFill>
+                  </a:rPr>
+                  <a:t>Block 4</a:t>
+                </a:r>
+                <a:endParaRPr lang="de-DE" dirty="0">
+                  <a:solidFill>
+                    <a:schemeClr val="bg1"/>
+                  </a:solidFill>
+                </a:endParaRPr>
+              </a:p>
+            </p:txBody>
+          </p:sp>
+        </p:grpSp>
+      </p:grpSp>
+      <p:sp>
+        <p:nvSpPr>
+          <p:cNvPr id="138" name="Rechteck 137"/>
+          <p:cNvSpPr/>
+          <p:nvPr/>
+        </p:nvSpPr>
+        <p:spPr>
+          <a:xfrm>
             <a:off x="10665316" y="1564286"/>
             <a:ext cx="286758" cy="3905573"/>
           </a:xfrm>
@@ -27044,7 +27368,7 @@
 </p:sld>
 </file>
 
-<file path=ppt/slides/slide21.xml><?xml version="1.0" encoding="utf-8"?>
+<file path=ppt/slides/slide22.xml><?xml version="1.0" encoding="utf-8"?>
 <p:sld xmlns:a="http://schemas.openxmlformats.org/drawingml/2006/main" xmlns:r="http://schemas.openxmlformats.org/officeDocument/2006/relationships" xmlns:p="http://schemas.openxmlformats.org/presentationml/2006/main">
   <p:cSld>
     <p:bg>
@@ -29664,7 +29988,7 @@
 </p:sld>
 </file>
 
-<file path=ppt/slides/slide22.xml><?xml version="1.0" encoding="utf-8"?>
+<file path=ppt/slides/slide23.xml><?xml version="1.0" encoding="utf-8"?>
 <p:sld xmlns:a="http://schemas.openxmlformats.org/drawingml/2006/main" xmlns:r="http://schemas.openxmlformats.org/officeDocument/2006/relationships" xmlns:p="http://schemas.openxmlformats.org/presentationml/2006/main">
   <p:cSld>
     <p:bg>
@@ -32282,7 +32606,7 @@
 </p:sld>
 </file>
 
-<file path=ppt/slides/slide23.xml><?xml version="1.0" encoding="utf-8"?>
+<file path=ppt/slides/slide24.xml><?xml version="1.0" encoding="utf-8"?>
 <p:sld xmlns:a="http://schemas.openxmlformats.org/drawingml/2006/main" xmlns:r="http://schemas.openxmlformats.org/officeDocument/2006/relationships" xmlns:p="http://schemas.openxmlformats.org/presentationml/2006/main">
   <p:cSld>
     <p:bg>
@@ -32426,7 +32750,7 @@
         </p:blipFill>
         <p:spPr>
           <a:xfrm>
-            <a:off x="1509037" y="633984"/>
+            <a:off x="1481328" y="563040"/>
             <a:ext cx="9229344" cy="5590032"/>
           </a:xfrm>
           <a:prstGeom prst="rect">
@@ -32482,6 +32806,114 @@
           </a:p>
         </p:txBody>
       </p:sp>
+      <p:sp>
+        <p:nvSpPr>
+          <p:cNvPr id="3" name="Textfeld 2"/>
+          <p:cNvSpPr txBox="1"/>
+          <p:nvPr/>
+        </p:nvSpPr>
+        <p:spPr>
+          <a:xfrm>
+            <a:off x="3768098" y="3065038"/>
+            <a:ext cx="1119352" cy="400110"/>
+          </a:xfrm>
+          <a:prstGeom prst="rect">
+            <a:avLst/>
+          </a:prstGeom>
+          <a:noFill/>
+        </p:spPr>
+        <p:txBody>
+          <a:bodyPr wrap="square" rtlCol="0">
+            <a:spAutoFit/>
+          </a:bodyPr>
+          <a:lstStyle/>
+          <a:p>
+            <a:r>
+              <a:rPr lang="de-DE" sz="2000" dirty="0" smtClean="0">
+                <a:solidFill>
+                  <a:schemeClr val="bg1"/>
+                </a:solidFill>
+              </a:rPr>
+              <a:t>Nein</a:t>
+            </a:r>
+            <a:endParaRPr lang="de-DE" sz="2000" dirty="0">
+              <a:solidFill>
+                <a:schemeClr val="bg1"/>
+              </a:solidFill>
+            </a:endParaRPr>
+          </a:p>
+        </p:txBody>
+      </p:sp>
+      <p:sp>
+        <p:nvSpPr>
+          <p:cNvPr id="6" name="Textfeld 5"/>
+          <p:cNvSpPr txBox="1"/>
+          <p:nvPr/>
+        </p:nvSpPr>
+        <p:spPr>
+          <a:xfrm>
+            <a:off x="7941123" y="3054847"/>
+            <a:ext cx="1119352" cy="400110"/>
+          </a:xfrm>
+          <a:prstGeom prst="rect">
+            <a:avLst/>
+          </a:prstGeom>
+          <a:noFill/>
+        </p:spPr>
+        <p:txBody>
+          <a:bodyPr wrap="square" rtlCol="0">
+            <a:spAutoFit/>
+          </a:bodyPr>
+          <a:lstStyle/>
+          <a:p>
+            <a:r>
+              <a:rPr lang="de-DE" sz="2000" dirty="0" smtClean="0">
+                <a:solidFill>
+                  <a:schemeClr val="bg1"/>
+                </a:solidFill>
+              </a:rPr>
+              <a:t>Ja</a:t>
+            </a:r>
+            <a:endParaRPr lang="de-DE" sz="2000" dirty="0">
+              <a:solidFill>
+                <a:schemeClr val="bg1"/>
+              </a:solidFill>
+            </a:endParaRPr>
+          </a:p>
+        </p:txBody>
+      </p:sp>
+      <p:sp>
+        <p:nvSpPr>
+          <p:cNvPr id="7" name="Textfeld 6"/>
+          <p:cNvSpPr txBox="1"/>
+          <p:nvPr/>
+        </p:nvSpPr>
+        <p:spPr>
+          <a:xfrm>
+            <a:off x="4506311" y="2055194"/>
+            <a:ext cx="1589689" cy="584775"/>
+          </a:xfrm>
+          <a:prstGeom prst="rect">
+            <a:avLst/>
+          </a:prstGeom>
+          <a:solidFill>
+            <a:srgbClr val="464646"/>
+          </a:solidFill>
+        </p:spPr>
+        <p:txBody>
+          <a:bodyPr wrap="square" rtlCol="0">
+            <a:spAutoFit/>
+          </a:bodyPr>
+          <a:lstStyle/>
+          <a:p>
+            <a:r>
+              <a:rPr lang="de-DE" sz="3200" dirty="0" smtClean="0"/>
+              <a:t>Reiz</a:t>
+            </a:r>
+            <a:endParaRPr lang="de-DE" sz="3200" dirty="0"/>
+          </a:p>
+        </p:txBody>
+      </p:sp>
     </p:spTree>
     <p:extLst>
       <p:ext uri="{BB962C8B-B14F-4D97-AF65-F5344CB8AC3E}">
@@ -32496,6 +32928,294 @@
 </file>
 
 <file path=ppt/slides/slide4.xml><?xml version="1.0" encoding="utf-8"?>
+<p:sld xmlns:a="http://schemas.openxmlformats.org/drawingml/2006/main" xmlns:r="http://schemas.openxmlformats.org/officeDocument/2006/relationships" xmlns:p="http://schemas.openxmlformats.org/presentationml/2006/main">
+  <p:cSld>
+    <p:spTree>
+      <p:nvGrpSpPr>
+        <p:cNvPr id="1" name=""/>
+        <p:cNvGrpSpPr/>
+        <p:nvPr/>
+      </p:nvGrpSpPr>
+      <p:grpSpPr>
+        <a:xfrm>
+          <a:off x="0" y="0"/>
+          <a:ext cx="0" cy="0"/>
+          <a:chOff x="0" y="0"/>
+          <a:chExt cx="0" cy="0"/>
+        </a:xfrm>
+      </p:grpSpPr>
+      <p:sp>
+        <p:nvSpPr>
+          <p:cNvPr id="2" name="Rechteck 1"/>
+          <p:cNvSpPr/>
+          <p:nvPr/>
+        </p:nvSpPr>
+        <p:spPr>
+          <a:xfrm>
+            <a:off x="1166648" y="882869"/>
+            <a:ext cx="9735207" cy="5328745"/>
+          </a:xfrm>
+          <a:prstGeom prst="rect">
+            <a:avLst/>
+          </a:prstGeom>
+          <a:solidFill>
+            <a:srgbClr val="464646"/>
+          </a:solidFill>
+          <a:ln>
+            <a:solidFill>
+              <a:srgbClr val="464646"/>
+            </a:solidFill>
+          </a:ln>
+        </p:spPr>
+        <p:style>
+          <a:lnRef idx="2">
+            <a:schemeClr val="accent1">
+              <a:shade val="50000"/>
+            </a:schemeClr>
+          </a:lnRef>
+          <a:fillRef idx="1">
+            <a:schemeClr val="accent1"/>
+          </a:fillRef>
+          <a:effectRef idx="0">
+            <a:schemeClr val="accent1"/>
+          </a:effectRef>
+          <a:fontRef idx="minor">
+            <a:schemeClr val="lt1"/>
+          </a:fontRef>
+        </p:style>
+        <p:txBody>
+          <a:bodyPr rtlCol="0" anchor="ctr"/>
+          <a:lstStyle/>
+          <a:p>
+            <a:pPr algn="ctr"/>
+            <a:endParaRPr lang="de-DE"/>
+          </a:p>
+        </p:txBody>
+      </p:sp>
+      <p:sp>
+        <p:nvSpPr>
+          <p:cNvPr id="3" name="Textfeld 2"/>
+          <p:cNvSpPr txBox="1"/>
+          <p:nvPr/>
+        </p:nvSpPr>
+        <p:spPr>
+          <a:xfrm>
+            <a:off x="2450225" y="2309648"/>
+            <a:ext cx="7291551" cy="523220"/>
+          </a:xfrm>
+          <a:prstGeom prst="rect">
+            <a:avLst/>
+          </a:prstGeom>
+          <a:noFill/>
+        </p:spPr>
+        <p:txBody>
+          <a:bodyPr wrap="square" rtlCol="0">
+            <a:spAutoFit/>
+          </a:bodyPr>
+          <a:lstStyle/>
+          <a:p>
+            <a:r>
+              <a:rPr lang="de-DE" sz="2800" dirty="0" smtClean="0">
+                <a:solidFill>
+                  <a:schemeClr val="bg1"/>
+                </a:solidFill>
+              </a:rPr>
+              <a:t>War dieser Reiz (mindestens leicht) schmerzhaft? </a:t>
+            </a:r>
+            <a:endParaRPr lang="de-DE" sz="2800" dirty="0">
+              <a:solidFill>
+                <a:schemeClr val="bg1"/>
+              </a:solidFill>
+            </a:endParaRPr>
+          </a:p>
+        </p:txBody>
+      </p:sp>
+      <p:sp>
+        <p:nvSpPr>
+          <p:cNvPr id="4" name="Pfeil nach rechts 3"/>
+          <p:cNvSpPr/>
+          <p:nvPr/>
+        </p:nvSpPr>
+        <p:spPr>
+          <a:xfrm>
+            <a:off x="7094483" y="3781508"/>
+            <a:ext cx="780393" cy="472966"/>
+          </a:xfrm>
+          <a:prstGeom prst="rightArrow">
+            <a:avLst/>
+          </a:prstGeom>
+          <a:solidFill>
+            <a:schemeClr val="bg1"/>
+          </a:solidFill>
+          <a:ln>
+            <a:solidFill>
+              <a:schemeClr val="bg1"/>
+            </a:solidFill>
+          </a:ln>
+        </p:spPr>
+        <p:style>
+          <a:lnRef idx="2">
+            <a:schemeClr val="accent1">
+              <a:shade val="50000"/>
+            </a:schemeClr>
+          </a:lnRef>
+          <a:fillRef idx="1">
+            <a:schemeClr val="accent1"/>
+          </a:fillRef>
+          <a:effectRef idx="0">
+            <a:schemeClr val="accent1"/>
+          </a:effectRef>
+          <a:fontRef idx="minor">
+            <a:schemeClr val="lt1"/>
+          </a:fontRef>
+        </p:style>
+        <p:txBody>
+          <a:bodyPr rtlCol="0" anchor="ctr"/>
+          <a:lstStyle/>
+          <a:p>
+            <a:pPr algn="ctr"/>
+            <a:endParaRPr lang="de-DE"/>
+          </a:p>
+        </p:txBody>
+      </p:sp>
+      <p:sp>
+        <p:nvSpPr>
+          <p:cNvPr id="5" name="Pfeil nach links 4"/>
+          <p:cNvSpPr/>
+          <p:nvPr/>
+        </p:nvSpPr>
+        <p:spPr>
+          <a:xfrm>
+            <a:off x="3563007" y="3771163"/>
+            <a:ext cx="780393" cy="483311"/>
+          </a:xfrm>
+          <a:prstGeom prst="leftArrow">
+            <a:avLst/>
+          </a:prstGeom>
+          <a:solidFill>
+            <a:schemeClr val="bg1"/>
+          </a:solidFill>
+          <a:ln>
+            <a:solidFill>
+              <a:schemeClr val="bg1"/>
+            </a:solidFill>
+          </a:ln>
+        </p:spPr>
+        <p:style>
+          <a:lnRef idx="2">
+            <a:schemeClr val="accent1">
+              <a:shade val="50000"/>
+            </a:schemeClr>
+          </a:lnRef>
+          <a:fillRef idx="1">
+            <a:schemeClr val="accent1"/>
+          </a:fillRef>
+          <a:effectRef idx="0">
+            <a:schemeClr val="accent1"/>
+          </a:effectRef>
+          <a:fontRef idx="minor">
+            <a:schemeClr val="lt1"/>
+          </a:fontRef>
+        </p:style>
+        <p:txBody>
+          <a:bodyPr rtlCol="0" anchor="ctr"/>
+          <a:lstStyle/>
+          <a:p>
+            <a:pPr algn="ctr"/>
+            <a:endParaRPr lang="de-DE"/>
+          </a:p>
+        </p:txBody>
+      </p:sp>
+      <p:sp>
+        <p:nvSpPr>
+          <p:cNvPr id="6" name="Textfeld 5"/>
+          <p:cNvSpPr txBox="1"/>
+          <p:nvPr/>
+        </p:nvSpPr>
+        <p:spPr>
+          <a:xfrm>
+            <a:off x="3665483" y="3247697"/>
+            <a:ext cx="930165" cy="461665"/>
+          </a:xfrm>
+          <a:prstGeom prst="rect">
+            <a:avLst/>
+          </a:prstGeom>
+          <a:noFill/>
+        </p:spPr>
+        <p:txBody>
+          <a:bodyPr wrap="square" rtlCol="0">
+            <a:spAutoFit/>
+          </a:bodyPr>
+          <a:lstStyle/>
+          <a:p>
+            <a:r>
+              <a:rPr lang="de-DE" sz="2400" dirty="0" smtClean="0">
+                <a:solidFill>
+                  <a:schemeClr val="bg1"/>
+                </a:solidFill>
+              </a:rPr>
+              <a:t>Nein</a:t>
+            </a:r>
+            <a:endParaRPr lang="de-DE" sz="2400" dirty="0">
+              <a:solidFill>
+                <a:schemeClr val="bg1"/>
+              </a:solidFill>
+            </a:endParaRPr>
+          </a:p>
+        </p:txBody>
+      </p:sp>
+      <p:sp>
+        <p:nvSpPr>
+          <p:cNvPr id="7" name="Textfeld 6"/>
+          <p:cNvSpPr txBox="1"/>
+          <p:nvPr/>
+        </p:nvSpPr>
+        <p:spPr>
+          <a:xfrm>
+            <a:off x="7019596" y="3260045"/>
+            <a:ext cx="930165" cy="461665"/>
+          </a:xfrm>
+          <a:prstGeom prst="rect">
+            <a:avLst/>
+          </a:prstGeom>
+          <a:noFill/>
+        </p:spPr>
+        <p:txBody>
+          <a:bodyPr wrap="square" rtlCol="0">
+            <a:spAutoFit/>
+          </a:bodyPr>
+          <a:lstStyle/>
+          <a:p>
+            <a:r>
+              <a:rPr lang="de-DE" sz="2400" dirty="0" smtClean="0">
+                <a:solidFill>
+                  <a:schemeClr val="bg1"/>
+                </a:solidFill>
+              </a:rPr>
+              <a:t>Ja</a:t>
+            </a:r>
+            <a:endParaRPr lang="de-DE" sz="2400" dirty="0">
+              <a:solidFill>
+                <a:schemeClr val="bg1"/>
+              </a:solidFill>
+            </a:endParaRPr>
+          </a:p>
+        </p:txBody>
+      </p:sp>
+    </p:spTree>
+    <p:extLst>
+      <p:ext uri="{BB962C8B-B14F-4D97-AF65-F5344CB8AC3E}">
+        <p14:creationId xmlns:p14="http://schemas.microsoft.com/office/powerpoint/2010/main" val="527140345"/>
+      </p:ext>
+    </p:extLst>
+  </p:cSld>
+  <p:clrMapOvr>
+    <a:masterClrMapping/>
+  </p:clrMapOvr>
+</p:sld>
+</file>
+
+<file path=ppt/slides/slide5.xml><?xml version="1.0" encoding="utf-8"?>
 <p:sld xmlns:a="http://schemas.openxmlformats.org/drawingml/2006/main" xmlns:r="http://schemas.openxmlformats.org/officeDocument/2006/relationships" xmlns:p="http://schemas.openxmlformats.org/presentationml/2006/main">
   <p:cSld>
     <p:bg>
@@ -32638,7 +33358,7 @@
 </p:sld>
 </file>
 
-<file path=ppt/slides/slide5.xml><?xml version="1.0" encoding="utf-8"?>
+<file path=ppt/slides/slide6.xml><?xml version="1.0" encoding="utf-8"?>
 <p:sld xmlns:a="http://schemas.openxmlformats.org/drawingml/2006/main" xmlns:r="http://schemas.openxmlformats.org/officeDocument/2006/relationships" xmlns:p="http://schemas.openxmlformats.org/presentationml/2006/main">
   <p:cSld>
     <p:bg>
@@ -32811,7 +33531,7 @@
 </p:sld>
 </file>
 
-<file path=ppt/slides/slide6.xml><?xml version="1.0" encoding="utf-8"?>
+<file path=ppt/slides/slide7.xml><?xml version="1.0" encoding="utf-8"?>
 <p:sld xmlns:a="http://schemas.openxmlformats.org/drawingml/2006/main" xmlns:r="http://schemas.openxmlformats.org/officeDocument/2006/relationships" xmlns:p="http://schemas.openxmlformats.org/presentationml/2006/main">
   <p:cSld>
     <p:spTree>
@@ -32883,7 +33603,7 @@
 </p:sld>
 </file>
 
-<file path=ppt/slides/slide7.xml><?xml version="1.0" encoding="utf-8"?>
+<file path=ppt/slides/slide8.xml><?xml version="1.0" encoding="utf-8"?>
 <p:sld xmlns:a="http://schemas.openxmlformats.org/drawingml/2006/main" xmlns:r="http://schemas.openxmlformats.org/officeDocument/2006/relationships" xmlns:p="http://schemas.openxmlformats.org/presentationml/2006/main">
   <p:cSld>
     <p:bg>
@@ -33199,7 +33919,7 @@
 </p:sld>
 </file>
 
-<file path=ppt/slides/slide8.xml><?xml version="1.0" encoding="utf-8"?>
+<file path=ppt/slides/slide9.xml><?xml version="1.0" encoding="utf-8"?>
 <p:sld xmlns:a="http://schemas.openxmlformats.org/drawingml/2006/main" xmlns:r="http://schemas.openxmlformats.org/officeDocument/2006/relationships" xmlns:p="http://schemas.openxmlformats.org/presentationml/2006/main">
   <p:cSld>
     <p:bg>
@@ -33570,329 +34290,6 @@
 </p:sld>
 </file>
 
-<file path=ppt/slides/slide9.xml><?xml version="1.0" encoding="utf-8"?>
-<p:sld xmlns:a="http://schemas.openxmlformats.org/drawingml/2006/main" xmlns:r="http://schemas.openxmlformats.org/officeDocument/2006/relationships" xmlns:p="http://schemas.openxmlformats.org/presentationml/2006/main">
-  <p:cSld>
-    <p:bg>
-      <p:bgPr>
-        <a:solidFill>
-          <a:srgbClr val="464646"/>
-        </a:solidFill>
-        <a:effectLst/>
-      </p:bgPr>
-    </p:bg>
-    <p:spTree>
-      <p:nvGrpSpPr>
-        <p:cNvPr id="1" name=""/>
-        <p:cNvGrpSpPr/>
-        <p:nvPr/>
-      </p:nvGrpSpPr>
-      <p:grpSpPr>
-        <a:xfrm>
-          <a:off x="0" y="0"/>
-          <a:ext cx="0" cy="0"/>
-          <a:chOff x="0" y="0"/>
-          <a:chExt cx="0" cy="0"/>
-        </a:xfrm>
-      </p:grpSpPr>
-      <p:sp>
-        <p:nvSpPr>
-          <p:cNvPr id="10" name="Rechteck 9"/>
-          <p:cNvSpPr/>
-          <p:nvPr/>
-        </p:nvSpPr>
-        <p:spPr>
-          <a:xfrm>
-            <a:off x="829159" y="503695"/>
-            <a:ext cx="10292511" cy="5579211"/>
-          </a:xfrm>
-          <a:prstGeom prst="rect">
-            <a:avLst/>
-          </a:prstGeom>
-          <a:solidFill>
-            <a:srgbClr val="464646"/>
-          </a:solidFill>
-          <a:ln>
-            <a:solidFill>
-              <a:srgbClr val="464646"/>
-            </a:solidFill>
-          </a:ln>
-        </p:spPr>
-        <p:style>
-          <a:lnRef idx="2">
-            <a:schemeClr val="accent1">
-              <a:shade val="50000"/>
-            </a:schemeClr>
-          </a:lnRef>
-          <a:fillRef idx="1">
-            <a:schemeClr val="accent1"/>
-          </a:fillRef>
-          <a:effectRef idx="0">
-            <a:schemeClr val="accent1"/>
-          </a:effectRef>
-          <a:fontRef idx="minor">
-            <a:schemeClr val="lt1"/>
-          </a:fontRef>
-        </p:style>
-        <p:txBody>
-          <a:bodyPr rtlCol="0" anchor="ctr"/>
-          <a:lstStyle/>
-          <a:p>
-            <a:pPr algn="ctr"/>
-            <a:endParaRPr lang="de-DE"/>
-          </a:p>
-        </p:txBody>
-      </p:sp>
-      <p:cxnSp>
-        <p:nvCxnSpPr>
-          <p:cNvPr id="7" name="Gerade Verbindung mit Pfeil 6"/>
-          <p:cNvCxnSpPr/>
-          <p:nvPr/>
-        </p:nvCxnSpPr>
-        <p:spPr>
-          <a:xfrm flipV="1">
-            <a:off x="4856813" y="3091266"/>
-            <a:ext cx="1600200" cy="9525"/>
-          </a:xfrm>
-          <a:prstGeom prst="straightConnector1">
-            <a:avLst/>
-          </a:prstGeom>
-          <a:ln w="76200">
-            <a:solidFill>
-              <a:srgbClr val="FF0000"/>
-            </a:solidFill>
-            <a:headEnd type="triangle"/>
-            <a:tailEnd type="triangle"/>
-          </a:ln>
-        </p:spPr>
-        <p:style>
-          <a:lnRef idx="1">
-            <a:schemeClr val="accent1"/>
-          </a:lnRef>
-          <a:fillRef idx="0">
-            <a:schemeClr val="accent1"/>
-          </a:fillRef>
-          <a:effectRef idx="0">
-            <a:schemeClr val="accent1"/>
-          </a:effectRef>
-          <a:fontRef idx="minor">
-            <a:schemeClr val="tx1"/>
-          </a:fontRef>
-        </p:style>
-      </p:cxnSp>
-      <p:pic>
-        <p:nvPicPr>
-          <p:cNvPr id="9" name="Grafik 8"/>
-          <p:cNvPicPr>
-            <a:picLocks noChangeAspect="1"/>
-          </p:cNvPicPr>
-          <p:nvPr/>
-        </p:nvPicPr>
-        <p:blipFill rotWithShape="1">
-          <a:blip r:embed="rId2"/>
-          <a:srcRect l="16272" t="46791" r="55699" b="38985"/>
-          <a:stretch/>
-        </p:blipFill>
-        <p:spPr>
-          <a:xfrm>
-            <a:off x="1516572" y="3212951"/>
-            <a:ext cx="9014525" cy="1676172"/>
-          </a:xfrm>
-          <a:prstGeom prst="rect">
-            <a:avLst/>
-          </a:prstGeom>
-        </p:spPr>
-      </p:pic>
-      <p:sp>
-        <p:nvSpPr>
-          <p:cNvPr id="5" name="Textfeld 4"/>
-          <p:cNvSpPr txBox="1"/>
-          <p:nvPr/>
-        </p:nvSpPr>
-        <p:spPr>
-          <a:xfrm>
-            <a:off x="2101581" y="1470341"/>
-            <a:ext cx="8128323" cy="589072"/>
-          </a:xfrm>
-          <a:prstGeom prst="rect">
-            <a:avLst/>
-          </a:prstGeom>
-          <a:noFill/>
-        </p:spPr>
-        <p:txBody>
-          <a:bodyPr wrap="square" rtlCol="0">
-            <a:spAutoFit/>
-          </a:bodyPr>
-          <a:lstStyle/>
-          <a:p>
-            <a:pPr algn="ctr">
-              <a:lnSpc>
-                <a:spcPct val="150000"/>
-              </a:lnSpc>
-            </a:pPr>
-            <a:r>
-              <a:rPr lang="de-DE" sz="2400" dirty="0" smtClean="0">
-                <a:solidFill>
-                  <a:schemeClr val="bg1"/>
-                </a:solidFill>
-              </a:rPr>
-              <a:t>… und wie DEUTLICH Sie den Druck wahrgenommen haben.</a:t>
-            </a:r>
-            <a:endParaRPr lang="de-DE" sz="2400" dirty="0">
-              <a:solidFill>
-                <a:schemeClr val="bg1"/>
-              </a:solidFill>
-            </a:endParaRPr>
-          </a:p>
-        </p:txBody>
-      </p:sp>
-      <p:sp>
-        <p:nvSpPr>
-          <p:cNvPr id="6" name="Textfeld 5"/>
-          <p:cNvSpPr txBox="1"/>
-          <p:nvPr/>
-        </p:nvSpPr>
-        <p:spPr>
-          <a:xfrm>
-            <a:off x="1170121" y="3785906"/>
-            <a:ext cx="2286001" cy="830997"/>
-          </a:xfrm>
-          <a:prstGeom prst="rect">
-            <a:avLst/>
-          </a:prstGeom>
-          <a:solidFill>
-            <a:srgbClr val="464646"/>
-          </a:solidFill>
-        </p:spPr>
-        <p:txBody>
-          <a:bodyPr wrap="square" rtlCol="0">
-            <a:spAutoFit/>
-          </a:bodyPr>
-          <a:lstStyle/>
-          <a:p>
-            <a:pPr algn="ctr"/>
-            <a:r>
-              <a:rPr lang="de-DE" sz="2400" dirty="0" smtClean="0">
-                <a:solidFill>
-                  <a:schemeClr val="bg1"/>
-                </a:solidFill>
-              </a:rPr>
-              <a:t>gar nicht</a:t>
-            </a:r>
-          </a:p>
-          <a:p>
-            <a:pPr algn="ctr"/>
-            <a:r>
-              <a:rPr lang="de-DE" sz="2400" dirty="0" smtClean="0">
-                <a:solidFill>
-                  <a:schemeClr val="bg1"/>
-                </a:solidFill>
-              </a:rPr>
-              <a:t>deutlich</a:t>
-            </a:r>
-            <a:endParaRPr lang="de-DE" sz="2400" dirty="0">
-              <a:solidFill>
-                <a:schemeClr val="bg1"/>
-              </a:solidFill>
-            </a:endParaRPr>
-          </a:p>
-        </p:txBody>
-      </p:sp>
-      <p:sp>
-        <p:nvSpPr>
-          <p:cNvPr id="8" name="Textfeld 7"/>
-          <p:cNvSpPr txBox="1"/>
-          <p:nvPr/>
-        </p:nvSpPr>
-        <p:spPr>
-          <a:xfrm>
-            <a:off x="7494044" y="3803119"/>
-            <a:ext cx="3627626" cy="830997"/>
-          </a:xfrm>
-          <a:prstGeom prst="rect">
-            <a:avLst/>
-          </a:prstGeom>
-          <a:solidFill>
-            <a:srgbClr val="464646"/>
-          </a:solidFill>
-        </p:spPr>
-        <p:txBody>
-          <a:bodyPr wrap="square" rtlCol="0">
-            <a:spAutoFit/>
-          </a:bodyPr>
-          <a:lstStyle/>
-          <a:p>
-            <a:pPr algn="ctr"/>
-            <a:r>
-              <a:rPr lang="de-DE" sz="2400" dirty="0" smtClean="0">
-                <a:solidFill>
-                  <a:schemeClr val="bg1"/>
-                </a:solidFill>
-              </a:rPr>
-              <a:t>extrem</a:t>
-            </a:r>
-          </a:p>
-          <a:p>
-            <a:pPr algn="ctr"/>
-            <a:r>
-              <a:rPr lang="de-DE" sz="2400" dirty="0" smtClean="0">
-                <a:solidFill>
-                  <a:schemeClr val="bg1"/>
-                </a:solidFill>
-              </a:rPr>
-              <a:t>deutlich</a:t>
-            </a:r>
-            <a:endParaRPr lang="de-DE" sz="2400" dirty="0">
-              <a:solidFill>
-                <a:schemeClr val="bg1"/>
-              </a:solidFill>
-            </a:endParaRPr>
-          </a:p>
-        </p:txBody>
-      </p:sp>
-      <p:pic>
-        <p:nvPicPr>
-          <p:cNvPr id="11" name="Grafik 10"/>
-          <p:cNvPicPr>
-            <a:picLocks noChangeAspect="1"/>
-          </p:cNvPicPr>
-          <p:nvPr/>
-        </p:nvPicPr>
-        <p:blipFill rotWithShape="1">
-          <a:blip r:embed="rId3"/>
-          <a:srcRect l="10805" t="50756" r="51123" b="36210"/>
-          <a:stretch/>
-        </p:blipFill>
-        <p:spPr>
-          <a:xfrm>
-            <a:off x="1690172" y="4972881"/>
-            <a:ext cx="8849524" cy="1110025"/>
-          </a:xfrm>
-          <a:prstGeom prst="rect">
-            <a:avLst/>
-          </a:prstGeom>
-        </p:spPr>
-      </p:pic>
-    </p:spTree>
-    <p:extLst>
-      <p:ext uri="{BB962C8B-B14F-4D97-AF65-F5344CB8AC3E}">
-        <p14:creationId xmlns:p14="http://schemas.microsoft.com/office/powerpoint/2010/main" val="3096569391"/>
-      </p:ext>
-    </p:extLst>
-  </p:cSld>
-  <p:clrMapOvr>
-    <a:masterClrMapping/>
-  </p:clrMapOvr>
-  <p:timing>
-    <p:tnLst>
-      <p:par>
-        <p:cTn id="1" dur="indefinite" restart="never" nodeType="tmRoot"/>
-      </p:par>
-    </p:tnLst>
-  </p:timing>
-</p:sld>
-</file>
-
 <file path=ppt/theme/theme1.xml><?xml version="1.0" encoding="utf-8"?>
 <a:theme xmlns:a="http://schemas.openxmlformats.org/drawingml/2006/main" name="Office Theme">
   <a:themeElements>

--- a/utils/img/VAS_Paradigm_Visuals.pptx
+++ b/utils/img/VAS_Paradigm_Visuals.pptx
@@ -266,7 +266,7 @@
           <a:p>
             <a:fld id="{3BA2540B-A018-47B7-9347-A0387F60CB1C}" type="datetimeFigureOut">
               <a:rPr lang="de-DE" smtClean="0"/>
-              <a:t>23.05.2022</a:t>
+              <a:t>24.05.2022</a:t>
             </a:fld>
             <a:endParaRPr lang="de-DE"/>
           </a:p>
@@ -436,7 +436,7 @@
           <a:p>
             <a:fld id="{3BA2540B-A018-47B7-9347-A0387F60CB1C}" type="datetimeFigureOut">
               <a:rPr lang="de-DE" smtClean="0"/>
-              <a:t>23.05.2022</a:t>
+              <a:t>24.05.2022</a:t>
             </a:fld>
             <a:endParaRPr lang="de-DE"/>
           </a:p>
@@ -616,7 +616,7 @@
           <a:p>
             <a:fld id="{3BA2540B-A018-47B7-9347-A0387F60CB1C}" type="datetimeFigureOut">
               <a:rPr lang="de-DE" smtClean="0"/>
-              <a:t>23.05.2022</a:t>
+              <a:t>24.05.2022</a:t>
             </a:fld>
             <a:endParaRPr lang="de-DE"/>
           </a:p>
@@ -786,7 +786,7 @@
           <a:p>
             <a:fld id="{3BA2540B-A018-47B7-9347-A0387F60CB1C}" type="datetimeFigureOut">
               <a:rPr lang="de-DE" smtClean="0"/>
-              <a:t>23.05.2022</a:t>
+              <a:t>24.05.2022</a:t>
             </a:fld>
             <a:endParaRPr lang="de-DE"/>
           </a:p>
@@ -1032,7 +1032,7 @@
           <a:p>
             <a:fld id="{3BA2540B-A018-47B7-9347-A0387F60CB1C}" type="datetimeFigureOut">
               <a:rPr lang="de-DE" smtClean="0"/>
-              <a:t>23.05.2022</a:t>
+              <a:t>24.05.2022</a:t>
             </a:fld>
             <a:endParaRPr lang="de-DE"/>
           </a:p>
@@ -1264,7 +1264,7 @@
           <a:p>
             <a:fld id="{3BA2540B-A018-47B7-9347-A0387F60CB1C}" type="datetimeFigureOut">
               <a:rPr lang="de-DE" smtClean="0"/>
-              <a:t>23.05.2022</a:t>
+              <a:t>24.05.2022</a:t>
             </a:fld>
             <a:endParaRPr lang="de-DE"/>
           </a:p>
@@ -1631,7 +1631,7 @@
           <a:p>
             <a:fld id="{3BA2540B-A018-47B7-9347-A0387F60CB1C}" type="datetimeFigureOut">
               <a:rPr lang="de-DE" smtClean="0"/>
-              <a:t>23.05.2022</a:t>
+              <a:t>24.05.2022</a:t>
             </a:fld>
             <a:endParaRPr lang="de-DE"/>
           </a:p>
@@ -1749,7 +1749,7 @@
           <a:p>
             <a:fld id="{3BA2540B-A018-47B7-9347-A0387F60CB1C}" type="datetimeFigureOut">
               <a:rPr lang="de-DE" smtClean="0"/>
-              <a:t>23.05.2022</a:t>
+              <a:t>24.05.2022</a:t>
             </a:fld>
             <a:endParaRPr lang="de-DE"/>
           </a:p>
@@ -1844,7 +1844,7 @@
           <a:p>
             <a:fld id="{3BA2540B-A018-47B7-9347-A0387F60CB1C}" type="datetimeFigureOut">
               <a:rPr lang="de-DE" smtClean="0"/>
-              <a:t>23.05.2022</a:t>
+              <a:t>24.05.2022</a:t>
             </a:fld>
             <a:endParaRPr lang="de-DE"/>
           </a:p>
@@ -2121,7 +2121,7 @@
           <a:p>
             <a:fld id="{3BA2540B-A018-47B7-9347-A0387F60CB1C}" type="datetimeFigureOut">
               <a:rPr lang="de-DE" smtClean="0"/>
-              <a:t>23.05.2022</a:t>
+              <a:t>24.05.2022</a:t>
             </a:fld>
             <a:endParaRPr lang="de-DE"/>
           </a:p>
@@ -2374,7 +2374,7 @@
           <a:p>
             <a:fld id="{3BA2540B-A018-47B7-9347-A0387F60CB1C}" type="datetimeFigureOut">
               <a:rPr lang="de-DE" smtClean="0"/>
-              <a:t>23.05.2022</a:t>
+              <a:t>24.05.2022</a:t>
             </a:fld>
             <a:endParaRPr lang="de-DE"/>
           </a:p>
@@ -2587,7 +2587,7 @@
           <a:p>
             <a:fld id="{3BA2540B-A018-47B7-9347-A0387F60CB1C}" type="datetimeFigureOut">
               <a:rPr lang="de-DE" smtClean="0"/>
-              <a:t>23.05.2022</a:t>
+              <a:t>24.05.2022</a:t>
             </a:fld>
             <a:endParaRPr lang="de-DE"/>
           </a:p>
@@ -3739,7 +3739,23 @@
                       <a:schemeClr val="bg1"/>
                     </a:solidFill>
                   </a:rPr>
-                  <a:t>Es ist sehr wichtig, dass Sie bedenken, dass die Skala von „minimaler Schmerz“ bis „kaum aushaltbarer Schmerz“ geht. Der minimale Schmerz entspricht dabei Ihrer Schmerzschwelle, also dem Punkt, ab dem der Druckreiz schmerzhaft wird. Sie können also die gesamte Skala nutzen!</a:t>
+                  <a:t>Es ist sehr wichtig, dass Sie bedenken, dass die Skala von „minimaler Schmerz“ bis „kaum aushaltbarer Schmerz“ geht. Der minimale Schmerz entspricht dabei Ihrer Schmerzschwelle, also dem Punkt, ab dem der </a:t>
+                </a:r>
+                <a:r>
+                  <a:rPr lang="de-DE" sz="2000" dirty="0" smtClean="0">
+                    <a:solidFill>
+                      <a:schemeClr val="bg1"/>
+                    </a:solidFill>
+                  </a:rPr>
+                  <a:t>Reiz </a:t>
+                </a:r>
+                <a:r>
+                  <a:rPr lang="de-DE" sz="2000" dirty="0" smtClean="0">
+                    <a:solidFill>
+                      <a:schemeClr val="bg1"/>
+                    </a:solidFill>
+                  </a:rPr>
+                  <a:t>schmerzhaft wird. Sie können also die gesamte Skala nutzen!</a:t>
                 </a:r>
                 <a:endParaRPr lang="de-DE" sz="2000" dirty="0">
                   <a:solidFill>
@@ -4295,7 +4311,23 @@
                       <a:schemeClr val="bg1"/>
                     </a:solidFill>
                   </a:rPr>
-                  <a:t>Das bedeutet, wenn ein Druckreiz UNTERHALB Ihrer Schmerschwelle ist, positionieren Sie den Cursor ganz LINKS auf der Skala.</a:t>
+                  <a:t>Das bedeutet, wenn ein </a:t>
+                </a:r>
+                <a:r>
+                  <a:rPr lang="de-DE" sz="2000" dirty="0" smtClean="0">
+                    <a:solidFill>
+                      <a:schemeClr val="bg1"/>
+                    </a:solidFill>
+                  </a:rPr>
+                  <a:t>Reiz </a:t>
+                </a:r>
+                <a:r>
+                  <a:rPr lang="de-DE" sz="2000" dirty="0">
+                    <a:solidFill>
+                      <a:schemeClr val="bg1"/>
+                    </a:solidFill>
+                  </a:rPr>
+                  <a:t>UNTERHALB Ihrer Schmerschwelle ist, positionieren Sie den Cursor ganz LINKS auf der Skala.</a:t>
                 </a:r>
               </a:p>
               <a:p>
@@ -4351,66 +4383,6 @@
       </p:pic>
       <p:sp>
         <p:nvSpPr>
-          <p:cNvPr id="17" name="Textfeld 16"/>
-          <p:cNvSpPr txBox="1"/>
-          <p:nvPr/>
-        </p:nvSpPr>
-        <p:spPr>
-          <a:xfrm>
-            <a:off x="7858760" y="4557620"/>
-            <a:ext cx="2978258" cy="830997"/>
-          </a:xfrm>
-          <a:prstGeom prst="rect">
-            <a:avLst/>
-          </a:prstGeom>
-          <a:solidFill>
-            <a:srgbClr val="464646"/>
-          </a:solidFill>
-        </p:spPr>
-        <p:txBody>
-          <a:bodyPr wrap="square" rtlCol="0">
-            <a:spAutoFit/>
-          </a:bodyPr>
-          <a:lstStyle/>
-          <a:p>
-            <a:pPr algn="ctr"/>
-            <a:r>
-              <a:rPr lang="de-DE" sz="2400" dirty="0">
-                <a:solidFill>
-                  <a:schemeClr val="bg1"/>
-                </a:solidFill>
-              </a:rPr>
-              <a:t>k</a:t>
-            </a:r>
-            <a:r>
-              <a:rPr lang="de-DE" sz="2400" dirty="0" smtClean="0">
-                <a:solidFill>
-                  <a:schemeClr val="bg1"/>
-                </a:solidFill>
-              </a:rPr>
-              <a:t>aum aushaltbarer</a:t>
-            </a:r>
-          </a:p>
-          <a:p>
-            <a:pPr algn="ctr"/>
-            <a:r>
-              <a:rPr lang="de-DE" sz="2400" dirty="0" smtClean="0">
-                <a:solidFill>
-                  <a:schemeClr val="bg1"/>
-                </a:solidFill>
-              </a:rPr>
-              <a:t>Schmerz</a:t>
-            </a:r>
-            <a:endParaRPr lang="de-DE" sz="2400" dirty="0">
-              <a:solidFill>
-                <a:schemeClr val="bg1"/>
-              </a:solidFill>
-            </a:endParaRPr>
-          </a:p>
-        </p:txBody>
-      </p:sp>
-      <p:sp>
-        <p:nvSpPr>
           <p:cNvPr id="19" name="Textfeld 18"/>
           <p:cNvSpPr txBox="1"/>
           <p:nvPr/>
@@ -4449,6 +4421,66 @@
                 </a:solidFill>
               </a:rPr>
               <a:t>inimaler</a:t>
+            </a:r>
+          </a:p>
+          <a:p>
+            <a:pPr algn="ctr"/>
+            <a:r>
+              <a:rPr lang="de-DE" sz="2400" dirty="0" smtClean="0">
+                <a:solidFill>
+                  <a:schemeClr val="bg1"/>
+                </a:solidFill>
+              </a:rPr>
+              <a:t>Schmerz</a:t>
+            </a:r>
+            <a:endParaRPr lang="de-DE" sz="2400" dirty="0">
+              <a:solidFill>
+                <a:schemeClr val="bg1"/>
+              </a:solidFill>
+            </a:endParaRPr>
+          </a:p>
+        </p:txBody>
+      </p:sp>
+      <p:sp>
+        <p:nvSpPr>
+          <p:cNvPr id="14" name="Textfeld 13"/>
+          <p:cNvSpPr txBox="1"/>
+          <p:nvPr/>
+        </p:nvSpPr>
+        <p:spPr>
+          <a:xfrm>
+            <a:off x="7909300" y="4526541"/>
+            <a:ext cx="2978258" cy="830997"/>
+          </a:xfrm>
+          <a:prstGeom prst="rect">
+            <a:avLst/>
+          </a:prstGeom>
+          <a:solidFill>
+            <a:srgbClr val="464646"/>
+          </a:solidFill>
+        </p:spPr>
+        <p:txBody>
+          <a:bodyPr wrap="square" rtlCol="0">
+            <a:spAutoFit/>
+          </a:bodyPr>
+          <a:lstStyle/>
+          <a:p>
+            <a:pPr algn="ctr"/>
+            <a:r>
+              <a:rPr lang="de-DE" sz="2400" dirty="0">
+                <a:solidFill>
+                  <a:schemeClr val="bg1"/>
+                </a:solidFill>
+              </a:rPr>
+              <a:t>k</a:t>
+            </a:r>
+            <a:r>
+              <a:rPr lang="de-DE" sz="2400" dirty="0" smtClean="0">
+                <a:solidFill>
+                  <a:schemeClr val="bg1"/>
+                </a:solidFill>
+              </a:rPr>
+              <a:t>aum aushaltbarer</a:t>
             </a:r>
           </a:p>
           <a:p>
@@ -4833,7 +4865,15 @@
                       <a:schemeClr val="bg1"/>
                     </a:solidFill>
                   </a:rPr>
-                  <a:t>Sobald ein Druckreiz </a:t>
+                  <a:t>Sobald ein </a:t>
+                </a:r>
+                <a:r>
+                  <a:rPr lang="de-DE" sz="2000" dirty="0" smtClean="0">
+                    <a:solidFill>
+                      <a:schemeClr val="bg1"/>
+                    </a:solidFill>
+                  </a:rPr>
+                  <a:t>Reiz </a:t>
                 </a:r>
                 <a:r>
                   <a:rPr lang="de-DE" sz="2000" dirty="0" smtClean="0">
@@ -4927,66 +4967,6 @@
           </a:prstGeom>
         </p:spPr>
       </p:pic>
-      <p:sp>
-        <p:nvSpPr>
-          <p:cNvPr id="17" name="Textfeld 16"/>
-          <p:cNvSpPr txBox="1"/>
-          <p:nvPr/>
-        </p:nvSpPr>
-        <p:spPr>
-          <a:xfrm>
-            <a:off x="7858760" y="4557620"/>
-            <a:ext cx="2978258" cy="830997"/>
-          </a:xfrm>
-          <a:prstGeom prst="rect">
-            <a:avLst/>
-          </a:prstGeom>
-          <a:solidFill>
-            <a:srgbClr val="464646"/>
-          </a:solidFill>
-        </p:spPr>
-        <p:txBody>
-          <a:bodyPr wrap="square" rtlCol="0">
-            <a:spAutoFit/>
-          </a:bodyPr>
-          <a:lstStyle/>
-          <a:p>
-            <a:pPr algn="ctr"/>
-            <a:r>
-              <a:rPr lang="de-DE" sz="2400" dirty="0">
-                <a:solidFill>
-                  <a:schemeClr val="bg1"/>
-                </a:solidFill>
-              </a:rPr>
-              <a:t>k</a:t>
-            </a:r>
-            <a:r>
-              <a:rPr lang="de-DE" sz="2400" dirty="0" smtClean="0">
-                <a:solidFill>
-                  <a:schemeClr val="bg1"/>
-                </a:solidFill>
-              </a:rPr>
-              <a:t>aum aushaltbarer</a:t>
-            </a:r>
-          </a:p>
-          <a:p>
-            <a:pPr algn="ctr"/>
-            <a:r>
-              <a:rPr lang="de-DE" sz="2400" dirty="0" smtClean="0">
-                <a:solidFill>
-                  <a:schemeClr val="bg1"/>
-                </a:solidFill>
-              </a:rPr>
-              <a:t>Schmerz</a:t>
-            </a:r>
-            <a:endParaRPr lang="de-DE" sz="2400" dirty="0">
-              <a:solidFill>
-                <a:schemeClr val="bg1"/>
-              </a:solidFill>
-            </a:endParaRPr>
-          </a:p>
-        </p:txBody>
-      </p:sp>
       <p:cxnSp>
         <p:nvCxnSpPr>
           <p:cNvPr id="18" name="Gerade Verbindung mit Pfeil 17"/>
@@ -5164,6 +5144,66 @@
                 </a:solidFill>
               </a:rPr>
               <a:t>inimaler</a:t>
+            </a:r>
+          </a:p>
+          <a:p>
+            <a:pPr algn="ctr"/>
+            <a:r>
+              <a:rPr lang="de-DE" sz="2400" dirty="0" smtClean="0">
+                <a:solidFill>
+                  <a:schemeClr val="bg1"/>
+                </a:solidFill>
+              </a:rPr>
+              <a:t>Schmerz</a:t>
+            </a:r>
+            <a:endParaRPr lang="de-DE" sz="2400" dirty="0">
+              <a:solidFill>
+                <a:schemeClr val="bg1"/>
+              </a:solidFill>
+            </a:endParaRPr>
+          </a:p>
+        </p:txBody>
+      </p:sp>
+      <p:sp>
+        <p:nvSpPr>
+          <p:cNvPr id="19" name="Textfeld 18"/>
+          <p:cNvSpPr txBox="1"/>
+          <p:nvPr/>
+        </p:nvSpPr>
+        <p:spPr>
+          <a:xfrm>
+            <a:off x="7909300" y="4526541"/>
+            <a:ext cx="2978258" cy="830997"/>
+          </a:xfrm>
+          <a:prstGeom prst="rect">
+            <a:avLst/>
+          </a:prstGeom>
+          <a:solidFill>
+            <a:srgbClr val="464646"/>
+          </a:solidFill>
+        </p:spPr>
+        <p:txBody>
+          <a:bodyPr wrap="square" rtlCol="0">
+            <a:spAutoFit/>
+          </a:bodyPr>
+          <a:lstStyle/>
+          <a:p>
+            <a:pPr algn="ctr"/>
+            <a:r>
+              <a:rPr lang="de-DE" sz="2400" dirty="0">
+                <a:solidFill>
+                  <a:schemeClr val="bg1"/>
+                </a:solidFill>
+              </a:rPr>
+              <a:t>k</a:t>
+            </a:r>
+            <a:r>
+              <a:rPr lang="de-DE" sz="2400" dirty="0" smtClean="0">
+                <a:solidFill>
+                  <a:schemeClr val="bg1"/>
+                </a:solidFill>
+              </a:rPr>
+              <a:t>aum aushaltbarer</a:t>
             </a:r>
           </a:p>
           <a:p>

--- a/utils/img/VAS_Paradigm_Visuals.pptx
+++ b/utils/img/VAS_Paradigm_Visuals.pptx
@@ -266,7 +266,7 @@
           <a:p>
             <a:fld id="{3BA2540B-A018-47B7-9347-A0387F60CB1C}" type="datetimeFigureOut">
               <a:rPr lang="de-DE" smtClean="0"/>
-              <a:t>24.05.2022</a:t>
+              <a:t>02.06.2022</a:t>
             </a:fld>
             <a:endParaRPr lang="de-DE"/>
           </a:p>
@@ -436,7 +436,7 @@
           <a:p>
             <a:fld id="{3BA2540B-A018-47B7-9347-A0387F60CB1C}" type="datetimeFigureOut">
               <a:rPr lang="de-DE" smtClean="0"/>
-              <a:t>24.05.2022</a:t>
+              <a:t>02.06.2022</a:t>
             </a:fld>
             <a:endParaRPr lang="de-DE"/>
           </a:p>
@@ -616,7 +616,7 @@
           <a:p>
             <a:fld id="{3BA2540B-A018-47B7-9347-A0387F60CB1C}" type="datetimeFigureOut">
               <a:rPr lang="de-DE" smtClean="0"/>
-              <a:t>24.05.2022</a:t>
+              <a:t>02.06.2022</a:t>
             </a:fld>
             <a:endParaRPr lang="de-DE"/>
           </a:p>
@@ -786,7 +786,7 @@
           <a:p>
             <a:fld id="{3BA2540B-A018-47B7-9347-A0387F60CB1C}" type="datetimeFigureOut">
               <a:rPr lang="de-DE" smtClean="0"/>
-              <a:t>24.05.2022</a:t>
+              <a:t>02.06.2022</a:t>
             </a:fld>
             <a:endParaRPr lang="de-DE"/>
           </a:p>
@@ -1032,7 +1032,7 @@
           <a:p>
             <a:fld id="{3BA2540B-A018-47B7-9347-A0387F60CB1C}" type="datetimeFigureOut">
               <a:rPr lang="de-DE" smtClean="0"/>
-              <a:t>24.05.2022</a:t>
+              <a:t>02.06.2022</a:t>
             </a:fld>
             <a:endParaRPr lang="de-DE"/>
           </a:p>
@@ -1264,7 +1264,7 @@
           <a:p>
             <a:fld id="{3BA2540B-A018-47B7-9347-A0387F60CB1C}" type="datetimeFigureOut">
               <a:rPr lang="de-DE" smtClean="0"/>
-              <a:t>24.05.2022</a:t>
+              <a:t>02.06.2022</a:t>
             </a:fld>
             <a:endParaRPr lang="de-DE"/>
           </a:p>
@@ -1631,7 +1631,7 @@
           <a:p>
             <a:fld id="{3BA2540B-A018-47B7-9347-A0387F60CB1C}" type="datetimeFigureOut">
               <a:rPr lang="de-DE" smtClean="0"/>
-              <a:t>24.05.2022</a:t>
+              <a:t>02.06.2022</a:t>
             </a:fld>
             <a:endParaRPr lang="de-DE"/>
           </a:p>
@@ -1749,7 +1749,7 @@
           <a:p>
             <a:fld id="{3BA2540B-A018-47B7-9347-A0387F60CB1C}" type="datetimeFigureOut">
               <a:rPr lang="de-DE" smtClean="0"/>
-              <a:t>24.05.2022</a:t>
+              <a:t>02.06.2022</a:t>
             </a:fld>
             <a:endParaRPr lang="de-DE"/>
           </a:p>
@@ -1844,7 +1844,7 @@
           <a:p>
             <a:fld id="{3BA2540B-A018-47B7-9347-A0387F60CB1C}" type="datetimeFigureOut">
               <a:rPr lang="de-DE" smtClean="0"/>
-              <a:t>24.05.2022</a:t>
+              <a:t>02.06.2022</a:t>
             </a:fld>
             <a:endParaRPr lang="de-DE"/>
           </a:p>
@@ -2121,7 +2121,7 @@
           <a:p>
             <a:fld id="{3BA2540B-A018-47B7-9347-A0387F60CB1C}" type="datetimeFigureOut">
               <a:rPr lang="de-DE" smtClean="0"/>
-              <a:t>24.05.2022</a:t>
+              <a:t>02.06.2022</a:t>
             </a:fld>
             <a:endParaRPr lang="de-DE"/>
           </a:p>
@@ -2374,7 +2374,7 @@
           <a:p>
             <a:fld id="{3BA2540B-A018-47B7-9347-A0387F60CB1C}" type="datetimeFigureOut">
               <a:rPr lang="de-DE" smtClean="0"/>
-              <a:t>24.05.2022</a:t>
+              <a:t>02.06.2022</a:t>
             </a:fld>
             <a:endParaRPr lang="de-DE"/>
           </a:p>
@@ -2587,7 +2587,7 @@
           <a:p>
             <a:fld id="{3BA2540B-A018-47B7-9347-A0387F60CB1C}" type="datetimeFigureOut">
               <a:rPr lang="de-DE" smtClean="0"/>
-              <a:t>24.05.2022</a:t>
+              <a:t>02.06.2022</a:t>
             </a:fld>
             <a:endParaRPr lang="de-DE"/>
           </a:p>
@@ -3715,7 +3715,7 @@
             <p:spPr>
               <a:xfrm>
                 <a:off x="2139035" y="406694"/>
-                <a:ext cx="8128323" cy="1974268"/>
+                <a:ext cx="8128323" cy="1727942"/>
               </a:xfrm>
               <a:prstGeom prst="rect">
                 <a:avLst/>
@@ -3734,30 +3734,22 @@
                   </a:lnSpc>
                 </a:pPr>
                 <a:r>
-                  <a:rPr lang="de-DE" sz="2000" dirty="0" smtClean="0">
+                  <a:rPr lang="de-DE" sz="2400" dirty="0" smtClean="0">
                     <a:solidFill>
                       <a:schemeClr val="bg1"/>
                     </a:solidFill>
                   </a:rPr>
-                  <a:t>Es ist sehr wichtig, dass Sie bedenken, dass die Skala von „minimaler Schmerz“ bis „kaum aushaltbarer Schmerz“ geht. Der minimale Schmerz entspricht dabei Ihrer Schmerzschwelle, also dem Punkt, ab dem der </a:t>
+                  <a:t>Der </a:t>
                 </a:r>
                 <a:r>
-                  <a:rPr lang="de-DE" sz="2000" dirty="0" smtClean="0">
+                  <a:rPr lang="de-DE" sz="2400" dirty="0" smtClean="0">
                     <a:solidFill>
                       <a:schemeClr val="bg1"/>
                     </a:solidFill>
                   </a:rPr>
-                  <a:t>Reiz </a:t>
+                  <a:t>minimale Schmerz entspricht dabei Ihrer Schmerzschwelle, also dem Punkt, ab dem der Reiz schmerzhaft wird. Sie können also die gesamte Skala nutzen!</a:t>
                 </a:r>
-                <a:r>
-                  <a:rPr lang="de-DE" sz="2000" dirty="0" smtClean="0">
-                    <a:solidFill>
-                      <a:schemeClr val="bg1"/>
-                    </a:solidFill>
-                  </a:rPr>
-                  <a:t>schmerzhaft wird. Sie können also die gesamte Skala nutzen!</a:t>
-                </a:r>
-                <a:endParaRPr lang="de-DE" sz="2000" dirty="0">
+                <a:endParaRPr lang="de-DE" sz="2400" dirty="0">
                   <a:solidFill>
                     <a:schemeClr val="bg1"/>
                   </a:solidFill>
@@ -4287,7 +4279,7 @@
             <p:spPr>
               <a:xfrm>
                 <a:off x="2139035" y="406694"/>
-                <a:ext cx="8128323" cy="1974268"/>
+                <a:ext cx="8128323" cy="2162293"/>
               </a:xfrm>
               <a:prstGeom prst="rect">
                 <a:avLst/>
@@ -4306,7 +4298,7 @@
                   </a:lnSpc>
                 </a:pPr>
                 <a:r>
-                  <a:rPr lang="de-DE" sz="2000" dirty="0">
+                  <a:rPr lang="de-DE" sz="2400" dirty="0">
                     <a:solidFill>
                       <a:schemeClr val="bg1"/>
                     </a:solidFill>
@@ -4314,7 +4306,7 @@
                   <a:t>Das bedeutet, wenn ein </a:t>
                 </a:r>
                 <a:r>
-                  <a:rPr lang="de-DE" sz="2000" dirty="0" smtClean="0">
+                  <a:rPr lang="de-DE" sz="2400" dirty="0" smtClean="0">
                     <a:solidFill>
                       <a:schemeClr val="bg1"/>
                     </a:solidFill>
@@ -4322,7 +4314,7 @@
                   <a:t>Reiz </a:t>
                 </a:r>
                 <a:r>
-                  <a:rPr lang="de-DE" sz="2000" dirty="0">
+                  <a:rPr lang="de-DE" sz="2400" dirty="0">
                     <a:solidFill>
                       <a:schemeClr val="bg1"/>
                     </a:solidFill>
@@ -4726,10 +4718,10 @@
             </p:nvGrpSpPr>
             <p:grpSpPr>
               <a:xfrm>
-                <a:off x="1692215" y="3188104"/>
-                <a:ext cx="8575143" cy="2461745"/>
-                <a:chOff x="1696796" y="2447303"/>
-                <a:chExt cx="8575143" cy="2461745"/>
+                <a:off x="1692215" y="1870725"/>
+                <a:ext cx="8575143" cy="3779124"/>
+                <a:chOff x="1696796" y="1129924"/>
+                <a:chExt cx="8575143" cy="3779124"/>
               </a:xfrm>
             </p:grpSpPr>
             <p:pic>
@@ -4763,8 +4755,8 @@
               </p:nvCxnSpPr>
               <p:spPr>
                 <a:xfrm flipH="1">
-                  <a:off x="2617374" y="2447303"/>
-                  <a:ext cx="3510915" cy="1049387"/>
+                  <a:off x="2617374" y="1129924"/>
+                  <a:ext cx="3236400" cy="2366765"/>
                 </a:xfrm>
                 <a:prstGeom prst="straightConnector1">
                   <a:avLst/>
@@ -4802,7 +4794,7 @@
             <p:spPr>
               <a:xfrm>
                 <a:off x="2139035" y="406694"/>
-                <a:ext cx="8128323" cy="2914395"/>
+                <a:ext cx="8128323" cy="1163866"/>
               </a:xfrm>
               <a:prstGeom prst="rect">
                 <a:avLst/>
@@ -4821,62 +4813,23 @@
                   </a:lnSpc>
                 </a:pPr>
                 <a:r>
-                  <a:rPr lang="de-DE" sz="2000" dirty="0" smtClean="0">
+                  <a:rPr lang="de-DE" sz="2400" dirty="0" smtClean="0">
                     <a:solidFill>
                       <a:schemeClr val="bg1"/>
                     </a:solidFill>
                   </a:rPr>
-                  <a:t>Das bedeutet, wenn ein Reiz UNTERHALB Ihrer Schmerschwelle ist, positionieren Sie den Cursor ganz LINKS auf der Skala.</a:t>
+                  <a:t>Sobald </a:t>
                 </a:r>
-              </a:p>
-              <a:p>
-                <a:pPr algn="ctr">
-                  <a:lnSpc>
-                    <a:spcPct val="150000"/>
-                  </a:lnSpc>
-                </a:pPr>
-                <a:endParaRPr lang="de-DE" sz="2000" dirty="0">
-                  <a:solidFill>
-                    <a:schemeClr val="bg1"/>
-                  </a:solidFill>
-                </a:endParaRPr>
-              </a:p>
-              <a:p>
-                <a:pPr algn="ctr">
-                  <a:lnSpc>
-                    <a:spcPct val="150000"/>
-                  </a:lnSpc>
-                </a:pPr>
-                <a:endParaRPr lang="de-DE" sz="2000" dirty="0">
-                  <a:solidFill>
-                    <a:schemeClr val="bg1"/>
-                  </a:solidFill>
-                </a:endParaRPr>
-              </a:p>
-              <a:p>
-                <a:pPr algn="ctr">
-                  <a:lnSpc>
-                    <a:spcPct val="150000"/>
-                  </a:lnSpc>
-                </a:pPr>
                 <a:r>
-                  <a:rPr lang="de-DE" sz="2000" dirty="0" smtClean="0">
+                  <a:rPr lang="de-DE" sz="2400" dirty="0" smtClean="0">
                     <a:solidFill>
                       <a:schemeClr val="bg1"/>
                     </a:solidFill>
                   </a:rPr>
-                  <a:t>Sobald ein </a:t>
+                  <a:t>ein Reiz </a:t>
                 </a:r>
                 <a:r>
-                  <a:rPr lang="de-DE" sz="2000" dirty="0" smtClean="0">
-                    <a:solidFill>
-                      <a:schemeClr val="bg1"/>
-                    </a:solidFill>
-                  </a:rPr>
-                  <a:t>Reiz </a:t>
-                </a:r>
-                <a:r>
-                  <a:rPr lang="de-DE" sz="2000" dirty="0" smtClean="0">
+                  <a:rPr lang="de-DE" sz="2400" dirty="0" smtClean="0">
                     <a:solidFill>
                       <a:srgbClr val="FF0000"/>
                     </a:solidFill>
@@ -4884,7 +4837,7 @@
                   <a:t>SCHMERZHAFT</a:t>
                 </a:r>
                 <a:r>
-                  <a:rPr lang="de-DE" sz="2000" dirty="0" smtClean="0">
+                  <a:rPr lang="de-DE" sz="2400" dirty="0" smtClean="0">
                     <a:solidFill>
                       <a:schemeClr val="bg1"/>
                     </a:solidFill>
@@ -4975,8 +4928,8 @@
         </p:nvCxnSpPr>
         <p:spPr>
           <a:xfrm>
-            <a:off x="6375469" y="3151932"/>
-            <a:ext cx="2652294" cy="946356"/>
+            <a:off x="6243145" y="1789386"/>
+            <a:ext cx="2784618" cy="2308902"/>
           </a:xfrm>
           <a:prstGeom prst="straightConnector1">
             <a:avLst/>

--- a/utils/img/VAS_Paradigm_Visuals.pptx
+++ b/utils/img/VAS_Paradigm_Visuals.pptx
@@ -266,7 +266,7 @@
           <a:p>
             <a:fld id="{3BA2540B-A018-47B7-9347-A0387F60CB1C}" type="datetimeFigureOut">
               <a:rPr lang="de-DE" smtClean="0"/>
-              <a:t>02.06.2022</a:t>
+              <a:t>08.06.2022</a:t>
             </a:fld>
             <a:endParaRPr lang="de-DE"/>
           </a:p>
@@ -436,7 +436,7 @@
           <a:p>
             <a:fld id="{3BA2540B-A018-47B7-9347-A0387F60CB1C}" type="datetimeFigureOut">
               <a:rPr lang="de-DE" smtClean="0"/>
-              <a:t>02.06.2022</a:t>
+              <a:t>08.06.2022</a:t>
             </a:fld>
             <a:endParaRPr lang="de-DE"/>
           </a:p>
@@ -616,7 +616,7 @@
           <a:p>
             <a:fld id="{3BA2540B-A018-47B7-9347-A0387F60CB1C}" type="datetimeFigureOut">
               <a:rPr lang="de-DE" smtClean="0"/>
-              <a:t>02.06.2022</a:t>
+              <a:t>08.06.2022</a:t>
             </a:fld>
             <a:endParaRPr lang="de-DE"/>
           </a:p>
@@ -786,7 +786,7 @@
           <a:p>
             <a:fld id="{3BA2540B-A018-47B7-9347-A0387F60CB1C}" type="datetimeFigureOut">
               <a:rPr lang="de-DE" smtClean="0"/>
-              <a:t>02.06.2022</a:t>
+              <a:t>08.06.2022</a:t>
             </a:fld>
             <a:endParaRPr lang="de-DE"/>
           </a:p>
@@ -1032,7 +1032,7 @@
           <a:p>
             <a:fld id="{3BA2540B-A018-47B7-9347-A0387F60CB1C}" type="datetimeFigureOut">
               <a:rPr lang="de-DE" smtClean="0"/>
-              <a:t>02.06.2022</a:t>
+              <a:t>08.06.2022</a:t>
             </a:fld>
             <a:endParaRPr lang="de-DE"/>
           </a:p>
@@ -1264,7 +1264,7 @@
           <a:p>
             <a:fld id="{3BA2540B-A018-47B7-9347-A0387F60CB1C}" type="datetimeFigureOut">
               <a:rPr lang="de-DE" smtClean="0"/>
-              <a:t>02.06.2022</a:t>
+              <a:t>08.06.2022</a:t>
             </a:fld>
             <a:endParaRPr lang="de-DE"/>
           </a:p>
@@ -1631,7 +1631,7 @@
           <a:p>
             <a:fld id="{3BA2540B-A018-47B7-9347-A0387F60CB1C}" type="datetimeFigureOut">
               <a:rPr lang="de-DE" smtClean="0"/>
-              <a:t>02.06.2022</a:t>
+              <a:t>08.06.2022</a:t>
             </a:fld>
             <a:endParaRPr lang="de-DE"/>
           </a:p>
@@ -1749,7 +1749,7 @@
           <a:p>
             <a:fld id="{3BA2540B-A018-47B7-9347-A0387F60CB1C}" type="datetimeFigureOut">
               <a:rPr lang="de-DE" smtClean="0"/>
-              <a:t>02.06.2022</a:t>
+              <a:t>08.06.2022</a:t>
             </a:fld>
             <a:endParaRPr lang="de-DE"/>
           </a:p>
@@ -1844,7 +1844,7 @@
           <a:p>
             <a:fld id="{3BA2540B-A018-47B7-9347-A0387F60CB1C}" type="datetimeFigureOut">
               <a:rPr lang="de-DE" smtClean="0"/>
-              <a:t>02.06.2022</a:t>
+              <a:t>08.06.2022</a:t>
             </a:fld>
             <a:endParaRPr lang="de-DE"/>
           </a:p>
@@ -2121,7 +2121,7 @@
           <a:p>
             <a:fld id="{3BA2540B-A018-47B7-9347-A0387F60CB1C}" type="datetimeFigureOut">
               <a:rPr lang="de-DE" smtClean="0"/>
-              <a:t>02.06.2022</a:t>
+              <a:t>08.06.2022</a:t>
             </a:fld>
             <a:endParaRPr lang="de-DE"/>
           </a:p>
@@ -2374,7 +2374,7 @@
           <a:p>
             <a:fld id="{3BA2540B-A018-47B7-9347-A0387F60CB1C}" type="datetimeFigureOut">
               <a:rPr lang="de-DE" smtClean="0"/>
-              <a:t>02.06.2022</a:t>
+              <a:t>08.06.2022</a:t>
             </a:fld>
             <a:endParaRPr lang="de-DE"/>
           </a:p>
@@ -2587,7 +2587,7 @@
           <a:p>
             <a:fld id="{3BA2540B-A018-47B7-9347-A0387F60CB1C}" type="datetimeFigureOut">
               <a:rPr lang="de-DE" smtClean="0"/>
-              <a:t>02.06.2022</a:t>
+              <a:t>08.06.2022</a:t>
             </a:fld>
             <a:endParaRPr lang="de-DE"/>
           </a:p>
@@ -3715,7 +3715,7 @@
             <p:spPr>
               <a:xfrm>
                 <a:off x="2139035" y="406694"/>
-                <a:ext cx="8128323" cy="1727942"/>
+                <a:ext cx="8128323" cy="2068280"/>
               </a:xfrm>
               <a:prstGeom prst="rect">
                 <a:avLst/>
@@ -3734,22 +3734,14 @@
                   </a:lnSpc>
                 </a:pPr>
                 <a:r>
-                  <a:rPr lang="de-DE" sz="2400" dirty="0" smtClean="0">
+                  <a:rPr lang="de-DE" sz="2800" dirty="0" smtClean="0">
                     <a:solidFill>
                       <a:schemeClr val="bg1"/>
                     </a:solidFill>
                   </a:rPr>
-                  <a:t>Der </a:t>
+                  <a:t>Der minimale Schmerz entspricht dabei Ihrer Schmerzschwelle, also dem Punkt, ab dem der Reiz schmerzhaft wird. </a:t>
                 </a:r>
-                <a:r>
-                  <a:rPr lang="de-DE" sz="2400" dirty="0" smtClean="0">
-                    <a:solidFill>
-                      <a:schemeClr val="bg1"/>
-                    </a:solidFill>
-                  </a:rPr>
-                  <a:t>minimale Schmerz entspricht dabei Ihrer Schmerzschwelle, also dem Punkt, ab dem der Reiz schmerzhaft wird. Sie können also die gesamte Skala nutzen!</a:t>
-                </a:r>
-                <a:endParaRPr lang="de-DE" sz="2400" dirty="0">
+                <a:endParaRPr lang="de-DE" sz="2800" dirty="0">
                   <a:solidFill>
                     <a:schemeClr val="bg1"/>
                   </a:solidFill>
@@ -3758,44 +3750,6 @@
             </p:txBody>
           </p:sp>
         </p:grpSp>
-        <p:sp>
-          <p:nvSpPr>
-            <p:cNvPr id="5" name="Textfeld 4"/>
-            <p:cNvSpPr txBox="1"/>
-            <p:nvPr/>
-          </p:nvSpPr>
-          <p:spPr>
-            <a:xfrm>
-              <a:off x="5595174" y="2641385"/>
-              <a:ext cx="1313482" cy="830997"/>
-            </a:xfrm>
-            <a:prstGeom prst="rect">
-              <a:avLst/>
-            </a:prstGeom>
-            <a:noFill/>
-          </p:spPr>
-          <p:txBody>
-            <a:bodyPr wrap="square" rtlCol="0">
-              <a:spAutoFit/>
-            </a:bodyPr>
-            <a:lstStyle/>
-            <a:p>
-              <a:r>
-                <a:rPr lang="de-DE" sz="2400" dirty="0" smtClean="0">
-                  <a:solidFill>
-                    <a:schemeClr val="bg1"/>
-                  </a:solidFill>
-                </a:rPr>
-                <a:t>Schmerzschwelle</a:t>
-              </a:r>
-              <a:endParaRPr lang="de-DE" sz="2400" dirty="0">
-                <a:solidFill>
-                  <a:schemeClr val="bg1"/>
-                </a:solidFill>
-              </a:endParaRPr>
-            </a:p>
-          </p:txBody>
-        </p:sp>
       </p:grpSp>
       <p:pic>
         <p:nvPicPr>
@@ -3820,44 +3774,6 @@
           </a:prstGeom>
         </p:spPr>
       </p:pic>
-      <p:sp>
-        <p:nvSpPr>
-          <p:cNvPr id="8" name="Textfeld 7"/>
-          <p:cNvSpPr txBox="1"/>
-          <p:nvPr/>
-        </p:nvSpPr>
-        <p:spPr>
-          <a:xfrm>
-            <a:off x="3953488" y="3162411"/>
-            <a:ext cx="1069383" cy="523220"/>
-          </a:xfrm>
-          <a:prstGeom prst="rect">
-            <a:avLst/>
-          </a:prstGeom>
-          <a:noFill/>
-        </p:spPr>
-        <p:txBody>
-          <a:bodyPr wrap="square" rtlCol="0">
-            <a:spAutoFit/>
-          </a:bodyPr>
-          <a:lstStyle/>
-          <a:p>
-            <a:r>
-              <a:rPr lang="de-DE" sz="2800" dirty="0" smtClean="0">
-                <a:solidFill>
-                  <a:schemeClr val="bg1"/>
-                </a:solidFill>
-              </a:rPr>
-              <a:t>=</a:t>
-            </a:r>
-            <a:endParaRPr lang="de-DE" sz="2800" dirty="0">
-              <a:solidFill>
-                <a:schemeClr val="bg1"/>
-              </a:solidFill>
-            </a:endParaRPr>
-          </a:p>
-        </p:txBody>
-      </p:sp>
       <p:sp>
         <p:nvSpPr>
           <p:cNvPr id="20" name="Textfeld 19"/>
@@ -4195,81 +4111,29 @@
               <a:chExt cx="8575143" cy="5243155"/>
             </a:xfrm>
           </p:grpSpPr>
-          <p:grpSp>
-            <p:nvGrpSpPr>
-              <p:cNvPr id="2" name="Gruppieren 1"/>
-              <p:cNvGrpSpPr/>
+          <p:pic>
+            <p:nvPicPr>
+              <p:cNvPr id="25" name="Grafik 24"/>
+              <p:cNvPicPr>
+                <a:picLocks noChangeAspect="1"/>
+              </p:cNvPicPr>
               <p:nvPr/>
-            </p:nvGrpSpPr>
-            <p:grpSpPr>
+            </p:nvPicPr>
+            <p:blipFill rotWithShape="1">
+              <a:blip r:embed="rId2"/>
+              <a:srcRect l="16208" t="46444" r="55636" b="39332"/>
+              <a:stretch/>
+            </p:blipFill>
+            <p:spPr>
               <a:xfrm>
-                <a:off x="1692215" y="1610078"/>
-                <a:ext cx="8575143" cy="4039771"/>
-                <a:chOff x="1696796" y="869277"/>
-                <a:chExt cx="8575143" cy="4039771"/>
+                <a:off x="1692215" y="4062575"/>
+                <a:ext cx="8575143" cy="1587274"/>
               </a:xfrm>
-            </p:grpSpPr>
-            <p:pic>
-              <p:nvPicPr>
-                <p:cNvPr id="25" name="Grafik 24"/>
-                <p:cNvPicPr>
-                  <a:picLocks noChangeAspect="1"/>
-                </p:cNvPicPr>
-                <p:nvPr/>
-              </p:nvPicPr>
-              <p:blipFill rotWithShape="1">
-                <a:blip r:embed="rId2"/>
-                <a:srcRect l="16208" t="46444" r="55636" b="39332"/>
-                <a:stretch/>
-              </p:blipFill>
-              <p:spPr>
-                <a:xfrm>
-                  <a:off x="1696796" y="3321774"/>
-                  <a:ext cx="8575143" cy="1587274"/>
-                </a:xfrm>
-                <a:prstGeom prst="rect">
-                  <a:avLst/>
-                </a:prstGeom>
-              </p:spPr>
-            </p:pic>
-            <p:cxnSp>
-              <p:nvCxnSpPr>
-                <p:cNvPr id="9" name="Gerade Verbindung mit Pfeil 8"/>
-                <p:cNvCxnSpPr/>
-                <p:nvPr/>
-              </p:nvCxnSpPr>
-              <p:spPr>
-                <a:xfrm flipH="1">
-                  <a:off x="2594784" y="869277"/>
-                  <a:ext cx="3480453" cy="2714206"/>
-                </a:xfrm>
-                <a:prstGeom prst="straightConnector1">
-                  <a:avLst/>
-                </a:prstGeom>
-                <a:ln w="38100">
-                  <a:solidFill>
-                    <a:schemeClr val="bg1"/>
-                  </a:solidFill>
-                  <a:prstDash val="dash"/>
-                  <a:tailEnd type="triangle"/>
-                </a:ln>
-              </p:spPr>
-              <p:style>
-                <a:lnRef idx="1">
-                  <a:schemeClr val="accent1"/>
-                </a:lnRef>
-                <a:fillRef idx="0">
-                  <a:schemeClr val="accent1"/>
-                </a:fillRef>
-                <a:effectRef idx="0">
-                  <a:schemeClr val="accent1"/>
-                </a:effectRef>
-                <a:fontRef idx="minor">
-                  <a:schemeClr val="tx1"/>
-                </a:fontRef>
-              </p:style>
-            </p:cxnSp>
-          </p:grpSp>
+              <a:prstGeom prst="rect">
+                <a:avLst/>
+              </a:prstGeom>
+            </p:spPr>
+          </p:pic>
           <p:sp>
             <p:nvSpPr>
               <p:cNvPr id="10" name="Textfeld 9"/>
@@ -4279,7 +4143,7 @@
             <p:spPr>
               <a:xfrm>
                 <a:off x="2139035" y="406694"/>
-                <a:ext cx="8128323" cy="2162293"/>
+                <a:ext cx="8128323" cy="2574056"/>
               </a:xfrm>
               <a:prstGeom prst="rect">
                 <a:avLst/>
@@ -4298,7 +4162,7 @@
                   </a:lnSpc>
                 </a:pPr>
                 <a:r>
-                  <a:rPr lang="de-DE" sz="2400" dirty="0">
+                  <a:rPr lang="de-DE" sz="2800" dirty="0">
                     <a:solidFill>
                       <a:schemeClr val="bg1"/>
                     </a:solidFill>
@@ -4306,7 +4170,7 @@
                   <a:t>Das bedeutet, wenn ein </a:t>
                 </a:r>
                 <a:r>
-                  <a:rPr lang="de-DE" sz="2400" dirty="0" smtClean="0">
+                  <a:rPr lang="de-DE" sz="2800" dirty="0" smtClean="0">
                     <a:solidFill>
                       <a:schemeClr val="bg1"/>
                     </a:solidFill>
@@ -4314,21 +4178,22 @@
                   <a:t>Reiz </a:t>
                 </a:r>
                 <a:r>
-                  <a:rPr lang="de-DE" sz="2400" dirty="0">
+                  <a:rPr lang="de-DE" sz="2800" dirty="0">
                     <a:solidFill>
                       <a:schemeClr val="bg1"/>
                     </a:solidFill>
                   </a:rPr>
-                  <a:t>UNTERHALB Ihrer Schmerschwelle ist, positionieren Sie den Cursor ganz LINKS auf der Skala.</a:t>
+                  <a:t>UNTERHALB Ihrer Schmerschwelle ist, positionieren Sie den Cursor ganz LINKS auf der Skala</a:t>
                 </a:r>
-              </a:p>
-              <a:p>
-                <a:pPr algn="ctr">
-                  <a:lnSpc>
-                    <a:spcPct val="150000"/>
-                  </a:lnSpc>
-                </a:pPr>
-                <a:endParaRPr lang="de-DE" sz="2000" dirty="0">
+                <a:r>
+                  <a:rPr lang="de-DE" sz="2800" dirty="0" smtClean="0">
+                    <a:solidFill>
+                      <a:schemeClr val="bg1"/>
+                    </a:solidFill>
+                  </a:rPr>
+                  <a:t>.</a:t>
+                </a:r>
+                <a:endParaRPr lang="de-DE" sz="2400" dirty="0">
                   <a:solidFill>
                     <a:schemeClr val="bg1"/>
                   </a:solidFill>
@@ -4340,7 +4205,7 @@
                     <a:spcPct val="150000"/>
                   </a:lnSpc>
                 </a:pPr>
-                <a:endParaRPr lang="de-DE" sz="2000" dirty="0">
+                <a:endParaRPr lang="de-DE" sz="2400" dirty="0">
                   <a:solidFill>
                     <a:schemeClr val="bg1"/>
                   </a:solidFill>
@@ -4442,6 +4307,89 @@
         <p:spPr>
           <a:xfrm>
             <a:off x="7909300" y="4526541"/>
+            <a:ext cx="2978258" cy="830997"/>
+          </a:xfrm>
+          <a:prstGeom prst="rect">
+            <a:avLst/>
+          </a:prstGeom>
+          <a:solidFill>
+            <a:srgbClr val="464646"/>
+          </a:solidFill>
+        </p:spPr>
+        <p:txBody>
+          <a:bodyPr wrap="square" rtlCol="0">
+            <a:spAutoFit/>
+          </a:bodyPr>
+          <a:lstStyle/>
+          <a:p>
+            <a:pPr algn="ctr"/>
+            <a:r>
+              <a:rPr lang="de-DE" sz="2400" dirty="0">
+                <a:solidFill>
+                  <a:schemeClr val="bg1"/>
+                </a:solidFill>
+              </a:rPr>
+              <a:t>k</a:t>
+            </a:r>
+            <a:r>
+              <a:rPr lang="de-DE" sz="2400" dirty="0" smtClean="0">
+                <a:solidFill>
+                  <a:schemeClr val="bg1"/>
+                </a:solidFill>
+              </a:rPr>
+              <a:t>aum aushaltbarer</a:t>
+            </a:r>
+          </a:p>
+          <a:p>
+            <a:pPr algn="ctr"/>
+            <a:r>
+              <a:rPr lang="de-DE" sz="2400" dirty="0" smtClean="0">
+                <a:solidFill>
+                  <a:schemeClr val="bg1"/>
+                </a:solidFill>
+              </a:rPr>
+              <a:t>Schmerz</a:t>
+            </a:r>
+            <a:endParaRPr lang="de-DE" sz="2400" dirty="0">
+              <a:solidFill>
+                <a:schemeClr val="bg1"/>
+              </a:solidFill>
+            </a:endParaRPr>
+          </a:p>
+        </p:txBody>
+      </p:sp>
+      <p:pic>
+        <p:nvPicPr>
+          <p:cNvPr id="12" name="Grafik 11"/>
+          <p:cNvPicPr>
+            <a:picLocks noChangeAspect="1"/>
+          </p:cNvPicPr>
+          <p:nvPr/>
+        </p:nvPicPr>
+        <p:blipFill rotWithShape="1">
+          <a:blip r:embed="rId3"/>
+          <a:srcRect l="10805" t="50756" r="51123" b="36210"/>
+          <a:stretch/>
+        </p:blipFill>
+        <p:spPr>
+          <a:xfrm>
+            <a:off x="1668914" y="5775684"/>
+            <a:ext cx="8849524" cy="1110025"/>
+          </a:xfrm>
+          <a:prstGeom prst="rect">
+            <a:avLst/>
+          </a:prstGeom>
+        </p:spPr>
+      </p:pic>
+      <p:sp>
+        <p:nvSpPr>
+          <p:cNvPr id="17" name="Textfeld 16"/>
+          <p:cNvSpPr txBox="1"/>
+          <p:nvPr/>
+        </p:nvSpPr>
+        <p:spPr>
+          <a:xfrm>
+            <a:off x="7909300" y="4554250"/>
             <a:ext cx="2978258" cy="830997"/>
           </a:xfrm>
           <a:prstGeom prst="rect">
@@ -4794,7 +4742,7 @@
             <p:spPr>
               <a:xfrm>
                 <a:off x="2139035" y="406694"/>
-                <a:ext cx="8128323" cy="1163866"/>
+                <a:ext cx="8128323" cy="1342162"/>
               </a:xfrm>
               <a:prstGeom prst="rect">
                 <a:avLst/>
@@ -4813,23 +4761,15 @@
                   </a:lnSpc>
                 </a:pPr>
                 <a:r>
-                  <a:rPr lang="de-DE" sz="2400" dirty="0" smtClean="0">
+                  <a:rPr lang="de-DE" sz="2800" dirty="0" smtClean="0">
                     <a:solidFill>
                       <a:schemeClr val="bg1"/>
                     </a:solidFill>
                   </a:rPr>
-                  <a:t>Sobald </a:t>
+                  <a:t>Sobald ein Reiz </a:t>
                 </a:r>
                 <a:r>
-                  <a:rPr lang="de-DE" sz="2400" dirty="0" smtClean="0">
-                    <a:solidFill>
-                      <a:schemeClr val="bg1"/>
-                    </a:solidFill>
-                  </a:rPr>
-                  <a:t>ein Reiz </a:t>
-                </a:r>
-                <a:r>
-                  <a:rPr lang="de-DE" sz="2400" dirty="0" smtClean="0">
+                  <a:rPr lang="de-DE" sz="2800" dirty="0" smtClean="0">
                     <a:solidFill>
                       <a:srgbClr val="FF0000"/>
                     </a:solidFill>
@@ -4837,7 +4777,7 @@
                   <a:t>SCHMERZHAFT</a:t>
                 </a:r>
                 <a:r>
-                  <a:rPr lang="de-DE" sz="2400" dirty="0" smtClean="0">
+                  <a:rPr lang="de-DE" sz="2800" dirty="0" smtClean="0">
                     <a:solidFill>
                       <a:schemeClr val="bg1"/>
                     </a:solidFill>
@@ -32684,6 +32624,126 @@
           </a:prstGeom>
         </p:spPr>
       </p:pic>
+      <p:sp>
+        <p:nvSpPr>
+          <p:cNvPr id="4" name="Textfeld 3"/>
+          <p:cNvSpPr txBox="1"/>
+          <p:nvPr/>
+        </p:nvSpPr>
+        <p:spPr>
+          <a:xfrm>
+            <a:off x="7844646" y="4027777"/>
+            <a:ext cx="2978258" cy="830997"/>
+          </a:xfrm>
+          <a:prstGeom prst="rect">
+            <a:avLst/>
+          </a:prstGeom>
+          <a:solidFill>
+            <a:srgbClr val="464646"/>
+          </a:solidFill>
+        </p:spPr>
+        <p:txBody>
+          <a:bodyPr wrap="square" rtlCol="0">
+            <a:spAutoFit/>
+          </a:bodyPr>
+          <a:lstStyle/>
+          <a:p>
+            <a:pPr algn="ctr"/>
+            <a:r>
+              <a:rPr lang="de-DE" sz="2400" dirty="0">
+                <a:solidFill>
+                  <a:schemeClr val="bg1"/>
+                </a:solidFill>
+              </a:rPr>
+              <a:t>k</a:t>
+            </a:r>
+            <a:r>
+              <a:rPr lang="de-DE" sz="2400" dirty="0" smtClean="0">
+                <a:solidFill>
+                  <a:schemeClr val="bg1"/>
+                </a:solidFill>
+              </a:rPr>
+              <a:t>aum aushaltbarer</a:t>
+            </a:r>
+          </a:p>
+          <a:p>
+            <a:pPr algn="ctr"/>
+            <a:r>
+              <a:rPr lang="de-DE" sz="2400" dirty="0" smtClean="0">
+                <a:solidFill>
+                  <a:schemeClr val="bg1"/>
+                </a:solidFill>
+              </a:rPr>
+              <a:t>Schmerz</a:t>
+            </a:r>
+            <a:endParaRPr lang="de-DE" sz="2400" dirty="0">
+              <a:solidFill>
+                <a:schemeClr val="bg1"/>
+              </a:solidFill>
+            </a:endParaRPr>
+          </a:p>
+        </p:txBody>
+      </p:sp>
+      <p:sp>
+        <p:nvSpPr>
+          <p:cNvPr id="5" name="Textfeld 4"/>
+          <p:cNvSpPr txBox="1"/>
+          <p:nvPr/>
+        </p:nvSpPr>
+        <p:spPr>
+          <a:xfrm>
+            <a:off x="1697666" y="4027777"/>
+            <a:ext cx="1970547" cy="830997"/>
+          </a:xfrm>
+          <a:prstGeom prst="rect">
+            <a:avLst/>
+          </a:prstGeom>
+          <a:solidFill>
+            <a:srgbClr val="464646"/>
+          </a:solidFill>
+        </p:spPr>
+        <p:txBody>
+          <a:bodyPr wrap="square" rtlCol="0">
+            <a:spAutoFit/>
+          </a:bodyPr>
+          <a:lstStyle/>
+          <a:p>
+            <a:pPr algn="ctr"/>
+            <a:r>
+              <a:rPr lang="de-DE" sz="2400" dirty="0">
+                <a:solidFill>
+                  <a:schemeClr val="bg1"/>
+                </a:solidFill>
+              </a:rPr>
+              <a:t>m</a:t>
+            </a:r>
+            <a:r>
+              <a:rPr lang="de-DE" sz="2400" dirty="0" smtClean="0">
+                <a:solidFill>
+                  <a:schemeClr val="bg1"/>
+                </a:solidFill>
+              </a:rPr>
+              <a:t>inimaler</a:t>
+            </a:r>
+          </a:p>
+          <a:p>
+            <a:pPr algn="ctr"/>
+            <a:r>
+              <a:rPr lang="de-DE" sz="2400" dirty="0" smtClean="0">
+                <a:solidFill>
+                  <a:schemeClr val="bg1"/>
+                </a:solidFill>
+              </a:rPr>
+              <a:t>Schmerz</a:t>
+            </a:r>
+            <a:endParaRPr lang="de-DE" sz="2400" dirty="0">
+              <a:solidFill>
+                <a:schemeClr val="bg1"/>
+              </a:solidFill>
+            </a:endParaRPr>
+          </a:p>
+        </p:txBody>
+      </p:sp>
     </p:spTree>
     <p:extLst>
       <p:ext uri="{BB962C8B-B14F-4D97-AF65-F5344CB8AC3E}">
